--- a/04-Poloha/01_Pro_ucitele/Prezentace/41-akcelerometr.pptx
+++ b/04-Poloha/01_Pro_ucitele/Prezentace/41-akcelerometr.pptx
@@ -1,124 +1,25 @@
 
 <file path=ppt/presentation.xml><?xml version="1.0" encoding="utf-8"?>
-<p:presentation xmlns:a="http://schemas.openxmlformats.org/drawingml/2006/main" xmlns:r="http://schemas.openxmlformats.org/officeDocument/2006/relationships" xmlns:p="http://schemas.openxmlformats.org/presentationml/2006/main">
+<p:presentation xmlns:a="http://schemas.openxmlformats.org/drawingml/2006/main" xmlns:p="http://schemas.openxmlformats.org/presentationml/2006/main" xmlns:r="http://schemas.openxmlformats.org/officeDocument/2006/relationships" xmlns:p14="http://schemas.microsoft.com/office/powerpoint/2010/main" xmlns:p15="http://schemas.microsoft.com/office/powerpoint/2012/main" xmlns:mc="http://schemas.openxmlformats.org/markup-compatibility/2006">
   <p:sldMasterIdLst>
-    <p:sldMasterId id="2147483648" r:id="rId1"/>
-    <p:sldMasterId id="2147483674" r:id="rId2"/>
+    <p:sldMasterId id="2147483648" r:id="rId2"/>
+    <p:sldMasterId id="2147483661" r:id="rId3"/>
+    <p:sldMasterId id="2147483674" r:id="rId4"/>
   </p:sldMasterIdLst>
   <p:sldIdLst>
-    <p:sldId id="256" r:id="rId3"/>
-    <p:sldId id="258" r:id="rId4"/>
-    <p:sldId id="259" r:id="rId5"/>
-    <p:sldId id="261" r:id="rId6"/>
-    <p:sldId id="260" r:id="rId7"/>
+    <p:sldId id="256" r:id="rId5"/>
+    <p:sldId id="257" r:id="rId6"/>
+    <p:sldId id="258" r:id="rId7"/>
+    <p:sldId id="259" r:id="rId8"/>
+    <p:sldId id="260" r:id="rId9"/>
   </p:sldIdLst>
   <p:sldSz cx="10080625" cy="7559675"/>
-  <p:notesSz cx="7559675" cy="10691813"/>
-  <p:defaultTextStyle>
-    <a:defPPr>
-      <a:defRPr lang="cs-CZ"/>
-    </a:defPPr>
-    <a:lvl1pPr marL="0" algn="l" defTabSz="914400" rtl="0" eaLnBrk="1" latinLnBrk="0" hangingPunct="1">
-      <a:defRPr sz="1800" kern="1200">
-        <a:solidFill>
-          <a:schemeClr val="tx1"/>
-        </a:solidFill>
-        <a:latin typeface="+mn-lt"/>
-        <a:ea typeface="+mn-ea"/>
-        <a:cs typeface="+mn-cs"/>
-      </a:defRPr>
-    </a:lvl1pPr>
-    <a:lvl2pPr marL="457200" algn="l" defTabSz="914400" rtl="0" eaLnBrk="1" latinLnBrk="0" hangingPunct="1">
-      <a:defRPr sz="1800" kern="1200">
-        <a:solidFill>
-          <a:schemeClr val="tx1"/>
-        </a:solidFill>
-        <a:latin typeface="+mn-lt"/>
-        <a:ea typeface="+mn-ea"/>
-        <a:cs typeface="+mn-cs"/>
-      </a:defRPr>
-    </a:lvl2pPr>
-    <a:lvl3pPr marL="914400" algn="l" defTabSz="914400" rtl="0" eaLnBrk="1" latinLnBrk="0" hangingPunct="1">
-      <a:defRPr sz="1800" kern="1200">
-        <a:solidFill>
-          <a:schemeClr val="tx1"/>
-        </a:solidFill>
-        <a:latin typeface="+mn-lt"/>
-        <a:ea typeface="+mn-ea"/>
-        <a:cs typeface="+mn-cs"/>
-      </a:defRPr>
-    </a:lvl3pPr>
-    <a:lvl4pPr marL="1371600" algn="l" defTabSz="914400" rtl="0" eaLnBrk="1" latinLnBrk="0" hangingPunct="1">
-      <a:defRPr sz="1800" kern="1200">
-        <a:solidFill>
-          <a:schemeClr val="tx1"/>
-        </a:solidFill>
-        <a:latin typeface="+mn-lt"/>
-        <a:ea typeface="+mn-ea"/>
-        <a:cs typeface="+mn-cs"/>
-      </a:defRPr>
-    </a:lvl4pPr>
-    <a:lvl5pPr marL="1828800" algn="l" defTabSz="914400" rtl="0" eaLnBrk="1" latinLnBrk="0" hangingPunct="1">
-      <a:defRPr sz="1800" kern="1200">
-        <a:solidFill>
-          <a:schemeClr val="tx1"/>
-        </a:solidFill>
-        <a:latin typeface="+mn-lt"/>
-        <a:ea typeface="+mn-ea"/>
-        <a:cs typeface="+mn-cs"/>
-      </a:defRPr>
-    </a:lvl5pPr>
-    <a:lvl6pPr marL="2286000" algn="l" defTabSz="914400" rtl="0" eaLnBrk="1" latinLnBrk="0" hangingPunct="1">
-      <a:defRPr sz="1800" kern="1200">
-        <a:solidFill>
-          <a:schemeClr val="tx1"/>
-        </a:solidFill>
-        <a:latin typeface="+mn-lt"/>
-        <a:ea typeface="+mn-ea"/>
-        <a:cs typeface="+mn-cs"/>
-      </a:defRPr>
-    </a:lvl6pPr>
-    <a:lvl7pPr marL="2743200" algn="l" defTabSz="914400" rtl="0" eaLnBrk="1" latinLnBrk="0" hangingPunct="1">
-      <a:defRPr sz="1800" kern="1200">
-        <a:solidFill>
-          <a:schemeClr val="tx1"/>
-        </a:solidFill>
-        <a:latin typeface="+mn-lt"/>
-        <a:ea typeface="+mn-ea"/>
-        <a:cs typeface="+mn-cs"/>
-      </a:defRPr>
-    </a:lvl7pPr>
-    <a:lvl8pPr marL="3200400" algn="l" defTabSz="914400" rtl="0" eaLnBrk="1" latinLnBrk="0" hangingPunct="1">
-      <a:defRPr sz="1800" kern="1200">
-        <a:solidFill>
-          <a:schemeClr val="tx1"/>
-        </a:solidFill>
-        <a:latin typeface="+mn-lt"/>
-        <a:ea typeface="+mn-ea"/>
-        <a:cs typeface="+mn-cs"/>
-      </a:defRPr>
-    </a:lvl8pPr>
-    <a:lvl9pPr marL="3657600" algn="l" defTabSz="914400" rtl="0" eaLnBrk="1" latinLnBrk="0" hangingPunct="1">
-      <a:defRPr sz="1800" kern="1200">
-        <a:solidFill>
-          <a:schemeClr val="tx1"/>
-        </a:solidFill>
-        <a:latin typeface="+mn-lt"/>
-        <a:ea typeface="+mn-ea"/>
-        <a:cs typeface="+mn-cs"/>
-      </a:defRPr>
-    </a:lvl9pPr>
-  </p:defaultTextStyle>
-  <p:extLst>
-    <p:ext uri="{EFAFB233-063F-42B5-8137-9DF3F51BA10A}">
-      <p15:sldGuideLst xmlns:p15="http://schemas.microsoft.com/office/powerpoint/2012/main"/>
-    </p:ext>
-  </p:extLst>
+  <p:notesSz cx="7559675" cy="10691812"/>
 </p:presentation>
 </file>
 
 <file path=ppt/slideLayouts/slideLayout1.xml><?xml version="1.0" encoding="utf-8"?>
-<p:sldLayout xmlns:a="http://schemas.openxmlformats.org/drawingml/2006/main" xmlns:r="http://schemas.openxmlformats.org/officeDocument/2006/relationships" xmlns:p="http://schemas.openxmlformats.org/presentationml/2006/main" type="blank" preserve="1">
+<p:sldLayout xmlns:a="http://schemas.openxmlformats.org/drawingml/2006/main" xmlns:p="http://schemas.openxmlformats.org/presentationml/2006/main" xmlns:r="http://schemas.openxmlformats.org/officeDocument/2006/relationships" xmlns:p14="http://schemas.microsoft.com/office/powerpoint/2010/main" xmlns:p15="http://schemas.microsoft.com/office/powerpoint/2012/main" xmlns:mc="http://schemas.openxmlformats.org/markup-compatibility/2006" type="blank" preserve="1">
   <p:cSld name="Blank Slide">
     <p:spTree>
       <p:nvGrpSpPr>
@@ -136,14 +37,11 @@
       </p:grpSpPr>
     </p:spTree>
   </p:cSld>
-  <p:clrMapOvr>
-    <a:masterClrMapping/>
-  </p:clrMapOvr>
 </p:sldLayout>
 </file>
 
 <file path=ppt/slideLayouts/slideLayout10.xml><?xml version="1.0" encoding="utf-8"?>
-<p:sldLayout xmlns:a="http://schemas.openxmlformats.org/drawingml/2006/main" xmlns:r="http://schemas.openxmlformats.org/officeDocument/2006/relationships" xmlns:p="http://schemas.openxmlformats.org/presentationml/2006/main" type="objOverTx" preserve="1">
+<p:sldLayout xmlns:a="http://schemas.openxmlformats.org/drawingml/2006/main" xmlns:p="http://schemas.openxmlformats.org/presentationml/2006/main" xmlns:r="http://schemas.openxmlformats.org/officeDocument/2006/relationships" xmlns:p14="http://schemas.microsoft.com/office/powerpoint/2010/main" xmlns:p15="http://schemas.microsoft.com/office/powerpoint/2012/main" xmlns:mc="http://schemas.openxmlformats.org/markup-compatibility/2006" type="objOverTx" preserve="1">
   <p:cSld name="Title, Content over Content">
     <p:spTree>
       <p:nvGrpSpPr>
@@ -179,11 +77,12 @@
           </a:prstGeom>
         </p:spPr>
         <p:txBody>
-          <a:bodyPr lIns="0" tIns="0" rIns="0" bIns="0" anchor="ctr"/>
-          <a:lstStyle/>
-          <a:p>
-            <a:pPr algn="ctr"/>
-            <a:endParaRPr lang="cs-CZ" sz="4400" b="0" strike="noStrike" spc="-1">
+          <a:bodyPr lIns="0" rIns="0" tIns="0" bIns="0" anchor="ctr"/>
+          <a:p>
+            <a:endParaRPr b="0" lang="cs-CZ" sz="1800" spc="-1" strike="noStrike">
+              <a:solidFill>
+                <a:srgbClr val="000000"/>
+              </a:solidFill>
               <a:latin typeface="Arial"/>
             </a:endParaRPr>
           </a:p>
@@ -209,12 +108,14 @@
           </a:prstGeom>
         </p:spPr>
         <p:txBody>
-          <a:bodyPr lIns="0" tIns="0" rIns="0" bIns="0">
+          <a:bodyPr lIns="0" rIns="0" tIns="0" bIns="0">
             <a:normAutofit/>
           </a:bodyPr>
-          <a:lstStyle/>
-          <a:p>
-            <a:endParaRPr lang="cs-CZ" sz="3200" b="0" strike="noStrike" spc="-1">
+          <a:p>
+            <a:endParaRPr b="0" lang="cs-CZ" sz="2800" spc="-1" strike="noStrike">
+              <a:solidFill>
+                <a:srgbClr val="000000"/>
+              </a:solidFill>
               <a:latin typeface="Arial"/>
             </a:endParaRPr>
           </a:p>
@@ -240,12 +141,14 @@
           </a:prstGeom>
         </p:spPr>
         <p:txBody>
-          <a:bodyPr lIns="0" tIns="0" rIns="0" bIns="0">
+          <a:bodyPr lIns="0" rIns="0" tIns="0" bIns="0">
             <a:normAutofit/>
           </a:bodyPr>
-          <a:lstStyle/>
-          <a:p>
-            <a:endParaRPr lang="cs-CZ" sz="3200" b="0" strike="noStrike" spc="-1">
+          <a:p>
+            <a:endParaRPr b="0" lang="cs-CZ" sz="2800" spc="-1" strike="noStrike">
+              <a:solidFill>
+                <a:srgbClr val="000000"/>
+              </a:solidFill>
               <a:latin typeface="Arial"/>
             </a:endParaRPr>
           </a:p>
@@ -253,14 +156,11 @@
       </p:sp>
     </p:spTree>
   </p:cSld>
-  <p:clrMapOvr>
-    <a:masterClrMapping/>
-  </p:clrMapOvr>
 </p:sldLayout>
 </file>
 
 <file path=ppt/slideLayouts/slideLayout11.xml><?xml version="1.0" encoding="utf-8"?>
-<p:sldLayout xmlns:a="http://schemas.openxmlformats.org/drawingml/2006/main" xmlns:r="http://schemas.openxmlformats.org/officeDocument/2006/relationships" xmlns:p="http://schemas.openxmlformats.org/presentationml/2006/main" type="fourObj" preserve="1">
+<p:sldLayout xmlns:a="http://schemas.openxmlformats.org/drawingml/2006/main" xmlns:p="http://schemas.openxmlformats.org/presentationml/2006/main" xmlns:r="http://schemas.openxmlformats.org/officeDocument/2006/relationships" xmlns:p14="http://schemas.microsoft.com/office/powerpoint/2010/main" xmlns:p15="http://schemas.microsoft.com/office/powerpoint/2012/main" xmlns:mc="http://schemas.openxmlformats.org/markup-compatibility/2006" type="fourObj" preserve="1">
   <p:cSld name="Title, 4 Content">
     <p:spTree>
       <p:nvGrpSpPr>
@@ -296,11 +196,12 @@
           </a:prstGeom>
         </p:spPr>
         <p:txBody>
-          <a:bodyPr lIns="0" tIns="0" rIns="0" bIns="0" anchor="ctr"/>
-          <a:lstStyle/>
-          <a:p>
-            <a:pPr algn="ctr"/>
-            <a:endParaRPr lang="cs-CZ" sz="4400" b="0" strike="noStrike" spc="-1">
+          <a:bodyPr lIns="0" rIns="0" tIns="0" bIns="0" anchor="ctr"/>
+          <a:p>
+            <a:endParaRPr b="0" lang="cs-CZ" sz="1800" spc="-1" strike="noStrike">
+              <a:solidFill>
+                <a:srgbClr val="000000"/>
+              </a:solidFill>
               <a:latin typeface="Arial"/>
             </a:endParaRPr>
           </a:p>
@@ -326,12 +227,14 @@
           </a:prstGeom>
         </p:spPr>
         <p:txBody>
-          <a:bodyPr lIns="0" tIns="0" rIns="0" bIns="0">
+          <a:bodyPr lIns="0" rIns="0" tIns="0" bIns="0">
             <a:normAutofit/>
           </a:bodyPr>
-          <a:lstStyle/>
-          <a:p>
-            <a:endParaRPr lang="cs-CZ" sz="3200" b="0" strike="noStrike" spc="-1">
+          <a:p>
+            <a:endParaRPr b="0" lang="cs-CZ" sz="2800" spc="-1" strike="noStrike">
+              <a:solidFill>
+                <a:srgbClr val="000000"/>
+              </a:solidFill>
               <a:latin typeface="Arial"/>
             </a:endParaRPr>
           </a:p>
@@ -357,12 +260,14 @@
           </a:prstGeom>
         </p:spPr>
         <p:txBody>
-          <a:bodyPr lIns="0" tIns="0" rIns="0" bIns="0">
+          <a:bodyPr lIns="0" rIns="0" tIns="0" bIns="0">
             <a:normAutofit/>
           </a:bodyPr>
-          <a:lstStyle/>
-          <a:p>
-            <a:endParaRPr lang="cs-CZ" sz="3200" b="0" strike="noStrike" spc="-1">
+          <a:p>
+            <a:endParaRPr b="0" lang="cs-CZ" sz="2800" spc="-1" strike="noStrike">
+              <a:solidFill>
+                <a:srgbClr val="000000"/>
+              </a:solidFill>
               <a:latin typeface="Arial"/>
             </a:endParaRPr>
           </a:p>
@@ -388,12 +293,14 @@
           </a:prstGeom>
         </p:spPr>
         <p:txBody>
-          <a:bodyPr lIns="0" tIns="0" rIns="0" bIns="0">
+          <a:bodyPr lIns="0" rIns="0" tIns="0" bIns="0">
             <a:normAutofit/>
           </a:bodyPr>
-          <a:lstStyle/>
-          <a:p>
-            <a:endParaRPr lang="cs-CZ" sz="3200" b="0" strike="noStrike" spc="-1">
+          <a:p>
+            <a:endParaRPr b="0" lang="cs-CZ" sz="2800" spc="-1" strike="noStrike">
+              <a:solidFill>
+                <a:srgbClr val="000000"/>
+              </a:solidFill>
               <a:latin typeface="Arial"/>
             </a:endParaRPr>
           </a:p>
@@ -419,12 +326,14 @@
           </a:prstGeom>
         </p:spPr>
         <p:txBody>
-          <a:bodyPr lIns="0" tIns="0" rIns="0" bIns="0">
+          <a:bodyPr lIns="0" rIns="0" tIns="0" bIns="0">
             <a:normAutofit/>
           </a:bodyPr>
-          <a:lstStyle/>
-          <a:p>
-            <a:endParaRPr lang="cs-CZ" sz="3200" b="0" strike="noStrike" spc="-1">
+          <a:p>
+            <a:endParaRPr b="0" lang="cs-CZ" sz="2800" spc="-1" strike="noStrike">
+              <a:solidFill>
+                <a:srgbClr val="000000"/>
+              </a:solidFill>
               <a:latin typeface="Arial"/>
             </a:endParaRPr>
           </a:p>
@@ -432,14 +341,11 @@
       </p:sp>
     </p:spTree>
   </p:cSld>
-  <p:clrMapOvr>
-    <a:masterClrMapping/>
-  </p:clrMapOvr>
 </p:sldLayout>
 </file>
 
 <file path=ppt/slideLayouts/slideLayout12.xml><?xml version="1.0" encoding="utf-8"?>
-<p:sldLayout xmlns:a="http://schemas.openxmlformats.org/drawingml/2006/main" xmlns:r="http://schemas.openxmlformats.org/officeDocument/2006/relationships" xmlns:p="http://schemas.openxmlformats.org/presentationml/2006/main" type="blank" preserve="1">
+<p:sldLayout xmlns:a="http://schemas.openxmlformats.org/drawingml/2006/main" xmlns:p="http://schemas.openxmlformats.org/presentationml/2006/main" xmlns:r="http://schemas.openxmlformats.org/officeDocument/2006/relationships" xmlns:p14="http://schemas.microsoft.com/office/powerpoint/2010/main" xmlns:p15="http://schemas.microsoft.com/office/powerpoint/2012/main" xmlns:mc="http://schemas.openxmlformats.org/markup-compatibility/2006" type="blank" preserve="1">
   <p:cSld name="Title, 6 Content">
     <p:spTree>
       <p:nvGrpSpPr>
@@ -475,11 +381,12 @@
           </a:prstGeom>
         </p:spPr>
         <p:txBody>
-          <a:bodyPr lIns="0" tIns="0" rIns="0" bIns="0" anchor="ctr"/>
-          <a:lstStyle/>
-          <a:p>
-            <a:pPr algn="ctr"/>
-            <a:endParaRPr lang="cs-CZ" sz="4400" b="0" strike="noStrike" spc="-1">
+          <a:bodyPr lIns="0" rIns="0" tIns="0" bIns="0" anchor="ctr"/>
+          <a:p>
+            <a:endParaRPr b="0" lang="cs-CZ" sz="1800" spc="-1" strike="noStrike">
+              <a:solidFill>
+                <a:srgbClr val="000000"/>
+              </a:solidFill>
               <a:latin typeface="Arial"/>
             </a:endParaRPr>
           </a:p>
@@ -505,12 +412,14 @@
           </a:prstGeom>
         </p:spPr>
         <p:txBody>
-          <a:bodyPr lIns="0" tIns="0" rIns="0" bIns="0">
+          <a:bodyPr lIns="0" rIns="0" tIns="0" bIns="0">
             <a:normAutofit/>
           </a:bodyPr>
-          <a:lstStyle/>
-          <a:p>
-            <a:endParaRPr lang="cs-CZ" sz="3200" b="0" strike="noStrike" spc="-1">
+          <a:p>
+            <a:endParaRPr b="0" lang="cs-CZ" sz="2800" spc="-1" strike="noStrike">
+              <a:solidFill>
+                <a:srgbClr val="000000"/>
+              </a:solidFill>
               <a:latin typeface="Arial"/>
             </a:endParaRPr>
           </a:p>
@@ -536,12 +445,14 @@
           </a:prstGeom>
         </p:spPr>
         <p:txBody>
-          <a:bodyPr lIns="0" tIns="0" rIns="0" bIns="0">
+          <a:bodyPr lIns="0" rIns="0" tIns="0" bIns="0">
             <a:normAutofit/>
           </a:bodyPr>
-          <a:lstStyle/>
-          <a:p>
-            <a:endParaRPr lang="cs-CZ" sz="3200" b="0" strike="noStrike" spc="-1">
+          <a:p>
+            <a:endParaRPr b="0" lang="cs-CZ" sz="2800" spc="-1" strike="noStrike">
+              <a:solidFill>
+                <a:srgbClr val="000000"/>
+              </a:solidFill>
               <a:latin typeface="Arial"/>
             </a:endParaRPr>
           </a:p>
@@ -567,12 +478,14 @@
           </a:prstGeom>
         </p:spPr>
         <p:txBody>
-          <a:bodyPr lIns="0" tIns="0" rIns="0" bIns="0">
+          <a:bodyPr lIns="0" rIns="0" tIns="0" bIns="0">
             <a:normAutofit/>
           </a:bodyPr>
-          <a:lstStyle/>
-          <a:p>
-            <a:endParaRPr lang="cs-CZ" sz="3200" b="0" strike="noStrike" spc="-1">
+          <a:p>
+            <a:endParaRPr b="0" lang="cs-CZ" sz="2800" spc="-1" strike="noStrike">
+              <a:solidFill>
+                <a:srgbClr val="000000"/>
+              </a:solidFill>
               <a:latin typeface="Arial"/>
             </a:endParaRPr>
           </a:p>
@@ -598,12 +511,14 @@
           </a:prstGeom>
         </p:spPr>
         <p:txBody>
-          <a:bodyPr lIns="0" tIns="0" rIns="0" bIns="0">
+          <a:bodyPr lIns="0" rIns="0" tIns="0" bIns="0">
             <a:normAutofit/>
           </a:bodyPr>
-          <a:lstStyle/>
-          <a:p>
-            <a:endParaRPr lang="cs-CZ" sz="3200" b="0" strike="noStrike" spc="-1">
+          <a:p>
+            <a:endParaRPr b="0" lang="cs-CZ" sz="2800" spc="-1" strike="noStrike">
+              <a:solidFill>
+                <a:srgbClr val="000000"/>
+              </a:solidFill>
               <a:latin typeface="Arial"/>
             </a:endParaRPr>
           </a:p>
@@ -629,12 +544,14 @@
           </a:prstGeom>
         </p:spPr>
         <p:txBody>
-          <a:bodyPr lIns="0" tIns="0" rIns="0" bIns="0">
+          <a:bodyPr lIns="0" rIns="0" tIns="0" bIns="0">
             <a:normAutofit/>
           </a:bodyPr>
-          <a:lstStyle/>
-          <a:p>
-            <a:endParaRPr lang="cs-CZ" sz="3200" b="0" strike="noStrike" spc="-1">
+          <a:p>
+            <a:endParaRPr b="0" lang="cs-CZ" sz="2800" spc="-1" strike="noStrike">
+              <a:solidFill>
+                <a:srgbClr val="000000"/>
+              </a:solidFill>
               <a:latin typeface="Arial"/>
             </a:endParaRPr>
           </a:p>
@@ -660,12 +577,14 @@
           </a:prstGeom>
         </p:spPr>
         <p:txBody>
-          <a:bodyPr lIns="0" tIns="0" rIns="0" bIns="0">
+          <a:bodyPr lIns="0" rIns="0" tIns="0" bIns="0">
             <a:normAutofit/>
           </a:bodyPr>
-          <a:lstStyle/>
-          <a:p>
-            <a:endParaRPr lang="cs-CZ" sz="3200" b="0" strike="noStrike" spc="-1">
+          <a:p>
+            <a:endParaRPr b="0" lang="cs-CZ" sz="2800" spc="-1" strike="noStrike">
+              <a:solidFill>
+                <a:srgbClr val="000000"/>
+              </a:solidFill>
               <a:latin typeface="Arial"/>
             </a:endParaRPr>
           </a:p>
@@ -673,14 +592,11 @@
       </p:sp>
     </p:spTree>
   </p:cSld>
-  <p:clrMapOvr>
-    <a:masterClrMapping/>
-  </p:clrMapOvr>
 </p:sldLayout>
 </file>
 
 <file path=ppt/slideLayouts/slideLayout13.xml><?xml version="1.0" encoding="utf-8"?>
-<p:sldLayout xmlns:a="http://schemas.openxmlformats.org/drawingml/2006/main" xmlns:r="http://schemas.openxmlformats.org/officeDocument/2006/relationships" xmlns:p="http://schemas.openxmlformats.org/presentationml/2006/main" type="blank" preserve="1">
+<p:sldLayout xmlns:a="http://schemas.openxmlformats.org/drawingml/2006/main" xmlns:p="http://schemas.openxmlformats.org/presentationml/2006/main" xmlns:r="http://schemas.openxmlformats.org/officeDocument/2006/relationships" xmlns:p14="http://schemas.microsoft.com/office/powerpoint/2010/main" xmlns:p15="http://schemas.microsoft.com/office/powerpoint/2012/main" xmlns:mc="http://schemas.openxmlformats.org/markup-compatibility/2006" type="blank" preserve="1">
   <p:cSld name="Blank Slide">
     <p:spTree>
       <p:nvGrpSpPr>
@@ -698,14 +614,11 @@
       </p:grpSpPr>
     </p:spTree>
   </p:cSld>
-  <p:clrMapOvr>
-    <a:masterClrMapping/>
-  </p:clrMapOvr>
 </p:sldLayout>
 </file>
 
 <file path=ppt/slideLayouts/slideLayout14.xml><?xml version="1.0" encoding="utf-8"?>
-<p:sldLayout xmlns:a="http://schemas.openxmlformats.org/drawingml/2006/main" xmlns:r="http://schemas.openxmlformats.org/officeDocument/2006/relationships" xmlns:p="http://schemas.openxmlformats.org/presentationml/2006/main" type="tx" preserve="1">
+<p:sldLayout xmlns:a="http://schemas.openxmlformats.org/drawingml/2006/main" xmlns:p="http://schemas.openxmlformats.org/presentationml/2006/main" xmlns:r="http://schemas.openxmlformats.org/officeDocument/2006/relationships" xmlns:p14="http://schemas.microsoft.com/office/powerpoint/2010/main" xmlns:p15="http://schemas.microsoft.com/office/powerpoint/2012/main" xmlns:mc="http://schemas.openxmlformats.org/markup-compatibility/2006" type="tx" preserve="1">
   <p:cSld name="Title Slide">
     <p:spTree>
       <p:nvGrpSpPr>
@@ -723,7 +636,7 @@
       </p:grpSpPr>
       <p:sp>
         <p:nvSpPr>
-          <p:cNvPr id="78" name="PlaceHolder 1"/>
+          <p:cNvPr id="40" name="PlaceHolder 1"/>
           <p:cNvSpPr>
             <a:spLocks noGrp="1"/>
           </p:cNvSpPr>
@@ -741,19 +654,20 @@
           </a:prstGeom>
         </p:spPr>
         <p:txBody>
-          <a:bodyPr lIns="0" tIns="0" rIns="0" bIns="0" anchor="ctr"/>
-          <a:lstStyle/>
-          <a:p>
-            <a:pPr algn="ctr"/>
-            <a:endParaRPr lang="cs-CZ" sz="4400" b="0" strike="noStrike" spc="-1">
-              <a:latin typeface="Arial"/>
-            </a:endParaRPr>
-          </a:p>
-        </p:txBody>
-      </p:sp>
-      <p:sp>
-        <p:nvSpPr>
-          <p:cNvPr id="79" name="PlaceHolder 2"/>
+          <a:bodyPr lIns="0" rIns="0" tIns="0" bIns="0" anchor="ctr"/>
+          <a:p>
+            <a:endParaRPr b="0" lang="cs-CZ" sz="1800" spc="-1" strike="noStrike">
+              <a:solidFill>
+                <a:srgbClr val="000000"/>
+              </a:solidFill>
+              <a:latin typeface="Arial"/>
+            </a:endParaRPr>
+          </a:p>
+        </p:txBody>
+      </p:sp>
+      <p:sp>
+        <p:nvSpPr>
+          <p:cNvPr id="41" name="PlaceHolder 2"/>
           <p:cNvSpPr>
             <a:spLocks noGrp="1"/>
           </p:cNvSpPr>
@@ -771,11 +685,10 @@
           </a:prstGeom>
         </p:spPr>
         <p:txBody>
-          <a:bodyPr lIns="0" tIns="0" rIns="0" bIns="0" anchor="ctr"/>
-          <a:lstStyle/>
+          <a:bodyPr lIns="0" rIns="0" tIns="0" bIns="0" anchor="ctr"/>
           <a:p>
             <a:pPr algn="ctr"/>
-            <a:endParaRPr lang="cs-CZ" sz="3200" b="0" strike="noStrike" spc="-1">
+            <a:endParaRPr b="0" lang="cs-CZ" sz="3200" spc="-1" strike="noStrike">
               <a:latin typeface="Arial"/>
             </a:endParaRPr>
           </a:p>
@@ -783,14 +696,11 @@
       </p:sp>
     </p:spTree>
   </p:cSld>
-  <p:clrMapOvr>
-    <a:masterClrMapping/>
-  </p:clrMapOvr>
 </p:sldLayout>
 </file>
 
 <file path=ppt/slideLayouts/slideLayout15.xml><?xml version="1.0" encoding="utf-8"?>
-<p:sldLayout xmlns:a="http://schemas.openxmlformats.org/drawingml/2006/main" xmlns:r="http://schemas.openxmlformats.org/officeDocument/2006/relationships" xmlns:p="http://schemas.openxmlformats.org/presentationml/2006/main" type="obj" preserve="1">
+<p:sldLayout xmlns:a="http://schemas.openxmlformats.org/drawingml/2006/main" xmlns:p="http://schemas.openxmlformats.org/presentationml/2006/main" xmlns:r="http://schemas.openxmlformats.org/officeDocument/2006/relationships" xmlns:p14="http://schemas.microsoft.com/office/powerpoint/2010/main" xmlns:p15="http://schemas.microsoft.com/office/powerpoint/2012/main" xmlns:mc="http://schemas.openxmlformats.org/markup-compatibility/2006" type="obj" preserve="1">
   <p:cSld name="Title, Content">
     <p:spTree>
       <p:nvGrpSpPr>
@@ -808,7 +718,7 @@
       </p:grpSpPr>
       <p:sp>
         <p:nvSpPr>
-          <p:cNvPr id="80" name="PlaceHolder 1"/>
+          <p:cNvPr id="42" name="PlaceHolder 1"/>
           <p:cNvSpPr>
             <a:spLocks noGrp="1"/>
           </p:cNvSpPr>
@@ -826,19 +736,20 @@
           </a:prstGeom>
         </p:spPr>
         <p:txBody>
-          <a:bodyPr lIns="0" tIns="0" rIns="0" bIns="0" anchor="ctr"/>
-          <a:lstStyle/>
-          <a:p>
-            <a:pPr algn="ctr"/>
-            <a:endParaRPr lang="cs-CZ" sz="4400" b="0" strike="noStrike" spc="-1">
-              <a:latin typeface="Arial"/>
-            </a:endParaRPr>
-          </a:p>
-        </p:txBody>
-      </p:sp>
-      <p:sp>
-        <p:nvSpPr>
-          <p:cNvPr id="81" name="PlaceHolder 2"/>
+          <a:bodyPr lIns="0" rIns="0" tIns="0" bIns="0" anchor="ctr"/>
+          <a:p>
+            <a:endParaRPr b="0" lang="cs-CZ" sz="1800" spc="-1" strike="noStrike">
+              <a:solidFill>
+                <a:srgbClr val="000000"/>
+              </a:solidFill>
+              <a:latin typeface="Arial"/>
+            </a:endParaRPr>
+          </a:p>
+        </p:txBody>
+      </p:sp>
+      <p:sp>
+        <p:nvSpPr>
+          <p:cNvPr id="43" name="PlaceHolder 2"/>
           <p:cNvSpPr>
             <a:spLocks noGrp="1"/>
           </p:cNvSpPr>
@@ -856,12 +767,14 @@
           </a:prstGeom>
         </p:spPr>
         <p:txBody>
-          <a:bodyPr lIns="0" tIns="0" rIns="0" bIns="0">
+          <a:bodyPr lIns="0" rIns="0" tIns="0" bIns="0">
             <a:normAutofit/>
           </a:bodyPr>
-          <a:lstStyle/>
-          <a:p>
-            <a:endParaRPr lang="cs-CZ" sz="3200" b="0" strike="noStrike" spc="-1">
+          <a:p>
+            <a:endParaRPr b="0" lang="cs-CZ" sz="2800" spc="-1" strike="noStrike">
+              <a:solidFill>
+                <a:srgbClr val="000000"/>
+              </a:solidFill>
               <a:latin typeface="Arial"/>
             </a:endParaRPr>
           </a:p>
@@ -869,14 +782,11 @@
       </p:sp>
     </p:spTree>
   </p:cSld>
-  <p:clrMapOvr>
-    <a:masterClrMapping/>
-  </p:clrMapOvr>
 </p:sldLayout>
 </file>
 
 <file path=ppt/slideLayouts/slideLayout16.xml><?xml version="1.0" encoding="utf-8"?>
-<p:sldLayout xmlns:a="http://schemas.openxmlformats.org/drawingml/2006/main" xmlns:r="http://schemas.openxmlformats.org/officeDocument/2006/relationships" xmlns:p="http://schemas.openxmlformats.org/presentationml/2006/main" type="twoObj" preserve="1">
+<p:sldLayout xmlns:a="http://schemas.openxmlformats.org/drawingml/2006/main" xmlns:p="http://schemas.openxmlformats.org/presentationml/2006/main" xmlns:r="http://schemas.openxmlformats.org/officeDocument/2006/relationships" xmlns:p14="http://schemas.microsoft.com/office/powerpoint/2010/main" xmlns:p15="http://schemas.microsoft.com/office/powerpoint/2012/main" xmlns:mc="http://schemas.openxmlformats.org/markup-compatibility/2006" type="twoObj" preserve="1">
   <p:cSld name="Title, 2 Content">
     <p:spTree>
       <p:nvGrpSpPr>
@@ -894,7 +804,7 @@
       </p:grpSpPr>
       <p:sp>
         <p:nvSpPr>
-          <p:cNvPr id="82" name="PlaceHolder 1"/>
+          <p:cNvPr id="44" name="PlaceHolder 1"/>
           <p:cNvSpPr>
             <a:spLocks noGrp="1"/>
           </p:cNvSpPr>
@@ -912,19 +822,20 @@
           </a:prstGeom>
         </p:spPr>
         <p:txBody>
-          <a:bodyPr lIns="0" tIns="0" rIns="0" bIns="0" anchor="ctr"/>
-          <a:lstStyle/>
-          <a:p>
-            <a:pPr algn="ctr"/>
-            <a:endParaRPr lang="cs-CZ" sz="4400" b="0" strike="noStrike" spc="-1">
-              <a:latin typeface="Arial"/>
-            </a:endParaRPr>
-          </a:p>
-        </p:txBody>
-      </p:sp>
-      <p:sp>
-        <p:nvSpPr>
-          <p:cNvPr id="83" name="PlaceHolder 2"/>
+          <a:bodyPr lIns="0" rIns="0" tIns="0" bIns="0" anchor="ctr"/>
+          <a:p>
+            <a:endParaRPr b="0" lang="cs-CZ" sz="1800" spc="-1" strike="noStrike">
+              <a:solidFill>
+                <a:srgbClr val="000000"/>
+              </a:solidFill>
+              <a:latin typeface="Arial"/>
+            </a:endParaRPr>
+          </a:p>
+        </p:txBody>
+      </p:sp>
+      <p:sp>
+        <p:nvSpPr>
+          <p:cNvPr id="45" name="PlaceHolder 2"/>
           <p:cNvSpPr>
             <a:spLocks noGrp="1"/>
           </p:cNvSpPr>
@@ -942,20 +853,22 @@
           </a:prstGeom>
         </p:spPr>
         <p:txBody>
-          <a:bodyPr lIns="0" tIns="0" rIns="0" bIns="0">
+          <a:bodyPr lIns="0" rIns="0" tIns="0" bIns="0">
             <a:normAutofit/>
           </a:bodyPr>
-          <a:lstStyle/>
-          <a:p>
-            <a:endParaRPr lang="cs-CZ" sz="3200" b="0" strike="noStrike" spc="-1">
-              <a:latin typeface="Arial"/>
-            </a:endParaRPr>
-          </a:p>
-        </p:txBody>
-      </p:sp>
-      <p:sp>
-        <p:nvSpPr>
-          <p:cNvPr id="84" name="PlaceHolder 3"/>
+          <a:p>
+            <a:endParaRPr b="0" lang="cs-CZ" sz="2800" spc="-1" strike="noStrike">
+              <a:solidFill>
+                <a:srgbClr val="000000"/>
+              </a:solidFill>
+              <a:latin typeface="Arial"/>
+            </a:endParaRPr>
+          </a:p>
+        </p:txBody>
+      </p:sp>
+      <p:sp>
+        <p:nvSpPr>
+          <p:cNvPr id="46" name="PlaceHolder 3"/>
           <p:cNvSpPr>
             <a:spLocks noGrp="1"/>
           </p:cNvSpPr>
@@ -973,12 +886,14 @@
           </a:prstGeom>
         </p:spPr>
         <p:txBody>
-          <a:bodyPr lIns="0" tIns="0" rIns="0" bIns="0">
+          <a:bodyPr lIns="0" rIns="0" tIns="0" bIns="0">
             <a:normAutofit/>
           </a:bodyPr>
-          <a:lstStyle/>
-          <a:p>
-            <a:endParaRPr lang="cs-CZ" sz="3200" b="0" strike="noStrike" spc="-1">
+          <a:p>
+            <a:endParaRPr b="0" lang="cs-CZ" sz="2800" spc="-1" strike="noStrike">
+              <a:solidFill>
+                <a:srgbClr val="000000"/>
+              </a:solidFill>
               <a:latin typeface="Arial"/>
             </a:endParaRPr>
           </a:p>
@@ -986,14 +901,11 @@
       </p:sp>
     </p:spTree>
   </p:cSld>
-  <p:clrMapOvr>
-    <a:masterClrMapping/>
-  </p:clrMapOvr>
 </p:sldLayout>
 </file>
 
 <file path=ppt/slideLayouts/slideLayout17.xml><?xml version="1.0" encoding="utf-8"?>
-<p:sldLayout xmlns:a="http://schemas.openxmlformats.org/drawingml/2006/main" xmlns:r="http://schemas.openxmlformats.org/officeDocument/2006/relationships" xmlns:p="http://schemas.openxmlformats.org/presentationml/2006/main" type="titleOnly" preserve="1">
+<p:sldLayout xmlns:a="http://schemas.openxmlformats.org/drawingml/2006/main" xmlns:p="http://schemas.openxmlformats.org/presentationml/2006/main" xmlns:r="http://schemas.openxmlformats.org/officeDocument/2006/relationships" xmlns:p14="http://schemas.microsoft.com/office/powerpoint/2010/main" xmlns:p15="http://schemas.microsoft.com/office/powerpoint/2012/main" xmlns:mc="http://schemas.openxmlformats.org/markup-compatibility/2006" type="titleOnly" preserve="1">
   <p:cSld name="Title Only">
     <p:spTree>
       <p:nvGrpSpPr>
@@ -1011,7 +923,7 @@
       </p:grpSpPr>
       <p:sp>
         <p:nvSpPr>
-          <p:cNvPr id="85" name="PlaceHolder 1"/>
+          <p:cNvPr id="47" name="PlaceHolder 1"/>
           <p:cNvSpPr>
             <a:spLocks noGrp="1"/>
           </p:cNvSpPr>
@@ -1029,11 +941,12 @@
           </a:prstGeom>
         </p:spPr>
         <p:txBody>
-          <a:bodyPr lIns="0" tIns="0" rIns="0" bIns="0" anchor="ctr"/>
-          <a:lstStyle/>
-          <a:p>
-            <a:pPr algn="ctr"/>
-            <a:endParaRPr lang="cs-CZ" sz="4400" b="0" strike="noStrike" spc="-1">
+          <a:bodyPr lIns="0" rIns="0" tIns="0" bIns="0" anchor="ctr"/>
+          <a:p>
+            <a:endParaRPr b="0" lang="cs-CZ" sz="1800" spc="-1" strike="noStrike">
+              <a:solidFill>
+                <a:srgbClr val="000000"/>
+              </a:solidFill>
               <a:latin typeface="Arial"/>
             </a:endParaRPr>
           </a:p>
@@ -1041,14 +954,11 @@
       </p:sp>
     </p:spTree>
   </p:cSld>
-  <p:clrMapOvr>
-    <a:masterClrMapping/>
-  </p:clrMapOvr>
 </p:sldLayout>
 </file>
 
 <file path=ppt/slideLayouts/slideLayout18.xml><?xml version="1.0" encoding="utf-8"?>
-<p:sldLayout xmlns:a="http://schemas.openxmlformats.org/drawingml/2006/main" xmlns:r="http://schemas.openxmlformats.org/officeDocument/2006/relationships" xmlns:p="http://schemas.openxmlformats.org/presentationml/2006/main" type="objOnly" preserve="1">
+<p:sldLayout xmlns:a="http://schemas.openxmlformats.org/drawingml/2006/main" xmlns:p="http://schemas.openxmlformats.org/presentationml/2006/main" xmlns:r="http://schemas.openxmlformats.org/officeDocument/2006/relationships" xmlns:p14="http://schemas.microsoft.com/office/powerpoint/2010/main" xmlns:p15="http://schemas.microsoft.com/office/powerpoint/2012/main" xmlns:mc="http://schemas.openxmlformats.org/markup-compatibility/2006" type="objOnly" preserve="1">
   <p:cSld name="Centered Text">
     <p:spTree>
       <p:nvGrpSpPr>
@@ -1066,7 +976,7 @@
       </p:grpSpPr>
       <p:sp>
         <p:nvSpPr>
-          <p:cNvPr id="86" name="PlaceHolder 1"/>
+          <p:cNvPr id="48" name="PlaceHolder 1"/>
           <p:cNvSpPr>
             <a:spLocks noGrp="1"/>
           </p:cNvSpPr>
@@ -1084,11 +994,10 @@
           </a:prstGeom>
         </p:spPr>
         <p:txBody>
-          <a:bodyPr lIns="0" tIns="0" rIns="0" bIns="0" anchor="ctr"/>
-          <a:lstStyle/>
+          <a:bodyPr lIns="0" rIns="0" tIns="0" bIns="0" anchor="ctr"/>
           <a:p>
             <a:pPr algn="ctr"/>
-            <a:endParaRPr lang="cs-CZ" sz="3200" b="0" strike="noStrike" spc="-1">
+            <a:endParaRPr b="0" lang="cs-CZ" sz="3200" spc="-1" strike="noStrike">
               <a:latin typeface="Arial"/>
             </a:endParaRPr>
           </a:p>
@@ -1096,14 +1005,11 @@
       </p:sp>
     </p:spTree>
   </p:cSld>
-  <p:clrMapOvr>
-    <a:masterClrMapping/>
-  </p:clrMapOvr>
 </p:sldLayout>
 </file>
 
 <file path=ppt/slideLayouts/slideLayout19.xml><?xml version="1.0" encoding="utf-8"?>
-<p:sldLayout xmlns:a="http://schemas.openxmlformats.org/drawingml/2006/main" xmlns:r="http://schemas.openxmlformats.org/officeDocument/2006/relationships" xmlns:p="http://schemas.openxmlformats.org/presentationml/2006/main" type="twoObjAndObj" preserve="1">
+<p:sldLayout xmlns:a="http://schemas.openxmlformats.org/drawingml/2006/main" xmlns:p="http://schemas.openxmlformats.org/presentationml/2006/main" xmlns:r="http://schemas.openxmlformats.org/officeDocument/2006/relationships" xmlns:p14="http://schemas.microsoft.com/office/powerpoint/2010/main" xmlns:p15="http://schemas.microsoft.com/office/powerpoint/2012/main" xmlns:mc="http://schemas.openxmlformats.org/markup-compatibility/2006" type="twoObjAndObj" preserve="1">
   <p:cSld name="Title, 2 Content and Content">
     <p:spTree>
       <p:nvGrpSpPr>
@@ -1121,7 +1027,7 @@
       </p:grpSpPr>
       <p:sp>
         <p:nvSpPr>
-          <p:cNvPr id="87" name="PlaceHolder 1"/>
+          <p:cNvPr id="49" name="PlaceHolder 1"/>
           <p:cNvSpPr>
             <a:spLocks noGrp="1"/>
           </p:cNvSpPr>
@@ -1139,19 +1045,20 @@
           </a:prstGeom>
         </p:spPr>
         <p:txBody>
-          <a:bodyPr lIns="0" tIns="0" rIns="0" bIns="0" anchor="ctr"/>
-          <a:lstStyle/>
-          <a:p>
-            <a:pPr algn="ctr"/>
-            <a:endParaRPr lang="cs-CZ" sz="4400" b="0" strike="noStrike" spc="-1">
-              <a:latin typeface="Arial"/>
-            </a:endParaRPr>
-          </a:p>
-        </p:txBody>
-      </p:sp>
-      <p:sp>
-        <p:nvSpPr>
-          <p:cNvPr id="88" name="PlaceHolder 2"/>
+          <a:bodyPr lIns="0" rIns="0" tIns="0" bIns="0" anchor="ctr"/>
+          <a:p>
+            <a:endParaRPr b="0" lang="cs-CZ" sz="1800" spc="-1" strike="noStrike">
+              <a:solidFill>
+                <a:srgbClr val="000000"/>
+              </a:solidFill>
+              <a:latin typeface="Arial"/>
+            </a:endParaRPr>
+          </a:p>
+        </p:txBody>
+      </p:sp>
+      <p:sp>
+        <p:nvSpPr>
+          <p:cNvPr id="50" name="PlaceHolder 2"/>
           <p:cNvSpPr>
             <a:spLocks noGrp="1"/>
           </p:cNvSpPr>
@@ -1169,20 +1076,22 @@
           </a:prstGeom>
         </p:spPr>
         <p:txBody>
-          <a:bodyPr lIns="0" tIns="0" rIns="0" bIns="0">
+          <a:bodyPr lIns="0" rIns="0" tIns="0" bIns="0">
             <a:normAutofit/>
           </a:bodyPr>
-          <a:lstStyle/>
-          <a:p>
-            <a:endParaRPr lang="cs-CZ" sz="3200" b="0" strike="noStrike" spc="-1">
-              <a:latin typeface="Arial"/>
-            </a:endParaRPr>
-          </a:p>
-        </p:txBody>
-      </p:sp>
-      <p:sp>
-        <p:nvSpPr>
-          <p:cNvPr id="89" name="PlaceHolder 3"/>
+          <a:p>
+            <a:endParaRPr b="0" lang="cs-CZ" sz="2800" spc="-1" strike="noStrike">
+              <a:solidFill>
+                <a:srgbClr val="000000"/>
+              </a:solidFill>
+              <a:latin typeface="Arial"/>
+            </a:endParaRPr>
+          </a:p>
+        </p:txBody>
+      </p:sp>
+      <p:sp>
+        <p:nvSpPr>
+          <p:cNvPr id="51" name="PlaceHolder 3"/>
           <p:cNvSpPr>
             <a:spLocks noGrp="1"/>
           </p:cNvSpPr>
@@ -1200,20 +1109,22 @@
           </a:prstGeom>
         </p:spPr>
         <p:txBody>
-          <a:bodyPr lIns="0" tIns="0" rIns="0" bIns="0">
+          <a:bodyPr lIns="0" rIns="0" tIns="0" bIns="0">
             <a:normAutofit/>
           </a:bodyPr>
-          <a:lstStyle/>
-          <a:p>
-            <a:endParaRPr lang="cs-CZ" sz="3200" b="0" strike="noStrike" spc="-1">
-              <a:latin typeface="Arial"/>
-            </a:endParaRPr>
-          </a:p>
-        </p:txBody>
-      </p:sp>
-      <p:sp>
-        <p:nvSpPr>
-          <p:cNvPr id="90" name="PlaceHolder 4"/>
+          <a:p>
+            <a:endParaRPr b="0" lang="cs-CZ" sz="2800" spc="-1" strike="noStrike">
+              <a:solidFill>
+                <a:srgbClr val="000000"/>
+              </a:solidFill>
+              <a:latin typeface="Arial"/>
+            </a:endParaRPr>
+          </a:p>
+        </p:txBody>
+      </p:sp>
+      <p:sp>
+        <p:nvSpPr>
+          <p:cNvPr id="52" name="PlaceHolder 4"/>
           <p:cNvSpPr>
             <a:spLocks noGrp="1"/>
           </p:cNvSpPr>
@@ -1231,12 +1142,14 @@
           </a:prstGeom>
         </p:spPr>
         <p:txBody>
-          <a:bodyPr lIns="0" tIns="0" rIns="0" bIns="0">
+          <a:bodyPr lIns="0" rIns="0" tIns="0" bIns="0">
             <a:normAutofit/>
           </a:bodyPr>
-          <a:lstStyle/>
-          <a:p>
-            <a:endParaRPr lang="cs-CZ" sz="3200" b="0" strike="noStrike" spc="-1">
+          <a:p>
+            <a:endParaRPr b="0" lang="cs-CZ" sz="2800" spc="-1" strike="noStrike">
+              <a:solidFill>
+                <a:srgbClr val="000000"/>
+              </a:solidFill>
               <a:latin typeface="Arial"/>
             </a:endParaRPr>
           </a:p>
@@ -1244,14 +1157,11 @@
       </p:sp>
     </p:spTree>
   </p:cSld>
-  <p:clrMapOvr>
-    <a:masterClrMapping/>
-  </p:clrMapOvr>
 </p:sldLayout>
 </file>
 
 <file path=ppt/slideLayouts/slideLayout2.xml><?xml version="1.0" encoding="utf-8"?>
-<p:sldLayout xmlns:a="http://schemas.openxmlformats.org/drawingml/2006/main" xmlns:r="http://schemas.openxmlformats.org/officeDocument/2006/relationships" xmlns:p="http://schemas.openxmlformats.org/presentationml/2006/main" type="tx" preserve="1">
+<p:sldLayout xmlns:a="http://schemas.openxmlformats.org/drawingml/2006/main" xmlns:p="http://schemas.openxmlformats.org/presentationml/2006/main" xmlns:r="http://schemas.openxmlformats.org/officeDocument/2006/relationships" xmlns:p14="http://schemas.microsoft.com/office/powerpoint/2010/main" xmlns:p15="http://schemas.microsoft.com/office/powerpoint/2012/main" xmlns:mc="http://schemas.openxmlformats.org/markup-compatibility/2006" type="tx" preserve="1">
   <p:cSld name="Title Slide">
     <p:spTree>
       <p:nvGrpSpPr>
@@ -1287,11 +1197,12 @@
           </a:prstGeom>
         </p:spPr>
         <p:txBody>
-          <a:bodyPr lIns="0" tIns="0" rIns="0" bIns="0" anchor="ctr"/>
-          <a:lstStyle/>
-          <a:p>
-            <a:pPr algn="ctr"/>
-            <a:endParaRPr lang="cs-CZ" sz="4400" b="0" strike="noStrike" spc="-1">
+          <a:bodyPr lIns="0" rIns="0" tIns="0" bIns="0" anchor="ctr"/>
+          <a:p>
+            <a:endParaRPr b="0" lang="cs-CZ" sz="1800" spc="-1" strike="noStrike">
+              <a:solidFill>
+                <a:srgbClr val="000000"/>
+              </a:solidFill>
               <a:latin typeface="Arial"/>
             </a:endParaRPr>
           </a:p>
@@ -1317,11 +1228,10 @@
           </a:prstGeom>
         </p:spPr>
         <p:txBody>
-          <a:bodyPr lIns="0" tIns="0" rIns="0" bIns="0" anchor="ctr"/>
-          <a:lstStyle/>
+          <a:bodyPr lIns="0" rIns="0" tIns="0" bIns="0" anchor="ctr"/>
           <a:p>
             <a:pPr algn="ctr"/>
-            <a:endParaRPr lang="cs-CZ" sz="3200" b="0" strike="noStrike" spc="-1">
+            <a:endParaRPr b="0" lang="cs-CZ" sz="3200" spc="-1" strike="noStrike">
               <a:latin typeface="Arial"/>
             </a:endParaRPr>
           </a:p>
@@ -1329,14 +1239,11 @@
       </p:sp>
     </p:spTree>
   </p:cSld>
-  <p:clrMapOvr>
-    <a:masterClrMapping/>
-  </p:clrMapOvr>
 </p:sldLayout>
 </file>
 
 <file path=ppt/slideLayouts/slideLayout20.xml><?xml version="1.0" encoding="utf-8"?>
-<p:sldLayout xmlns:a="http://schemas.openxmlformats.org/drawingml/2006/main" xmlns:r="http://schemas.openxmlformats.org/officeDocument/2006/relationships" xmlns:p="http://schemas.openxmlformats.org/presentationml/2006/main" type="objAndTwoObj" preserve="1">
+<p:sldLayout xmlns:a="http://schemas.openxmlformats.org/drawingml/2006/main" xmlns:p="http://schemas.openxmlformats.org/presentationml/2006/main" xmlns:r="http://schemas.openxmlformats.org/officeDocument/2006/relationships" xmlns:p14="http://schemas.microsoft.com/office/powerpoint/2010/main" xmlns:p15="http://schemas.microsoft.com/office/powerpoint/2012/main" xmlns:mc="http://schemas.openxmlformats.org/markup-compatibility/2006" type="objAndTwoObj" preserve="1">
   <p:cSld name="Title Content and 2 Content">
     <p:spTree>
       <p:nvGrpSpPr>
@@ -1354,7 +1261,7 @@
       </p:grpSpPr>
       <p:sp>
         <p:nvSpPr>
-          <p:cNvPr id="91" name="PlaceHolder 1"/>
+          <p:cNvPr id="53" name="PlaceHolder 1"/>
           <p:cNvSpPr>
             <a:spLocks noGrp="1"/>
           </p:cNvSpPr>
@@ -1372,19 +1279,20 @@
           </a:prstGeom>
         </p:spPr>
         <p:txBody>
-          <a:bodyPr lIns="0" tIns="0" rIns="0" bIns="0" anchor="ctr"/>
-          <a:lstStyle/>
-          <a:p>
-            <a:pPr algn="ctr"/>
-            <a:endParaRPr lang="cs-CZ" sz="4400" b="0" strike="noStrike" spc="-1">
-              <a:latin typeface="Arial"/>
-            </a:endParaRPr>
-          </a:p>
-        </p:txBody>
-      </p:sp>
-      <p:sp>
-        <p:nvSpPr>
-          <p:cNvPr id="92" name="PlaceHolder 2"/>
+          <a:bodyPr lIns="0" rIns="0" tIns="0" bIns="0" anchor="ctr"/>
+          <a:p>
+            <a:endParaRPr b="0" lang="cs-CZ" sz="1800" spc="-1" strike="noStrike">
+              <a:solidFill>
+                <a:srgbClr val="000000"/>
+              </a:solidFill>
+              <a:latin typeface="Arial"/>
+            </a:endParaRPr>
+          </a:p>
+        </p:txBody>
+      </p:sp>
+      <p:sp>
+        <p:nvSpPr>
+          <p:cNvPr id="54" name="PlaceHolder 2"/>
           <p:cNvSpPr>
             <a:spLocks noGrp="1"/>
           </p:cNvSpPr>
@@ -1402,20 +1310,22 @@
           </a:prstGeom>
         </p:spPr>
         <p:txBody>
-          <a:bodyPr lIns="0" tIns="0" rIns="0" bIns="0">
+          <a:bodyPr lIns="0" rIns="0" tIns="0" bIns="0">
             <a:normAutofit/>
           </a:bodyPr>
-          <a:lstStyle/>
-          <a:p>
-            <a:endParaRPr lang="cs-CZ" sz="3200" b="0" strike="noStrike" spc="-1">
-              <a:latin typeface="Arial"/>
-            </a:endParaRPr>
-          </a:p>
-        </p:txBody>
-      </p:sp>
-      <p:sp>
-        <p:nvSpPr>
-          <p:cNvPr id="93" name="PlaceHolder 3"/>
+          <a:p>
+            <a:endParaRPr b="0" lang="cs-CZ" sz="2800" spc="-1" strike="noStrike">
+              <a:solidFill>
+                <a:srgbClr val="000000"/>
+              </a:solidFill>
+              <a:latin typeface="Arial"/>
+            </a:endParaRPr>
+          </a:p>
+        </p:txBody>
+      </p:sp>
+      <p:sp>
+        <p:nvSpPr>
+          <p:cNvPr id="55" name="PlaceHolder 3"/>
           <p:cNvSpPr>
             <a:spLocks noGrp="1"/>
           </p:cNvSpPr>
@@ -1433,20 +1343,22 @@
           </a:prstGeom>
         </p:spPr>
         <p:txBody>
-          <a:bodyPr lIns="0" tIns="0" rIns="0" bIns="0">
+          <a:bodyPr lIns="0" rIns="0" tIns="0" bIns="0">
             <a:normAutofit/>
           </a:bodyPr>
-          <a:lstStyle/>
-          <a:p>
-            <a:endParaRPr lang="cs-CZ" sz="3200" b="0" strike="noStrike" spc="-1">
-              <a:latin typeface="Arial"/>
-            </a:endParaRPr>
-          </a:p>
-        </p:txBody>
-      </p:sp>
-      <p:sp>
-        <p:nvSpPr>
-          <p:cNvPr id="94" name="PlaceHolder 4"/>
+          <a:p>
+            <a:endParaRPr b="0" lang="cs-CZ" sz="2800" spc="-1" strike="noStrike">
+              <a:solidFill>
+                <a:srgbClr val="000000"/>
+              </a:solidFill>
+              <a:latin typeface="Arial"/>
+            </a:endParaRPr>
+          </a:p>
+        </p:txBody>
+      </p:sp>
+      <p:sp>
+        <p:nvSpPr>
+          <p:cNvPr id="56" name="PlaceHolder 4"/>
           <p:cNvSpPr>
             <a:spLocks noGrp="1"/>
           </p:cNvSpPr>
@@ -1464,12 +1376,14 @@
           </a:prstGeom>
         </p:spPr>
         <p:txBody>
-          <a:bodyPr lIns="0" tIns="0" rIns="0" bIns="0">
+          <a:bodyPr lIns="0" rIns="0" tIns="0" bIns="0">
             <a:normAutofit/>
           </a:bodyPr>
-          <a:lstStyle/>
-          <a:p>
-            <a:endParaRPr lang="cs-CZ" sz="3200" b="0" strike="noStrike" spc="-1">
+          <a:p>
+            <a:endParaRPr b="0" lang="cs-CZ" sz="2800" spc="-1" strike="noStrike">
+              <a:solidFill>
+                <a:srgbClr val="000000"/>
+              </a:solidFill>
               <a:latin typeface="Arial"/>
             </a:endParaRPr>
           </a:p>
@@ -1477,14 +1391,11 @@
       </p:sp>
     </p:spTree>
   </p:cSld>
-  <p:clrMapOvr>
-    <a:masterClrMapping/>
-  </p:clrMapOvr>
 </p:sldLayout>
 </file>
 
 <file path=ppt/slideLayouts/slideLayout21.xml><?xml version="1.0" encoding="utf-8"?>
-<p:sldLayout xmlns:a="http://schemas.openxmlformats.org/drawingml/2006/main" xmlns:r="http://schemas.openxmlformats.org/officeDocument/2006/relationships" xmlns:p="http://schemas.openxmlformats.org/presentationml/2006/main" type="twoObjOverTx" preserve="1">
+<p:sldLayout xmlns:a="http://schemas.openxmlformats.org/drawingml/2006/main" xmlns:p="http://schemas.openxmlformats.org/presentationml/2006/main" xmlns:r="http://schemas.openxmlformats.org/officeDocument/2006/relationships" xmlns:p14="http://schemas.microsoft.com/office/powerpoint/2010/main" xmlns:p15="http://schemas.microsoft.com/office/powerpoint/2012/main" xmlns:mc="http://schemas.openxmlformats.org/markup-compatibility/2006" type="twoObjOverTx" preserve="1">
   <p:cSld name="Title, 2 Content over Content">
     <p:spTree>
       <p:nvGrpSpPr>
@@ -1502,7 +1413,7 @@
       </p:grpSpPr>
       <p:sp>
         <p:nvSpPr>
-          <p:cNvPr id="95" name="PlaceHolder 1"/>
+          <p:cNvPr id="57" name="PlaceHolder 1"/>
           <p:cNvSpPr>
             <a:spLocks noGrp="1"/>
           </p:cNvSpPr>
@@ -1520,19 +1431,20 @@
           </a:prstGeom>
         </p:spPr>
         <p:txBody>
-          <a:bodyPr lIns="0" tIns="0" rIns="0" bIns="0" anchor="ctr"/>
-          <a:lstStyle/>
-          <a:p>
-            <a:pPr algn="ctr"/>
-            <a:endParaRPr lang="cs-CZ" sz="4400" b="0" strike="noStrike" spc="-1">
-              <a:latin typeface="Arial"/>
-            </a:endParaRPr>
-          </a:p>
-        </p:txBody>
-      </p:sp>
-      <p:sp>
-        <p:nvSpPr>
-          <p:cNvPr id="96" name="PlaceHolder 2"/>
+          <a:bodyPr lIns="0" rIns="0" tIns="0" bIns="0" anchor="ctr"/>
+          <a:p>
+            <a:endParaRPr b="0" lang="cs-CZ" sz="1800" spc="-1" strike="noStrike">
+              <a:solidFill>
+                <a:srgbClr val="000000"/>
+              </a:solidFill>
+              <a:latin typeface="Arial"/>
+            </a:endParaRPr>
+          </a:p>
+        </p:txBody>
+      </p:sp>
+      <p:sp>
+        <p:nvSpPr>
+          <p:cNvPr id="58" name="PlaceHolder 2"/>
           <p:cNvSpPr>
             <a:spLocks noGrp="1"/>
           </p:cNvSpPr>
@@ -1550,20 +1462,22 @@
           </a:prstGeom>
         </p:spPr>
         <p:txBody>
-          <a:bodyPr lIns="0" tIns="0" rIns="0" bIns="0">
+          <a:bodyPr lIns="0" rIns="0" tIns="0" bIns="0">
             <a:normAutofit/>
           </a:bodyPr>
-          <a:lstStyle/>
-          <a:p>
-            <a:endParaRPr lang="cs-CZ" sz="3200" b="0" strike="noStrike" spc="-1">
-              <a:latin typeface="Arial"/>
-            </a:endParaRPr>
-          </a:p>
-        </p:txBody>
-      </p:sp>
-      <p:sp>
-        <p:nvSpPr>
-          <p:cNvPr id="97" name="PlaceHolder 3"/>
+          <a:p>
+            <a:endParaRPr b="0" lang="cs-CZ" sz="2800" spc="-1" strike="noStrike">
+              <a:solidFill>
+                <a:srgbClr val="000000"/>
+              </a:solidFill>
+              <a:latin typeface="Arial"/>
+            </a:endParaRPr>
+          </a:p>
+        </p:txBody>
+      </p:sp>
+      <p:sp>
+        <p:nvSpPr>
+          <p:cNvPr id="59" name="PlaceHolder 3"/>
           <p:cNvSpPr>
             <a:spLocks noGrp="1"/>
           </p:cNvSpPr>
@@ -1581,20 +1495,22 @@
           </a:prstGeom>
         </p:spPr>
         <p:txBody>
-          <a:bodyPr lIns="0" tIns="0" rIns="0" bIns="0">
+          <a:bodyPr lIns="0" rIns="0" tIns="0" bIns="0">
             <a:normAutofit/>
           </a:bodyPr>
-          <a:lstStyle/>
-          <a:p>
-            <a:endParaRPr lang="cs-CZ" sz="3200" b="0" strike="noStrike" spc="-1">
-              <a:latin typeface="Arial"/>
-            </a:endParaRPr>
-          </a:p>
-        </p:txBody>
-      </p:sp>
-      <p:sp>
-        <p:nvSpPr>
-          <p:cNvPr id="98" name="PlaceHolder 4"/>
+          <a:p>
+            <a:endParaRPr b="0" lang="cs-CZ" sz="2800" spc="-1" strike="noStrike">
+              <a:solidFill>
+                <a:srgbClr val="000000"/>
+              </a:solidFill>
+              <a:latin typeface="Arial"/>
+            </a:endParaRPr>
+          </a:p>
+        </p:txBody>
+      </p:sp>
+      <p:sp>
+        <p:nvSpPr>
+          <p:cNvPr id="60" name="PlaceHolder 4"/>
           <p:cNvSpPr>
             <a:spLocks noGrp="1"/>
           </p:cNvSpPr>
@@ -1612,12 +1528,14 @@
           </a:prstGeom>
         </p:spPr>
         <p:txBody>
-          <a:bodyPr lIns="0" tIns="0" rIns="0" bIns="0">
+          <a:bodyPr lIns="0" rIns="0" tIns="0" bIns="0">
             <a:normAutofit/>
           </a:bodyPr>
-          <a:lstStyle/>
-          <a:p>
-            <a:endParaRPr lang="cs-CZ" sz="3200" b="0" strike="noStrike" spc="-1">
+          <a:p>
+            <a:endParaRPr b="0" lang="cs-CZ" sz="2800" spc="-1" strike="noStrike">
+              <a:solidFill>
+                <a:srgbClr val="000000"/>
+              </a:solidFill>
               <a:latin typeface="Arial"/>
             </a:endParaRPr>
           </a:p>
@@ -1625,14 +1543,11 @@
       </p:sp>
     </p:spTree>
   </p:cSld>
-  <p:clrMapOvr>
-    <a:masterClrMapping/>
-  </p:clrMapOvr>
 </p:sldLayout>
 </file>
 
 <file path=ppt/slideLayouts/slideLayout22.xml><?xml version="1.0" encoding="utf-8"?>
-<p:sldLayout xmlns:a="http://schemas.openxmlformats.org/drawingml/2006/main" xmlns:r="http://schemas.openxmlformats.org/officeDocument/2006/relationships" xmlns:p="http://schemas.openxmlformats.org/presentationml/2006/main" type="objOverTx" preserve="1">
+<p:sldLayout xmlns:a="http://schemas.openxmlformats.org/drawingml/2006/main" xmlns:p="http://schemas.openxmlformats.org/presentationml/2006/main" xmlns:r="http://schemas.openxmlformats.org/officeDocument/2006/relationships" xmlns:p14="http://schemas.microsoft.com/office/powerpoint/2010/main" xmlns:p15="http://schemas.microsoft.com/office/powerpoint/2012/main" xmlns:mc="http://schemas.openxmlformats.org/markup-compatibility/2006" type="objOverTx" preserve="1">
   <p:cSld name="Title, Content over Content">
     <p:spTree>
       <p:nvGrpSpPr>
@@ -1650,7 +1565,7 @@
       </p:grpSpPr>
       <p:sp>
         <p:nvSpPr>
-          <p:cNvPr id="99" name="PlaceHolder 1"/>
+          <p:cNvPr id="61" name="PlaceHolder 1"/>
           <p:cNvSpPr>
             <a:spLocks noGrp="1"/>
           </p:cNvSpPr>
@@ -1668,19 +1583,20 @@
           </a:prstGeom>
         </p:spPr>
         <p:txBody>
-          <a:bodyPr lIns="0" tIns="0" rIns="0" bIns="0" anchor="ctr"/>
-          <a:lstStyle/>
-          <a:p>
-            <a:pPr algn="ctr"/>
-            <a:endParaRPr lang="cs-CZ" sz="4400" b="0" strike="noStrike" spc="-1">
-              <a:latin typeface="Arial"/>
-            </a:endParaRPr>
-          </a:p>
-        </p:txBody>
-      </p:sp>
-      <p:sp>
-        <p:nvSpPr>
-          <p:cNvPr id="100" name="PlaceHolder 2"/>
+          <a:bodyPr lIns="0" rIns="0" tIns="0" bIns="0" anchor="ctr"/>
+          <a:p>
+            <a:endParaRPr b="0" lang="cs-CZ" sz="1800" spc="-1" strike="noStrike">
+              <a:solidFill>
+                <a:srgbClr val="000000"/>
+              </a:solidFill>
+              <a:latin typeface="Arial"/>
+            </a:endParaRPr>
+          </a:p>
+        </p:txBody>
+      </p:sp>
+      <p:sp>
+        <p:nvSpPr>
+          <p:cNvPr id="62" name="PlaceHolder 2"/>
           <p:cNvSpPr>
             <a:spLocks noGrp="1"/>
           </p:cNvSpPr>
@@ -1698,20 +1614,22 @@
           </a:prstGeom>
         </p:spPr>
         <p:txBody>
-          <a:bodyPr lIns="0" tIns="0" rIns="0" bIns="0">
+          <a:bodyPr lIns="0" rIns="0" tIns="0" bIns="0">
             <a:normAutofit/>
           </a:bodyPr>
-          <a:lstStyle/>
-          <a:p>
-            <a:endParaRPr lang="cs-CZ" sz="3200" b="0" strike="noStrike" spc="-1">
-              <a:latin typeface="Arial"/>
-            </a:endParaRPr>
-          </a:p>
-        </p:txBody>
-      </p:sp>
-      <p:sp>
-        <p:nvSpPr>
-          <p:cNvPr id="101" name="PlaceHolder 3"/>
+          <a:p>
+            <a:endParaRPr b="0" lang="cs-CZ" sz="2800" spc="-1" strike="noStrike">
+              <a:solidFill>
+                <a:srgbClr val="000000"/>
+              </a:solidFill>
+              <a:latin typeface="Arial"/>
+            </a:endParaRPr>
+          </a:p>
+        </p:txBody>
+      </p:sp>
+      <p:sp>
+        <p:nvSpPr>
+          <p:cNvPr id="63" name="PlaceHolder 3"/>
           <p:cNvSpPr>
             <a:spLocks noGrp="1"/>
           </p:cNvSpPr>
@@ -1729,12 +1647,14 @@
           </a:prstGeom>
         </p:spPr>
         <p:txBody>
-          <a:bodyPr lIns="0" tIns="0" rIns="0" bIns="0">
+          <a:bodyPr lIns="0" rIns="0" tIns="0" bIns="0">
             <a:normAutofit/>
           </a:bodyPr>
-          <a:lstStyle/>
-          <a:p>
-            <a:endParaRPr lang="cs-CZ" sz="3200" b="0" strike="noStrike" spc="-1">
+          <a:p>
+            <a:endParaRPr b="0" lang="cs-CZ" sz="2800" spc="-1" strike="noStrike">
+              <a:solidFill>
+                <a:srgbClr val="000000"/>
+              </a:solidFill>
               <a:latin typeface="Arial"/>
             </a:endParaRPr>
           </a:p>
@@ -1742,14 +1662,11 @@
       </p:sp>
     </p:spTree>
   </p:cSld>
-  <p:clrMapOvr>
-    <a:masterClrMapping/>
-  </p:clrMapOvr>
 </p:sldLayout>
 </file>
 
 <file path=ppt/slideLayouts/slideLayout23.xml><?xml version="1.0" encoding="utf-8"?>
-<p:sldLayout xmlns:a="http://schemas.openxmlformats.org/drawingml/2006/main" xmlns:r="http://schemas.openxmlformats.org/officeDocument/2006/relationships" xmlns:p="http://schemas.openxmlformats.org/presentationml/2006/main" type="fourObj" preserve="1">
+<p:sldLayout xmlns:a="http://schemas.openxmlformats.org/drawingml/2006/main" xmlns:p="http://schemas.openxmlformats.org/presentationml/2006/main" xmlns:r="http://schemas.openxmlformats.org/officeDocument/2006/relationships" xmlns:p14="http://schemas.microsoft.com/office/powerpoint/2010/main" xmlns:p15="http://schemas.microsoft.com/office/powerpoint/2012/main" xmlns:mc="http://schemas.openxmlformats.org/markup-compatibility/2006" type="fourObj" preserve="1">
   <p:cSld name="Title, 4 Content">
     <p:spTree>
       <p:nvGrpSpPr>
@@ -1767,7 +1684,7 @@
       </p:grpSpPr>
       <p:sp>
         <p:nvSpPr>
-          <p:cNvPr id="102" name="PlaceHolder 1"/>
+          <p:cNvPr id="64" name="PlaceHolder 1"/>
           <p:cNvSpPr>
             <a:spLocks noGrp="1"/>
           </p:cNvSpPr>
@@ -1785,19 +1702,20 @@
           </a:prstGeom>
         </p:spPr>
         <p:txBody>
-          <a:bodyPr lIns="0" tIns="0" rIns="0" bIns="0" anchor="ctr"/>
-          <a:lstStyle/>
-          <a:p>
-            <a:pPr algn="ctr"/>
-            <a:endParaRPr lang="cs-CZ" sz="4400" b="0" strike="noStrike" spc="-1">
-              <a:latin typeface="Arial"/>
-            </a:endParaRPr>
-          </a:p>
-        </p:txBody>
-      </p:sp>
-      <p:sp>
-        <p:nvSpPr>
-          <p:cNvPr id="103" name="PlaceHolder 2"/>
+          <a:bodyPr lIns="0" rIns="0" tIns="0" bIns="0" anchor="ctr"/>
+          <a:p>
+            <a:endParaRPr b="0" lang="cs-CZ" sz="1800" spc="-1" strike="noStrike">
+              <a:solidFill>
+                <a:srgbClr val="000000"/>
+              </a:solidFill>
+              <a:latin typeface="Arial"/>
+            </a:endParaRPr>
+          </a:p>
+        </p:txBody>
+      </p:sp>
+      <p:sp>
+        <p:nvSpPr>
+          <p:cNvPr id="65" name="PlaceHolder 2"/>
           <p:cNvSpPr>
             <a:spLocks noGrp="1"/>
           </p:cNvSpPr>
@@ -1815,20 +1733,22 @@
           </a:prstGeom>
         </p:spPr>
         <p:txBody>
-          <a:bodyPr lIns="0" tIns="0" rIns="0" bIns="0">
+          <a:bodyPr lIns="0" rIns="0" tIns="0" bIns="0">
             <a:normAutofit/>
           </a:bodyPr>
-          <a:lstStyle/>
-          <a:p>
-            <a:endParaRPr lang="cs-CZ" sz="3200" b="0" strike="noStrike" spc="-1">
-              <a:latin typeface="Arial"/>
-            </a:endParaRPr>
-          </a:p>
-        </p:txBody>
-      </p:sp>
-      <p:sp>
-        <p:nvSpPr>
-          <p:cNvPr id="104" name="PlaceHolder 3"/>
+          <a:p>
+            <a:endParaRPr b="0" lang="cs-CZ" sz="2800" spc="-1" strike="noStrike">
+              <a:solidFill>
+                <a:srgbClr val="000000"/>
+              </a:solidFill>
+              <a:latin typeface="Arial"/>
+            </a:endParaRPr>
+          </a:p>
+        </p:txBody>
+      </p:sp>
+      <p:sp>
+        <p:nvSpPr>
+          <p:cNvPr id="66" name="PlaceHolder 3"/>
           <p:cNvSpPr>
             <a:spLocks noGrp="1"/>
           </p:cNvSpPr>
@@ -1846,20 +1766,22 @@
           </a:prstGeom>
         </p:spPr>
         <p:txBody>
-          <a:bodyPr lIns="0" tIns="0" rIns="0" bIns="0">
+          <a:bodyPr lIns="0" rIns="0" tIns="0" bIns="0">
             <a:normAutofit/>
           </a:bodyPr>
-          <a:lstStyle/>
-          <a:p>
-            <a:endParaRPr lang="cs-CZ" sz="3200" b="0" strike="noStrike" spc="-1">
-              <a:latin typeface="Arial"/>
-            </a:endParaRPr>
-          </a:p>
-        </p:txBody>
-      </p:sp>
-      <p:sp>
-        <p:nvSpPr>
-          <p:cNvPr id="105" name="PlaceHolder 4"/>
+          <a:p>
+            <a:endParaRPr b="0" lang="cs-CZ" sz="2800" spc="-1" strike="noStrike">
+              <a:solidFill>
+                <a:srgbClr val="000000"/>
+              </a:solidFill>
+              <a:latin typeface="Arial"/>
+            </a:endParaRPr>
+          </a:p>
+        </p:txBody>
+      </p:sp>
+      <p:sp>
+        <p:nvSpPr>
+          <p:cNvPr id="67" name="PlaceHolder 4"/>
           <p:cNvSpPr>
             <a:spLocks noGrp="1"/>
           </p:cNvSpPr>
@@ -1877,20 +1799,22 @@
           </a:prstGeom>
         </p:spPr>
         <p:txBody>
-          <a:bodyPr lIns="0" tIns="0" rIns="0" bIns="0">
+          <a:bodyPr lIns="0" rIns="0" tIns="0" bIns="0">
             <a:normAutofit/>
           </a:bodyPr>
-          <a:lstStyle/>
-          <a:p>
-            <a:endParaRPr lang="cs-CZ" sz="3200" b="0" strike="noStrike" spc="-1">
-              <a:latin typeface="Arial"/>
-            </a:endParaRPr>
-          </a:p>
-        </p:txBody>
-      </p:sp>
-      <p:sp>
-        <p:nvSpPr>
-          <p:cNvPr id="106" name="PlaceHolder 5"/>
+          <a:p>
+            <a:endParaRPr b="0" lang="cs-CZ" sz="2800" spc="-1" strike="noStrike">
+              <a:solidFill>
+                <a:srgbClr val="000000"/>
+              </a:solidFill>
+              <a:latin typeface="Arial"/>
+            </a:endParaRPr>
+          </a:p>
+        </p:txBody>
+      </p:sp>
+      <p:sp>
+        <p:nvSpPr>
+          <p:cNvPr id="68" name="PlaceHolder 5"/>
           <p:cNvSpPr>
             <a:spLocks noGrp="1"/>
           </p:cNvSpPr>
@@ -1908,12 +1832,14 @@
           </a:prstGeom>
         </p:spPr>
         <p:txBody>
-          <a:bodyPr lIns="0" tIns="0" rIns="0" bIns="0">
+          <a:bodyPr lIns="0" rIns="0" tIns="0" bIns="0">
             <a:normAutofit/>
           </a:bodyPr>
-          <a:lstStyle/>
-          <a:p>
-            <a:endParaRPr lang="cs-CZ" sz="3200" b="0" strike="noStrike" spc="-1">
+          <a:p>
+            <a:endParaRPr b="0" lang="cs-CZ" sz="2800" spc="-1" strike="noStrike">
+              <a:solidFill>
+                <a:srgbClr val="000000"/>
+              </a:solidFill>
               <a:latin typeface="Arial"/>
             </a:endParaRPr>
           </a:p>
@@ -1921,14 +1847,11 @@
       </p:sp>
     </p:spTree>
   </p:cSld>
-  <p:clrMapOvr>
-    <a:masterClrMapping/>
-  </p:clrMapOvr>
 </p:sldLayout>
 </file>
 
 <file path=ppt/slideLayouts/slideLayout24.xml><?xml version="1.0" encoding="utf-8"?>
-<p:sldLayout xmlns:a="http://schemas.openxmlformats.org/drawingml/2006/main" xmlns:r="http://schemas.openxmlformats.org/officeDocument/2006/relationships" xmlns:p="http://schemas.openxmlformats.org/presentationml/2006/main" type="blank" preserve="1">
+<p:sldLayout xmlns:a="http://schemas.openxmlformats.org/drawingml/2006/main" xmlns:p="http://schemas.openxmlformats.org/presentationml/2006/main" xmlns:r="http://schemas.openxmlformats.org/officeDocument/2006/relationships" xmlns:p14="http://schemas.microsoft.com/office/powerpoint/2010/main" xmlns:p15="http://schemas.microsoft.com/office/powerpoint/2012/main" xmlns:mc="http://schemas.openxmlformats.org/markup-compatibility/2006" type="blank" preserve="1">
   <p:cSld name="Title, 6 Content">
     <p:spTree>
       <p:nvGrpSpPr>
@@ -1946,7 +1869,7 @@
       </p:grpSpPr>
       <p:sp>
         <p:nvSpPr>
-          <p:cNvPr id="107" name="PlaceHolder 1"/>
+          <p:cNvPr id="69" name="PlaceHolder 1"/>
           <p:cNvSpPr>
             <a:spLocks noGrp="1"/>
           </p:cNvSpPr>
@@ -1964,19 +1887,20 @@
           </a:prstGeom>
         </p:spPr>
         <p:txBody>
-          <a:bodyPr lIns="0" tIns="0" rIns="0" bIns="0" anchor="ctr"/>
-          <a:lstStyle/>
-          <a:p>
-            <a:pPr algn="ctr"/>
-            <a:endParaRPr lang="cs-CZ" sz="4400" b="0" strike="noStrike" spc="-1">
-              <a:latin typeface="Arial"/>
-            </a:endParaRPr>
-          </a:p>
-        </p:txBody>
-      </p:sp>
-      <p:sp>
-        <p:nvSpPr>
-          <p:cNvPr id="108" name="PlaceHolder 2"/>
+          <a:bodyPr lIns="0" rIns="0" tIns="0" bIns="0" anchor="ctr"/>
+          <a:p>
+            <a:endParaRPr b="0" lang="cs-CZ" sz="1800" spc="-1" strike="noStrike">
+              <a:solidFill>
+                <a:srgbClr val="000000"/>
+              </a:solidFill>
+              <a:latin typeface="Arial"/>
+            </a:endParaRPr>
+          </a:p>
+        </p:txBody>
+      </p:sp>
+      <p:sp>
+        <p:nvSpPr>
+          <p:cNvPr id="70" name="PlaceHolder 2"/>
           <p:cNvSpPr>
             <a:spLocks noGrp="1"/>
           </p:cNvSpPr>
@@ -1994,20 +1918,22 @@
           </a:prstGeom>
         </p:spPr>
         <p:txBody>
-          <a:bodyPr lIns="0" tIns="0" rIns="0" bIns="0">
+          <a:bodyPr lIns="0" rIns="0" tIns="0" bIns="0">
             <a:normAutofit/>
           </a:bodyPr>
-          <a:lstStyle/>
-          <a:p>
-            <a:endParaRPr lang="cs-CZ" sz="3200" b="0" strike="noStrike" spc="-1">
-              <a:latin typeface="Arial"/>
-            </a:endParaRPr>
-          </a:p>
-        </p:txBody>
-      </p:sp>
-      <p:sp>
-        <p:nvSpPr>
-          <p:cNvPr id="109" name="PlaceHolder 3"/>
+          <a:p>
+            <a:endParaRPr b="0" lang="cs-CZ" sz="2800" spc="-1" strike="noStrike">
+              <a:solidFill>
+                <a:srgbClr val="000000"/>
+              </a:solidFill>
+              <a:latin typeface="Arial"/>
+            </a:endParaRPr>
+          </a:p>
+        </p:txBody>
+      </p:sp>
+      <p:sp>
+        <p:nvSpPr>
+          <p:cNvPr id="71" name="PlaceHolder 3"/>
           <p:cNvSpPr>
             <a:spLocks noGrp="1"/>
           </p:cNvSpPr>
@@ -2025,20 +1951,22 @@
           </a:prstGeom>
         </p:spPr>
         <p:txBody>
-          <a:bodyPr lIns="0" tIns="0" rIns="0" bIns="0">
+          <a:bodyPr lIns="0" rIns="0" tIns="0" bIns="0">
             <a:normAutofit/>
           </a:bodyPr>
-          <a:lstStyle/>
-          <a:p>
-            <a:endParaRPr lang="cs-CZ" sz="3200" b="0" strike="noStrike" spc="-1">
-              <a:latin typeface="Arial"/>
-            </a:endParaRPr>
-          </a:p>
-        </p:txBody>
-      </p:sp>
-      <p:sp>
-        <p:nvSpPr>
-          <p:cNvPr id="110" name="PlaceHolder 4"/>
+          <a:p>
+            <a:endParaRPr b="0" lang="cs-CZ" sz="2800" spc="-1" strike="noStrike">
+              <a:solidFill>
+                <a:srgbClr val="000000"/>
+              </a:solidFill>
+              <a:latin typeface="Arial"/>
+            </a:endParaRPr>
+          </a:p>
+        </p:txBody>
+      </p:sp>
+      <p:sp>
+        <p:nvSpPr>
+          <p:cNvPr id="72" name="PlaceHolder 4"/>
           <p:cNvSpPr>
             <a:spLocks noGrp="1"/>
           </p:cNvSpPr>
@@ -2056,20 +1984,22 @@
           </a:prstGeom>
         </p:spPr>
         <p:txBody>
-          <a:bodyPr lIns="0" tIns="0" rIns="0" bIns="0">
+          <a:bodyPr lIns="0" rIns="0" tIns="0" bIns="0">
             <a:normAutofit/>
           </a:bodyPr>
-          <a:lstStyle/>
-          <a:p>
-            <a:endParaRPr lang="cs-CZ" sz="3200" b="0" strike="noStrike" spc="-1">
-              <a:latin typeface="Arial"/>
-            </a:endParaRPr>
-          </a:p>
-        </p:txBody>
-      </p:sp>
-      <p:sp>
-        <p:nvSpPr>
-          <p:cNvPr id="111" name="PlaceHolder 5"/>
+          <a:p>
+            <a:endParaRPr b="0" lang="cs-CZ" sz="2800" spc="-1" strike="noStrike">
+              <a:solidFill>
+                <a:srgbClr val="000000"/>
+              </a:solidFill>
+              <a:latin typeface="Arial"/>
+            </a:endParaRPr>
+          </a:p>
+        </p:txBody>
+      </p:sp>
+      <p:sp>
+        <p:nvSpPr>
+          <p:cNvPr id="73" name="PlaceHolder 5"/>
           <p:cNvSpPr>
             <a:spLocks noGrp="1"/>
           </p:cNvSpPr>
@@ -2087,20 +2017,22 @@
           </a:prstGeom>
         </p:spPr>
         <p:txBody>
-          <a:bodyPr lIns="0" tIns="0" rIns="0" bIns="0">
+          <a:bodyPr lIns="0" rIns="0" tIns="0" bIns="0">
             <a:normAutofit/>
           </a:bodyPr>
-          <a:lstStyle/>
-          <a:p>
-            <a:endParaRPr lang="cs-CZ" sz="3200" b="0" strike="noStrike" spc="-1">
-              <a:latin typeface="Arial"/>
-            </a:endParaRPr>
-          </a:p>
-        </p:txBody>
-      </p:sp>
-      <p:sp>
-        <p:nvSpPr>
-          <p:cNvPr id="112" name="PlaceHolder 6"/>
+          <a:p>
+            <a:endParaRPr b="0" lang="cs-CZ" sz="2800" spc="-1" strike="noStrike">
+              <a:solidFill>
+                <a:srgbClr val="000000"/>
+              </a:solidFill>
+              <a:latin typeface="Arial"/>
+            </a:endParaRPr>
+          </a:p>
+        </p:txBody>
+      </p:sp>
+      <p:sp>
+        <p:nvSpPr>
+          <p:cNvPr id="74" name="PlaceHolder 6"/>
           <p:cNvSpPr>
             <a:spLocks noGrp="1"/>
           </p:cNvSpPr>
@@ -2118,20 +2050,22 @@
           </a:prstGeom>
         </p:spPr>
         <p:txBody>
-          <a:bodyPr lIns="0" tIns="0" rIns="0" bIns="0">
+          <a:bodyPr lIns="0" rIns="0" tIns="0" bIns="0">
             <a:normAutofit/>
           </a:bodyPr>
-          <a:lstStyle/>
-          <a:p>
-            <a:endParaRPr lang="cs-CZ" sz="3200" b="0" strike="noStrike" spc="-1">
-              <a:latin typeface="Arial"/>
-            </a:endParaRPr>
-          </a:p>
-        </p:txBody>
-      </p:sp>
-      <p:sp>
-        <p:nvSpPr>
-          <p:cNvPr id="113" name="PlaceHolder 7"/>
+          <a:p>
+            <a:endParaRPr b="0" lang="cs-CZ" sz="2800" spc="-1" strike="noStrike">
+              <a:solidFill>
+                <a:srgbClr val="000000"/>
+              </a:solidFill>
+              <a:latin typeface="Arial"/>
+            </a:endParaRPr>
+          </a:p>
+        </p:txBody>
+      </p:sp>
+      <p:sp>
+        <p:nvSpPr>
+          <p:cNvPr id="75" name="PlaceHolder 7"/>
           <p:cNvSpPr>
             <a:spLocks noGrp="1"/>
           </p:cNvSpPr>
@@ -2149,12 +2083,14 @@
           </a:prstGeom>
         </p:spPr>
         <p:txBody>
-          <a:bodyPr lIns="0" tIns="0" rIns="0" bIns="0">
+          <a:bodyPr lIns="0" rIns="0" tIns="0" bIns="0">
             <a:normAutofit/>
           </a:bodyPr>
-          <a:lstStyle/>
-          <a:p>
-            <a:endParaRPr lang="cs-CZ" sz="3200" b="0" strike="noStrike" spc="-1">
+          <a:p>
+            <a:endParaRPr b="0" lang="cs-CZ" sz="2800" spc="-1" strike="noStrike">
+              <a:solidFill>
+                <a:srgbClr val="000000"/>
+              </a:solidFill>
               <a:latin typeface="Arial"/>
             </a:endParaRPr>
           </a:p>
@@ -2162,14 +2098,115 @@
       </p:sp>
     </p:spTree>
   </p:cSld>
-  <p:clrMapOvr>
-    <a:masterClrMapping/>
-  </p:clrMapOvr>
 </p:sldLayout>
 </file>
 
-<file path=ppt/slideLayouts/slideLayout3.xml><?xml version="1.0" encoding="utf-8"?>
-<p:sldLayout xmlns:a="http://schemas.openxmlformats.org/drawingml/2006/main" xmlns:r="http://schemas.openxmlformats.org/officeDocument/2006/relationships" xmlns:p="http://schemas.openxmlformats.org/presentationml/2006/main" type="obj" preserve="1">
+<file path=ppt/slideLayouts/slideLayout25.xml><?xml version="1.0" encoding="utf-8"?>
+<p:sldLayout xmlns:a="http://schemas.openxmlformats.org/drawingml/2006/main" xmlns:p="http://schemas.openxmlformats.org/presentationml/2006/main" xmlns:r="http://schemas.openxmlformats.org/officeDocument/2006/relationships" xmlns:p14="http://schemas.microsoft.com/office/powerpoint/2010/main" xmlns:p15="http://schemas.microsoft.com/office/powerpoint/2012/main" xmlns:mc="http://schemas.openxmlformats.org/markup-compatibility/2006" type="blank" preserve="1">
+  <p:cSld name="Blank Slide">
+    <p:spTree>
+      <p:nvGrpSpPr>
+        <p:cNvPr id="1" name=""/>
+        <p:cNvGrpSpPr/>
+        <p:nvPr/>
+      </p:nvGrpSpPr>
+      <p:grpSpPr>
+        <a:xfrm>
+          <a:off x="0" y="0"/>
+          <a:ext cx="0" cy="0"/>
+          <a:chOff x="0" y="0"/>
+          <a:chExt cx="0" cy="0"/>
+        </a:xfrm>
+      </p:grpSpPr>
+    </p:spTree>
+  </p:cSld>
+</p:sldLayout>
+</file>
+
+<file path=ppt/slideLayouts/slideLayout26.xml><?xml version="1.0" encoding="utf-8"?>
+<p:sldLayout xmlns:a="http://schemas.openxmlformats.org/drawingml/2006/main" xmlns:p="http://schemas.openxmlformats.org/presentationml/2006/main" xmlns:r="http://schemas.openxmlformats.org/officeDocument/2006/relationships" xmlns:p14="http://schemas.microsoft.com/office/powerpoint/2010/main" xmlns:p15="http://schemas.microsoft.com/office/powerpoint/2012/main" xmlns:mc="http://schemas.openxmlformats.org/markup-compatibility/2006" type="tx" preserve="1">
+  <p:cSld name="Title Slide">
+    <p:spTree>
+      <p:nvGrpSpPr>
+        <p:cNvPr id="1" name=""/>
+        <p:cNvGrpSpPr/>
+        <p:nvPr/>
+      </p:nvGrpSpPr>
+      <p:grpSpPr>
+        <a:xfrm>
+          <a:off x="0" y="0"/>
+          <a:ext cx="0" cy="0"/>
+          <a:chOff x="0" y="0"/>
+          <a:chExt cx="0" cy="0"/>
+        </a:xfrm>
+      </p:grpSpPr>
+      <p:sp>
+        <p:nvSpPr>
+          <p:cNvPr id="78" name="PlaceHolder 1"/>
+          <p:cNvSpPr>
+            <a:spLocks noGrp="1"/>
+          </p:cNvSpPr>
+          <p:nvPr>
+            <p:ph type="title"/>
+          </p:nvPr>
+        </p:nvSpPr>
+        <p:spPr>
+          <a:xfrm>
+            <a:off x="504000" y="301320"/>
+            <a:ext cx="9072000" cy="1261800"/>
+          </a:xfrm>
+          <a:prstGeom prst="rect">
+            <a:avLst/>
+          </a:prstGeom>
+        </p:spPr>
+        <p:txBody>
+          <a:bodyPr lIns="0" rIns="0" tIns="0" bIns="0" anchor="ctr"/>
+          <a:p>
+            <a:endParaRPr b="0" lang="cs-CZ" sz="1800" spc="-1" strike="noStrike">
+              <a:solidFill>
+                <a:srgbClr val="000000"/>
+              </a:solidFill>
+              <a:latin typeface="Arial"/>
+            </a:endParaRPr>
+          </a:p>
+        </p:txBody>
+      </p:sp>
+      <p:sp>
+        <p:nvSpPr>
+          <p:cNvPr id="79" name="PlaceHolder 2"/>
+          <p:cNvSpPr>
+            <a:spLocks noGrp="1"/>
+          </p:cNvSpPr>
+          <p:nvPr>
+            <p:ph type="subTitle"/>
+          </p:nvPr>
+        </p:nvSpPr>
+        <p:spPr>
+          <a:xfrm>
+            <a:off x="504000" y="1768680"/>
+            <a:ext cx="9072000" cy="4384080"/>
+          </a:xfrm>
+          <a:prstGeom prst="rect">
+            <a:avLst/>
+          </a:prstGeom>
+        </p:spPr>
+        <p:txBody>
+          <a:bodyPr lIns="0" rIns="0" tIns="0" bIns="0" anchor="ctr"/>
+          <a:p>
+            <a:pPr algn="ctr"/>
+            <a:endParaRPr b="0" lang="cs-CZ" sz="3200" spc="-1" strike="noStrike">
+              <a:latin typeface="Arial"/>
+            </a:endParaRPr>
+          </a:p>
+        </p:txBody>
+      </p:sp>
+    </p:spTree>
+  </p:cSld>
+</p:sldLayout>
+</file>
+
+<file path=ppt/slideLayouts/slideLayout27.xml><?xml version="1.0" encoding="utf-8"?>
+<p:sldLayout xmlns:a="http://schemas.openxmlformats.org/drawingml/2006/main" xmlns:p="http://schemas.openxmlformats.org/presentationml/2006/main" xmlns:r="http://schemas.openxmlformats.org/officeDocument/2006/relationships" xmlns:p14="http://schemas.microsoft.com/office/powerpoint/2010/main" xmlns:p15="http://schemas.microsoft.com/office/powerpoint/2012/main" xmlns:mc="http://schemas.openxmlformats.org/markup-compatibility/2006" type="obj" preserve="1">
   <p:cSld name="Title, Content">
     <p:spTree>
       <p:nvGrpSpPr>
@@ -2187,7 +2224,7 @@
       </p:grpSpPr>
       <p:sp>
         <p:nvSpPr>
-          <p:cNvPr id="4" name="PlaceHolder 1"/>
+          <p:cNvPr id="80" name="PlaceHolder 1"/>
           <p:cNvSpPr>
             <a:spLocks noGrp="1"/>
           </p:cNvSpPr>
@@ -2205,19 +2242,20 @@
           </a:prstGeom>
         </p:spPr>
         <p:txBody>
-          <a:bodyPr lIns="0" tIns="0" rIns="0" bIns="0" anchor="ctr"/>
-          <a:lstStyle/>
-          <a:p>
-            <a:pPr algn="ctr"/>
-            <a:endParaRPr lang="cs-CZ" sz="4400" b="0" strike="noStrike" spc="-1">
-              <a:latin typeface="Arial"/>
-            </a:endParaRPr>
-          </a:p>
-        </p:txBody>
-      </p:sp>
-      <p:sp>
-        <p:nvSpPr>
-          <p:cNvPr id="5" name="PlaceHolder 2"/>
+          <a:bodyPr lIns="0" rIns="0" tIns="0" bIns="0" anchor="ctr"/>
+          <a:p>
+            <a:endParaRPr b="0" lang="cs-CZ" sz="1800" spc="-1" strike="noStrike">
+              <a:solidFill>
+                <a:srgbClr val="000000"/>
+              </a:solidFill>
+              <a:latin typeface="Arial"/>
+            </a:endParaRPr>
+          </a:p>
+        </p:txBody>
+      </p:sp>
+      <p:sp>
+        <p:nvSpPr>
+          <p:cNvPr id="81" name="PlaceHolder 2"/>
           <p:cNvSpPr>
             <a:spLocks noGrp="1"/>
           </p:cNvSpPr>
@@ -2235,12 +2273,14 @@
           </a:prstGeom>
         </p:spPr>
         <p:txBody>
-          <a:bodyPr lIns="0" tIns="0" rIns="0" bIns="0">
+          <a:bodyPr lIns="0" rIns="0" tIns="0" bIns="0">
             <a:normAutofit/>
           </a:bodyPr>
-          <a:lstStyle/>
-          <a:p>
-            <a:endParaRPr lang="cs-CZ" sz="3200" b="0" strike="noStrike" spc="-1">
+          <a:p>
+            <a:endParaRPr b="0" lang="cs-CZ" sz="2800" spc="-1" strike="noStrike">
+              <a:solidFill>
+                <a:srgbClr val="000000"/>
+              </a:solidFill>
               <a:latin typeface="Arial"/>
             </a:endParaRPr>
           </a:p>
@@ -2248,14 +2288,11 @@
       </p:sp>
     </p:spTree>
   </p:cSld>
-  <p:clrMapOvr>
-    <a:masterClrMapping/>
-  </p:clrMapOvr>
 </p:sldLayout>
 </file>
 
-<file path=ppt/slideLayouts/slideLayout4.xml><?xml version="1.0" encoding="utf-8"?>
-<p:sldLayout xmlns:a="http://schemas.openxmlformats.org/drawingml/2006/main" xmlns:r="http://schemas.openxmlformats.org/officeDocument/2006/relationships" xmlns:p="http://schemas.openxmlformats.org/presentationml/2006/main" type="twoObj" preserve="1">
+<file path=ppt/slideLayouts/slideLayout28.xml><?xml version="1.0" encoding="utf-8"?>
+<p:sldLayout xmlns:a="http://schemas.openxmlformats.org/drawingml/2006/main" xmlns:p="http://schemas.openxmlformats.org/presentationml/2006/main" xmlns:r="http://schemas.openxmlformats.org/officeDocument/2006/relationships" xmlns:p14="http://schemas.microsoft.com/office/powerpoint/2010/main" xmlns:p15="http://schemas.microsoft.com/office/powerpoint/2012/main" xmlns:mc="http://schemas.openxmlformats.org/markup-compatibility/2006" type="twoObj" preserve="1">
   <p:cSld name="Title, 2 Content">
     <p:spTree>
       <p:nvGrpSpPr>
@@ -2273,7 +2310,7 @@
       </p:grpSpPr>
       <p:sp>
         <p:nvSpPr>
-          <p:cNvPr id="6" name="PlaceHolder 1"/>
+          <p:cNvPr id="82" name="PlaceHolder 1"/>
           <p:cNvSpPr>
             <a:spLocks noGrp="1"/>
           </p:cNvSpPr>
@@ -2291,19 +2328,20 @@
           </a:prstGeom>
         </p:spPr>
         <p:txBody>
-          <a:bodyPr lIns="0" tIns="0" rIns="0" bIns="0" anchor="ctr"/>
-          <a:lstStyle/>
-          <a:p>
-            <a:pPr algn="ctr"/>
-            <a:endParaRPr lang="cs-CZ" sz="4400" b="0" strike="noStrike" spc="-1">
-              <a:latin typeface="Arial"/>
-            </a:endParaRPr>
-          </a:p>
-        </p:txBody>
-      </p:sp>
-      <p:sp>
-        <p:nvSpPr>
-          <p:cNvPr id="7" name="PlaceHolder 2"/>
+          <a:bodyPr lIns="0" rIns="0" tIns="0" bIns="0" anchor="ctr"/>
+          <a:p>
+            <a:endParaRPr b="0" lang="cs-CZ" sz="1800" spc="-1" strike="noStrike">
+              <a:solidFill>
+                <a:srgbClr val="000000"/>
+              </a:solidFill>
+              <a:latin typeface="Arial"/>
+            </a:endParaRPr>
+          </a:p>
+        </p:txBody>
+      </p:sp>
+      <p:sp>
+        <p:nvSpPr>
+          <p:cNvPr id="83" name="PlaceHolder 2"/>
           <p:cNvSpPr>
             <a:spLocks noGrp="1"/>
           </p:cNvSpPr>
@@ -2321,20 +2359,22 @@
           </a:prstGeom>
         </p:spPr>
         <p:txBody>
-          <a:bodyPr lIns="0" tIns="0" rIns="0" bIns="0">
+          <a:bodyPr lIns="0" rIns="0" tIns="0" bIns="0">
             <a:normAutofit/>
           </a:bodyPr>
-          <a:lstStyle/>
-          <a:p>
-            <a:endParaRPr lang="cs-CZ" sz="3200" b="0" strike="noStrike" spc="-1">
-              <a:latin typeface="Arial"/>
-            </a:endParaRPr>
-          </a:p>
-        </p:txBody>
-      </p:sp>
-      <p:sp>
-        <p:nvSpPr>
-          <p:cNvPr id="8" name="PlaceHolder 3"/>
+          <a:p>
+            <a:endParaRPr b="0" lang="cs-CZ" sz="2800" spc="-1" strike="noStrike">
+              <a:solidFill>
+                <a:srgbClr val="000000"/>
+              </a:solidFill>
+              <a:latin typeface="Arial"/>
+            </a:endParaRPr>
+          </a:p>
+        </p:txBody>
+      </p:sp>
+      <p:sp>
+        <p:nvSpPr>
+          <p:cNvPr id="84" name="PlaceHolder 3"/>
           <p:cNvSpPr>
             <a:spLocks noGrp="1"/>
           </p:cNvSpPr>
@@ -2352,12 +2392,14 @@
           </a:prstGeom>
         </p:spPr>
         <p:txBody>
-          <a:bodyPr lIns="0" tIns="0" rIns="0" bIns="0">
+          <a:bodyPr lIns="0" rIns="0" tIns="0" bIns="0">
             <a:normAutofit/>
           </a:bodyPr>
-          <a:lstStyle/>
-          <a:p>
-            <a:endParaRPr lang="cs-CZ" sz="3200" b="0" strike="noStrike" spc="-1">
+          <a:p>
+            <a:endParaRPr b="0" lang="cs-CZ" sz="2800" spc="-1" strike="noStrike">
+              <a:solidFill>
+                <a:srgbClr val="000000"/>
+              </a:solidFill>
               <a:latin typeface="Arial"/>
             </a:endParaRPr>
           </a:p>
@@ -2365,14 +2407,11 @@
       </p:sp>
     </p:spTree>
   </p:cSld>
-  <p:clrMapOvr>
-    <a:masterClrMapping/>
-  </p:clrMapOvr>
 </p:sldLayout>
 </file>
 
-<file path=ppt/slideLayouts/slideLayout5.xml><?xml version="1.0" encoding="utf-8"?>
-<p:sldLayout xmlns:a="http://schemas.openxmlformats.org/drawingml/2006/main" xmlns:r="http://schemas.openxmlformats.org/officeDocument/2006/relationships" xmlns:p="http://schemas.openxmlformats.org/presentationml/2006/main" type="titleOnly" preserve="1">
+<file path=ppt/slideLayouts/slideLayout29.xml><?xml version="1.0" encoding="utf-8"?>
+<p:sldLayout xmlns:a="http://schemas.openxmlformats.org/drawingml/2006/main" xmlns:p="http://schemas.openxmlformats.org/presentationml/2006/main" xmlns:r="http://schemas.openxmlformats.org/officeDocument/2006/relationships" xmlns:p14="http://schemas.microsoft.com/office/powerpoint/2010/main" xmlns:p15="http://schemas.microsoft.com/office/powerpoint/2012/main" xmlns:mc="http://schemas.openxmlformats.org/markup-compatibility/2006" type="titleOnly" preserve="1">
   <p:cSld name="Title Only">
     <p:spTree>
       <p:nvGrpSpPr>
@@ -2390,7 +2429,7 @@
       </p:grpSpPr>
       <p:sp>
         <p:nvSpPr>
-          <p:cNvPr id="9" name="PlaceHolder 1"/>
+          <p:cNvPr id="85" name="PlaceHolder 1"/>
           <p:cNvSpPr>
             <a:spLocks noGrp="1"/>
           </p:cNvSpPr>
@@ -2408,11 +2447,12 @@
           </a:prstGeom>
         </p:spPr>
         <p:txBody>
-          <a:bodyPr lIns="0" tIns="0" rIns="0" bIns="0" anchor="ctr"/>
-          <a:lstStyle/>
-          <a:p>
-            <a:pPr algn="ctr"/>
-            <a:endParaRPr lang="cs-CZ" sz="4400" b="0" strike="noStrike" spc="-1">
+          <a:bodyPr lIns="0" rIns="0" tIns="0" bIns="0" anchor="ctr"/>
+          <a:p>
+            <a:endParaRPr b="0" lang="cs-CZ" sz="1800" spc="-1" strike="noStrike">
+              <a:solidFill>
+                <a:srgbClr val="000000"/>
+              </a:solidFill>
               <a:latin typeface="Arial"/>
             </a:endParaRPr>
           </a:p>
@@ -2420,14 +2460,97 @@
       </p:sp>
     </p:spTree>
   </p:cSld>
-  <p:clrMapOvr>
-    <a:masterClrMapping/>
-  </p:clrMapOvr>
 </p:sldLayout>
 </file>
 
-<file path=ppt/slideLayouts/slideLayout6.xml><?xml version="1.0" encoding="utf-8"?>
-<p:sldLayout xmlns:a="http://schemas.openxmlformats.org/drawingml/2006/main" xmlns:r="http://schemas.openxmlformats.org/officeDocument/2006/relationships" xmlns:p="http://schemas.openxmlformats.org/presentationml/2006/main" type="objOnly" preserve="1">
+<file path=ppt/slideLayouts/slideLayout3.xml><?xml version="1.0" encoding="utf-8"?>
+<p:sldLayout xmlns:a="http://schemas.openxmlformats.org/drawingml/2006/main" xmlns:p="http://schemas.openxmlformats.org/presentationml/2006/main" xmlns:r="http://schemas.openxmlformats.org/officeDocument/2006/relationships" xmlns:p14="http://schemas.microsoft.com/office/powerpoint/2010/main" xmlns:p15="http://schemas.microsoft.com/office/powerpoint/2012/main" xmlns:mc="http://schemas.openxmlformats.org/markup-compatibility/2006" type="obj" preserve="1">
+  <p:cSld name="Title, Content">
+    <p:spTree>
+      <p:nvGrpSpPr>
+        <p:cNvPr id="1" name=""/>
+        <p:cNvGrpSpPr/>
+        <p:nvPr/>
+      </p:nvGrpSpPr>
+      <p:grpSpPr>
+        <a:xfrm>
+          <a:off x="0" y="0"/>
+          <a:ext cx="0" cy="0"/>
+          <a:chOff x="0" y="0"/>
+          <a:chExt cx="0" cy="0"/>
+        </a:xfrm>
+      </p:grpSpPr>
+      <p:sp>
+        <p:nvSpPr>
+          <p:cNvPr id="4" name="PlaceHolder 1"/>
+          <p:cNvSpPr>
+            <a:spLocks noGrp="1"/>
+          </p:cNvSpPr>
+          <p:nvPr>
+            <p:ph type="title"/>
+          </p:nvPr>
+        </p:nvSpPr>
+        <p:spPr>
+          <a:xfrm>
+            <a:off x="504000" y="301320"/>
+            <a:ext cx="9072000" cy="1261800"/>
+          </a:xfrm>
+          <a:prstGeom prst="rect">
+            <a:avLst/>
+          </a:prstGeom>
+        </p:spPr>
+        <p:txBody>
+          <a:bodyPr lIns="0" rIns="0" tIns="0" bIns="0" anchor="ctr"/>
+          <a:p>
+            <a:endParaRPr b="0" lang="cs-CZ" sz="1800" spc="-1" strike="noStrike">
+              <a:solidFill>
+                <a:srgbClr val="000000"/>
+              </a:solidFill>
+              <a:latin typeface="Arial"/>
+            </a:endParaRPr>
+          </a:p>
+        </p:txBody>
+      </p:sp>
+      <p:sp>
+        <p:nvSpPr>
+          <p:cNvPr id="5" name="PlaceHolder 2"/>
+          <p:cNvSpPr>
+            <a:spLocks noGrp="1"/>
+          </p:cNvSpPr>
+          <p:nvPr>
+            <p:ph type="body"/>
+          </p:nvPr>
+        </p:nvSpPr>
+        <p:spPr>
+          <a:xfrm>
+            <a:off x="504000" y="1768680"/>
+            <a:ext cx="9072000" cy="4384080"/>
+          </a:xfrm>
+          <a:prstGeom prst="rect">
+            <a:avLst/>
+          </a:prstGeom>
+        </p:spPr>
+        <p:txBody>
+          <a:bodyPr lIns="0" rIns="0" tIns="0" bIns="0">
+            <a:normAutofit/>
+          </a:bodyPr>
+          <a:p>
+            <a:endParaRPr b="0" lang="cs-CZ" sz="2800" spc="-1" strike="noStrike">
+              <a:solidFill>
+                <a:srgbClr val="000000"/>
+              </a:solidFill>
+              <a:latin typeface="Arial"/>
+            </a:endParaRPr>
+          </a:p>
+        </p:txBody>
+      </p:sp>
+    </p:spTree>
+  </p:cSld>
+</p:sldLayout>
+</file>
+
+<file path=ppt/slideLayouts/slideLayout30.xml><?xml version="1.0" encoding="utf-8"?>
+<p:sldLayout xmlns:a="http://schemas.openxmlformats.org/drawingml/2006/main" xmlns:p="http://schemas.openxmlformats.org/presentationml/2006/main" xmlns:r="http://schemas.openxmlformats.org/officeDocument/2006/relationships" xmlns:p14="http://schemas.microsoft.com/office/powerpoint/2010/main" xmlns:p15="http://schemas.microsoft.com/office/powerpoint/2012/main" xmlns:mc="http://schemas.openxmlformats.org/markup-compatibility/2006" type="objOnly" preserve="1">
   <p:cSld name="Centered Text">
     <p:spTree>
       <p:nvGrpSpPr>
@@ -2445,7 +2568,7 @@
       </p:grpSpPr>
       <p:sp>
         <p:nvSpPr>
-          <p:cNvPr id="10" name="PlaceHolder 1"/>
+          <p:cNvPr id="86" name="PlaceHolder 1"/>
           <p:cNvSpPr>
             <a:spLocks noGrp="1"/>
           </p:cNvSpPr>
@@ -2463,11 +2586,10 @@
           </a:prstGeom>
         </p:spPr>
         <p:txBody>
-          <a:bodyPr lIns="0" tIns="0" rIns="0" bIns="0" anchor="ctr"/>
-          <a:lstStyle/>
+          <a:bodyPr lIns="0" rIns="0" tIns="0" bIns="0" anchor="ctr"/>
           <a:p>
             <a:pPr algn="ctr"/>
-            <a:endParaRPr lang="cs-CZ" sz="3200" b="0" strike="noStrike" spc="-1">
+            <a:endParaRPr b="0" lang="cs-CZ" sz="3200" spc="-1" strike="noStrike">
               <a:latin typeface="Arial"/>
             </a:endParaRPr>
           </a:p>
@@ -2475,14 +2597,11 @@
       </p:sp>
     </p:spTree>
   </p:cSld>
-  <p:clrMapOvr>
-    <a:masterClrMapping/>
-  </p:clrMapOvr>
 </p:sldLayout>
 </file>
 
-<file path=ppt/slideLayouts/slideLayout7.xml><?xml version="1.0" encoding="utf-8"?>
-<p:sldLayout xmlns:a="http://schemas.openxmlformats.org/drawingml/2006/main" xmlns:r="http://schemas.openxmlformats.org/officeDocument/2006/relationships" xmlns:p="http://schemas.openxmlformats.org/presentationml/2006/main" type="twoObjAndObj" preserve="1">
+<file path=ppt/slideLayouts/slideLayout31.xml><?xml version="1.0" encoding="utf-8"?>
+<p:sldLayout xmlns:a="http://schemas.openxmlformats.org/drawingml/2006/main" xmlns:p="http://schemas.openxmlformats.org/presentationml/2006/main" xmlns:r="http://schemas.openxmlformats.org/officeDocument/2006/relationships" xmlns:p14="http://schemas.microsoft.com/office/powerpoint/2010/main" xmlns:p15="http://schemas.microsoft.com/office/powerpoint/2012/main" xmlns:mc="http://schemas.openxmlformats.org/markup-compatibility/2006" type="twoObjAndObj" preserve="1">
   <p:cSld name="Title, 2 Content and Content">
     <p:spTree>
       <p:nvGrpSpPr>
@@ -2500,7 +2619,7 @@
       </p:grpSpPr>
       <p:sp>
         <p:nvSpPr>
-          <p:cNvPr id="11" name="PlaceHolder 1"/>
+          <p:cNvPr id="87" name="PlaceHolder 1"/>
           <p:cNvSpPr>
             <a:spLocks noGrp="1"/>
           </p:cNvSpPr>
@@ -2518,19 +2637,20 @@
           </a:prstGeom>
         </p:spPr>
         <p:txBody>
-          <a:bodyPr lIns="0" tIns="0" rIns="0" bIns="0" anchor="ctr"/>
-          <a:lstStyle/>
-          <a:p>
-            <a:pPr algn="ctr"/>
-            <a:endParaRPr lang="cs-CZ" sz="4400" b="0" strike="noStrike" spc="-1">
-              <a:latin typeface="Arial"/>
-            </a:endParaRPr>
-          </a:p>
-        </p:txBody>
-      </p:sp>
-      <p:sp>
-        <p:nvSpPr>
-          <p:cNvPr id="12" name="PlaceHolder 2"/>
+          <a:bodyPr lIns="0" rIns="0" tIns="0" bIns="0" anchor="ctr"/>
+          <a:p>
+            <a:endParaRPr b="0" lang="cs-CZ" sz="1800" spc="-1" strike="noStrike">
+              <a:solidFill>
+                <a:srgbClr val="000000"/>
+              </a:solidFill>
+              <a:latin typeface="Arial"/>
+            </a:endParaRPr>
+          </a:p>
+        </p:txBody>
+      </p:sp>
+      <p:sp>
+        <p:nvSpPr>
+          <p:cNvPr id="88" name="PlaceHolder 2"/>
           <p:cNvSpPr>
             <a:spLocks noGrp="1"/>
           </p:cNvSpPr>
@@ -2548,20 +2668,22 @@
           </a:prstGeom>
         </p:spPr>
         <p:txBody>
-          <a:bodyPr lIns="0" tIns="0" rIns="0" bIns="0">
+          <a:bodyPr lIns="0" rIns="0" tIns="0" bIns="0">
             <a:normAutofit/>
           </a:bodyPr>
-          <a:lstStyle/>
-          <a:p>
-            <a:endParaRPr lang="cs-CZ" sz="3200" b="0" strike="noStrike" spc="-1">
-              <a:latin typeface="Arial"/>
-            </a:endParaRPr>
-          </a:p>
-        </p:txBody>
-      </p:sp>
-      <p:sp>
-        <p:nvSpPr>
-          <p:cNvPr id="13" name="PlaceHolder 3"/>
+          <a:p>
+            <a:endParaRPr b="0" lang="cs-CZ" sz="2800" spc="-1" strike="noStrike">
+              <a:solidFill>
+                <a:srgbClr val="000000"/>
+              </a:solidFill>
+              <a:latin typeface="Arial"/>
+            </a:endParaRPr>
+          </a:p>
+        </p:txBody>
+      </p:sp>
+      <p:sp>
+        <p:nvSpPr>
+          <p:cNvPr id="89" name="PlaceHolder 3"/>
           <p:cNvSpPr>
             <a:spLocks noGrp="1"/>
           </p:cNvSpPr>
@@ -2579,20 +2701,22 @@
           </a:prstGeom>
         </p:spPr>
         <p:txBody>
-          <a:bodyPr lIns="0" tIns="0" rIns="0" bIns="0">
+          <a:bodyPr lIns="0" rIns="0" tIns="0" bIns="0">
             <a:normAutofit/>
           </a:bodyPr>
-          <a:lstStyle/>
-          <a:p>
-            <a:endParaRPr lang="cs-CZ" sz="3200" b="0" strike="noStrike" spc="-1">
-              <a:latin typeface="Arial"/>
-            </a:endParaRPr>
-          </a:p>
-        </p:txBody>
-      </p:sp>
-      <p:sp>
-        <p:nvSpPr>
-          <p:cNvPr id="14" name="PlaceHolder 4"/>
+          <a:p>
+            <a:endParaRPr b="0" lang="cs-CZ" sz="2800" spc="-1" strike="noStrike">
+              <a:solidFill>
+                <a:srgbClr val="000000"/>
+              </a:solidFill>
+              <a:latin typeface="Arial"/>
+            </a:endParaRPr>
+          </a:p>
+        </p:txBody>
+      </p:sp>
+      <p:sp>
+        <p:nvSpPr>
+          <p:cNvPr id="90" name="PlaceHolder 4"/>
           <p:cNvSpPr>
             <a:spLocks noGrp="1"/>
           </p:cNvSpPr>
@@ -2610,12 +2734,14 @@
           </a:prstGeom>
         </p:spPr>
         <p:txBody>
-          <a:bodyPr lIns="0" tIns="0" rIns="0" bIns="0">
+          <a:bodyPr lIns="0" rIns="0" tIns="0" bIns="0">
             <a:normAutofit/>
           </a:bodyPr>
-          <a:lstStyle/>
-          <a:p>
-            <a:endParaRPr lang="cs-CZ" sz="3200" b="0" strike="noStrike" spc="-1">
+          <a:p>
+            <a:endParaRPr b="0" lang="cs-CZ" sz="2800" spc="-1" strike="noStrike">
+              <a:solidFill>
+                <a:srgbClr val="000000"/>
+              </a:solidFill>
               <a:latin typeface="Arial"/>
             </a:endParaRPr>
           </a:p>
@@ -2623,14 +2749,11 @@
       </p:sp>
     </p:spTree>
   </p:cSld>
-  <p:clrMapOvr>
-    <a:masterClrMapping/>
-  </p:clrMapOvr>
 </p:sldLayout>
 </file>
 
-<file path=ppt/slideLayouts/slideLayout8.xml><?xml version="1.0" encoding="utf-8"?>
-<p:sldLayout xmlns:a="http://schemas.openxmlformats.org/drawingml/2006/main" xmlns:r="http://schemas.openxmlformats.org/officeDocument/2006/relationships" xmlns:p="http://schemas.openxmlformats.org/presentationml/2006/main" type="objAndTwoObj" preserve="1">
+<file path=ppt/slideLayouts/slideLayout32.xml><?xml version="1.0" encoding="utf-8"?>
+<p:sldLayout xmlns:a="http://schemas.openxmlformats.org/drawingml/2006/main" xmlns:p="http://schemas.openxmlformats.org/presentationml/2006/main" xmlns:r="http://schemas.openxmlformats.org/officeDocument/2006/relationships" xmlns:p14="http://schemas.microsoft.com/office/powerpoint/2010/main" xmlns:p15="http://schemas.microsoft.com/office/powerpoint/2012/main" xmlns:mc="http://schemas.openxmlformats.org/markup-compatibility/2006" type="objAndTwoObj" preserve="1">
   <p:cSld name="Title Content and 2 Content">
     <p:spTree>
       <p:nvGrpSpPr>
@@ -2648,7 +2771,7 @@
       </p:grpSpPr>
       <p:sp>
         <p:nvSpPr>
-          <p:cNvPr id="15" name="PlaceHolder 1"/>
+          <p:cNvPr id="91" name="PlaceHolder 1"/>
           <p:cNvSpPr>
             <a:spLocks noGrp="1"/>
           </p:cNvSpPr>
@@ -2666,19 +2789,20 @@
           </a:prstGeom>
         </p:spPr>
         <p:txBody>
-          <a:bodyPr lIns="0" tIns="0" rIns="0" bIns="0" anchor="ctr"/>
-          <a:lstStyle/>
-          <a:p>
-            <a:pPr algn="ctr"/>
-            <a:endParaRPr lang="cs-CZ" sz="4400" b="0" strike="noStrike" spc="-1">
-              <a:latin typeface="Arial"/>
-            </a:endParaRPr>
-          </a:p>
-        </p:txBody>
-      </p:sp>
-      <p:sp>
-        <p:nvSpPr>
-          <p:cNvPr id="16" name="PlaceHolder 2"/>
+          <a:bodyPr lIns="0" rIns="0" tIns="0" bIns="0" anchor="ctr"/>
+          <a:p>
+            <a:endParaRPr b="0" lang="cs-CZ" sz="1800" spc="-1" strike="noStrike">
+              <a:solidFill>
+                <a:srgbClr val="000000"/>
+              </a:solidFill>
+              <a:latin typeface="Arial"/>
+            </a:endParaRPr>
+          </a:p>
+        </p:txBody>
+      </p:sp>
+      <p:sp>
+        <p:nvSpPr>
+          <p:cNvPr id="92" name="PlaceHolder 2"/>
           <p:cNvSpPr>
             <a:spLocks noGrp="1"/>
           </p:cNvSpPr>
@@ -2696,20 +2820,22 @@
           </a:prstGeom>
         </p:spPr>
         <p:txBody>
-          <a:bodyPr lIns="0" tIns="0" rIns="0" bIns="0">
+          <a:bodyPr lIns="0" rIns="0" tIns="0" bIns="0">
             <a:normAutofit/>
           </a:bodyPr>
-          <a:lstStyle/>
-          <a:p>
-            <a:endParaRPr lang="cs-CZ" sz="3200" b="0" strike="noStrike" spc="-1">
-              <a:latin typeface="Arial"/>
-            </a:endParaRPr>
-          </a:p>
-        </p:txBody>
-      </p:sp>
-      <p:sp>
-        <p:nvSpPr>
-          <p:cNvPr id="17" name="PlaceHolder 3"/>
+          <a:p>
+            <a:endParaRPr b="0" lang="cs-CZ" sz="2800" spc="-1" strike="noStrike">
+              <a:solidFill>
+                <a:srgbClr val="000000"/>
+              </a:solidFill>
+              <a:latin typeface="Arial"/>
+            </a:endParaRPr>
+          </a:p>
+        </p:txBody>
+      </p:sp>
+      <p:sp>
+        <p:nvSpPr>
+          <p:cNvPr id="93" name="PlaceHolder 3"/>
           <p:cNvSpPr>
             <a:spLocks noGrp="1"/>
           </p:cNvSpPr>
@@ -2727,20 +2853,22 @@
           </a:prstGeom>
         </p:spPr>
         <p:txBody>
-          <a:bodyPr lIns="0" tIns="0" rIns="0" bIns="0">
+          <a:bodyPr lIns="0" rIns="0" tIns="0" bIns="0">
             <a:normAutofit/>
           </a:bodyPr>
-          <a:lstStyle/>
-          <a:p>
-            <a:endParaRPr lang="cs-CZ" sz="3200" b="0" strike="noStrike" spc="-1">
-              <a:latin typeface="Arial"/>
-            </a:endParaRPr>
-          </a:p>
-        </p:txBody>
-      </p:sp>
-      <p:sp>
-        <p:nvSpPr>
-          <p:cNvPr id="18" name="PlaceHolder 4"/>
+          <a:p>
+            <a:endParaRPr b="0" lang="cs-CZ" sz="2800" spc="-1" strike="noStrike">
+              <a:solidFill>
+                <a:srgbClr val="000000"/>
+              </a:solidFill>
+              <a:latin typeface="Arial"/>
+            </a:endParaRPr>
+          </a:p>
+        </p:txBody>
+      </p:sp>
+      <p:sp>
+        <p:nvSpPr>
+          <p:cNvPr id="94" name="PlaceHolder 4"/>
           <p:cNvSpPr>
             <a:spLocks noGrp="1"/>
           </p:cNvSpPr>
@@ -2758,12 +2886,14 @@
           </a:prstGeom>
         </p:spPr>
         <p:txBody>
-          <a:bodyPr lIns="0" tIns="0" rIns="0" bIns="0">
+          <a:bodyPr lIns="0" rIns="0" tIns="0" bIns="0">
             <a:normAutofit/>
           </a:bodyPr>
-          <a:lstStyle/>
-          <a:p>
-            <a:endParaRPr lang="cs-CZ" sz="3200" b="0" strike="noStrike" spc="-1">
+          <a:p>
+            <a:endParaRPr b="0" lang="cs-CZ" sz="2800" spc="-1" strike="noStrike">
+              <a:solidFill>
+                <a:srgbClr val="000000"/>
+              </a:solidFill>
               <a:latin typeface="Arial"/>
             </a:endParaRPr>
           </a:p>
@@ -2771,14 +2901,11 @@
       </p:sp>
     </p:spTree>
   </p:cSld>
-  <p:clrMapOvr>
-    <a:masterClrMapping/>
-  </p:clrMapOvr>
 </p:sldLayout>
 </file>
 
-<file path=ppt/slideLayouts/slideLayout9.xml><?xml version="1.0" encoding="utf-8"?>
-<p:sldLayout xmlns:a="http://schemas.openxmlformats.org/drawingml/2006/main" xmlns:r="http://schemas.openxmlformats.org/officeDocument/2006/relationships" xmlns:p="http://schemas.openxmlformats.org/presentationml/2006/main" type="twoObjOverTx" preserve="1">
+<file path=ppt/slideLayouts/slideLayout33.xml><?xml version="1.0" encoding="utf-8"?>
+<p:sldLayout xmlns:a="http://schemas.openxmlformats.org/drawingml/2006/main" xmlns:p="http://schemas.openxmlformats.org/presentationml/2006/main" xmlns:r="http://schemas.openxmlformats.org/officeDocument/2006/relationships" xmlns:p14="http://schemas.microsoft.com/office/powerpoint/2010/main" xmlns:p15="http://schemas.microsoft.com/office/powerpoint/2012/main" xmlns:mc="http://schemas.openxmlformats.org/markup-compatibility/2006" type="twoObjOverTx" preserve="1">
   <p:cSld name="Title, 2 Content over Content">
     <p:spTree>
       <p:nvGrpSpPr>
@@ -2796,7 +2923,7 @@
       </p:grpSpPr>
       <p:sp>
         <p:nvSpPr>
-          <p:cNvPr id="19" name="PlaceHolder 1"/>
+          <p:cNvPr id="95" name="PlaceHolder 1"/>
           <p:cNvSpPr>
             <a:spLocks noGrp="1"/>
           </p:cNvSpPr>
@@ -2814,19 +2941,20 @@
           </a:prstGeom>
         </p:spPr>
         <p:txBody>
-          <a:bodyPr lIns="0" tIns="0" rIns="0" bIns="0" anchor="ctr"/>
-          <a:lstStyle/>
-          <a:p>
-            <a:pPr algn="ctr"/>
-            <a:endParaRPr lang="cs-CZ" sz="4400" b="0" strike="noStrike" spc="-1">
-              <a:latin typeface="Arial"/>
-            </a:endParaRPr>
-          </a:p>
-        </p:txBody>
-      </p:sp>
-      <p:sp>
-        <p:nvSpPr>
-          <p:cNvPr id="20" name="PlaceHolder 2"/>
+          <a:bodyPr lIns="0" rIns="0" tIns="0" bIns="0" anchor="ctr"/>
+          <a:p>
+            <a:endParaRPr b="0" lang="cs-CZ" sz="1800" spc="-1" strike="noStrike">
+              <a:solidFill>
+                <a:srgbClr val="000000"/>
+              </a:solidFill>
+              <a:latin typeface="Arial"/>
+            </a:endParaRPr>
+          </a:p>
+        </p:txBody>
+      </p:sp>
+      <p:sp>
+        <p:nvSpPr>
+          <p:cNvPr id="96" name="PlaceHolder 2"/>
           <p:cNvSpPr>
             <a:spLocks noGrp="1"/>
           </p:cNvSpPr>
@@ -2844,20 +2972,22 @@
           </a:prstGeom>
         </p:spPr>
         <p:txBody>
-          <a:bodyPr lIns="0" tIns="0" rIns="0" bIns="0">
+          <a:bodyPr lIns="0" rIns="0" tIns="0" bIns="0">
             <a:normAutofit/>
           </a:bodyPr>
-          <a:lstStyle/>
-          <a:p>
-            <a:endParaRPr lang="cs-CZ" sz="3200" b="0" strike="noStrike" spc="-1">
-              <a:latin typeface="Arial"/>
-            </a:endParaRPr>
-          </a:p>
-        </p:txBody>
-      </p:sp>
-      <p:sp>
-        <p:nvSpPr>
-          <p:cNvPr id="21" name="PlaceHolder 3"/>
+          <a:p>
+            <a:endParaRPr b="0" lang="cs-CZ" sz="2800" spc="-1" strike="noStrike">
+              <a:solidFill>
+                <a:srgbClr val="000000"/>
+              </a:solidFill>
+              <a:latin typeface="Arial"/>
+            </a:endParaRPr>
+          </a:p>
+        </p:txBody>
+      </p:sp>
+      <p:sp>
+        <p:nvSpPr>
+          <p:cNvPr id="97" name="PlaceHolder 3"/>
           <p:cNvSpPr>
             <a:spLocks noGrp="1"/>
           </p:cNvSpPr>
@@ -2875,20 +3005,22 @@
           </a:prstGeom>
         </p:spPr>
         <p:txBody>
-          <a:bodyPr lIns="0" tIns="0" rIns="0" bIns="0">
+          <a:bodyPr lIns="0" rIns="0" tIns="0" bIns="0">
             <a:normAutofit/>
           </a:bodyPr>
-          <a:lstStyle/>
-          <a:p>
-            <a:endParaRPr lang="cs-CZ" sz="3200" b="0" strike="noStrike" spc="-1">
-              <a:latin typeface="Arial"/>
-            </a:endParaRPr>
-          </a:p>
-        </p:txBody>
-      </p:sp>
-      <p:sp>
-        <p:nvSpPr>
-          <p:cNvPr id="22" name="PlaceHolder 4"/>
+          <a:p>
+            <a:endParaRPr b="0" lang="cs-CZ" sz="2800" spc="-1" strike="noStrike">
+              <a:solidFill>
+                <a:srgbClr val="000000"/>
+              </a:solidFill>
+              <a:latin typeface="Arial"/>
+            </a:endParaRPr>
+          </a:p>
+        </p:txBody>
+      </p:sp>
+      <p:sp>
+        <p:nvSpPr>
+          <p:cNvPr id="98" name="PlaceHolder 4"/>
           <p:cNvSpPr>
             <a:spLocks noGrp="1"/>
           </p:cNvSpPr>
@@ -2906,12 +3038,14 @@
           </a:prstGeom>
         </p:spPr>
         <p:txBody>
-          <a:bodyPr lIns="0" tIns="0" rIns="0" bIns="0">
+          <a:bodyPr lIns="0" rIns="0" tIns="0" bIns="0">
             <a:normAutofit/>
           </a:bodyPr>
-          <a:lstStyle/>
-          <a:p>
-            <a:endParaRPr lang="cs-CZ" sz="3200" b="0" strike="noStrike" spc="-1">
+          <a:p>
+            <a:endParaRPr b="0" lang="cs-CZ" sz="2800" spc="-1" strike="noStrike">
+              <a:solidFill>
+                <a:srgbClr val="000000"/>
+              </a:solidFill>
               <a:latin typeface="Arial"/>
             </a:endParaRPr>
           </a:p>
@@ -2919,24 +3053,1254 @@
       </p:sp>
     </p:spTree>
   </p:cSld>
-  <p:clrMapOvr>
-    <a:masterClrMapping/>
-  </p:clrMapOvr>
+</p:sldLayout>
+</file>
+
+<file path=ppt/slideLayouts/slideLayout34.xml><?xml version="1.0" encoding="utf-8"?>
+<p:sldLayout xmlns:a="http://schemas.openxmlformats.org/drawingml/2006/main" xmlns:p="http://schemas.openxmlformats.org/presentationml/2006/main" xmlns:r="http://schemas.openxmlformats.org/officeDocument/2006/relationships" xmlns:p14="http://schemas.microsoft.com/office/powerpoint/2010/main" xmlns:p15="http://schemas.microsoft.com/office/powerpoint/2012/main" xmlns:mc="http://schemas.openxmlformats.org/markup-compatibility/2006" type="objOverTx" preserve="1">
+  <p:cSld name="Title, Content over Content">
+    <p:spTree>
+      <p:nvGrpSpPr>
+        <p:cNvPr id="1" name=""/>
+        <p:cNvGrpSpPr/>
+        <p:nvPr/>
+      </p:nvGrpSpPr>
+      <p:grpSpPr>
+        <a:xfrm>
+          <a:off x="0" y="0"/>
+          <a:ext cx="0" cy="0"/>
+          <a:chOff x="0" y="0"/>
+          <a:chExt cx="0" cy="0"/>
+        </a:xfrm>
+      </p:grpSpPr>
+      <p:sp>
+        <p:nvSpPr>
+          <p:cNvPr id="99" name="PlaceHolder 1"/>
+          <p:cNvSpPr>
+            <a:spLocks noGrp="1"/>
+          </p:cNvSpPr>
+          <p:nvPr>
+            <p:ph type="title"/>
+          </p:nvPr>
+        </p:nvSpPr>
+        <p:spPr>
+          <a:xfrm>
+            <a:off x="504000" y="301320"/>
+            <a:ext cx="9072000" cy="1261800"/>
+          </a:xfrm>
+          <a:prstGeom prst="rect">
+            <a:avLst/>
+          </a:prstGeom>
+        </p:spPr>
+        <p:txBody>
+          <a:bodyPr lIns="0" rIns="0" tIns="0" bIns="0" anchor="ctr"/>
+          <a:p>
+            <a:endParaRPr b="0" lang="cs-CZ" sz="1800" spc="-1" strike="noStrike">
+              <a:solidFill>
+                <a:srgbClr val="000000"/>
+              </a:solidFill>
+              <a:latin typeface="Arial"/>
+            </a:endParaRPr>
+          </a:p>
+        </p:txBody>
+      </p:sp>
+      <p:sp>
+        <p:nvSpPr>
+          <p:cNvPr id="100" name="PlaceHolder 2"/>
+          <p:cNvSpPr>
+            <a:spLocks noGrp="1"/>
+          </p:cNvSpPr>
+          <p:nvPr>
+            <p:ph type="body"/>
+          </p:nvPr>
+        </p:nvSpPr>
+        <p:spPr>
+          <a:xfrm>
+            <a:off x="504000" y="1768680"/>
+            <a:ext cx="9072000" cy="2090880"/>
+          </a:xfrm>
+          <a:prstGeom prst="rect">
+            <a:avLst/>
+          </a:prstGeom>
+        </p:spPr>
+        <p:txBody>
+          <a:bodyPr lIns="0" rIns="0" tIns="0" bIns="0">
+            <a:normAutofit/>
+          </a:bodyPr>
+          <a:p>
+            <a:endParaRPr b="0" lang="cs-CZ" sz="2800" spc="-1" strike="noStrike">
+              <a:solidFill>
+                <a:srgbClr val="000000"/>
+              </a:solidFill>
+              <a:latin typeface="Arial"/>
+            </a:endParaRPr>
+          </a:p>
+        </p:txBody>
+      </p:sp>
+      <p:sp>
+        <p:nvSpPr>
+          <p:cNvPr id="101" name="PlaceHolder 3"/>
+          <p:cNvSpPr>
+            <a:spLocks noGrp="1"/>
+          </p:cNvSpPr>
+          <p:nvPr>
+            <p:ph type="body"/>
+          </p:nvPr>
+        </p:nvSpPr>
+        <p:spPr>
+          <a:xfrm>
+            <a:off x="504000" y="4058640"/>
+            <a:ext cx="9072000" cy="2090880"/>
+          </a:xfrm>
+          <a:prstGeom prst="rect">
+            <a:avLst/>
+          </a:prstGeom>
+        </p:spPr>
+        <p:txBody>
+          <a:bodyPr lIns="0" rIns="0" tIns="0" bIns="0">
+            <a:normAutofit/>
+          </a:bodyPr>
+          <a:p>
+            <a:endParaRPr b="0" lang="cs-CZ" sz="2800" spc="-1" strike="noStrike">
+              <a:solidFill>
+                <a:srgbClr val="000000"/>
+              </a:solidFill>
+              <a:latin typeface="Arial"/>
+            </a:endParaRPr>
+          </a:p>
+        </p:txBody>
+      </p:sp>
+    </p:spTree>
+  </p:cSld>
+</p:sldLayout>
+</file>
+
+<file path=ppt/slideLayouts/slideLayout35.xml><?xml version="1.0" encoding="utf-8"?>
+<p:sldLayout xmlns:a="http://schemas.openxmlformats.org/drawingml/2006/main" xmlns:p="http://schemas.openxmlformats.org/presentationml/2006/main" xmlns:r="http://schemas.openxmlformats.org/officeDocument/2006/relationships" xmlns:p14="http://schemas.microsoft.com/office/powerpoint/2010/main" xmlns:p15="http://schemas.microsoft.com/office/powerpoint/2012/main" xmlns:mc="http://schemas.openxmlformats.org/markup-compatibility/2006" type="fourObj" preserve="1">
+  <p:cSld name="Title, 4 Content">
+    <p:spTree>
+      <p:nvGrpSpPr>
+        <p:cNvPr id="1" name=""/>
+        <p:cNvGrpSpPr/>
+        <p:nvPr/>
+      </p:nvGrpSpPr>
+      <p:grpSpPr>
+        <a:xfrm>
+          <a:off x="0" y="0"/>
+          <a:ext cx="0" cy="0"/>
+          <a:chOff x="0" y="0"/>
+          <a:chExt cx="0" cy="0"/>
+        </a:xfrm>
+      </p:grpSpPr>
+      <p:sp>
+        <p:nvSpPr>
+          <p:cNvPr id="102" name="PlaceHolder 1"/>
+          <p:cNvSpPr>
+            <a:spLocks noGrp="1"/>
+          </p:cNvSpPr>
+          <p:nvPr>
+            <p:ph type="title"/>
+          </p:nvPr>
+        </p:nvSpPr>
+        <p:spPr>
+          <a:xfrm>
+            <a:off x="504000" y="301320"/>
+            <a:ext cx="9072000" cy="1261800"/>
+          </a:xfrm>
+          <a:prstGeom prst="rect">
+            <a:avLst/>
+          </a:prstGeom>
+        </p:spPr>
+        <p:txBody>
+          <a:bodyPr lIns="0" rIns="0" tIns="0" bIns="0" anchor="ctr"/>
+          <a:p>
+            <a:endParaRPr b="0" lang="cs-CZ" sz="1800" spc="-1" strike="noStrike">
+              <a:solidFill>
+                <a:srgbClr val="000000"/>
+              </a:solidFill>
+              <a:latin typeface="Arial"/>
+            </a:endParaRPr>
+          </a:p>
+        </p:txBody>
+      </p:sp>
+      <p:sp>
+        <p:nvSpPr>
+          <p:cNvPr id="103" name="PlaceHolder 2"/>
+          <p:cNvSpPr>
+            <a:spLocks noGrp="1"/>
+          </p:cNvSpPr>
+          <p:nvPr>
+            <p:ph type="body"/>
+          </p:nvPr>
+        </p:nvSpPr>
+        <p:spPr>
+          <a:xfrm>
+            <a:off x="504000" y="1768680"/>
+            <a:ext cx="4426920" cy="2090880"/>
+          </a:xfrm>
+          <a:prstGeom prst="rect">
+            <a:avLst/>
+          </a:prstGeom>
+        </p:spPr>
+        <p:txBody>
+          <a:bodyPr lIns="0" rIns="0" tIns="0" bIns="0">
+            <a:normAutofit/>
+          </a:bodyPr>
+          <a:p>
+            <a:endParaRPr b="0" lang="cs-CZ" sz="2800" spc="-1" strike="noStrike">
+              <a:solidFill>
+                <a:srgbClr val="000000"/>
+              </a:solidFill>
+              <a:latin typeface="Arial"/>
+            </a:endParaRPr>
+          </a:p>
+        </p:txBody>
+      </p:sp>
+      <p:sp>
+        <p:nvSpPr>
+          <p:cNvPr id="104" name="PlaceHolder 3"/>
+          <p:cNvSpPr>
+            <a:spLocks noGrp="1"/>
+          </p:cNvSpPr>
+          <p:nvPr>
+            <p:ph type="body"/>
+          </p:nvPr>
+        </p:nvSpPr>
+        <p:spPr>
+          <a:xfrm>
+            <a:off x="5152680" y="1768680"/>
+            <a:ext cx="4426920" cy="2090880"/>
+          </a:xfrm>
+          <a:prstGeom prst="rect">
+            <a:avLst/>
+          </a:prstGeom>
+        </p:spPr>
+        <p:txBody>
+          <a:bodyPr lIns="0" rIns="0" tIns="0" bIns="0">
+            <a:normAutofit/>
+          </a:bodyPr>
+          <a:p>
+            <a:endParaRPr b="0" lang="cs-CZ" sz="2800" spc="-1" strike="noStrike">
+              <a:solidFill>
+                <a:srgbClr val="000000"/>
+              </a:solidFill>
+              <a:latin typeface="Arial"/>
+            </a:endParaRPr>
+          </a:p>
+        </p:txBody>
+      </p:sp>
+      <p:sp>
+        <p:nvSpPr>
+          <p:cNvPr id="105" name="PlaceHolder 4"/>
+          <p:cNvSpPr>
+            <a:spLocks noGrp="1"/>
+          </p:cNvSpPr>
+          <p:nvPr>
+            <p:ph type="body"/>
+          </p:nvPr>
+        </p:nvSpPr>
+        <p:spPr>
+          <a:xfrm>
+            <a:off x="504000" y="4058640"/>
+            <a:ext cx="4426920" cy="2090880"/>
+          </a:xfrm>
+          <a:prstGeom prst="rect">
+            <a:avLst/>
+          </a:prstGeom>
+        </p:spPr>
+        <p:txBody>
+          <a:bodyPr lIns="0" rIns="0" tIns="0" bIns="0">
+            <a:normAutofit/>
+          </a:bodyPr>
+          <a:p>
+            <a:endParaRPr b="0" lang="cs-CZ" sz="2800" spc="-1" strike="noStrike">
+              <a:solidFill>
+                <a:srgbClr val="000000"/>
+              </a:solidFill>
+              <a:latin typeface="Arial"/>
+            </a:endParaRPr>
+          </a:p>
+        </p:txBody>
+      </p:sp>
+      <p:sp>
+        <p:nvSpPr>
+          <p:cNvPr id="106" name="PlaceHolder 5"/>
+          <p:cNvSpPr>
+            <a:spLocks noGrp="1"/>
+          </p:cNvSpPr>
+          <p:nvPr>
+            <p:ph type="body"/>
+          </p:nvPr>
+        </p:nvSpPr>
+        <p:spPr>
+          <a:xfrm>
+            <a:off x="5152680" y="4058640"/>
+            <a:ext cx="4426920" cy="2090880"/>
+          </a:xfrm>
+          <a:prstGeom prst="rect">
+            <a:avLst/>
+          </a:prstGeom>
+        </p:spPr>
+        <p:txBody>
+          <a:bodyPr lIns="0" rIns="0" tIns="0" bIns="0">
+            <a:normAutofit/>
+          </a:bodyPr>
+          <a:p>
+            <a:endParaRPr b="0" lang="cs-CZ" sz="2800" spc="-1" strike="noStrike">
+              <a:solidFill>
+                <a:srgbClr val="000000"/>
+              </a:solidFill>
+              <a:latin typeface="Arial"/>
+            </a:endParaRPr>
+          </a:p>
+        </p:txBody>
+      </p:sp>
+    </p:spTree>
+  </p:cSld>
+</p:sldLayout>
+</file>
+
+<file path=ppt/slideLayouts/slideLayout36.xml><?xml version="1.0" encoding="utf-8"?>
+<p:sldLayout xmlns:a="http://schemas.openxmlformats.org/drawingml/2006/main" xmlns:p="http://schemas.openxmlformats.org/presentationml/2006/main" xmlns:r="http://schemas.openxmlformats.org/officeDocument/2006/relationships" xmlns:p14="http://schemas.microsoft.com/office/powerpoint/2010/main" xmlns:p15="http://schemas.microsoft.com/office/powerpoint/2012/main" xmlns:mc="http://schemas.openxmlformats.org/markup-compatibility/2006" type="blank" preserve="1">
+  <p:cSld name="Title, 6 Content">
+    <p:spTree>
+      <p:nvGrpSpPr>
+        <p:cNvPr id="1" name=""/>
+        <p:cNvGrpSpPr/>
+        <p:nvPr/>
+      </p:nvGrpSpPr>
+      <p:grpSpPr>
+        <a:xfrm>
+          <a:off x="0" y="0"/>
+          <a:ext cx="0" cy="0"/>
+          <a:chOff x="0" y="0"/>
+          <a:chExt cx="0" cy="0"/>
+        </a:xfrm>
+      </p:grpSpPr>
+      <p:sp>
+        <p:nvSpPr>
+          <p:cNvPr id="107" name="PlaceHolder 1"/>
+          <p:cNvSpPr>
+            <a:spLocks noGrp="1"/>
+          </p:cNvSpPr>
+          <p:nvPr>
+            <p:ph type="title"/>
+          </p:nvPr>
+        </p:nvSpPr>
+        <p:spPr>
+          <a:xfrm>
+            <a:off x="504000" y="301320"/>
+            <a:ext cx="9072000" cy="1261800"/>
+          </a:xfrm>
+          <a:prstGeom prst="rect">
+            <a:avLst/>
+          </a:prstGeom>
+        </p:spPr>
+        <p:txBody>
+          <a:bodyPr lIns="0" rIns="0" tIns="0" bIns="0" anchor="ctr"/>
+          <a:p>
+            <a:endParaRPr b="0" lang="cs-CZ" sz="1800" spc="-1" strike="noStrike">
+              <a:solidFill>
+                <a:srgbClr val="000000"/>
+              </a:solidFill>
+              <a:latin typeface="Arial"/>
+            </a:endParaRPr>
+          </a:p>
+        </p:txBody>
+      </p:sp>
+      <p:sp>
+        <p:nvSpPr>
+          <p:cNvPr id="108" name="PlaceHolder 2"/>
+          <p:cNvSpPr>
+            <a:spLocks noGrp="1"/>
+          </p:cNvSpPr>
+          <p:nvPr>
+            <p:ph type="body"/>
+          </p:nvPr>
+        </p:nvSpPr>
+        <p:spPr>
+          <a:xfrm>
+            <a:off x="504000" y="1768680"/>
+            <a:ext cx="2921040" cy="2090880"/>
+          </a:xfrm>
+          <a:prstGeom prst="rect">
+            <a:avLst/>
+          </a:prstGeom>
+        </p:spPr>
+        <p:txBody>
+          <a:bodyPr lIns="0" rIns="0" tIns="0" bIns="0">
+            <a:normAutofit/>
+          </a:bodyPr>
+          <a:p>
+            <a:endParaRPr b="0" lang="cs-CZ" sz="2800" spc="-1" strike="noStrike">
+              <a:solidFill>
+                <a:srgbClr val="000000"/>
+              </a:solidFill>
+              <a:latin typeface="Arial"/>
+            </a:endParaRPr>
+          </a:p>
+        </p:txBody>
+      </p:sp>
+      <p:sp>
+        <p:nvSpPr>
+          <p:cNvPr id="109" name="PlaceHolder 3"/>
+          <p:cNvSpPr>
+            <a:spLocks noGrp="1"/>
+          </p:cNvSpPr>
+          <p:nvPr>
+            <p:ph type="body"/>
+          </p:nvPr>
+        </p:nvSpPr>
+        <p:spPr>
+          <a:xfrm>
+            <a:off x="3571560" y="1768680"/>
+            <a:ext cx="2921040" cy="2090880"/>
+          </a:xfrm>
+          <a:prstGeom prst="rect">
+            <a:avLst/>
+          </a:prstGeom>
+        </p:spPr>
+        <p:txBody>
+          <a:bodyPr lIns="0" rIns="0" tIns="0" bIns="0">
+            <a:normAutofit/>
+          </a:bodyPr>
+          <a:p>
+            <a:endParaRPr b="0" lang="cs-CZ" sz="2800" spc="-1" strike="noStrike">
+              <a:solidFill>
+                <a:srgbClr val="000000"/>
+              </a:solidFill>
+              <a:latin typeface="Arial"/>
+            </a:endParaRPr>
+          </a:p>
+        </p:txBody>
+      </p:sp>
+      <p:sp>
+        <p:nvSpPr>
+          <p:cNvPr id="110" name="PlaceHolder 4"/>
+          <p:cNvSpPr>
+            <a:spLocks noGrp="1"/>
+          </p:cNvSpPr>
+          <p:nvPr>
+            <p:ph type="body"/>
+          </p:nvPr>
+        </p:nvSpPr>
+        <p:spPr>
+          <a:xfrm>
+            <a:off x="6639120" y="1768680"/>
+            <a:ext cx="2921040" cy="2090880"/>
+          </a:xfrm>
+          <a:prstGeom prst="rect">
+            <a:avLst/>
+          </a:prstGeom>
+        </p:spPr>
+        <p:txBody>
+          <a:bodyPr lIns="0" rIns="0" tIns="0" bIns="0">
+            <a:normAutofit/>
+          </a:bodyPr>
+          <a:p>
+            <a:endParaRPr b="0" lang="cs-CZ" sz="2800" spc="-1" strike="noStrike">
+              <a:solidFill>
+                <a:srgbClr val="000000"/>
+              </a:solidFill>
+              <a:latin typeface="Arial"/>
+            </a:endParaRPr>
+          </a:p>
+        </p:txBody>
+      </p:sp>
+      <p:sp>
+        <p:nvSpPr>
+          <p:cNvPr id="111" name="PlaceHolder 5"/>
+          <p:cNvSpPr>
+            <a:spLocks noGrp="1"/>
+          </p:cNvSpPr>
+          <p:nvPr>
+            <p:ph type="body"/>
+          </p:nvPr>
+        </p:nvSpPr>
+        <p:spPr>
+          <a:xfrm>
+            <a:off x="504000" y="4058640"/>
+            <a:ext cx="2921040" cy="2090880"/>
+          </a:xfrm>
+          <a:prstGeom prst="rect">
+            <a:avLst/>
+          </a:prstGeom>
+        </p:spPr>
+        <p:txBody>
+          <a:bodyPr lIns="0" rIns="0" tIns="0" bIns="0">
+            <a:normAutofit/>
+          </a:bodyPr>
+          <a:p>
+            <a:endParaRPr b="0" lang="cs-CZ" sz="2800" spc="-1" strike="noStrike">
+              <a:solidFill>
+                <a:srgbClr val="000000"/>
+              </a:solidFill>
+              <a:latin typeface="Arial"/>
+            </a:endParaRPr>
+          </a:p>
+        </p:txBody>
+      </p:sp>
+      <p:sp>
+        <p:nvSpPr>
+          <p:cNvPr id="112" name="PlaceHolder 6"/>
+          <p:cNvSpPr>
+            <a:spLocks noGrp="1"/>
+          </p:cNvSpPr>
+          <p:nvPr>
+            <p:ph type="body"/>
+          </p:nvPr>
+        </p:nvSpPr>
+        <p:spPr>
+          <a:xfrm>
+            <a:off x="3571560" y="4058640"/>
+            <a:ext cx="2921040" cy="2090880"/>
+          </a:xfrm>
+          <a:prstGeom prst="rect">
+            <a:avLst/>
+          </a:prstGeom>
+        </p:spPr>
+        <p:txBody>
+          <a:bodyPr lIns="0" rIns="0" tIns="0" bIns="0">
+            <a:normAutofit/>
+          </a:bodyPr>
+          <a:p>
+            <a:endParaRPr b="0" lang="cs-CZ" sz="2800" spc="-1" strike="noStrike">
+              <a:solidFill>
+                <a:srgbClr val="000000"/>
+              </a:solidFill>
+              <a:latin typeface="Arial"/>
+            </a:endParaRPr>
+          </a:p>
+        </p:txBody>
+      </p:sp>
+      <p:sp>
+        <p:nvSpPr>
+          <p:cNvPr id="113" name="PlaceHolder 7"/>
+          <p:cNvSpPr>
+            <a:spLocks noGrp="1"/>
+          </p:cNvSpPr>
+          <p:nvPr>
+            <p:ph type="body"/>
+          </p:nvPr>
+        </p:nvSpPr>
+        <p:spPr>
+          <a:xfrm>
+            <a:off x="6639120" y="4058640"/>
+            <a:ext cx="2921040" cy="2090880"/>
+          </a:xfrm>
+          <a:prstGeom prst="rect">
+            <a:avLst/>
+          </a:prstGeom>
+        </p:spPr>
+        <p:txBody>
+          <a:bodyPr lIns="0" rIns="0" tIns="0" bIns="0">
+            <a:normAutofit/>
+          </a:bodyPr>
+          <a:p>
+            <a:endParaRPr b="0" lang="cs-CZ" sz="2800" spc="-1" strike="noStrike">
+              <a:solidFill>
+                <a:srgbClr val="000000"/>
+              </a:solidFill>
+              <a:latin typeface="Arial"/>
+            </a:endParaRPr>
+          </a:p>
+        </p:txBody>
+      </p:sp>
+    </p:spTree>
+  </p:cSld>
+</p:sldLayout>
+</file>
+
+<file path=ppt/slideLayouts/slideLayout4.xml><?xml version="1.0" encoding="utf-8"?>
+<p:sldLayout xmlns:a="http://schemas.openxmlformats.org/drawingml/2006/main" xmlns:p="http://schemas.openxmlformats.org/presentationml/2006/main" xmlns:r="http://schemas.openxmlformats.org/officeDocument/2006/relationships" xmlns:p14="http://schemas.microsoft.com/office/powerpoint/2010/main" xmlns:p15="http://schemas.microsoft.com/office/powerpoint/2012/main" xmlns:mc="http://schemas.openxmlformats.org/markup-compatibility/2006" type="twoObj" preserve="1">
+  <p:cSld name="Title, 2 Content">
+    <p:spTree>
+      <p:nvGrpSpPr>
+        <p:cNvPr id="1" name=""/>
+        <p:cNvGrpSpPr/>
+        <p:nvPr/>
+      </p:nvGrpSpPr>
+      <p:grpSpPr>
+        <a:xfrm>
+          <a:off x="0" y="0"/>
+          <a:ext cx="0" cy="0"/>
+          <a:chOff x="0" y="0"/>
+          <a:chExt cx="0" cy="0"/>
+        </a:xfrm>
+      </p:grpSpPr>
+      <p:sp>
+        <p:nvSpPr>
+          <p:cNvPr id="6" name="PlaceHolder 1"/>
+          <p:cNvSpPr>
+            <a:spLocks noGrp="1"/>
+          </p:cNvSpPr>
+          <p:nvPr>
+            <p:ph type="title"/>
+          </p:nvPr>
+        </p:nvSpPr>
+        <p:spPr>
+          <a:xfrm>
+            <a:off x="504000" y="301320"/>
+            <a:ext cx="9072000" cy="1261800"/>
+          </a:xfrm>
+          <a:prstGeom prst="rect">
+            <a:avLst/>
+          </a:prstGeom>
+        </p:spPr>
+        <p:txBody>
+          <a:bodyPr lIns="0" rIns="0" tIns="0" bIns="0" anchor="ctr"/>
+          <a:p>
+            <a:endParaRPr b="0" lang="cs-CZ" sz="1800" spc="-1" strike="noStrike">
+              <a:solidFill>
+                <a:srgbClr val="000000"/>
+              </a:solidFill>
+              <a:latin typeface="Arial"/>
+            </a:endParaRPr>
+          </a:p>
+        </p:txBody>
+      </p:sp>
+      <p:sp>
+        <p:nvSpPr>
+          <p:cNvPr id="7" name="PlaceHolder 2"/>
+          <p:cNvSpPr>
+            <a:spLocks noGrp="1"/>
+          </p:cNvSpPr>
+          <p:nvPr>
+            <p:ph type="body"/>
+          </p:nvPr>
+        </p:nvSpPr>
+        <p:spPr>
+          <a:xfrm>
+            <a:off x="504000" y="1768680"/>
+            <a:ext cx="4426920" cy="4384080"/>
+          </a:xfrm>
+          <a:prstGeom prst="rect">
+            <a:avLst/>
+          </a:prstGeom>
+        </p:spPr>
+        <p:txBody>
+          <a:bodyPr lIns="0" rIns="0" tIns="0" bIns="0">
+            <a:normAutofit/>
+          </a:bodyPr>
+          <a:p>
+            <a:endParaRPr b="0" lang="cs-CZ" sz="2800" spc="-1" strike="noStrike">
+              <a:solidFill>
+                <a:srgbClr val="000000"/>
+              </a:solidFill>
+              <a:latin typeface="Arial"/>
+            </a:endParaRPr>
+          </a:p>
+        </p:txBody>
+      </p:sp>
+      <p:sp>
+        <p:nvSpPr>
+          <p:cNvPr id="8" name="PlaceHolder 3"/>
+          <p:cNvSpPr>
+            <a:spLocks noGrp="1"/>
+          </p:cNvSpPr>
+          <p:nvPr>
+            <p:ph type="body"/>
+          </p:nvPr>
+        </p:nvSpPr>
+        <p:spPr>
+          <a:xfrm>
+            <a:off x="5152680" y="1768680"/>
+            <a:ext cx="4426920" cy="4384080"/>
+          </a:xfrm>
+          <a:prstGeom prst="rect">
+            <a:avLst/>
+          </a:prstGeom>
+        </p:spPr>
+        <p:txBody>
+          <a:bodyPr lIns="0" rIns="0" tIns="0" bIns="0">
+            <a:normAutofit/>
+          </a:bodyPr>
+          <a:p>
+            <a:endParaRPr b="0" lang="cs-CZ" sz="2800" spc="-1" strike="noStrike">
+              <a:solidFill>
+                <a:srgbClr val="000000"/>
+              </a:solidFill>
+              <a:latin typeface="Arial"/>
+            </a:endParaRPr>
+          </a:p>
+        </p:txBody>
+      </p:sp>
+    </p:spTree>
+  </p:cSld>
+</p:sldLayout>
+</file>
+
+<file path=ppt/slideLayouts/slideLayout5.xml><?xml version="1.0" encoding="utf-8"?>
+<p:sldLayout xmlns:a="http://schemas.openxmlformats.org/drawingml/2006/main" xmlns:p="http://schemas.openxmlformats.org/presentationml/2006/main" xmlns:r="http://schemas.openxmlformats.org/officeDocument/2006/relationships" xmlns:p14="http://schemas.microsoft.com/office/powerpoint/2010/main" xmlns:p15="http://schemas.microsoft.com/office/powerpoint/2012/main" xmlns:mc="http://schemas.openxmlformats.org/markup-compatibility/2006" type="titleOnly" preserve="1">
+  <p:cSld name="Title Only">
+    <p:spTree>
+      <p:nvGrpSpPr>
+        <p:cNvPr id="1" name=""/>
+        <p:cNvGrpSpPr/>
+        <p:nvPr/>
+      </p:nvGrpSpPr>
+      <p:grpSpPr>
+        <a:xfrm>
+          <a:off x="0" y="0"/>
+          <a:ext cx="0" cy="0"/>
+          <a:chOff x="0" y="0"/>
+          <a:chExt cx="0" cy="0"/>
+        </a:xfrm>
+      </p:grpSpPr>
+      <p:sp>
+        <p:nvSpPr>
+          <p:cNvPr id="9" name="PlaceHolder 1"/>
+          <p:cNvSpPr>
+            <a:spLocks noGrp="1"/>
+          </p:cNvSpPr>
+          <p:nvPr>
+            <p:ph type="title"/>
+          </p:nvPr>
+        </p:nvSpPr>
+        <p:spPr>
+          <a:xfrm>
+            <a:off x="504000" y="301320"/>
+            <a:ext cx="9072000" cy="1261800"/>
+          </a:xfrm>
+          <a:prstGeom prst="rect">
+            <a:avLst/>
+          </a:prstGeom>
+        </p:spPr>
+        <p:txBody>
+          <a:bodyPr lIns="0" rIns="0" tIns="0" bIns="0" anchor="ctr"/>
+          <a:p>
+            <a:endParaRPr b="0" lang="cs-CZ" sz="1800" spc="-1" strike="noStrike">
+              <a:solidFill>
+                <a:srgbClr val="000000"/>
+              </a:solidFill>
+              <a:latin typeface="Arial"/>
+            </a:endParaRPr>
+          </a:p>
+        </p:txBody>
+      </p:sp>
+    </p:spTree>
+  </p:cSld>
+</p:sldLayout>
+</file>
+
+<file path=ppt/slideLayouts/slideLayout6.xml><?xml version="1.0" encoding="utf-8"?>
+<p:sldLayout xmlns:a="http://schemas.openxmlformats.org/drawingml/2006/main" xmlns:p="http://schemas.openxmlformats.org/presentationml/2006/main" xmlns:r="http://schemas.openxmlformats.org/officeDocument/2006/relationships" xmlns:p14="http://schemas.microsoft.com/office/powerpoint/2010/main" xmlns:p15="http://schemas.microsoft.com/office/powerpoint/2012/main" xmlns:mc="http://schemas.openxmlformats.org/markup-compatibility/2006" type="objOnly" preserve="1">
+  <p:cSld name="Centered Text">
+    <p:spTree>
+      <p:nvGrpSpPr>
+        <p:cNvPr id="1" name=""/>
+        <p:cNvGrpSpPr/>
+        <p:nvPr/>
+      </p:nvGrpSpPr>
+      <p:grpSpPr>
+        <a:xfrm>
+          <a:off x="0" y="0"/>
+          <a:ext cx="0" cy="0"/>
+          <a:chOff x="0" y="0"/>
+          <a:chExt cx="0" cy="0"/>
+        </a:xfrm>
+      </p:grpSpPr>
+      <p:sp>
+        <p:nvSpPr>
+          <p:cNvPr id="10" name="PlaceHolder 1"/>
+          <p:cNvSpPr>
+            <a:spLocks noGrp="1"/>
+          </p:cNvSpPr>
+          <p:nvPr>
+            <p:ph type="subTitle"/>
+          </p:nvPr>
+        </p:nvSpPr>
+        <p:spPr>
+          <a:xfrm>
+            <a:off x="504000" y="301320"/>
+            <a:ext cx="9072000" cy="5850360"/>
+          </a:xfrm>
+          <a:prstGeom prst="rect">
+            <a:avLst/>
+          </a:prstGeom>
+        </p:spPr>
+        <p:txBody>
+          <a:bodyPr lIns="0" rIns="0" tIns="0" bIns="0" anchor="ctr"/>
+          <a:p>
+            <a:pPr algn="ctr"/>
+            <a:endParaRPr b="0" lang="cs-CZ" sz="3200" spc="-1" strike="noStrike">
+              <a:latin typeface="Arial"/>
+            </a:endParaRPr>
+          </a:p>
+        </p:txBody>
+      </p:sp>
+    </p:spTree>
+  </p:cSld>
+</p:sldLayout>
+</file>
+
+<file path=ppt/slideLayouts/slideLayout7.xml><?xml version="1.0" encoding="utf-8"?>
+<p:sldLayout xmlns:a="http://schemas.openxmlformats.org/drawingml/2006/main" xmlns:p="http://schemas.openxmlformats.org/presentationml/2006/main" xmlns:r="http://schemas.openxmlformats.org/officeDocument/2006/relationships" xmlns:p14="http://schemas.microsoft.com/office/powerpoint/2010/main" xmlns:p15="http://schemas.microsoft.com/office/powerpoint/2012/main" xmlns:mc="http://schemas.openxmlformats.org/markup-compatibility/2006" type="twoObjAndObj" preserve="1">
+  <p:cSld name="Title, 2 Content and Content">
+    <p:spTree>
+      <p:nvGrpSpPr>
+        <p:cNvPr id="1" name=""/>
+        <p:cNvGrpSpPr/>
+        <p:nvPr/>
+      </p:nvGrpSpPr>
+      <p:grpSpPr>
+        <a:xfrm>
+          <a:off x="0" y="0"/>
+          <a:ext cx="0" cy="0"/>
+          <a:chOff x="0" y="0"/>
+          <a:chExt cx="0" cy="0"/>
+        </a:xfrm>
+      </p:grpSpPr>
+      <p:sp>
+        <p:nvSpPr>
+          <p:cNvPr id="11" name="PlaceHolder 1"/>
+          <p:cNvSpPr>
+            <a:spLocks noGrp="1"/>
+          </p:cNvSpPr>
+          <p:nvPr>
+            <p:ph type="title"/>
+          </p:nvPr>
+        </p:nvSpPr>
+        <p:spPr>
+          <a:xfrm>
+            <a:off x="504000" y="301320"/>
+            <a:ext cx="9072000" cy="1261800"/>
+          </a:xfrm>
+          <a:prstGeom prst="rect">
+            <a:avLst/>
+          </a:prstGeom>
+        </p:spPr>
+        <p:txBody>
+          <a:bodyPr lIns="0" rIns="0" tIns="0" bIns="0" anchor="ctr"/>
+          <a:p>
+            <a:endParaRPr b="0" lang="cs-CZ" sz="1800" spc="-1" strike="noStrike">
+              <a:solidFill>
+                <a:srgbClr val="000000"/>
+              </a:solidFill>
+              <a:latin typeface="Arial"/>
+            </a:endParaRPr>
+          </a:p>
+        </p:txBody>
+      </p:sp>
+      <p:sp>
+        <p:nvSpPr>
+          <p:cNvPr id="12" name="PlaceHolder 2"/>
+          <p:cNvSpPr>
+            <a:spLocks noGrp="1"/>
+          </p:cNvSpPr>
+          <p:nvPr>
+            <p:ph type="body"/>
+          </p:nvPr>
+        </p:nvSpPr>
+        <p:spPr>
+          <a:xfrm>
+            <a:off x="504000" y="1768680"/>
+            <a:ext cx="4426920" cy="2090880"/>
+          </a:xfrm>
+          <a:prstGeom prst="rect">
+            <a:avLst/>
+          </a:prstGeom>
+        </p:spPr>
+        <p:txBody>
+          <a:bodyPr lIns="0" rIns="0" tIns="0" bIns="0">
+            <a:normAutofit/>
+          </a:bodyPr>
+          <a:p>
+            <a:endParaRPr b="0" lang="cs-CZ" sz="2800" spc="-1" strike="noStrike">
+              <a:solidFill>
+                <a:srgbClr val="000000"/>
+              </a:solidFill>
+              <a:latin typeface="Arial"/>
+            </a:endParaRPr>
+          </a:p>
+        </p:txBody>
+      </p:sp>
+      <p:sp>
+        <p:nvSpPr>
+          <p:cNvPr id="13" name="PlaceHolder 3"/>
+          <p:cNvSpPr>
+            <a:spLocks noGrp="1"/>
+          </p:cNvSpPr>
+          <p:nvPr>
+            <p:ph type="body"/>
+          </p:nvPr>
+        </p:nvSpPr>
+        <p:spPr>
+          <a:xfrm>
+            <a:off x="5152680" y="1768680"/>
+            <a:ext cx="4426920" cy="4384080"/>
+          </a:xfrm>
+          <a:prstGeom prst="rect">
+            <a:avLst/>
+          </a:prstGeom>
+        </p:spPr>
+        <p:txBody>
+          <a:bodyPr lIns="0" rIns="0" tIns="0" bIns="0">
+            <a:normAutofit/>
+          </a:bodyPr>
+          <a:p>
+            <a:endParaRPr b="0" lang="cs-CZ" sz="2800" spc="-1" strike="noStrike">
+              <a:solidFill>
+                <a:srgbClr val="000000"/>
+              </a:solidFill>
+              <a:latin typeface="Arial"/>
+            </a:endParaRPr>
+          </a:p>
+        </p:txBody>
+      </p:sp>
+      <p:sp>
+        <p:nvSpPr>
+          <p:cNvPr id="14" name="PlaceHolder 4"/>
+          <p:cNvSpPr>
+            <a:spLocks noGrp="1"/>
+          </p:cNvSpPr>
+          <p:nvPr>
+            <p:ph type="body"/>
+          </p:nvPr>
+        </p:nvSpPr>
+        <p:spPr>
+          <a:xfrm>
+            <a:off x="504000" y="4058640"/>
+            <a:ext cx="4426920" cy="2090880"/>
+          </a:xfrm>
+          <a:prstGeom prst="rect">
+            <a:avLst/>
+          </a:prstGeom>
+        </p:spPr>
+        <p:txBody>
+          <a:bodyPr lIns="0" rIns="0" tIns="0" bIns="0">
+            <a:normAutofit/>
+          </a:bodyPr>
+          <a:p>
+            <a:endParaRPr b="0" lang="cs-CZ" sz="2800" spc="-1" strike="noStrike">
+              <a:solidFill>
+                <a:srgbClr val="000000"/>
+              </a:solidFill>
+              <a:latin typeface="Arial"/>
+            </a:endParaRPr>
+          </a:p>
+        </p:txBody>
+      </p:sp>
+    </p:spTree>
+  </p:cSld>
+</p:sldLayout>
+</file>
+
+<file path=ppt/slideLayouts/slideLayout8.xml><?xml version="1.0" encoding="utf-8"?>
+<p:sldLayout xmlns:a="http://schemas.openxmlformats.org/drawingml/2006/main" xmlns:p="http://schemas.openxmlformats.org/presentationml/2006/main" xmlns:r="http://schemas.openxmlformats.org/officeDocument/2006/relationships" xmlns:p14="http://schemas.microsoft.com/office/powerpoint/2010/main" xmlns:p15="http://schemas.microsoft.com/office/powerpoint/2012/main" xmlns:mc="http://schemas.openxmlformats.org/markup-compatibility/2006" type="objAndTwoObj" preserve="1">
+  <p:cSld name="Title Content and 2 Content">
+    <p:spTree>
+      <p:nvGrpSpPr>
+        <p:cNvPr id="1" name=""/>
+        <p:cNvGrpSpPr/>
+        <p:nvPr/>
+      </p:nvGrpSpPr>
+      <p:grpSpPr>
+        <a:xfrm>
+          <a:off x="0" y="0"/>
+          <a:ext cx="0" cy="0"/>
+          <a:chOff x="0" y="0"/>
+          <a:chExt cx="0" cy="0"/>
+        </a:xfrm>
+      </p:grpSpPr>
+      <p:sp>
+        <p:nvSpPr>
+          <p:cNvPr id="15" name="PlaceHolder 1"/>
+          <p:cNvSpPr>
+            <a:spLocks noGrp="1"/>
+          </p:cNvSpPr>
+          <p:nvPr>
+            <p:ph type="title"/>
+          </p:nvPr>
+        </p:nvSpPr>
+        <p:spPr>
+          <a:xfrm>
+            <a:off x="504000" y="301320"/>
+            <a:ext cx="9072000" cy="1261800"/>
+          </a:xfrm>
+          <a:prstGeom prst="rect">
+            <a:avLst/>
+          </a:prstGeom>
+        </p:spPr>
+        <p:txBody>
+          <a:bodyPr lIns="0" rIns="0" tIns="0" bIns="0" anchor="ctr"/>
+          <a:p>
+            <a:endParaRPr b="0" lang="cs-CZ" sz="1800" spc="-1" strike="noStrike">
+              <a:solidFill>
+                <a:srgbClr val="000000"/>
+              </a:solidFill>
+              <a:latin typeface="Arial"/>
+            </a:endParaRPr>
+          </a:p>
+        </p:txBody>
+      </p:sp>
+      <p:sp>
+        <p:nvSpPr>
+          <p:cNvPr id="16" name="PlaceHolder 2"/>
+          <p:cNvSpPr>
+            <a:spLocks noGrp="1"/>
+          </p:cNvSpPr>
+          <p:nvPr>
+            <p:ph type="body"/>
+          </p:nvPr>
+        </p:nvSpPr>
+        <p:spPr>
+          <a:xfrm>
+            <a:off x="504000" y="1768680"/>
+            <a:ext cx="4426920" cy="4384080"/>
+          </a:xfrm>
+          <a:prstGeom prst="rect">
+            <a:avLst/>
+          </a:prstGeom>
+        </p:spPr>
+        <p:txBody>
+          <a:bodyPr lIns="0" rIns="0" tIns="0" bIns="0">
+            <a:normAutofit/>
+          </a:bodyPr>
+          <a:p>
+            <a:endParaRPr b="0" lang="cs-CZ" sz="2800" spc="-1" strike="noStrike">
+              <a:solidFill>
+                <a:srgbClr val="000000"/>
+              </a:solidFill>
+              <a:latin typeface="Arial"/>
+            </a:endParaRPr>
+          </a:p>
+        </p:txBody>
+      </p:sp>
+      <p:sp>
+        <p:nvSpPr>
+          <p:cNvPr id="17" name="PlaceHolder 3"/>
+          <p:cNvSpPr>
+            <a:spLocks noGrp="1"/>
+          </p:cNvSpPr>
+          <p:nvPr>
+            <p:ph type="body"/>
+          </p:nvPr>
+        </p:nvSpPr>
+        <p:spPr>
+          <a:xfrm>
+            <a:off x="5152680" y="1768680"/>
+            <a:ext cx="4426920" cy="2090880"/>
+          </a:xfrm>
+          <a:prstGeom prst="rect">
+            <a:avLst/>
+          </a:prstGeom>
+        </p:spPr>
+        <p:txBody>
+          <a:bodyPr lIns="0" rIns="0" tIns="0" bIns="0">
+            <a:normAutofit/>
+          </a:bodyPr>
+          <a:p>
+            <a:endParaRPr b="0" lang="cs-CZ" sz="2800" spc="-1" strike="noStrike">
+              <a:solidFill>
+                <a:srgbClr val="000000"/>
+              </a:solidFill>
+              <a:latin typeface="Arial"/>
+            </a:endParaRPr>
+          </a:p>
+        </p:txBody>
+      </p:sp>
+      <p:sp>
+        <p:nvSpPr>
+          <p:cNvPr id="18" name="PlaceHolder 4"/>
+          <p:cNvSpPr>
+            <a:spLocks noGrp="1"/>
+          </p:cNvSpPr>
+          <p:nvPr>
+            <p:ph type="body"/>
+          </p:nvPr>
+        </p:nvSpPr>
+        <p:spPr>
+          <a:xfrm>
+            <a:off x="5152680" y="4058640"/>
+            <a:ext cx="4426920" cy="2090880"/>
+          </a:xfrm>
+          <a:prstGeom prst="rect">
+            <a:avLst/>
+          </a:prstGeom>
+        </p:spPr>
+        <p:txBody>
+          <a:bodyPr lIns="0" rIns="0" tIns="0" bIns="0">
+            <a:normAutofit/>
+          </a:bodyPr>
+          <a:p>
+            <a:endParaRPr b="0" lang="cs-CZ" sz="2800" spc="-1" strike="noStrike">
+              <a:solidFill>
+                <a:srgbClr val="000000"/>
+              </a:solidFill>
+              <a:latin typeface="Arial"/>
+            </a:endParaRPr>
+          </a:p>
+        </p:txBody>
+      </p:sp>
+    </p:spTree>
+  </p:cSld>
+</p:sldLayout>
+</file>
+
+<file path=ppt/slideLayouts/slideLayout9.xml><?xml version="1.0" encoding="utf-8"?>
+<p:sldLayout xmlns:a="http://schemas.openxmlformats.org/drawingml/2006/main" xmlns:p="http://schemas.openxmlformats.org/presentationml/2006/main" xmlns:r="http://schemas.openxmlformats.org/officeDocument/2006/relationships" xmlns:p14="http://schemas.microsoft.com/office/powerpoint/2010/main" xmlns:p15="http://schemas.microsoft.com/office/powerpoint/2012/main" xmlns:mc="http://schemas.openxmlformats.org/markup-compatibility/2006" type="twoObjOverTx" preserve="1">
+  <p:cSld name="Title, 2 Content over Content">
+    <p:spTree>
+      <p:nvGrpSpPr>
+        <p:cNvPr id="1" name=""/>
+        <p:cNvGrpSpPr/>
+        <p:nvPr/>
+      </p:nvGrpSpPr>
+      <p:grpSpPr>
+        <a:xfrm>
+          <a:off x="0" y="0"/>
+          <a:ext cx="0" cy="0"/>
+          <a:chOff x="0" y="0"/>
+          <a:chExt cx="0" cy="0"/>
+        </a:xfrm>
+      </p:grpSpPr>
+      <p:sp>
+        <p:nvSpPr>
+          <p:cNvPr id="19" name="PlaceHolder 1"/>
+          <p:cNvSpPr>
+            <a:spLocks noGrp="1"/>
+          </p:cNvSpPr>
+          <p:nvPr>
+            <p:ph type="title"/>
+          </p:nvPr>
+        </p:nvSpPr>
+        <p:spPr>
+          <a:xfrm>
+            <a:off x="504000" y="301320"/>
+            <a:ext cx="9072000" cy="1261800"/>
+          </a:xfrm>
+          <a:prstGeom prst="rect">
+            <a:avLst/>
+          </a:prstGeom>
+        </p:spPr>
+        <p:txBody>
+          <a:bodyPr lIns="0" rIns="0" tIns="0" bIns="0" anchor="ctr"/>
+          <a:p>
+            <a:endParaRPr b="0" lang="cs-CZ" sz="1800" spc="-1" strike="noStrike">
+              <a:solidFill>
+                <a:srgbClr val="000000"/>
+              </a:solidFill>
+              <a:latin typeface="Arial"/>
+            </a:endParaRPr>
+          </a:p>
+        </p:txBody>
+      </p:sp>
+      <p:sp>
+        <p:nvSpPr>
+          <p:cNvPr id="20" name="PlaceHolder 2"/>
+          <p:cNvSpPr>
+            <a:spLocks noGrp="1"/>
+          </p:cNvSpPr>
+          <p:nvPr>
+            <p:ph type="body"/>
+          </p:nvPr>
+        </p:nvSpPr>
+        <p:spPr>
+          <a:xfrm>
+            <a:off x="504000" y="1768680"/>
+            <a:ext cx="4426920" cy="2090880"/>
+          </a:xfrm>
+          <a:prstGeom prst="rect">
+            <a:avLst/>
+          </a:prstGeom>
+        </p:spPr>
+        <p:txBody>
+          <a:bodyPr lIns="0" rIns="0" tIns="0" bIns="0">
+            <a:normAutofit/>
+          </a:bodyPr>
+          <a:p>
+            <a:endParaRPr b="0" lang="cs-CZ" sz="2800" spc="-1" strike="noStrike">
+              <a:solidFill>
+                <a:srgbClr val="000000"/>
+              </a:solidFill>
+              <a:latin typeface="Arial"/>
+            </a:endParaRPr>
+          </a:p>
+        </p:txBody>
+      </p:sp>
+      <p:sp>
+        <p:nvSpPr>
+          <p:cNvPr id="21" name="PlaceHolder 3"/>
+          <p:cNvSpPr>
+            <a:spLocks noGrp="1"/>
+          </p:cNvSpPr>
+          <p:nvPr>
+            <p:ph type="body"/>
+          </p:nvPr>
+        </p:nvSpPr>
+        <p:spPr>
+          <a:xfrm>
+            <a:off x="5152680" y="1768680"/>
+            <a:ext cx="4426920" cy="2090880"/>
+          </a:xfrm>
+          <a:prstGeom prst="rect">
+            <a:avLst/>
+          </a:prstGeom>
+        </p:spPr>
+        <p:txBody>
+          <a:bodyPr lIns="0" rIns="0" tIns="0" bIns="0">
+            <a:normAutofit/>
+          </a:bodyPr>
+          <a:p>
+            <a:endParaRPr b="0" lang="cs-CZ" sz="2800" spc="-1" strike="noStrike">
+              <a:solidFill>
+                <a:srgbClr val="000000"/>
+              </a:solidFill>
+              <a:latin typeface="Arial"/>
+            </a:endParaRPr>
+          </a:p>
+        </p:txBody>
+      </p:sp>
+      <p:sp>
+        <p:nvSpPr>
+          <p:cNvPr id="22" name="PlaceHolder 4"/>
+          <p:cNvSpPr>
+            <a:spLocks noGrp="1"/>
+          </p:cNvSpPr>
+          <p:nvPr>
+            <p:ph type="body"/>
+          </p:nvPr>
+        </p:nvSpPr>
+        <p:spPr>
+          <a:xfrm>
+            <a:off x="504000" y="4058640"/>
+            <a:ext cx="9072000" cy="2090880"/>
+          </a:xfrm>
+          <a:prstGeom prst="rect">
+            <a:avLst/>
+          </a:prstGeom>
+        </p:spPr>
+        <p:txBody>
+          <a:bodyPr lIns="0" rIns="0" tIns="0" bIns="0">
+            <a:normAutofit/>
+          </a:bodyPr>
+          <a:p>
+            <a:endParaRPr b="0" lang="cs-CZ" sz="2800" spc="-1" strike="noStrike">
+              <a:solidFill>
+                <a:srgbClr val="000000"/>
+              </a:solidFill>
+              <a:latin typeface="Arial"/>
+            </a:endParaRPr>
+          </a:p>
+        </p:txBody>
+      </p:sp>
+    </p:spTree>
+  </p:cSld>
 </p:sldLayout>
 </file>
 
 <file path=ppt/slideMasters/slideMaster1.xml><?xml version="1.0" encoding="utf-8"?>
-<p:sldMaster xmlns:a="http://schemas.openxmlformats.org/drawingml/2006/main" xmlns:r="http://schemas.openxmlformats.org/officeDocument/2006/relationships" xmlns:p="http://schemas.openxmlformats.org/presentationml/2006/main">
+<p:sldMaster xmlns:a="http://schemas.openxmlformats.org/drawingml/2006/main" xmlns:p="http://schemas.openxmlformats.org/presentationml/2006/main" xmlns:r="http://schemas.openxmlformats.org/officeDocument/2006/relationships" xmlns:p14="http://schemas.microsoft.com/office/powerpoint/2010/main" xmlns:p15="http://schemas.microsoft.com/office/powerpoint/2012/main" xmlns:mc="http://schemas.openxmlformats.org/markup-compatibility/2006">
   <p:cSld>
     <p:bg>
       <p:bgPr>
         <a:blipFill rotWithShape="0">
-          <a:blip r:embed="rId14"/>
+          <a:blip r:embed="rId2"/>
           <a:stretch>
             <a:fillRect/>
           </a:stretch>
         </a:blipFill>
-        <a:effectLst/>
       </p:bgPr>
     </p:bg>
     <p:spTree>
@@ -2955,7 +4319,7 @@
       </p:grpSpPr>
       <p:sp>
         <p:nvSpPr>
-          <p:cNvPr id="2" name="PlaceHolder 1"/>
+          <p:cNvPr id="0" name="PlaceHolder 1"/>
           <p:cNvSpPr>
             <a:spLocks noGrp="1"/>
           </p:cNvSpPr>
@@ -2973,21 +4337,29 @@
           </a:prstGeom>
         </p:spPr>
         <p:txBody>
-          <a:bodyPr lIns="0" tIns="0" rIns="0" bIns="0" anchor="ctr"/>
-          <a:lstStyle/>
-          <a:p>
-            <a:r>
-              <a:rPr lang="cs-CZ" sz="1800" b="0" strike="noStrike" spc="-1">
+          <a:bodyPr lIns="0" rIns="0" tIns="0" bIns="0" anchor="ctr"/>
+          <a:p>
+            <a:r>
+              <a:rPr b="0" lang="cs-CZ" sz="4400" spc="-1" strike="noStrike">
+                <a:solidFill>
+                  <a:srgbClr val="000000"/>
+                </a:solidFill>
                 <a:latin typeface="Arial"/>
               </a:rPr>
               <a:t>Klikněte pro úpravu formátu textu nadpisu</a:t>
             </a:r>
-          </a:p>
-        </p:txBody>
-      </p:sp>
-      <p:sp>
-        <p:nvSpPr>
-          <p:cNvPr id="3" name="PlaceHolder 2"/>
+            <a:endParaRPr b="0" lang="cs-CZ" sz="4400" spc="-1" strike="noStrike">
+              <a:solidFill>
+                <a:srgbClr val="000000"/>
+              </a:solidFill>
+              <a:latin typeface="Arial"/>
+            </a:endParaRPr>
+          </a:p>
+        </p:txBody>
+      </p:sp>
+      <p:sp>
+        <p:nvSpPr>
+          <p:cNvPr id="1" name="PlaceHolder 2"/>
           <p:cNvSpPr>
             <a:spLocks noGrp="1"/>
           </p:cNvSpPr>
@@ -3005,10 +4377,9 @@
           </a:prstGeom>
         </p:spPr>
         <p:txBody>
-          <a:bodyPr lIns="0" tIns="0" rIns="0" bIns="0">
+          <a:bodyPr lIns="0" rIns="0" tIns="0" bIns="0">
             <a:normAutofit/>
           </a:bodyPr>
-          <a:lstStyle/>
           <a:p>
             <a:pPr marL="432000" indent="-324000">
               <a:spcBef>
@@ -3022,14 +4393,23 @@
               <a:buChar char=""/>
             </a:pPr>
             <a:r>
-              <a:rPr lang="cs-CZ" sz="3200" b="0" strike="noStrike" spc="-1">
+              <a:rPr b="0" lang="cs-CZ" sz="2800" spc="-1" strike="noStrike">
+                <a:solidFill>
+                  <a:srgbClr val="000000"/>
+                </a:solidFill>
                 <a:latin typeface="Arial"/>
               </a:rPr>
               <a:t>Klikněte pro úpravu formátu textu osnovy</a:t>
             </a:r>
-          </a:p>
-          <a:p>
-            <a:pPr marL="864000" lvl="1" indent="-324000">
+            <a:endParaRPr b="0" lang="cs-CZ" sz="2800" spc="-1" strike="noStrike">
+              <a:solidFill>
+                <a:srgbClr val="000000"/>
+              </a:solidFill>
+              <a:latin typeface="Arial"/>
+            </a:endParaRPr>
+          </a:p>
+          <a:p>
+            <a:pPr lvl="1" marL="864000" indent="-324000">
               <a:spcBef>
                 <a:spcPts val="1134"/>
               </a:spcBef>
@@ -3041,14 +4421,23 @@
               <a:buChar char=""/>
             </a:pPr>
             <a:r>
-              <a:rPr lang="cs-CZ" sz="2800" b="0" strike="noStrike" spc="-1">
+              <a:rPr b="0" lang="cs-CZ" sz="2000" spc="-1" strike="noStrike">
+                <a:solidFill>
+                  <a:srgbClr val="000000"/>
+                </a:solidFill>
                 <a:latin typeface="Arial"/>
               </a:rPr>
               <a:t>Druhá úroveň</a:t>
             </a:r>
-          </a:p>
-          <a:p>
-            <a:pPr marL="1296000" lvl="2" indent="-288000">
+            <a:endParaRPr b="0" lang="cs-CZ" sz="2000" spc="-1" strike="noStrike">
+              <a:solidFill>
+                <a:srgbClr val="000000"/>
+              </a:solidFill>
+              <a:latin typeface="Arial"/>
+            </a:endParaRPr>
+          </a:p>
+          <a:p>
+            <a:pPr lvl="2" marL="1296000" indent="-288000">
               <a:spcBef>
                 <a:spcPts val="850"/>
               </a:spcBef>
@@ -3060,14 +4449,23 @@
               <a:buChar char=""/>
             </a:pPr>
             <a:r>
-              <a:rPr lang="cs-CZ" sz="2400" b="0" strike="noStrike" spc="-1">
+              <a:rPr b="0" lang="cs-CZ" sz="1800" spc="-1" strike="noStrike">
+                <a:solidFill>
+                  <a:srgbClr val="000000"/>
+                </a:solidFill>
                 <a:latin typeface="Arial"/>
               </a:rPr>
               <a:t>Třetí úroveň</a:t>
             </a:r>
-          </a:p>
-          <a:p>
-            <a:pPr marL="1728000" lvl="3" indent="-216000">
+            <a:endParaRPr b="0" lang="cs-CZ" sz="1800" spc="-1" strike="noStrike">
+              <a:solidFill>
+                <a:srgbClr val="000000"/>
+              </a:solidFill>
+              <a:latin typeface="Arial"/>
+            </a:endParaRPr>
+          </a:p>
+          <a:p>
+            <a:pPr lvl="3" marL="1728000" indent="-216000">
               <a:spcBef>
                 <a:spcPts val="567"/>
               </a:spcBef>
@@ -3079,14 +4477,23 @@
               <a:buChar char=""/>
             </a:pPr>
             <a:r>
-              <a:rPr lang="cs-CZ" sz="2000" b="0" strike="noStrike" spc="-1">
+              <a:rPr b="0" lang="cs-CZ" sz="1800" spc="-1" strike="noStrike">
+                <a:solidFill>
+                  <a:srgbClr val="000000"/>
+                </a:solidFill>
                 <a:latin typeface="Arial"/>
               </a:rPr>
               <a:t>Čtvrtá úroveň osnovy</a:t>
             </a:r>
-          </a:p>
-          <a:p>
-            <a:pPr marL="2160000" lvl="4" indent="-216000">
+            <a:endParaRPr b="0" lang="cs-CZ" sz="1800" spc="-1" strike="noStrike">
+              <a:solidFill>
+                <a:srgbClr val="000000"/>
+              </a:solidFill>
+              <a:latin typeface="Arial"/>
+            </a:endParaRPr>
+          </a:p>
+          <a:p>
+            <a:pPr lvl="4" marL="2160000" indent="-216000">
               <a:spcBef>
                 <a:spcPts val="283"/>
               </a:spcBef>
@@ -3098,14 +4505,23 @@
               <a:buChar char=""/>
             </a:pPr>
             <a:r>
-              <a:rPr lang="cs-CZ" sz="2000" b="0" strike="noStrike" spc="-1">
+              <a:rPr b="0" lang="cs-CZ" sz="2000" spc="-1" strike="noStrike">
+                <a:solidFill>
+                  <a:srgbClr val="000000"/>
+                </a:solidFill>
                 <a:latin typeface="Arial"/>
               </a:rPr>
               <a:t>Pátá úroveň osnovy</a:t>
             </a:r>
-          </a:p>
-          <a:p>
-            <a:pPr marL="2592000" lvl="5" indent="-216000">
+            <a:endParaRPr b="0" lang="cs-CZ" sz="2000" spc="-1" strike="noStrike">
+              <a:solidFill>
+                <a:srgbClr val="000000"/>
+              </a:solidFill>
+              <a:latin typeface="Arial"/>
+            </a:endParaRPr>
+          </a:p>
+          <a:p>
+            <a:pPr lvl="5" marL="2592000" indent="-216000">
               <a:spcBef>
                 <a:spcPts val="283"/>
               </a:spcBef>
@@ -3117,14 +4533,23 @@
               <a:buChar char=""/>
             </a:pPr>
             <a:r>
-              <a:rPr lang="cs-CZ" sz="2000" b="0" strike="noStrike" spc="-1">
+              <a:rPr b="0" lang="cs-CZ" sz="2000" spc="-1" strike="noStrike">
+                <a:solidFill>
+                  <a:srgbClr val="000000"/>
+                </a:solidFill>
                 <a:latin typeface="Arial"/>
               </a:rPr>
               <a:t>Šestá úroveň</a:t>
             </a:r>
-          </a:p>
-          <a:p>
-            <a:pPr marL="3024000" lvl="6" indent="-216000">
+            <a:endParaRPr b="0" lang="cs-CZ" sz="2000" spc="-1" strike="noStrike">
+              <a:solidFill>
+                <a:srgbClr val="000000"/>
+              </a:solidFill>
+              <a:latin typeface="Arial"/>
+            </a:endParaRPr>
+          </a:p>
+          <a:p>
+            <a:pPr lvl="6" marL="3024000" indent="-216000">
               <a:spcBef>
                 <a:spcPts val="283"/>
               </a:spcBef>
@@ -3136,326 +4561,54 @@
               <a:buChar char=""/>
             </a:pPr>
             <a:r>
-              <a:rPr lang="cs-CZ" sz="2000" b="0" strike="noStrike" spc="-1">
+              <a:rPr b="0" lang="cs-CZ" sz="2000" spc="-1" strike="noStrike">
+                <a:solidFill>
+                  <a:srgbClr val="000000"/>
+                </a:solidFill>
                 <a:latin typeface="Arial"/>
               </a:rPr>
               <a:t>Sedmá úroveň</a:t>
             </a:r>
+            <a:endParaRPr b="0" lang="cs-CZ" sz="2000" spc="-1" strike="noStrike">
+              <a:solidFill>
+                <a:srgbClr val="000000"/>
+              </a:solidFill>
+              <a:latin typeface="Arial"/>
+            </a:endParaRPr>
           </a:p>
         </p:txBody>
       </p:sp>
     </p:spTree>
   </p:cSld>
-  <p:clrMap bg1="lt1" tx1="dk1" bg2="lt2" tx2="dk2" accent1="accent1" accent2="accent2" accent3="accent3" accent4="accent4" accent5="accent5" accent6="accent6" hlink="hlink" folHlink="folHlink"/>
+  <p:clrMap bg1="lt1" bg2="lt2" tx1="dk1" tx2="dk2" accent1="accent1" accent2="accent2" accent3="accent3" accent4="accent4" accent5="accent5" accent6="accent6" hlink="hlink" folHlink="folHlink"/>
   <p:sldLayoutIdLst>
-    <p:sldLayoutId id="2147483649" r:id="rId1"/>
-    <p:sldLayoutId id="2147483650" r:id="rId2"/>
-    <p:sldLayoutId id="2147483651" r:id="rId3"/>
-    <p:sldLayoutId id="2147483652" r:id="rId4"/>
-    <p:sldLayoutId id="2147483653" r:id="rId5"/>
-    <p:sldLayoutId id="2147483654" r:id="rId6"/>
-    <p:sldLayoutId id="2147483655" r:id="rId7"/>
-    <p:sldLayoutId id="2147483656" r:id="rId8"/>
-    <p:sldLayoutId id="2147483657" r:id="rId9"/>
-    <p:sldLayoutId id="2147483658" r:id="rId10"/>
-    <p:sldLayoutId id="2147483659" r:id="rId11"/>
-    <p:sldLayoutId id="2147483660" r:id="rId12"/>
+    <p:sldLayoutId id="2147483649" r:id="rId3"/>
+    <p:sldLayoutId id="2147483650" r:id="rId4"/>
+    <p:sldLayoutId id="2147483651" r:id="rId5"/>
+    <p:sldLayoutId id="2147483652" r:id="rId6"/>
+    <p:sldLayoutId id="2147483653" r:id="rId7"/>
+    <p:sldLayoutId id="2147483654" r:id="rId8"/>
+    <p:sldLayoutId id="2147483655" r:id="rId9"/>
+    <p:sldLayoutId id="2147483656" r:id="rId10"/>
+    <p:sldLayoutId id="2147483657" r:id="rId11"/>
+    <p:sldLayoutId id="2147483658" r:id="rId12"/>
+    <p:sldLayoutId id="2147483659" r:id="rId13"/>
+    <p:sldLayoutId id="2147483660" r:id="rId14"/>
   </p:sldLayoutIdLst>
-  <p:txStyles>
-    <p:titleStyle>
-      <a:lvl1pPr algn="l" defTabSz="914400" rtl="0" eaLnBrk="1" latinLnBrk="0" hangingPunct="1">
-        <a:lnSpc>
-          <a:spcPct val="90000"/>
-        </a:lnSpc>
-        <a:spcBef>
-          <a:spcPct val="0"/>
-        </a:spcBef>
-        <a:buNone/>
-        <a:defRPr sz="4400" kern="1200">
-          <a:solidFill>
-            <a:schemeClr val="tx1"/>
-          </a:solidFill>
-          <a:latin typeface="+mj-lt"/>
-          <a:ea typeface="+mj-ea"/>
-          <a:cs typeface="+mj-cs"/>
-        </a:defRPr>
-      </a:lvl1pPr>
-    </p:titleStyle>
-    <p:bodyStyle>
-      <a:lvl1pPr marL="228600" indent="-228600" algn="l" defTabSz="914400" rtl="0" eaLnBrk="1" latinLnBrk="0" hangingPunct="1">
-        <a:lnSpc>
-          <a:spcPct val="90000"/>
-        </a:lnSpc>
-        <a:spcBef>
-          <a:spcPts val="1000"/>
-        </a:spcBef>
-        <a:buFont typeface="Arial" panose="020B0604020202020204" pitchFamily="34" charset="0"/>
-        <a:buChar char="•"/>
-        <a:defRPr sz="2800" kern="1200">
-          <a:solidFill>
-            <a:schemeClr val="tx1"/>
-          </a:solidFill>
-          <a:latin typeface="+mn-lt"/>
-          <a:ea typeface="+mn-ea"/>
-          <a:cs typeface="+mn-cs"/>
-        </a:defRPr>
-      </a:lvl1pPr>
-      <a:lvl2pPr marL="685800" indent="-228600" algn="l" defTabSz="914400" rtl="0" eaLnBrk="1" latinLnBrk="0" hangingPunct="1">
-        <a:lnSpc>
-          <a:spcPct val="90000"/>
-        </a:lnSpc>
-        <a:spcBef>
-          <a:spcPts val="500"/>
-        </a:spcBef>
-        <a:buFont typeface="Arial" panose="020B0604020202020204" pitchFamily="34" charset="0"/>
-        <a:buChar char="•"/>
-        <a:defRPr sz="2400" kern="1200">
-          <a:solidFill>
-            <a:schemeClr val="tx1"/>
-          </a:solidFill>
-          <a:latin typeface="+mn-lt"/>
-          <a:ea typeface="+mn-ea"/>
-          <a:cs typeface="+mn-cs"/>
-        </a:defRPr>
-      </a:lvl2pPr>
-      <a:lvl3pPr marL="1143000" indent="-228600" algn="l" defTabSz="914400" rtl="0" eaLnBrk="1" latinLnBrk="0" hangingPunct="1">
-        <a:lnSpc>
-          <a:spcPct val="90000"/>
-        </a:lnSpc>
-        <a:spcBef>
-          <a:spcPts val="500"/>
-        </a:spcBef>
-        <a:buFont typeface="Arial" panose="020B0604020202020204" pitchFamily="34" charset="0"/>
-        <a:buChar char="•"/>
-        <a:defRPr sz="2000" kern="1200">
-          <a:solidFill>
-            <a:schemeClr val="tx1"/>
-          </a:solidFill>
-          <a:latin typeface="+mn-lt"/>
-          <a:ea typeface="+mn-ea"/>
-          <a:cs typeface="+mn-cs"/>
-        </a:defRPr>
-      </a:lvl3pPr>
-      <a:lvl4pPr marL="1600200" indent="-228600" algn="l" defTabSz="914400" rtl="0" eaLnBrk="1" latinLnBrk="0" hangingPunct="1">
-        <a:lnSpc>
-          <a:spcPct val="90000"/>
-        </a:lnSpc>
-        <a:spcBef>
-          <a:spcPts val="500"/>
-        </a:spcBef>
-        <a:buFont typeface="Arial" panose="020B0604020202020204" pitchFamily="34" charset="0"/>
-        <a:buChar char="•"/>
-        <a:defRPr sz="1800" kern="1200">
-          <a:solidFill>
-            <a:schemeClr val="tx1"/>
-          </a:solidFill>
-          <a:latin typeface="+mn-lt"/>
-          <a:ea typeface="+mn-ea"/>
-          <a:cs typeface="+mn-cs"/>
-        </a:defRPr>
-      </a:lvl4pPr>
-      <a:lvl5pPr marL="2057400" indent="-228600" algn="l" defTabSz="914400" rtl="0" eaLnBrk="1" latinLnBrk="0" hangingPunct="1">
-        <a:lnSpc>
-          <a:spcPct val="90000"/>
-        </a:lnSpc>
-        <a:spcBef>
-          <a:spcPts val="500"/>
-        </a:spcBef>
-        <a:buFont typeface="Arial" panose="020B0604020202020204" pitchFamily="34" charset="0"/>
-        <a:buChar char="•"/>
-        <a:defRPr sz="1800" kern="1200">
-          <a:solidFill>
-            <a:schemeClr val="tx1"/>
-          </a:solidFill>
-          <a:latin typeface="+mn-lt"/>
-          <a:ea typeface="+mn-ea"/>
-          <a:cs typeface="+mn-cs"/>
-        </a:defRPr>
-      </a:lvl5pPr>
-      <a:lvl6pPr marL="2514600" indent="-228600" algn="l" defTabSz="914400" rtl="0" eaLnBrk="1" latinLnBrk="0" hangingPunct="1">
-        <a:lnSpc>
-          <a:spcPct val="90000"/>
-        </a:lnSpc>
-        <a:spcBef>
-          <a:spcPts val="500"/>
-        </a:spcBef>
-        <a:buFont typeface="Arial" panose="020B0604020202020204" pitchFamily="34" charset="0"/>
-        <a:buChar char="•"/>
-        <a:defRPr sz="1800" kern="1200">
-          <a:solidFill>
-            <a:schemeClr val="tx1"/>
-          </a:solidFill>
-          <a:latin typeface="+mn-lt"/>
-          <a:ea typeface="+mn-ea"/>
-          <a:cs typeface="+mn-cs"/>
-        </a:defRPr>
-      </a:lvl6pPr>
-      <a:lvl7pPr marL="2971800" indent="-228600" algn="l" defTabSz="914400" rtl="0" eaLnBrk="1" latinLnBrk="0" hangingPunct="1">
-        <a:lnSpc>
-          <a:spcPct val="90000"/>
-        </a:lnSpc>
-        <a:spcBef>
-          <a:spcPts val="500"/>
-        </a:spcBef>
-        <a:buFont typeface="Arial" panose="020B0604020202020204" pitchFamily="34" charset="0"/>
-        <a:buChar char="•"/>
-        <a:defRPr sz="1800" kern="1200">
-          <a:solidFill>
-            <a:schemeClr val="tx1"/>
-          </a:solidFill>
-          <a:latin typeface="+mn-lt"/>
-          <a:ea typeface="+mn-ea"/>
-          <a:cs typeface="+mn-cs"/>
-        </a:defRPr>
-      </a:lvl7pPr>
-      <a:lvl8pPr marL="3429000" indent="-228600" algn="l" defTabSz="914400" rtl="0" eaLnBrk="1" latinLnBrk="0" hangingPunct="1">
-        <a:lnSpc>
-          <a:spcPct val="90000"/>
-        </a:lnSpc>
-        <a:spcBef>
-          <a:spcPts val="500"/>
-        </a:spcBef>
-        <a:buFont typeface="Arial" panose="020B0604020202020204" pitchFamily="34" charset="0"/>
-        <a:buChar char="•"/>
-        <a:defRPr sz="1800" kern="1200">
-          <a:solidFill>
-            <a:schemeClr val="tx1"/>
-          </a:solidFill>
-          <a:latin typeface="+mn-lt"/>
-          <a:ea typeface="+mn-ea"/>
-          <a:cs typeface="+mn-cs"/>
-        </a:defRPr>
-      </a:lvl8pPr>
-      <a:lvl9pPr marL="3886200" indent="-228600" algn="l" defTabSz="914400" rtl="0" eaLnBrk="1" latinLnBrk="0" hangingPunct="1">
-        <a:lnSpc>
-          <a:spcPct val="90000"/>
-        </a:lnSpc>
-        <a:spcBef>
-          <a:spcPts val="500"/>
-        </a:spcBef>
-        <a:buFont typeface="Arial" panose="020B0604020202020204" pitchFamily="34" charset="0"/>
-        <a:buChar char="•"/>
-        <a:defRPr sz="1800" kern="1200">
-          <a:solidFill>
-            <a:schemeClr val="tx1"/>
-          </a:solidFill>
-          <a:latin typeface="+mn-lt"/>
-          <a:ea typeface="+mn-ea"/>
-          <a:cs typeface="+mn-cs"/>
-        </a:defRPr>
-      </a:lvl9pPr>
-    </p:bodyStyle>
-    <p:otherStyle>
-      <a:defPPr>
-        <a:defRPr lang="cs-CZ"/>
-      </a:defPPr>
-      <a:lvl1pPr marL="0" algn="l" defTabSz="914400" rtl="0" eaLnBrk="1" latinLnBrk="0" hangingPunct="1">
-        <a:defRPr sz="1800" kern="1200">
-          <a:solidFill>
-            <a:schemeClr val="tx1"/>
-          </a:solidFill>
-          <a:latin typeface="+mn-lt"/>
-          <a:ea typeface="+mn-ea"/>
-          <a:cs typeface="+mn-cs"/>
-        </a:defRPr>
-      </a:lvl1pPr>
-      <a:lvl2pPr marL="457200" algn="l" defTabSz="914400" rtl="0" eaLnBrk="1" latinLnBrk="0" hangingPunct="1">
-        <a:defRPr sz="1800" kern="1200">
-          <a:solidFill>
-            <a:schemeClr val="tx1"/>
-          </a:solidFill>
-          <a:latin typeface="+mn-lt"/>
-          <a:ea typeface="+mn-ea"/>
-          <a:cs typeface="+mn-cs"/>
-        </a:defRPr>
-      </a:lvl2pPr>
-      <a:lvl3pPr marL="914400" algn="l" defTabSz="914400" rtl="0" eaLnBrk="1" latinLnBrk="0" hangingPunct="1">
-        <a:defRPr sz="1800" kern="1200">
-          <a:solidFill>
-            <a:schemeClr val="tx1"/>
-          </a:solidFill>
-          <a:latin typeface="+mn-lt"/>
-          <a:ea typeface="+mn-ea"/>
-          <a:cs typeface="+mn-cs"/>
-        </a:defRPr>
-      </a:lvl3pPr>
-      <a:lvl4pPr marL="1371600" algn="l" defTabSz="914400" rtl="0" eaLnBrk="1" latinLnBrk="0" hangingPunct="1">
-        <a:defRPr sz="1800" kern="1200">
-          <a:solidFill>
-            <a:schemeClr val="tx1"/>
-          </a:solidFill>
-          <a:latin typeface="+mn-lt"/>
-          <a:ea typeface="+mn-ea"/>
-          <a:cs typeface="+mn-cs"/>
-        </a:defRPr>
-      </a:lvl4pPr>
-      <a:lvl5pPr marL="1828800" algn="l" defTabSz="914400" rtl="0" eaLnBrk="1" latinLnBrk="0" hangingPunct="1">
-        <a:defRPr sz="1800" kern="1200">
-          <a:solidFill>
-            <a:schemeClr val="tx1"/>
-          </a:solidFill>
-          <a:latin typeface="+mn-lt"/>
-          <a:ea typeface="+mn-ea"/>
-          <a:cs typeface="+mn-cs"/>
-        </a:defRPr>
-      </a:lvl5pPr>
-      <a:lvl6pPr marL="2286000" algn="l" defTabSz="914400" rtl="0" eaLnBrk="1" latinLnBrk="0" hangingPunct="1">
-        <a:defRPr sz="1800" kern="1200">
-          <a:solidFill>
-            <a:schemeClr val="tx1"/>
-          </a:solidFill>
-          <a:latin typeface="+mn-lt"/>
-          <a:ea typeface="+mn-ea"/>
-          <a:cs typeface="+mn-cs"/>
-        </a:defRPr>
-      </a:lvl6pPr>
-      <a:lvl7pPr marL="2743200" algn="l" defTabSz="914400" rtl="0" eaLnBrk="1" latinLnBrk="0" hangingPunct="1">
-        <a:defRPr sz="1800" kern="1200">
-          <a:solidFill>
-            <a:schemeClr val="tx1"/>
-          </a:solidFill>
-          <a:latin typeface="+mn-lt"/>
-          <a:ea typeface="+mn-ea"/>
-          <a:cs typeface="+mn-cs"/>
-        </a:defRPr>
-      </a:lvl7pPr>
-      <a:lvl8pPr marL="3200400" algn="l" defTabSz="914400" rtl="0" eaLnBrk="1" latinLnBrk="0" hangingPunct="1">
-        <a:defRPr sz="1800" kern="1200">
-          <a:solidFill>
-            <a:schemeClr val="tx1"/>
-          </a:solidFill>
-          <a:latin typeface="+mn-lt"/>
-          <a:ea typeface="+mn-ea"/>
-          <a:cs typeface="+mn-cs"/>
-        </a:defRPr>
-      </a:lvl8pPr>
-      <a:lvl9pPr marL="3657600" algn="l" defTabSz="914400" rtl="0" eaLnBrk="1" latinLnBrk="0" hangingPunct="1">
-        <a:defRPr sz="1800" kern="1200">
-          <a:solidFill>
-            <a:schemeClr val="tx1"/>
-          </a:solidFill>
-          <a:latin typeface="+mn-lt"/>
-          <a:ea typeface="+mn-ea"/>
-          <a:cs typeface="+mn-cs"/>
-        </a:defRPr>
-      </a:lvl9pPr>
-    </p:otherStyle>
-  </p:txStyles>
 </p:sldMaster>
 </file>
 
 <file path=ppt/slideMasters/slideMaster2.xml><?xml version="1.0" encoding="utf-8"?>
-<p:sldMaster xmlns:a="http://schemas.openxmlformats.org/drawingml/2006/main" xmlns:r="http://schemas.openxmlformats.org/officeDocument/2006/relationships" xmlns:p="http://schemas.openxmlformats.org/presentationml/2006/main">
+<p:sldMaster xmlns:a="http://schemas.openxmlformats.org/drawingml/2006/main" xmlns:p="http://schemas.openxmlformats.org/presentationml/2006/main" xmlns:r="http://schemas.openxmlformats.org/officeDocument/2006/relationships" xmlns:p14="http://schemas.microsoft.com/office/powerpoint/2010/main" xmlns:p15="http://schemas.microsoft.com/office/powerpoint/2012/main" xmlns:mc="http://schemas.openxmlformats.org/markup-compatibility/2006">
   <p:cSld>
     <p:bg>
       <p:bgPr>
         <a:blipFill rotWithShape="0">
-          <a:blip r:embed="rId14"/>
+          <a:blip r:embed="rId2"/>
           <a:stretch>
             <a:fillRect/>
           </a:stretch>
         </a:blipFill>
-        <a:effectLst/>
       </p:bgPr>
     </p:bg>
     <p:spTree>
@@ -3474,7 +4627,7 @@
       </p:grpSpPr>
       <p:sp>
         <p:nvSpPr>
-          <p:cNvPr id="76" name="PlaceHolder 1"/>
+          <p:cNvPr id="38" name="PlaceHolder 1"/>
           <p:cNvSpPr>
             <a:spLocks noGrp="1"/>
           </p:cNvSpPr>
@@ -3492,22 +4645,29 @@
           </a:prstGeom>
         </p:spPr>
         <p:txBody>
-          <a:bodyPr lIns="0" tIns="0" rIns="0" bIns="0" anchor="ctr"/>
-          <a:lstStyle/>
-          <a:p>
-            <a:pPr algn="ctr"/>
-            <a:r>
-              <a:rPr lang="cs-CZ" sz="4400" b="0" strike="noStrike" spc="-1">
+          <a:bodyPr lIns="0" rIns="0" tIns="0" bIns="0" anchor="ctr"/>
+          <a:p>
+            <a:r>
+              <a:rPr b="0" lang="cs-CZ" sz="1800" spc="-1" strike="noStrike">
+                <a:solidFill>
+                  <a:srgbClr val="000000"/>
+                </a:solidFill>
                 <a:latin typeface="Arial"/>
               </a:rPr>
               <a:t>Klikněte pro úpravu formátu textu nadpisu</a:t>
             </a:r>
-          </a:p>
-        </p:txBody>
-      </p:sp>
-      <p:sp>
-        <p:nvSpPr>
-          <p:cNvPr id="77" name="PlaceHolder 2"/>
+            <a:endParaRPr b="0" lang="cs-CZ" sz="1800" spc="-1" strike="noStrike">
+              <a:solidFill>
+                <a:srgbClr val="000000"/>
+              </a:solidFill>
+              <a:latin typeface="Arial"/>
+            </a:endParaRPr>
+          </a:p>
+        </p:txBody>
+      </p:sp>
+      <p:sp>
+        <p:nvSpPr>
+          <p:cNvPr id="39" name="PlaceHolder 2"/>
           <p:cNvSpPr>
             <a:spLocks noGrp="1"/>
           </p:cNvSpPr>
@@ -3525,10 +4685,9 @@
           </a:prstGeom>
         </p:spPr>
         <p:txBody>
-          <a:bodyPr lIns="0" tIns="0" rIns="0" bIns="0">
+          <a:bodyPr lIns="0" rIns="0" tIns="0" bIns="0">
             <a:normAutofit/>
           </a:bodyPr>
-          <a:lstStyle/>
           <a:p>
             <a:pPr marL="432000" indent="-324000">
               <a:spcBef>
@@ -3542,14 +4701,23 @@
               <a:buChar char=""/>
             </a:pPr>
             <a:r>
-              <a:rPr lang="cs-CZ" sz="3200" b="0" strike="noStrike" spc="-1">
+              <a:rPr b="0" lang="cs-CZ" sz="2800" spc="-1" strike="noStrike">
+                <a:solidFill>
+                  <a:srgbClr val="000000"/>
+                </a:solidFill>
                 <a:latin typeface="Arial"/>
               </a:rPr>
               <a:t>Klikněte pro úpravu formátu textu osnovy</a:t>
             </a:r>
-          </a:p>
-          <a:p>
-            <a:pPr marL="864000" lvl="1" indent="-324000">
+            <a:endParaRPr b="0" lang="cs-CZ" sz="2800" spc="-1" strike="noStrike">
+              <a:solidFill>
+                <a:srgbClr val="000000"/>
+              </a:solidFill>
+              <a:latin typeface="Arial"/>
+            </a:endParaRPr>
+          </a:p>
+          <a:p>
+            <a:pPr lvl="1" marL="864000" indent="-324000">
               <a:spcBef>
                 <a:spcPts val="1134"/>
               </a:spcBef>
@@ -3561,14 +4729,23 @@
               <a:buChar char=""/>
             </a:pPr>
             <a:r>
-              <a:rPr lang="cs-CZ" sz="2800" b="0" strike="noStrike" spc="-1">
+              <a:rPr b="0" lang="cs-CZ" sz="2000" spc="-1" strike="noStrike">
+                <a:solidFill>
+                  <a:srgbClr val="000000"/>
+                </a:solidFill>
                 <a:latin typeface="Arial"/>
               </a:rPr>
               <a:t>Druhá úroveň</a:t>
             </a:r>
-          </a:p>
-          <a:p>
-            <a:pPr marL="1296000" lvl="2" indent="-288000">
+            <a:endParaRPr b="0" lang="cs-CZ" sz="2000" spc="-1" strike="noStrike">
+              <a:solidFill>
+                <a:srgbClr val="000000"/>
+              </a:solidFill>
+              <a:latin typeface="Arial"/>
+            </a:endParaRPr>
+          </a:p>
+          <a:p>
+            <a:pPr lvl="2" marL="1296000" indent="-288000">
               <a:spcBef>
                 <a:spcPts val="850"/>
               </a:spcBef>
@@ -3580,14 +4757,23 @@
               <a:buChar char=""/>
             </a:pPr>
             <a:r>
-              <a:rPr lang="cs-CZ" sz="2400" b="0" strike="noStrike" spc="-1">
+              <a:rPr b="0" lang="cs-CZ" sz="1800" spc="-1" strike="noStrike">
+                <a:solidFill>
+                  <a:srgbClr val="000000"/>
+                </a:solidFill>
                 <a:latin typeface="Arial"/>
               </a:rPr>
               <a:t>Třetí úroveň</a:t>
             </a:r>
-          </a:p>
-          <a:p>
-            <a:pPr marL="1728000" lvl="3" indent="-216000">
+            <a:endParaRPr b="0" lang="cs-CZ" sz="1800" spc="-1" strike="noStrike">
+              <a:solidFill>
+                <a:srgbClr val="000000"/>
+              </a:solidFill>
+              <a:latin typeface="Arial"/>
+            </a:endParaRPr>
+          </a:p>
+          <a:p>
+            <a:pPr lvl="3" marL="1728000" indent="-216000">
               <a:spcBef>
                 <a:spcPts val="567"/>
               </a:spcBef>
@@ -3599,14 +4785,23 @@
               <a:buChar char=""/>
             </a:pPr>
             <a:r>
-              <a:rPr lang="cs-CZ" sz="2000" b="0" strike="noStrike" spc="-1">
+              <a:rPr b="0" lang="cs-CZ" sz="1800" spc="-1" strike="noStrike">
+                <a:solidFill>
+                  <a:srgbClr val="000000"/>
+                </a:solidFill>
                 <a:latin typeface="Arial"/>
               </a:rPr>
               <a:t>Čtvrtá úroveň osnovy</a:t>
             </a:r>
-          </a:p>
-          <a:p>
-            <a:pPr marL="2160000" lvl="4" indent="-216000">
+            <a:endParaRPr b="0" lang="cs-CZ" sz="1800" spc="-1" strike="noStrike">
+              <a:solidFill>
+                <a:srgbClr val="000000"/>
+              </a:solidFill>
+              <a:latin typeface="Arial"/>
+            </a:endParaRPr>
+          </a:p>
+          <a:p>
+            <a:pPr lvl="4" marL="2160000" indent="-216000">
               <a:spcBef>
                 <a:spcPts val="283"/>
               </a:spcBef>
@@ -3618,14 +4813,23 @@
               <a:buChar char=""/>
             </a:pPr>
             <a:r>
-              <a:rPr lang="cs-CZ" sz="2000" b="0" strike="noStrike" spc="-1">
+              <a:rPr b="0" lang="cs-CZ" sz="2000" spc="-1" strike="noStrike">
+                <a:solidFill>
+                  <a:srgbClr val="000000"/>
+                </a:solidFill>
                 <a:latin typeface="Arial"/>
               </a:rPr>
               <a:t>Pátá úroveň osnovy</a:t>
             </a:r>
-          </a:p>
-          <a:p>
-            <a:pPr marL="2592000" lvl="5" indent="-216000">
+            <a:endParaRPr b="0" lang="cs-CZ" sz="2000" spc="-1" strike="noStrike">
+              <a:solidFill>
+                <a:srgbClr val="000000"/>
+              </a:solidFill>
+              <a:latin typeface="Arial"/>
+            </a:endParaRPr>
+          </a:p>
+          <a:p>
+            <a:pPr lvl="5" marL="2592000" indent="-216000">
               <a:spcBef>
                 <a:spcPts val="283"/>
               </a:spcBef>
@@ -3637,14 +4841,23 @@
               <a:buChar char=""/>
             </a:pPr>
             <a:r>
-              <a:rPr lang="cs-CZ" sz="2000" b="0" strike="noStrike" spc="-1">
+              <a:rPr b="0" lang="cs-CZ" sz="2000" spc="-1" strike="noStrike">
+                <a:solidFill>
+                  <a:srgbClr val="000000"/>
+                </a:solidFill>
                 <a:latin typeface="Arial"/>
               </a:rPr>
               <a:t>Šestá úroveň</a:t>
             </a:r>
-          </a:p>
-          <a:p>
-            <a:pPr marL="3024000" lvl="6" indent="-216000">
+            <a:endParaRPr b="0" lang="cs-CZ" sz="2000" spc="-1" strike="noStrike">
+              <a:solidFill>
+                <a:srgbClr val="000000"/>
+              </a:solidFill>
+              <a:latin typeface="Arial"/>
+            </a:endParaRPr>
+          </a:p>
+          <a:p>
+            <a:pPr lvl="6" marL="3024000" indent="-216000">
               <a:spcBef>
                 <a:spcPts val="283"/>
               </a:spcBef>
@@ -3656,316 +4869,353 @@
               <a:buChar char=""/>
             </a:pPr>
             <a:r>
-              <a:rPr lang="cs-CZ" sz="2000" b="0" strike="noStrike" spc="-1">
+              <a:rPr b="0" lang="cs-CZ" sz="2000" spc="-1" strike="noStrike">
+                <a:solidFill>
+                  <a:srgbClr val="000000"/>
+                </a:solidFill>
                 <a:latin typeface="Arial"/>
               </a:rPr>
               <a:t>Sedmá úroveň</a:t>
             </a:r>
+            <a:endParaRPr b="0" lang="cs-CZ" sz="2000" spc="-1" strike="noStrike">
+              <a:solidFill>
+                <a:srgbClr val="000000"/>
+              </a:solidFill>
+              <a:latin typeface="Arial"/>
+            </a:endParaRPr>
           </a:p>
         </p:txBody>
       </p:sp>
     </p:spTree>
   </p:cSld>
-  <p:clrMap bg1="lt1" tx1="dk1" bg2="lt2" tx2="dk2" accent1="accent1" accent2="accent2" accent3="accent3" accent4="accent4" accent5="accent5" accent6="accent6" hlink="hlink" folHlink="folHlink"/>
+  <p:clrMap bg1="lt1" bg2="lt2" tx1="dk1" tx2="dk2" accent1="accent1" accent2="accent2" accent3="accent3" accent4="accent4" accent5="accent5" accent6="accent6" hlink="hlink" folHlink="folHlink"/>
   <p:sldLayoutIdLst>
-    <p:sldLayoutId id="2147483675" r:id="rId1"/>
-    <p:sldLayoutId id="2147483676" r:id="rId2"/>
-    <p:sldLayoutId id="2147483677" r:id="rId3"/>
-    <p:sldLayoutId id="2147483678" r:id="rId4"/>
-    <p:sldLayoutId id="2147483679" r:id="rId5"/>
-    <p:sldLayoutId id="2147483680" r:id="rId6"/>
-    <p:sldLayoutId id="2147483681" r:id="rId7"/>
-    <p:sldLayoutId id="2147483682" r:id="rId8"/>
-    <p:sldLayoutId id="2147483683" r:id="rId9"/>
-    <p:sldLayoutId id="2147483684" r:id="rId10"/>
-    <p:sldLayoutId id="2147483685" r:id="rId11"/>
-    <p:sldLayoutId id="2147483686" r:id="rId12"/>
+    <p:sldLayoutId id="2147483662" r:id="rId3"/>
+    <p:sldLayoutId id="2147483663" r:id="rId4"/>
+    <p:sldLayoutId id="2147483664" r:id="rId5"/>
+    <p:sldLayoutId id="2147483665" r:id="rId6"/>
+    <p:sldLayoutId id="2147483666" r:id="rId7"/>
+    <p:sldLayoutId id="2147483667" r:id="rId8"/>
+    <p:sldLayoutId id="2147483668" r:id="rId9"/>
+    <p:sldLayoutId id="2147483669" r:id="rId10"/>
+    <p:sldLayoutId id="2147483670" r:id="rId11"/>
+    <p:sldLayoutId id="2147483671" r:id="rId12"/>
+    <p:sldLayoutId id="2147483672" r:id="rId13"/>
+    <p:sldLayoutId id="2147483673" r:id="rId14"/>
   </p:sldLayoutIdLst>
-  <p:txStyles>
-    <p:titleStyle>
-      <a:lvl1pPr algn="l" defTabSz="914400" rtl="0" eaLnBrk="1" latinLnBrk="0" hangingPunct="1">
-        <a:lnSpc>
-          <a:spcPct val="90000"/>
-        </a:lnSpc>
-        <a:spcBef>
-          <a:spcPct val="0"/>
-        </a:spcBef>
-        <a:buNone/>
-        <a:defRPr sz="4400" kern="1200">
-          <a:solidFill>
-            <a:schemeClr val="tx1"/>
-          </a:solidFill>
-          <a:latin typeface="+mj-lt"/>
-          <a:ea typeface="+mj-ea"/>
-          <a:cs typeface="+mj-cs"/>
-        </a:defRPr>
-      </a:lvl1pPr>
-    </p:titleStyle>
-    <p:bodyStyle>
-      <a:lvl1pPr marL="228600" indent="-228600" algn="l" defTabSz="914400" rtl="0" eaLnBrk="1" latinLnBrk="0" hangingPunct="1">
-        <a:lnSpc>
-          <a:spcPct val="90000"/>
-        </a:lnSpc>
-        <a:spcBef>
-          <a:spcPts val="1000"/>
-        </a:spcBef>
-        <a:buFont typeface="Arial" panose="020B0604020202020204" pitchFamily="34" charset="0"/>
-        <a:buChar char="•"/>
-        <a:defRPr sz="2800" kern="1200">
-          <a:solidFill>
-            <a:schemeClr val="tx1"/>
-          </a:solidFill>
-          <a:latin typeface="+mn-lt"/>
-          <a:ea typeface="+mn-ea"/>
-          <a:cs typeface="+mn-cs"/>
-        </a:defRPr>
-      </a:lvl1pPr>
-      <a:lvl2pPr marL="685800" indent="-228600" algn="l" defTabSz="914400" rtl="0" eaLnBrk="1" latinLnBrk="0" hangingPunct="1">
-        <a:lnSpc>
-          <a:spcPct val="90000"/>
-        </a:lnSpc>
-        <a:spcBef>
-          <a:spcPts val="500"/>
-        </a:spcBef>
-        <a:buFont typeface="Arial" panose="020B0604020202020204" pitchFamily="34" charset="0"/>
-        <a:buChar char="•"/>
-        <a:defRPr sz="2400" kern="1200">
-          <a:solidFill>
-            <a:schemeClr val="tx1"/>
-          </a:solidFill>
-          <a:latin typeface="+mn-lt"/>
-          <a:ea typeface="+mn-ea"/>
-          <a:cs typeface="+mn-cs"/>
-        </a:defRPr>
-      </a:lvl2pPr>
-      <a:lvl3pPr marL="1143000" indent="-228600" algn="l" defTabSz="914400" rtl="0" eaLnBrk="1" latinLnBrk="0" hangingPunct="1">
-        <a:lnSpc>
-          <a:spcPct val="90000"/>
-        </a:lnSpc>
-        <a:spcBef>
-          <a:spcPts val="500"/>
-        </a:spcBef>
-        <a:buFont typeface="Arial" panose="020B0604020202020204" pitchFamily="34" charset="0"/>
-        <a:buChar char="•"/>
-        <a:defRPr sz="2000" kern="1200">
-          <a:solidFill>
-            <a:schemeClr val="tx1"/>
-          </a:solidFill>
-          <a:latin typeface="+mn-lt"/>
-          <a:ea typeface="+mn-ea"/>
-          <a:cs typeface="+mn-cs"/>
-        </a:defRPr>
-      </a:lvl3pPr>
-      <a:lvl4pPr marL="1600200" indent="-228600" algn="l" defTabSz="914400" rtl="0" eaLnBrk="1" latinLnBrk="0" hangingPunct="1">
-        <a:lnSpc>
-          <a:spcPct val="90000"/>
-        </a:lnSpc>
-        <a:spcBef>
-          <a:spcPts val="500"/>
-        </a:spcBef>
-        <a:buFont typeface="Arial" panose="020B0604020202020204" pitchFamily="34" charset="0"/>
-        <a:buChar char="•"/>
-        <a:defRPr sz="1800" kern="1200">
-          <a:solidFill>
-            <a:schemeClr val="tx1"/>
-          </a:solidFill>
-          <a:latin typeface="+mn-lt"/>
-          <a:ea typeface="+mn-ea"/>
-          <a:cs typeface="+mn-cs"/>
-        </a:defRPr>
-      </a:lvl4pPr>
-      <a:lvl5pPr marL="2057400" indent="-228600" algn="l" defTabSz="914400" rtl="0" eaLnBrk="1" latinLnBrk="0" hangingPunct="1">
-        <a:lnSpc>
-          <a:spcPct val="90000"/>
-        </a:lnSpc>
-        <a:spcBef>
-          <a:spcPts val="500"/>
-        </a:spcBef>
-        <a:buFont typeface="Arial" panose="020B0604020202020204" pitchFamily="34" charset="0"/>
-        <a:buChar char="•"/>
-        <a:defRPr sz="1800" kern="1200">
-          <a:solidFill>
-            <a:schemeClr val="tx1"/>
-          </a:solidFill>
-          <a:latin typeface="+mn-lt"/>
-          <a:ea typeface="+mn-ea"/>
-          <a:cs typeface="+mn-cs"/>
-        </a:defRPr>
-      </a:lvl5pPr>
-      <a:lvl6pPr marL="2514600" indent="-228600" algn="l" defTabSz="914400" rtl="0" eaLnBrk="1" latinLnBrk="0" hangingPunct="1">
-        <a:lnSpc>
-          <a:spcPct val="90000"/>
-        </a:lnSpc>
-        <a:spcBef>
-          <a:spcPts val="500"/>
-        </a:spcBef>
-        <a:buFont typeface="Arial" panose="020B0604020202020204" pitchFamily="34" charset="0"/>
-        <a:buChar char="•"/>
-        <a:defRPr sz="1800" kern="1200">
-          <a:solidFill>
-            <a:schemeClr val="tx1"/>
-          </a:solidFill>
-          <a:latin typeface="+mn-lt"/>
-          <a:ea typeface="+mn-ea"/>
-          <a:cs typeface="+mn-cs"/>
-        </a:defRPr>
-      </a:lvl6pPr>
-      <a:lvl7pPr marL="2971800" indent="-228600" algn="l" defTabSz="914400" rtl="0" eaLnBrk="1" latinLnBrk="0" hangingPunct="1">
-        <a:lnSpc>
-          <a:spcPct val="90000"/>
-        </a:lnSpc>
-        <a:spcBef>
-          <a:spcPts val="500"/>
-        </a:spcBef>
-        <a:buFont typeface="Arial" panose="020B0604020202020204" pitchFamily="34" charset="0"/>
-        <a:buChar char="•"/>
-        <a:defRPr sz="1800" kern="1200">
-          <a:solidFill>
-            <a:schemeClr val="tx1"/>
-          </a:solidFill>
-          <a:latin typeface="+mn-lt"/>
-          <a:ea typeface="+mn-ea"/>
-          <a:cs typeface="+mn-cs"/>
-        </a:defRPr>
-      </a:lvl7pPr>
-      <a:lvl8pPr marL="3429000" indent="-228600" algn="l" defTabSz="914400" rtl="0" eaLnBrk="1" latinLnBrk="0" hangingPunct="1">
-        <a:lnSpc>
-          <a:spcPct val="90000"/>
-        </a:lnSpc>
-        <a:spcBef>
-          <a:spcPts val="500"/>
-        </a:spcBef>
-        <a:buFont typeface="Arial" panose="020B0604020202020204" pitchFamily="34" charset="0"/>
-        <a:buChar char="•"/>
-        <a:defRPr sz="1800" kern="1200">
-          <a:solidFill>
-            <a:schemeClr val="tx1"/>
-          </a:solidFill>
-          <a:latin typeface="+mn-lt"/>
-          <a:ea typeface="+mn-ea"/>
-          <a:cs typeface="+mn-cs"/>
-        </a:defRPr>
-      </a:lvl8pPr>
-      <a:lvl9pPr marL="3886200" indent="-228600" algn="l" defTabSz="914400" rtl="0" eaLnBrk="1" latinLnBrk="0" hangingPunct="1">
-        <a:lnSpc>
-          <a:spcPct val="90000"/>
-        </a:lnSpc>
-        <a:spcBef>
-          <a:spcPts val="500"/>
-        </a:spcBef>
-        <a:buFont typeface="Arial" panose="020B0604020202020204" pitchFamily="34" charset="0"/>
-        <a:buChar char="•"/>
-        <a:defRPr sz="1800" kern="1200">
-          <a:solidFill>
-            <a:schemeClr val="tx1"/>
-          </a:solidFill>
-          <a:latin typeface="+mn-lt"/>
-          <a:ea typeface="+mn-ea"/>
-          <a:cs typeface="+mn-cs"/>
-        </a:defRPr>
-      </a:lvl9pPr>
-    </p:bodyStyle>
-    <p:otherStyle>
-      <a:defPPr>
-        <a:defRPr lang="cs-CZ"/>
-      </a:defPPr>
-      <a:lvl1pPr marL="0" algn="l" defTabSz="914400" rtl="0" eaLnBrk="1" latinLnBrk="0" hangingPunct="1">
-        <a:defRPr sz="1800" kern="1200">
-          <a:solidFill>
-            <a:schemeClr val="tx1"/>
-          </a:solidFill>
-          <a:latin typeface="+mn-lt"/>
-          <a:ea typeface="+mn-ea"/>
-          <a:cs typeface="+mn-cs"/>
-        </a:defRPr>
-      </a:lvl1pPr>
-      <a:lvl2pPr marL="457200" algn="l" defTabSz="914400" rtl="0" eaLnBrk="1" latinLnBrk="0" hangingPunct="1">
-        <a:defRPr sz="1800" kern="1200">
-          <a:solidFill>
-            <a:schemeClr val="tx1"/>
-          </a:solidFill>
-          <a:latin typeface="+mn-lt"/>
-          <a:ea typeface="+mn-ea"/>
-          <a:cs typeface="+mn-cs"/>
-        </a:defRPr>
-      </a:lvl2pPr>
-      <a:lvl3pPr marL="914400" algn="l" defTabSz="914400" rtl="0" eaLnBrk="1" latinLnBrk="0" hangingPunct="1">
-        <a:defRPr sz="1800" kern="1200">
-          <a:solidFill>
-            <a:schemeClr val="tx1"/>
-          </a:solidFill>
-          <a:latin typeface="+mn-lt"/>
-          <a:ea typeface="+mn-ea"/>
-          <a:cs typeface="+mn-cs"/>
-        </a:defRPr>
-      </a:lvl3pPr>
-      <a:lvl4pPr marL="1371600" algn="l" defTabSz="914400" rtl="0" eaLnBrk="1" latinLnBrk="0" hangingPunct="1">
-        <a:defRPr sz="1800" kern="1200">
-          <a:solidFill>
-            <a:schemeClr val="tx1"/>
-          </a:solidFill>
-          <a:latin typeface="+mn-lt"/>
-          <a:ea typeface="+mn-ea"/>
-          <a:cs typeface="+mn-cs"/>
-        </a:defRPr>
-      </a:lvl4pPr>
-      <a:lvl5pPr marL="1828800" algn="l" defTabSz="914400" rtl="0" eaLnBrk="1" latinLnBrk="0" hangingPunct="1">
-        <a:defRPr sz="1800" kern="1200">
-          <a:solidFill>
-            <a:schemeClr val="tx1"/>
-          </a:solidFill>
-          <a:latin typeface="+mn-lt"/>
-          <a:ea typeface="+mn-ea"/>
-          <a:cs typeface="+mn-cs"/>
-        </a:defRPr>
-      </a:lvl5pPr>
-      <a:lvl6pPr marL="2286000" algn="l" defTabSz="914400" rtl="0" eaLnBrk="1" latinLnBrk="0" hangingPunct="1">
-        <a:defRPr sz="1800" kern="1200">
-          <a:solidFill>
-            <a:schemeClr val="tx1"/>
-          </a:solidFill>
-          <a:latin typeface="+mn-lt"/>
-          <a:ea typeface="+mn-ea"/>
-          <a:cs typeface="+mn-cs"/>
-        </a:defRPr>
-      </a:lvl6pPr>
-      <a:lvl7pPr marL="2743200" algn="l" defTabSz="914400" rtl="0" eaLnBrk="1" latinLnBrk="0" hangingPunct="1">
-        <a:defRPr sz="1800" kern="1200">
-          <a:solidFill>
-            <a:schemeClr val="tx1"/>
-          </a:solidFill>
-          <a:latin typeface="+mn-lt"/>
-          <a:ea typeface="+mn-ea"/>
-          <a:cs typeface="+mn-cs"/>
-        </a:defRPr>
-      </a:lvl7pPr>
-      <a:lvl8pPr marL="3200400" algn="l" defTabSz="914400" rtl="0" eaLnBrk="1" latinLnBrk="0" hangingPunct="1">
-        <a:defRPr sz="1800" kern="1200">
-          <a:solidFill>
-            <a:schemeClr val="tx1"/>
-          </a:solidFill>
-          <a:latin typeface="+mn-lt"/>
-          <a:ea typeface="+mn-ea"/>
-          <a:cs typeface="+mn-cs"/>
-        </a:defRPr>
-      </a:lvl8pPr>
-      <a:lvl9pPr marL="3657600" algn="l" defTabSz="914400" rtl="0" eaLnBrk="1" latinLnBrk="0" hangingPunct="1">
-        <a:defRPr sz="1800" kern="1200">
-          <a:solidFill>
-            <a:schemeClr val="tx1"/>
-          </a:solidFill>
-          <a:latin typeface="+mn-lt"/>
-          <a:ea typeface="+mn-ea"/>
-          <a:cs typeface="+mn-cs"/>
-        </a:defRPr>
-      </a:lvl9pPr>
-    </p:otherStyle>
-  </p:txStyles>
+</p:sldMaster>
+</file>
+
+<file path=ppt/slideMasters/slideMaster3.xml><?xml version="1.0" encoding="utf-8"?>
+<p:sldMaster xmlns:a="http://schemas.openxmlformats.org/drawingml/2006/main" xmlns:p="http://schemas.openxmlformats.org/presentationml/2006/main" xmlns:r="http://schemas.openxmlformats.org/officeDocument/2006/relationships" xmlns:p14="http://schemas.microsoft.com/office/powerpoint/2010/main" xmlns:p15="http://schemas.microsoft.com/office/powerpoint/2012/main" xmlns:mc="http://schemas.openxmlformats.org/markup-compatibility/2006">
+  <p:cSld>
+    <p:bg>
+      <p:bgPr>
+        <a:blipFill rotWithShape="0">
+          <a:blip r:embed="rId2"/>
+          <a:stretch>
+            <a:fillRect/>
+          </a:stretch>
+        </a:blipFill>
+      </p:bgPr>
+    </p:bg>
+    <p:spTree>
+      <p:nvGrpSpPr>
+        <p:cNvPr id="1" name=""/>
+        <p:cNvGrpSpPr/>
+        <p:nvPr/>
+      </p:nvGrpSpPr>
+      <p:grpSpPr>
+        <a:xfrm>
+          <a:off x="0" y="0"/>
+          <a:ext cx="0" cy="0"/>
+          <a:chOff x="0" y="0"/>
+          <a:chExt cx="0" cy="0"/>
+        </a:xfrm>
+      </p:grpSpPr>
+      <p:sp>
+        <p:nvSpPr>
+          <p:cNvPr id="76" name="PlaceHolder 1"/>
+          <p:cNvSpPr>
+            <a:spLocks noGrp="1"/>
+          </p:cNvSpPr>
+          <p:nvPr>
+            <p:ph type="title"/>
+          </p:nvPr>
+        </p:nvSpPr>
+        <p:spPr>
+          <a:xfrm>
+            <a:off x="504000" y="301320"/>
+            <a:ext cx="9071640" cy="1261440"/>
+          </a:xfrm>
+          <a:prstGeom prst="rect">
+            <a:avLst/>
+          </a:prstGeom>
+        </p:spPr>
+        <p:txBody>
+          <a:bodyPr lIns="0" rIns="0" tIns="0" bIns="0" anchor="ctr"/>
+          <a:p>
+            <a:r>
+              <a:rPr b="0" lang="cs-CZ" sz="4400" spc="-1" strike="noStrike">
+                <a:solidFill>
+                  <a:srgbClr val="000000"/>
+                </a:solidFill>
+                <a:latin typeface="Arial"/>
+              </a:rPr>
+              <a:t>Klikněte pro úpravu formátu textu nadpisu</a:t>
+            </a:r>
+            <a:endParaRPr b="0" lang="cs-CZ" sz="4400" spc="-1" strike="noStrike">
+              <a:solidFill>
+                <a:srgbClr val="000000"/>
+              </a:solidFill>
+              <a:latin typeface="Arial"/>
+            </a:endParaRPr>
+          </a:p>
+        </p:txBody>
+      </p:sp>
+      <p:sp>
+        <p:nvSpPr>
+          <p:cNvPr id="77" name="PlaceHolder 2"/>
+          <p:cNvSpPr>
+            <a:spLocks noGrp="1"/>
+          </p:cNvSpPr>
+          <p:nvPr>
+            <p:ph type="body"/>
+          </p:nvPr>
+        </p:nvSpPr>
+        <p:spPr>
+          <a:xfrm>
+            <a:off x="504000" y="1768680"/>
+            <a:ext cx="9072000" cy="4384080"/>
+          </a:xfrm>
+          <a:prstGeom prst="rect">
+            <a:avLst/>
+          </a:prstGeom>
+        </p:spPr>
+        <p:txBody>
+          <a:bodyPr lIns="0" rIns="0" tIns="0" bIns="0">
+            <a:normAutofit/>
+          </a:bodyPr>
+          <a:p>
+            <a:pPr marL="432000" indent="-324000">
+              <a:spcBef>
+                <a:spcPts val="1417"/>
+              </a:spcBef>
+              <a:buClr>
+                <a:srgbClr val="000000"/>
+              </a:buClr>
+              <a:buSzPct val="45000"/>
+              <a:buFont typeface="Wingdings" charset="2"/>
+              <a:buChar char=""/>
+            </a:pPr>
+            <a:r>
+              <a:rPr b="0" lang="cs-CZ" sz="2800" spc="-1" strike="noStrike">
+                <a:solidFill>
+                  <a:srgbClr val="000000"/>
+                </a:solidFill>
+                <a:latin typeface="Arial"/>
+              </a:rPr>
+              <a:t>Klikněte pro úpravu formátu textu osnovy</a:t>
+            </a:r>
+            <a:endParaRPr b="0" lang="cs-CZ" sz="2800" spc="-1" strike="noStrike">
+              <a:solidFill>
+                <a:srgbClr val="000000"/>
+              </a:solidFill>
+              <a:latin typeface="Arial"/>
+            </a:endParaRPr>
+          </a:p>
+          <a:p>
+            <a:pPr lvl="1" marL="864000" indent="-324000">
+              <a:spcBef>
+                <a:spcPts val="1134"/>
+              </a:spcBef>
+              <a:buClr>
+                <a:srgbClr val="000000"/>
+              </a:buClr>
+              <a:buSzPct val="75000"/>
+              <a:buFont typeface="Symbol" charset="2"/>
+              <a:buChar char=""/>
+            </a:pPr>
+            <a:r>
+              <a:rPr b="0" lang="cs-CZ" sz="2000" spc="-1" strike="noStrike">
+                <a:solidFill>
+                  <a:srgbClr val="000000"/>
+                </a:solidFill>
+                <a:latin typeface="Arial"/>
+              </a:rPr>
+              <a:t>Druhá úroveň</a:t>
+            </a:r>
+            <a:endParaRPr b="0" lang="cs-CZ" sz="2000" spc="-1" strike="noStrike">
+              <a:solidFill>
+                <a:srgbClr val="000000"/>
+              </a:solidFill>
+              <a:latin typeface="Arial"/>
+            </a:endParaRPr>
+          </a:p>
+          <a:p>
+            <a:pPr lvl="2" marL="1296000" indent="-288000">
+              <a:spcBef>
+                <a:spcPts val="850"/>
+              </a:spcBef>
+              <a:buClr>
+                <a:srgbClr val="000000"/>
+              </a:buClr>
+              <a:buSzPct val="45000"/>
+              <a:buFont typeface="Wingdings" charset="2"/>
+              <a:buChar char=""/>
+            </a:pPr>
+            <a:r>
+              <a:rPr b="0" lang="cs-CZ" sz="1800" spc="-1" strike="noStrike">
+                <a:solidFill>
+                  <a:srgbClr val="000000"/>
+                </a:solidFill>
+                <a:latin typeface="Arial"/>
+              </a:rPr>
+              <a:t>Třetí úroveň</a:t>
+            </a:r>
+            <a:endParaRPr b="0" lang="cs-CZ" sz="1800" spc="-1" strike="noStrike">
+              <a:solidFill>
+                <a:srgbClr val="000000"/>
+              </a:solidFill>
+              <a:latin typeface="Arial"/>
+            </a:endParaRPr>
+          </a:p>
+          <a:p>
+            <a:pPr lvl="3" marL="1728000" indent="-216000">
+              <a:spcBef>
+                <a:spcPts val="567"/>
+              </a:spcBef>
+              <a:buClr>
+                <a:srgbClr val="000000"/>
+              </a:buClr>
+              <a:buSzPct val="75000"/>
+              <a:buFont typeface="Symbol" charset="2"/>
+              <a:buChar char=""/>
+            </a:pPr>
+            <a:r>
+              <a:rPr b="0" lang="cs-CZ" sz="1800" spc="-1" strike="noStrike">
+                <a:solidFill>
+                  <a:srgbClr val="000000"/>
+                </a:solidFill>
+                <a:latin typeface="Arial"/>
+              </a:rPr>
+              <a:t>Čtvrtá úroveň osnovy</a:t>
+            </a:r>
+            <a:endParaRPr b="0" lang="cs-CZ" sz="1800" spc="-1" strike="noStrike">
+              <a:solidFill>
+                <a:srgbClr val="000000"/>
+              </a:solidFill>
+              <a:latin typeface="Arial"/>
+            </a:endParaRPr>
+          </a:p>
+          <a:p>
+            <a:pPr lvl="4" marL="2160000" indent="-216000">
+              <a:spcBef>
+                <a:spcPts val="283"/>
+              </a:spcBef>
+              <a:buClr>
+                <a:srgbClr val="000000"/>
+              </a:buClr>
+              <a:buSzPct val="45000"/>
+              <a:buFont typeface="Wingdings" charset="2"/>
+              <a:buChar char=""/>
+            </a:pPr>
+            <a:r>
+              <a:rPr b="0" lang="cs-CZ" sz="2000" spc="-1" strike="noStrike">
+                <a:solidFill>
+                  <a:srgbClr val="000000"/>
+                </a:solidFill>
+                <a:latin typeface="Arial"/>
+              </a:rPr>
+              <a:t>Pátá úroveň osnovy</a:t>
+            </a:r>
+            <a:endParaRPr b="0" lang="cs-CZ" sz="2000" spc="-1" strike="noStrike">
+              <a:solidFill>
+                <a:srgbClr val="000000"/>
+              </a:solidFill>
+              <a:latin typeface="Arial"/>
+            </a:endParaRPr>
+          </a:p>
+          <a:p>
+            <a:pPr lvl="5" marL="2592000" indent="-216000">
+              <a:spcBef>
+                <a:spcPts val="283"/>
+              </a:spcBef>
+              <a:buClr>
+                <a:srgbClr val="000000"/>
+              </a:buClr>
+              <a:buSzPct val="45000"/>
+              <a:buFont typeface="Wingdings" charset="2"/>
+              <a:buChar char=""/>
+            </a:pPr>
+            <a:r>
+              <a:rPr b="0" lang="cs-CZ" sz="2000" spc="-1" strike="noStrike">
+                <a:solidFill>
+                  <a:srgbClr val="000000"/>
+                </a:solidFill>
+                <a:latin typeface="Arial"/>
+              </a:rPr>
+              <a:t>Šestá úroveň</a:t>
+            </a:r>
+            <a:endParaRPr b="0" lang="cs-CZ" sz="2000" spc="-1" strike="noStrike">
+              <a:solidFill>
+                <a:srgbClr val="000000"/>
+              </a:solidFill>
+              <a:latin typeface="Arial"/>
+            </a:endParaRPr>
+          </a:p>
+          <a:p>
+            <a:pPr lvl="6" marL="3024000" indent="-216000">
+              <a:spcBef>
+                <a:spcPts val="283"/>
+              </a:spcBef>
+              <a:buClr>
+                <a:srgbClr val="000000"/>
+              </a:buClr>
+              <a:buSzPct val="45000"/>
+              <a:buFont typeface="Wingdings" charset="2"/>
+              <a:buChar char=""/>
+            </a:pPr>
+            <a:r>
+              <a:rPr b="0" lang="cs-CZ" sz="2000" spc="-1" strike="noStrike">
+                <a:solidFill>
+                  <a:srgbClr val="000000"/>
+                </a:solidFill>
+                <a:latin typeface="Arial"/>
+              </a:rPr>
+              <a:t>Sedmá úroveň</a:t>
+            </a:r>
+            <a:endParaRPr b="0" lang="cs-CZ" sz="2000" spc="-1" strike="noStrike">
+              <a:solidFill>
+                <a:srgbClr val="000000"/>
+              </a:solidFill>
+              <a:latin typeface="Arial"/>
+            </a:endParaRPr>
+          </a:p>
+        </p:txBody>
+      </p:sp>
+    </p:spTree>
+  </p:cSld>
+  <p:clrMap bg1="lt1" bg2="lt2" tx1="dk1" tx2="dk2" accent1="accent1" accent2="accent2" accent3="accent3" accent4="accent4" accent5="accent5" accent6="accent6" hlink="hlink" folHlink="folHlink"/>
+  <p:sldLayoutIdLst>
+    <p:sldLayoutId id="2147483675" r:id="rId3"/>
+    <p:sldLayoutId id="2147483676" r:id="rId4"/>
+    <p:sldLayoutId id="2147483677" r:id="rId5"/>
+    <p:sldLayoutId id="2147483678" r:id="rId6"/>
+    <p:sldLayoutId id="2147483679" r:id="rId7"/>
+    <p:sldLayoutId id="2147483680" r:id="rId8"/>
+    <p:sldLayoutId id="2147483681" r:id="rId9"/>
+    <p:sldLayoutId id="2147483682" r:id="rId10"/>
+    <p:sldLayoutId id="2147483683" r:id="rId11"/>
+    <p:sldLayoutId id="2147483684" r:id="rId12"/>
+    <p:sldLayoutId id="2147483685" r:id="rId13"/>
+    <p:sldLayoutId id="2147483686" r:id="rId14"/>
+  </p:sldLayoutIdLst>
 </p:sldMaster>
 </file>
 
 <file path=ppt/slides/slide1.xml><?xml version="1.0" encoding="utf-8"?>
-<p:sld xmlns:a="http://schemas.openxmlformats.org/drawingml/2006/main" xmlns:r="http://schemas.openxmlformats.org/officeDocument/2006/relationships" xmlns:p="http://schemas.openxmlformats.org/presentationml/2006/main">
+<p:sld xmlns:a="http://schemas.openxmlformats.org/drawingml/2006/main" xmlns:p="http://schemas.openxmlformats.org/presentationml/2006/main" xmlns:r="http://schemas.openxmlformats.org/officeDocument/2006/relationships" xmlns:p14="http://schemas.microsoft.com/office/powerpoint/2010/main" xmlns:p15="http://schemas.microsoft.com/office/powerpoint/2012/main" xmlns:mc="http://schemas.openxmlformats.org/markup-compatibility/2006">
   <p:cSld>
     <p:spTree>
       <p:nvGrpSpPr>
@@ -3990,7 +5240,7 @@
         <p:spPr>
           <a:xfrm>
             <a:off x="504360" y="3528000"/>
-            <a:ext cx="9069120" cy="827640"/>
+            <a:ext cx="9068760" cy="827280"/>
           </a:xfrm>
           <a:prstGeom prst="rect">
             <a:avLst/>
@@ -4001,22 +5251,15 @@
           </a:ln>
         </p:spPr>
         <p:style>
-          <a:lnRef idx="0">
-            <a:scrgbClr r="0" g="0" b="0"/>
-          </a:lnRef>
-          <a:fillRef idx="0">
-            <a:scrgbClr r="0" g="0" b="0"/>
-          </a:fillRef>
-          <a:effectRef idx="0">
-            <a:scrgbClr r="0" g="0" b="0"/>
-          </a:effectRef>
+          <a:lnRef idx="0"/>
+          <a:fillRef idx="0"/>
+          <a:effectRef idx="0"/>
           <a:fontRef idx="minor"/>
         </p:style>
         <p:txBody>
-          <a:bodyPr lIns="0" tIns="0" rIns="0" bIns="0" anchor="ctr">
+          <a:bodyPr lIns="0" rIns="0" tIns="0" bIns="0" anchor="ctr">
             <a:normAutofit/>
           </a:bodyPr>
-          <a:lstStyle/>
           <a:p>
             <a:pPr algn="ctr">
               <a:lnSpc>
@@ -4024,26 +5267,16 @@
               </a:lnSpc>
             </a:pPr>
             <a:r>
-              <a:rPr lang="cs-CZ" sz="4400" spc="-1">
-                <a:solidFill>
-                  <a:srgbClr val="FFFFFF"/>
+              <a:rPr b="0" lang="cs-CZ" sz="4400" spc="-1" strike="noStrike">
+                <a:solidFill>
+                  <a:srgbClr val="ffffff"/>
                 </a:solidFill>
                 <a:latin typeface="Ubuntu"/>
                 <a:ea typeface="DejaVu Sans"/>
               </a:rPr>
-              <a:t>4</a:t>
-            </a:r>
-            <a:r>
-              <a:rPr lang="cs-CZ" sz="4400" b="0" strike="noStrike" spc="-1">
-                <a:solidFill>
-                  <a:srgbClr val="FFFFFF"/>
-                </a:solidFill>
-                <a:latin typeface="Ubuntu"/>
-                <a:ea typeface="DejaVu Sans"/>
-              </a:rPr>
-              <a:t>-1 Akcelerometr</a:t>
-            </a:r>
-            <a:endParaRPr lang="cs-CZ" sz="4400" b="0" strike="noStrike" spc="-1" dirty="0">
+              <a:t>4-1 Akcelerometr</a:t>
+            </a:r>
+            <a:endParaRPr b="0" lang="cs-CZ" sz="4400" spc="-1" strike="noStrike">
               <a:latin typeface="Arial"/>
             </a:endParaRPr>
           </a:p>
@@ -4058,7 +5291,7 @@
         <p:spPr>
           <a:xfrm>
             <a:off x="1728000" y="1080000"/>
-            <a:ext cx="6117480" cy="939960"/>
+            <a:ext cx="6117120" cy="939600"/>
           </a:xfrm>
           <a:prstGeom prst="rect">
             <a:avLst/>
@@ -4069,20 +5302,13 @@
           </a:ln>
         </p:spPr>
         <p:style>
-          <a:lnRef idx="0">
-            <a:scrgbClr r="0" g="0" b="0"/>
-          </a:lnRef>
-          <a:fillRef idx="0">
-            <a:scrgbClr r="0" g="0" b="0"/>
-          </a:fillRef>
-          <a:effectRef idx="0">
-            <a:scrgbClr r="0" g="0" b="0"/>
-          </a:effectRef>
+          <a:lnRef idx="0"/>
+          <a:fillRef idx="0"/>
+          <a:effectRef idx="0"/>
           <a:fontRef idx="minor"/>
         </p:style>
         <p:txBody>
-          <a:bodyPr lIns="90000" tIns="45000" rIns="90000" bIns="45000"/>
-          <a:lstStyle/>
+          <a:bodyPr lIns="90000" rIns="90000" tIns="45000" bIns="45000"/>
           <a:p>
             <a:pPr>
               <a:lnSpc>
@@ -4090,7 +5316,7 @@
               </a:lnSpc>
             </a:pPr>
             <a:r>
-              <a:rPr lang="cs-CZ" sz="6000" b="0" strike="noStrike" spc="-1">
+              <a:rPr b="0" lang="cs-CZ" sz="6000" spc="-1" strike="noStrike">
                 <a:solidFill>
                   <a:srgbClr val="000000"/>
                 </a:solidFill>
@@ -4099,7 +5325,7 @@
               </a:rPr>
               <a:t>PRIM – Micro:bit</a:t>
             </a:r>
-            <a:endParaRPr lang="cs-CZ" sz="6000" b="0" strike="noStrike" spc="-1">
+            <a:endParaRPr b="0" lang="cs-CZ" sz="6000" spc="-1" strike="noStrike">
               <a:latin typeface="Arial"/>
             </a:endParaRPr>
           </a:p>
@@ -4107,9 +5333,6 @@
       </p:sp>
     </p:spTree>
   </p:cSld>
-  <p:clrMapOvr>
-    <a:masterClrMapping/>
-  </p:clrMapOvr>
   <p:timing>
     <p:tnLst>
       <p:par>
@@ -4118,14 +5341,14 @@
             <p:seq>
               <p:cTn id="2" dur="indefinite" nodeType="mainSeq"/>
               <p:prevCondLst>
-                <p:cond evt="onPrev" delay="0">
+                <p:cond delay="0" evt="onPrev">
                   <p:tgtEl>
                     <p:sldTgt/>
                   </p:tgtEl>
                 </p:cond>
               </p:prevCondLst>
               <p:nextCondLst>
-                <p:cond evt="onNext" delay="0">
+                <p:cond delay="0" evt="onNext">
                   <p:tgtEl>
                     <p:sldTgt/>
                   </p:tgtEl>
@@ -4141,7 +5364,7 @@
 </file>
 
 <file path=ppt/slides/slide2.xml><?xml version="1.0" encoding="utf-8"?>
-<p:sld xmlns:a="http://schemas.openxmlformats.org/drawingml/2006/main" xmlns:r="http://schemas.openxmlformats.org/officeDocument/2006/relationships" xmlns:p="http://schemas.openxmlformats.org/presentationml/2006/main">
+<p:sld xmlns:a="http://schemas.openxmlformats.org/drawingml/2006/main" xmlns:p="http://schemas.openxmlformats.org/presentationml/2006/main" xmlns:r="http://schemas.openxmlformats.org/officeDocument/2006/relationships" xmlns:p14="http://schemas.microsoft.com/office/powerpoint/2010/main" xmlns:p15="http://schemas.microsoft.com/office/powerpoint/2012/main" xmlns:mc="http://schemas.openxmlformats.org/markup-compatibility/2006">
   <p:cSld>
     <p:spTree>
       <p:nvGrpSpPr>
@@ -4159,14 +5382,14 @@
       </p:grpSpPr>
       <p:sp>
         <p:nvSpPr>
-          <p:cNvPr id="120" name="CustomShape 1"/>
+          <p:cNvPr id="116" name="CustomShape 1"/>
           <p:cNvSpPr/>
           <p:nvPr/>
         </p:nvSpPr>
         <p:spPr>
           <a:xfrm>
             <a:off x="504000" y="72000"/>
-            <a:ext cx="9069120" cy="861480"/>
+            <a:ext cx="9068760" cy="861120"/>
           </a:xfrm>
           <a:prstGeom prst="rect">
             <a:avLst/>
@@ -4177,20 +5400,13 @@
           </a:ln>
         </p:spPr>
         <p:style>
-          <a:lnRef idx="0">
-            <a:scrgbClr r="0" g="0" b="0"/>
-          </a:lnRef>
-          <a:fillRef idx="0">
-            <a:scrgbClr r="0" g="0" b="0"/>
-          </a:fillRef>
-          <a:effectRef idx="0">
-            <a:scrgbClr r="0" g="0" b="0"/>
-          </a:effectRef>
+          <a:lnRef idx="0"/>
+          <a:fillRef idx="0"/>
+          <a:effectRef idx="0"/>
           <a:fontRef idx="minor"/>
         </p:style>
         <p:txBody>
-          <a:bodyPr lIns="0" tIns="0" rIns="0" bIns="0" anchor="ctr"/>
-          <a:lstStyle/>
+          <a:bodyPr lIns="0" rIns="0" tIns="0" bIns="0" anchor="ctr"/>
           <a:p>
             <a:pPr algn="ctr">
               <a:lnSpc>
@@ -4198,30 +5414,31 @@
               </a:lnSpc>
             </a:pPr>
             <a:r>
-              <a:rPr lang="cs-CZ" sz="4400" spc="-1" dirty="0">
+              <a:rPr b="0" lang="cs-CZ" sz="4400" spc="-1" strike="noStrike">
                 <a:solidFill>
                   <a:srgbClr val="000000"/>
                 </a:solidFill>
                 <a:latin typeface="Arial"/>
+                <a:ea typeface="DejaVu Sans"/>
               </a:rPr>
               <a:t>Co je akcelerometr</a:t>
             </a:r>
-            <a:endParaRPr lang="cs-CZ" sz="4400" b="0" strike="noStrike" spc="-1" dirty="0">
-              <a:latin typeface="Arial"/>
-            </a:endParaRPr>
-          </a:p>
-        </p:txBody>
-      </p:sp>
-      <p:sp>
-        <p:nvSpPr>
-          <p:cNvPr id="121" name="CustomShape 2"/>
+            <a:endParaRPr b="0" lang="cs-CZ" sz="4400" spc="-1" strike="noStrike">
+              <a:latin typeface="Arial"/>
+            </a:endParaRPr>
+          </a:p>
+        </p:txBody>
+      </p:sp>
+      <p:sp>
+        <p:nvSpPr>
+          <p:cNvPr id="117" name="CustomShape 2"/>
           <p:cNvSpPr/>
           <p:nvPr/>
         </p:nvSpPr>
         <p:spPr>
           <a:xfrm>
             <a:off x="504000" y="1769040"/>
-            <a:ext cx="9069120" cy="4382280"/>
+            <a:ext cx="9068760" cy="4381920"/>
           </a:xfrm>
           <a:prstGeom prst="rect">
             <a:avLst/>
@@ -4232,154 +5449,143 @@
           </a:ln>
         </p:spPr>
         <p:style>
-          <a:lnRef idx="0">
-            <a:scrgbClr r="0" g="0" b="0"/>
-          </a:lnRef>
-          <a:fillRef idx="0">
-            <a:scrgbClr r="0" g="0" b="0"/>
-          </a:fillRef>
-          <a:effectRef idx="0">
-            <a:scrgbClr r="0" g="0" b="0"/>
-          </a:effectRef>
+          <a:lnRef idx="0"/>
+          <a:fillRef idx="0"/>
+          <a:effectRef idx="0"/>
           <a:fontRef idx="minor"/>
         </p:style>
         <p:txBody>
-          <a:bodyPr lIns="0" tIns="0" rIns="0" bIns="0">
+          <a:bodyPr lIns="0" rIns="0" tIns="0" bIns="0">
             <a:normAutofit/>
           </a:bodyPr>
-          <a:lstStyle/>
-          <a:p>
-            <a:pPr marL="457200" indent="-457200">
-              <a:buFont typeface="Arial" panose="020B0604020202020204" pitchFamily="34" charset="0"/>
+          <a:p>
+            <a:pPr marL="457200" indent="-456840">
+              <a:lnSpc>
+                <a:spcPct val="100000"/>
+              </a:lnSpc>
+              <a:buClr>
+                <a:srgbClr val="000000"/>
+              </a:buClr>
+              <a:buFont typeface="Arial"/>
               <a:buChar char="•"/>
             </a:pPr>
             <a:r>
-              <a:rPr lang="cs-CZ" sz="3200" b="0" strike="noStrike" spc="-1" dirty="0">
+              <a:rPr b="0" lang="cs-CZ" sz="3200" spc="-1" strike="noStrike">
                 <a:solidFill>
                   <a:srgbClr val="000000"/>
                 </a:solidFill>
+                <a:latin typeface="Arial"/>
                 <a:ea typeface="DejaVu Sans"/>
               </a:rPr>
               <a:t>Co je to akcelerometr</a:t>
             </a:r>
-          </a:p>
-          <a:p>
-            <a:pPr marL="457200" indent="-457200">
-              <a:buFont typeface="Arial" panose="020B0604020202020204" pitchFamily="34" charset="0"/>
+            <a:endParaRPr b="0" lang="cs-CZ" sz="3200" spc="-1" strike="noStrike">
+              <a:latin typeface="Arial"/>
+            </a:endParaRPr>
+          </a:p>
+          <a:p>
+            <a:pPr marL="457200" indent="-456840">
+              <a:lnSpc>
+                <a:spcPct val="100000"/>
+              </a:lnSpc>
+              <a:buClr>
+                <a:srgbClr val="000000"/>
+              </a:buClr>
+              <a:buFont typeface="Arial"/>
               <a:buChar char="•"/>
             </a:pPr>
             <a:r>
-              <a:rPr lang="cs-CZ" sz="3200" spc="-1" dirty="0">
+              <a:rPr b="0" lang="cs-CZ" sz="3200" spc="-1" strike="noStrike">
                 <a:solidFill>
                   <a:srgbClr val="000000"/>
                 </a:solidFill>
+                <a:latin typeface="Arial"/>
+                <a:ea typeface="DejaVu Sans"/>
               </a:rPr>
               <a:t>Jaké možnosti má akcelerometr</a:t>
             </a:r>
-          </a:p>
-          <a:p>
-            <a:pPr marL="457200" indent="-457200">
-              <a:buFont typeface="Arial" panose="020B0604020202020204" pitchFamily="34" charset="0"/>
+            <a:endParaRPr b="0" lang="cs-CZ" sz="3200" spc="-1" strike="noStrike">
+              <a:latin typeface="Arial"/>
+            </a:endParaRPr>
+          </a:p>
+          <a:p>
+            <a:pPr marL="457200" indent="-456840">
+              <a:lnSpc>
+                <a:spcPct val="100000"/>
+              </a:lnSpc>
+              <a:buClr>
+                <a:srgbClr val="000000"/>
+              </a:buClr>
+              <a:buFont typeface="Arial"/>
               <a:buChar char="•"/>
             </a:pPr>
             <a:r>
-              <a:rPr lang="cs-CZ" sz="3200" b="0" strike="noStrike" spc="-1" dirty="0">
+              <a:rPr b="0" lang="cs-CZ" sz="3200" spc="-1" strike="noStrike">
                 <a:solidFill>
                   <a:srgbClr val="000000"/>
                 </a:solidFill>
+                <a:latin typeface="Arial"/>
+                <a:ea typeface="DejaVu Sans"/>
               </a:rPr>
               <a:t>Pozice os</a:t>
             </a:r>
-          </a:p>
-          <a:p>
-            <a:endParaRPr lang="cs-CZ" sz="3200" b="0" strike="noStrike" spc="-1" dirty="0"/>
-          </a:p>
-        </p:txBody>
-      </p:sp>
-      <p:graphicFrame>
-        <p:nvGraphicFramePr>
-          <p:cNvPr id="4" name="Objekt 3">
-            <a:extLst>
-              <a:ext uri="{FF2B5EF4-FFF2-40B4-BE49-F238E27FC236}">
-                <a16:creationId xmlns:a16="http://schemas.microsoft.com/office/drawing/2014/main" id="{A7B8AD71-AD14-724A-BFFA-95F8C300FF67}"/>
-              </a:ext>
-            </a:extLst>
-          </p:cNvPr>
-          <p:cNvGraphicFramePr>
-            <a:graphicFrameLocks noChangeAspect="1"/>
-          </p:cNvGraphicFramePr>
-          <p:nvPr>
-            <p:extLst>
-              <p:ext uri="{D42A27DB-BD31-4B8C-83A1-F6EECF244321}">
-                <p14:modId xmlns:p14="http://schemas.microsoft.com/office/powerpoint/2010/main" val="3379069348"/>
-              </p:ext>
-            </p:extLst>
-          </p:nvPr>
-        </p:nvGraphicFramePr>
-        <p:xfrm>
-          <a:off x="920833" y="3331919"/>
-          <a:ext cx="8369741" cy="3854943"/>
-        </p:xfrm>
-        <a:graphic>
-          <a:graphicData uri="http://schemas.openxmlformats.org/presentationml/2006/ole">
-            <mc:AlternateContent xmlns:mc="http://schemas.openxmlformats.org/markup-compatibility/2006">
-              <mc:Choice xmlns:v="urn:schemas-microsoft-com:vml" Requires="v">
-                <p:oleObj spid="_x0000_s1029" name="Dokument" r:id="rId3" imgW="6121400" imgH="2819400" progId="Word.Document.12">
-                  <p:embed/>
-                </p:oleObj>
-              </mc:Choice>
-              <mc:Fallback>
-                <p:oleObj name="Dokument" r:id="rId3" imgW="6121400" imgH="2819400" progId="Word.Document.12">
-                  <p:embed/>
-                  <p:pic>
-                    <p:nvPicPr>
-                      <p:cNvPr id="0" name=""/>
-                      <p:cNvPicPr/>
-                      <p:nvPr/>
-                    </p:nvPicPr>
-                    <p:blipFill>
-                      <a:blip r:embed="rId4"/>
-                      <a:stretch>
-                        <a:fillRect/>
-                      </a:stretch>
-                    </p:blipFill>
-                    <p:spPr>
-                      <a:xfrm>
-                        <a:off x="920833" y="3331919"/>
-                        <a:ext cx="8369741" cy="3854943"/>
-                      </a:xfrm>
-                      <a:prstGeom prst="rect">
-                        <a:avLst/>
-                      </a:prstGeom>
-                    </p:spPr>
-                  </p:pic>
-                </p:oleObj>
-              </mc:Fallback>
-            </mc:AlternateContent>
-          </a:graphicData>
-        </a:graphic>
-      </p:graphicFrame>
+            <a:endParaRPr b="0" lang="cs-CZ" sz="3200" spc="-1" strike="noStrike">
+              <a:latin typeface="Arial"/>
+            </a:endParaRPr>
+          </a:p>
+          <a:p>
+            <a:pPr>
+              <a:lnSpc>
+                <a:spcPct val="100000"/>
+              </a:lnSpc>
+            </a:pPr>
+            <a:endParaRPr b="0" lang="cs-CZ" sz="3200" spc="-1" strike="noStrike">
+              <a:latin typeface="Arial"/>
+            </a:endParaRPr>
+          </a:p>
+        </p:txBody>
+      </p:sp>
+      <p:pic>
+        <p:nvPicPr>
+          <p:cNvPr id="118" name="" descr=""/>
+          <p:cNvPicPr/>
+          <p:nvPr/>
+        </p:nvPicPr>
+        <p:blipFill>
+          <a:blip r:embed="rId1"/>
+          <a:stretch/>
+        </p:blipFill>
+        <p:spPr>
+          <a:xfrm>
+            <a:off x="914400" y="3327480"/>
+            <a:ext cx="8369280" cy="3848040"/>
+          </a:xfrm>
+          <a:prstGeom prst="rect">
+            <a:avLst/>
+          </a:prstGeom>
+          <a:ln>
+            <a:noFill/>
+          </a:ln>
+        </p:spPr>
+      </p:pic>
     </p:spTree>
   </p:cSld>
-  <p:clrMapOvr>
-    <a:masterClrMapping/>
-  </p:clrMapOvr>
   <p:timing>
     <p:tnLst>
       <p:par>
-        <p:cTn id="1" dur="indefinite" restart="never" nodeType="tmRoot">
+        <p:cTn id="3" dur="indefinite" restart="never" nodeType="tmRoot">
           <p:childTnLst>
             <p:seq>
-              <p:cTn id="2" dur="indefinite" nodeType="mainSeq"/>
+              <p:cTn id="4" dur="indefinite" nodeType="mainSeq"/>
               <p:prevCondLst>
-                <p:cond evt="onPrev" delay="0">
+                <p:cond delay="0" evt="onPrev">
                   <p:tgtEl>
                     <p:sldTgt/>
                   </p:tgtEl>
                 </p:cond>
               </p:prevCondLst>
               <p:nextCondLst>
-                <p:cond evt="onNext" delay="0">
+                <p:cond delay="0" evt="onNext">
                   <p:tgtEl>
                     <p:sldTgt/>
                   </p:tgtEl>
@@ -4395,7 +5601,7 @@
 </file>
 
 <file path=ppt/slides/slide3.xml><?xml version="1.0" encoding="utf-8"?>
-<p:sld xmlns:a="http://schemas.openxmlformats.org/drawingml/2006/main" xmlns:r="http://schemas.openxmlformats.org/officeDocument/2006/relationships" xmlns:p="http://schemas.openxmlformats.org/presentationml/2006/main">
+<p:sld xmlns:a="http://schemas.openxmlformats.org/drawingml/2006/main" xmlns:p="http://schemas.openxmlformats.org/presentationml/2006/main" xmlns:r="http://schemas.openxmlformats.org/officeDocument/2006/relationships" xmlns:p14="http://schemas.microsoft.com/office/powerpoint/2010/main" xmlns:p15="http://schemas.microsoft.com/office/powerpoint/2012/main" xmlns:mc="http://schemas.openxmlformats.org/markup-compatibility/2006">
   <p:cSld>
     <p:spTree>
       <p:nvGrpSpPr>
@@ -4413,14 +5619,14 @@
       </p:grpSpPr>
       <p:sp>
         <p:nvSpPr>
-          <p:cNvPr id="122" name="CustomShape 1"/>
+          <p:cNvPr id="119" name="CustomShape 1"/>
           <p:cNvSpPr/>
           <p:nvPr/>
         </p:nvSpPr>
         <p:spPr>
           <a:xfrm>
             <a:off x="576000" y="72000"/>
-            <a:ext cx="9069120" cy="861480"/>
+            <a:ext cx="9068760" cy="861120"/>
           </a:xfrm>
           <a:prstGeom prst="rect">
             <a:avLst/>
@@ -4431,20 +5637,13 @@
           </a:ln>
         </p:spPr>
         <p:style>
-          <a:lnRef idx="0">
-            <a:scrgbClr r="0" g="0" b="0"/>
-          </a:lnRef>
-          <a:fillRef idx="0">
-            <a:scrgbClr r="0" g="0" b="0"/>
-          </a:fillRef>
-          <a:effectRef idx="0">
-            <a:scrgbClr r="0" g="0" b="0"/>
-          </a:effectRef>
+          <a:lnRef idx="0"/>
+          <a:fillRef idx="0"/>
+          <a:effectRef idx="0"/>
           <a:fontRef idx="minor"/>
         </p:style>
         <p:txBody>
-          <a:bodyPr lIns="0" tIns="0" rIns="0" bIns="0" anchor="ctr"/>
-          <a:lstStyle/>
+          <a:bodyPr lIns="0" rIns="0" tIns="0" bIns="0" anchor="ctr"/>
           <a:p>
             <a:pPr algn="ctr">
               <a:lnSpc>
@@ -4452,362 +5651,712 @@
               </a:lnSpc>
             </a:pPr>
             <a:r>
-              <a:rPr lang="cs-CZ" sz="4400" b="0" strike="noStrike" spc="-1" dirty="0">
+              <a:rPr b="0" lang="cs-CZ" sz="4400" spc="-1" strike="noStrike">
                 <a:solidFill>
                   <a:srgbClr val="000000"/>
                 </a:solidFill>
                 <a:latin typeface="Arial"/>
                 <a:ea typeface="DejaVu Sans"/>
               </a:rPr>
-              <a:t>Náklon podle osy </a:t>
-            </a:r>
-            <a:r>
-              <a:rPr lang="cs-CZ" sz="4400" b="0" strike="noStrike" spc="-1" dirty="0" err="1">
-                <a:solidFill>
-                  <a:srgbClr val="000000"/>
-                </a:solidFill>
-                <a:latin typeface="Arial"/>
-                <a:ea typeface="DejaVu Sans"/>
-              </a:rPr>
-              <a:t>x</a:t>
-            </a:r>
-            <a:endParaRPr lang="cs-CZ" sz="4400" b="0" strike="noStrike" spc="-1" dirty="0">
-              <a:latin typeface="Arial"/>
-            </a:endParaRPr>
-          </a:p>
-        </p:txBody>
-      </p:sp>
-      <p:sp>
-        <p:nvSpPr>
-          <p:cNvPr id="123" name="CustomShape 2"/>
+              <a:t>Náklon podle osy x</a:t>
+            </a:r>
+            <a:endParaRPr b="0" lang="cs-CZ" sz="4400" spc="-1" strike="noStrike">
+              <a:latin typeface="Arial"/>
+            </a:endParaRPr>
+          </a:p>
+        </p:txBody>
+      </p:sp>
+      <p:sp>
+        <p:nvSpPr>
+          <p:cNvPr id="120" name="CustomShape 2"/>
           <p:cNvSpPr/>
           <p:nvPr/>
         </p:nvSpPr>
         <p:spPr>
           <a:xfrm>
             <a:off x="504000" y="1769040"/>
-            <a:ext cx="9069120" cy="4382280"/>
-          </a:xfrm>
-          <a:prstGeom prst="rect">
-            <a:avLst/>
-          </a:prstGeom>
-          <a:noFill/>
+            <a:ext cx="9068760" cy="5142960"/>
+          </a:xfrm>
+          <a:prstGeom prst="rect">
+            <a:avLst/>
+          </a:prstGeom>
+          <a:solidFill>
+            <a:srgbClr val="dddddd"/>
+          </a:solidFill>
           <a:ln>
-            <a:noFill/>
+            <a:solidFill>
+              <a:srgbClr val="3465a4"/>
+            </a:solidFill>
           </a:ln>
         </p:spPr>
         <p:style>
-          <a:lnRef idx="0">
-            <a:scrgbClr r="0" g="0" b="0"/>
-          </a:lnRef>
-          <a:fillRef idx="0">
-            <a:scrgbClr r="0" g="0" b="0"/>
-          </a:fillRef>
-          <a:effectRef idx="0">
-            <a:scrgbClr r="0" g="0" b="0"/>
-          </a:effectRef>
+          <a:lnRef idx="0"/>
+          <a:fillRef idx="0"/>
+          <a:effectRef idx="0"/>
           <a:fontRef idx="minor"/>
         </p:style>
         <p:txBody>
-          <a:bodyPr lIns="0" tIns="0" rIns="0" bIns="0">
-            <a:noAutofit/>
-          </a:bodyPr>
-          <a:lstStyle/>
-          <a:p>
-            <a:r>
-              <a:rPr lang="cs-CZ" sz="3200" dirty="0" err="1">
-                <a:latin typeface="Courier New" panose="02070309020205020404" pitchFamily="49" charset="0"/>
-                <a:cs typeface="Courier New" panose="02070309020205020404" pitchFamily="49" charset="0"/>
+          <a:bodyPr lIns="0" rIns="0" tIns="0" bIns="0"/>
+          <a:p>
+            <a:pPr>
+              <a:lnSpc>
+                <a:spcPct val="100000"/>
+              </a:lnSpc>
+            </a:pPr>
+            <a:r>
+              <a:rPr b="0" lang="cs-CZ" sz="3200" spc="-1" strike="noStrike">
+                <a:solidFill>
+                  <a:srgbClr val="008000"/>
+                </a:solidFill>
+                <a:latin typeface="Courier New"/>
+                <a:ea typeface="DejaVu Sans"/>
               </a:rPr>
               <a:t>from</a:t>
             </a:r>
             <a:r>
-              <a:rPr lang="cs-CZ" sz="3200" dirty="0">
-                <a:latin typeface="Courier New" panose="02070309020205020404" pitchFamily="49" charset="0"/>
-                <a:cs typeface="Courier New" panose="02070309020205020404" pitchFamily="49" charset="0"/>
+              <a:rPr b="0" lang="cs-CZ" sz="3200" spc="-1" strike="noStrike">
+                <a:solidFill>
+                  <a:srgbClr val="000000"/>
+                </a:solidFill>
+                <a:latin typeface="Courier New"/>
+                <a:ea typeface="DejaVu Sans"/>
               </a:rPr>
               <a:t> </a:t>
             </a:r>
             <a:r>
-              <a:rPr lang="cs-CZ" sz="3200" dirty="0" err="1">
-                <a:latin typeface="Courier New" panose="02070309020205020404" pitchFamily="49" charset="0"/>
-                <a:cs typeface="Courier New" panose="02070309020205020404" pitchFamily="49" charset="0"/>
+              <a:rPr b="0" lang="cs-CZ" sz="3200" spc="-1" strike="noStrike">
+                <a:solidFill>
+                  <a:srgbClr val="0000ff"/>
+                </a:solidFill>
+                <a:latin typeface="Courier New"/>
+                <a:ea typeface="DejaVu Sans"/>
               </a:rPr>
               <a:t>microbit</a:t>
             </a:r>
             <a:r>
-              <a:rPr lang="cs-CZ" sz="3200" dirty="0">
-                <a:latin typeface="Courier New" panose="02070309020205020404" pitchFamily="49" charset="0"/>
-                <a:cs typeface="Courier New" panose="02070309020205020404" pitchFamily="49" charset="0"/>
-              </a:rPr>
-              <a:t> import *</a:t>
-            </a:r>
-          </a:p>
-          <a:p>
-            <a:r>
-              <a:rPr lang="cs-CZ" sz="3200" dirty="0">
-                <a:latin typeface="Courier New" panose="02070309020205020404" pitchFamily="49" charset="0"/>
-                <a:cs typeface="Courier New" panose="02070309020205020404" pitchFamily="49" charset="0"/>
-              </a:rPr>
-              <a:t>mez = 400</a:t>
-            </a:r>
-          </a:p>
-          <a:p>
-            <a:r>
-              <a:rPr lang="cs-CZ" sz="3200" dirty="0" err="1">
-                <a:latin typeface="Courier New" panose="02070309020205020404" pitchFamily="49" charset="0"/>
-                <a:cs typeface="Courier New" panose="02070309020205020404" pitchFamily="49" charset="0"/>
+              <a:rPr b="0" lang="cs-CZ" sz="3200" spc="-1" strike="noStrike">
+                <a:solidFill>
+                  <a:srgbClr val="000000"/>
+                </a:solidFill>
+                <a:latin typeface="Courier New"/>
+                <a:ea typeface="DejaVu Sans"/>
+              </a:rPr>
+              <a:t> </a:t>
+            </a:r>
+            <a:r>
+              <a:rPr b="0" lang="cs-CZ" sz="3200" spc="-1" strike="noStrike">
+                <a:solidFill>
+                  <a:srgbClr val="008000"/>
+                </a:solidFill>
+                <a:latin typeface="Courier New"/>
+                <a:ea typeface="DejaVu Sans"/>
+              </a:rPr>
+              <a:t>import</a:t>
+            </a:r>
+            <a:r>
+              <a:rPr b="0" lang="cs-CZ" sz="3200" spc="-1" strike="noStrike">
+                <a:solidFill>
+                  <a:srgbClr val="000000"/>
+                </a:solidFill>
+                <a:latin typeface="Courier New"/>
+                <a:ea typeface="DejaVu Sans"/>
+              </a:rPr>
+              <a:t> </a:t>
+            </a:r>
+            <a:r>
+              <a:rPr b="0" lang="cs-CZ" sz="3200" spc="-1" strike="noStrike">
+                <a:solidFill>
+                  <a:srgbClr val="666666"/>
+                </a:solidFill>
+                <a:latin typeface="Courier New"/>
+                <a:ea typeface="DejaVu Sans"/>
+              </a:rPr>
+              <a:t>*</a:t>
+            </a:r>
+            <a:endParaRPr b="0" lang="cs-CZ" sz="3200" spc="-1" strike="noStrike">
+              <a:latin typeface="Arial"/>
+            </a:endParaRPr>
+          </a:p>
+          <a:p>
+            <a:pPr>
+              <a:lnSpc>
+                <a:spcPct val="100000"/>
+              </a:lnSpc>
+            </a:pPr>
+            <a:r>
+              <a:rPr b="0" lang="cs-CZ" sz="3200" spc="-1" strike="noStrike">
+                <a:solidFill>
+                  <a:srgbClr val="000000"/>
+                </a:solidFill>
+                <a:latin typeface="Courier New"/>
+                <a:ea typeface="DejaVu Sans"/>
+              </a:rPr>
+              <a:t>mez </a:t>
+            </a:r>
+            <a:r>
+              <a:rPr b="0" lang="cs-CZ" sz="3200" spc="-1" strike="noStrike">
+                <a:solidFill>
+                  <a:srgbClr val="666666"/>
+                </a:solidFill>
+                <a:latin typeface="Courier New"/>
+                <a:ea typeface="DejaVu Sans"/>
+              </a:rPr>
+              <a:t>=</a:t>
+            </a:r>
+            <a:r>
+              <a:rPr b="0" lang="cs-CZ" sz="3200" spc="-1" strike="noStrike">
+                <a:solidFill>
+                  <a:srgbClr val="000000"/>
+                </a:solidFill>
+                <a:latin typeface="Courier New"/>
+                <a:ea typeface="DejaVu Sans"/>
+              </a:rPr>
+              <a:t> </a:t>
+            </a:r>
+            <a:r>
+              <a:rPr b="0" lang="cs-CZ" sz="3200" spc="-1" strike="noStrike">
+                <a:solidFill>
+                  <a:srgbClr val="666666"/>
+                </a:solidFill>
+                <a:latin typeface="Courier New"/>
+                <a:ea typeface="DejaVu Sans"/>
+              </a:rPr>
+              <a:t>400</a:t>
+            </a:r>
+            <a:endParaRPr b="0" lang="cs-CZ" sz="3200" spc="-1" strike="noStrike">
+              <a:latin typeface="Arial"/>
+            </a:endParaRPr>
+          </a:p>
+          <a:p>
+            <a:pPr>
+              <a:lnSpc>
+                <a:spcPct val="100000"/>
+              </a:lnSpc>
+            </a:pPr>
+            <a:r>
+              <a:rPr b="0" lang="cs-CZ" sz="3200" spc="-1" strike="noStrike">
+                <a:solidFill>
+                  <a:srgbClr val="008000"/>
+                </a:solidFill>
+                <a:latin typeface="Courier New"/>
+                <a:ea typeface="DejaVu Sans"/>
               </a:rPr>
               <a:t>while</a:t>
             </a:r>
             <a:r>
-              <a:rPr lang="cs-CZ" sz="3200" dirty="0">
-                <a:latin typeface="Courier New" panose="02070309020205020404" pitchFamily="49" charset="0"/>
-                <a:cs typeface="Courier New" panose="02070309020205020404" pitchFamily="49" charset="0"/>
+              <a:rPr b="0" lang="cs-CZ" sz="3200" spc="-1" strike="noStrike">
+                <a:solidFill>
+                  <a:srgbClr val="000000"/>
+                </a:solidFill>
+                <a:latin typeface="Courier New"/>
+                <a:ea typeface="DejaVu Sans"/>
               </a:rPr>
               <a:t> </a:t>
             </a:r>
             <a:r>
-              <a:rPr lang="cs-CZ" sz="3200" dirty="0" err="1">
-                <a:latin typeface="Courier New" panose="02070309020205020404" pitchFamily="49" charset="0"/>
-                <a:cs typeface="Courier New" panose="02070309020205020404" pitchFamily="49" charset="0"/>
+              <a:rPr b="0" lang="cs-CZ" sz="3200" spc="-1" strike="noStrike">
+                <a:solidFill>
+                  <a:srgbClr val="008000"/>
+                </a:solidFill>
+                <a:latin typeface="Courier New"/>
+                <a:ea typeface="DejaVu Sans"/>
               </a:rPr>
               <a:t>True</a:t>
             </a:r>
             <a:r>
-              <a:rPr lang="cs-CZ" sz="3200" dirty="0">
-                <a:latin typeface="Courier New" panose="02070309020205020404" pitchFamily="49" charset="0"/>
-                <a:cs typeface="Courier New" panose="02070309020205020404" pitchFamily="49" charset="0"/>
+              <a:rPr b="0" lang="cs-CZ" sz="3200" spc="-1" strike="noStrike">
+                <a:solidFill>
+                  <a:srgbClr val="000000"/>
+                </a:solidFill>
+                <a:latin typeface="Courier New"/>
+                <a:ea typeface="DejaVu Sans"/>
               </a:rPr>
               <a:t>:</a:t>
             </a:r>
-          </a:p>
-          <a:p>
-            <a:r>
-              <a:rPr lang="cs-CZ" sz="3200" dirty="0">
-                <a:latin typeface="Courier New" panose="02070309020205020404" pitchFamily="49" charset="0"/>
-                <a:cs typeface="Courier New" panose="02070309020205020404" pitchFamily="49" charset="0"/>
+            <a:endParaRPr b="0" lang="cs-CZ" sz="3200" spc="-1" strike="noStrike">
+              <a:latin typeface="Arial"/>
+            </a:endParaRPr>
+          </a:p>
+          <a:p>
+            <a:pPr>
+              <a:lnSpc>
+                <a:spcPct val="100000"/>
+              </a:lnSpc>
+            </a:pPr>
+            <a:r>
+              <a:rPr b="0" lang="cs-CZ" sz="3200" spc="-1" strike="noStrike">
+                <a:solidFill>
+                  <a:srgbClr val="000000"/>
+                </a:solidFill>
+                <a:latin typeface="Courier New"/>
+                <a:ea typeface="DejaVu Sans"/>
               </a:rPr>
               <a:t>    </a:t>
             </a:r>
             <a:r>
-              <a:rPr lang="cs-CZ" sz="3200" dirty="0" err="1">
-                <a:latin typeface="Courier New" panose="02070309020205020404" pitchFamily="49" charset="0"/>
-                <a:cs typeface="Courier New" panose="02070309020205020404" pitchFamily="49" charset="0"/>
-              </a:rPr>
-              <a:t>naklon</a:t>
-            </a:r>
-            <a:r>
-              <a:rPr lang="cs-CZ" sz="3200" dirty="0">
-                <a:latin typeface="Courier New" panose="02070309020205020404" pitchFamily="49" charset="0"/>
-                <a:cs typeface="Courier New" panose="02070309020205020404" pitchFamily="49" charset="0"/>
-              </a:rPr>
-              <a:t> = </a:t>
-            </a:r>
-            <a:r>
-              <a:rPr lang="cs-CZ" sz="3200" dirty="0" err="1">
-                <a:latin typeface="Courier New" panose="02070309020205020404" pitchFamily="49" charset="0"/>
-                <a:cs typeface="Courier New" panose="02070309020205020404" pitchFamily="49" charset="0"/>
-              </a:rPr>
-              <a:t>accelerometer.get_x</a:t>
-            </a:r>
-            <a:r>
-              <a:rPr lang="cs-CZ" sz="3200" dirty="0">
-                <a:latin typeface="Courier New" panose="02070309020205020404" pitchFamily="49" charset="0"/>
-                <a:cs typeface="Courier New" panose="02070309020205020404" pitchFamily="49" charset="0"/>
-              </a:rPr>
-              <a:t>()</a:t>
-            </a:r>
-          </a:p>
-          <a:p>
-            <a:r>
-              <a:rPr lang="cs-CZ" sz="3200" dirty="0">
-                <a:latin typeface="Courier New" panose="02070309020205020404" pitchFamily="49" charset="0"/>
-                <a:cs typeface="Courier New" panose="02070309020205020404" pitchFamily="49" charset="0"/>
+              <a:rPr b="0" lang="cs-CZ" sz="3200" spc="-1" strike="noStrike">
+                <a:solidFill>
+                  <a:srgbClr val="000000"/>
+                </a:solidFill>
+                <a:latin typeface="Courier New"/>
+                <a:ea typeface="DejaVu Sans"/>
+              </a:rPr>
+              <a:t>naklon </a:t>
+            </a:r>
+            <a:r>
+              <a:rPr b="0" lang="cs-CZ" sz="3200" spc="-1" strike="noStrike">
+                <a:solidFill>
+                  <a:srgbClr val="666666"/>
+                </a:solidFill>
+                <a:latin typeface="Courier New"/>
+                <a:ea typeface="DejaVu Sans"/>
+              </a:rPr>
+              <a:t>=</a:t>
+            </a:r>
+            <a:r>
+              <a:rPr b="0" lang="cs-CZ" sz="3200" spc="-1" strike="noStrike">
+                <a:solidFill>
+                  <a:srgbClr val="000000"/>
+                </a:solidFill>
+                <a:latin typeface="Courier New"/>
+                <a:ea typeface="DejaVu Sans"/>
+              </a:rPr>
+              <a:t> accelerometer</a:t>
+            </a:r>
+            <a:r>
+              <a:rPr b="0" lang="cs-CZ" sz="3200" spc="-1" strike="noStrike">
+                <a:solidFill>
+                  <a:srgbClr val="666666"/>
+                </a:solidFill>
+                <a:latin typeface="Courier New"/>
+                <a:ea typeface="DejaVu Sans"/>
+              </a:rPr>
+              <a:t>.</a:t>
+            </a:r>
+            <a:r>
+              <a:rPr b="0" lang="cs-CZ" sz="3200" spc="-1" strike="noStrike">
+                <a:solidFill>
+                  <a:srgbClr val="000000"/>
+                </a:solidFill>
+                <a:latin typeface="Courier New"/>
+                <a:ea typeface="DejaVu Sans"/>
+              </a:rPr>
+              <a:t>get_x()</a:t>
+            </a:r>
+            <a:endParaRPr b="0" lang="cs-CZ" sz="3200" spc="-1" strike="noStrike">
+              <a:latin typeface="Arial"/>
+            </a:endParaRPr>
+          </a:p>
+          <a:p>
+            <a:pPr>
+              <a:lnSpc>
+                <a:spcPct val="100000"/>
+              </a:lnSpc>
+            </a:pPr>
+            <a:r>
+              <a:rPr b="0" lang="cs-CZ" sz="3200" spc="-1" strike="noStrike">
+                <a:solidFill>
+                  <a:srgbClr val="000000"/>
+                </a:solidFill>
+                <a:latin typeface="Courier New"/>
+                <a:ea typeface="DejaVu Sans"/>
               </a:rPr>
               <a:t>    </a:t>
             </a:r>
             <a:r>
-              <a:rPr lang="cs-CZ" sz="3200" dirty="0" err="1">
-                <a:latin typeface="Courier New" panose="02070309020205020404" pitchFamily="49" charset="0"/>
-                <a:cs typeface="Courier New" panose="02070309020205020404" pitchFamily="49" charset="0"/>
+              <a:rPr b="0" lang="cs-CZ" sz="3200" spc="-1" strike="noStrike">
+                <a:solidFill>
+                  <a:srgbClr val="008000"/>
+                </a:solidFill>
+                <a:latin typeface="Courier New"/>
+                <a:ea typeface="DejaVu Sans"/>
               </a:rPr>
               <a:t>if</a:t>
             </a:r>
             <a:r>
-              <a:rPr lang="cs-CZ" sz="3200" dirty="0">
-                <a:latin typeface="Courier New" panose="02070309020205020404" pitchFamily="49" charset="0"/>
-                <a:cs typeface="Courier New" panose="02070309020205020404" pitchFamily="49" charset="0"/>
+              <a:rPr b="0" lang="cs-CZ" sz="3200" spc="-1" strike="noStrike">
+                <a:solidFill>
+                  <a:srgbClr val="000000"/>
+                </a:solidFill>
+                <a:latin typeface="Courier New"/>
+                <a:ea typeface="DejaVu Sans"/>
+              </a:rPr>
+              <a:t> naklon </a:t>
+            </a:r>
+            <a:r>
+              <a:rPr b="0" lang="cs-CZ" sz="3200" spc="-1" strike="noStrike">
+                <a:solidFill>
+                  <a:srgbClr val="666666"/>
+                </a:solidFill>
+                <a:latin typeface="Courier New"/>
+                <a:ea typeface="DejaVu Sans"/>
+              </a:rPr>
+              <a:t>&gt;</a:t>
+            </a:r>
+            <a:r>
+              <a:rPr b="0" lang="cs-CZ" sz="3200" spc="-1" strike="noStrike">
+                <a:solidFill>
+                  <a:srgbClr val="000000"/>
+                </a:solidFill>
+                <a:latin typeface="Courier New"/>
+                <a:ea typeface="DejaVu Sans"/>
+              </a:rPr>
+              <a:t> mez:</a:t>
+            </a:r>
+            <a:endParaRPr b="0" lang="cs-CZ" sz="3200" spc="-1" strike="noStrike">
+              <a:latin typeface="Arial"/>
+            </a:endParaRPr>
+          </a:p>
+          <a:p>
+            <a:pPr>
+              <a:lnSpc>
+                <a:spcPct val="100000"/>
+              </a:lnSpc>
+            </a:pPr>
+            <a:r>
+              <a:rPr b="0" lang="cs-CZ" sz="3200" spc="-1" strike="noStrike">
+                <a:solidFill>
+                  <a:srgbClr val="000000"/>
+                </a:solidFill>
+                <a:latin typeface="Courier New"/>
+                <a:ea typeface="DejaVu Sans"/>
+              </a:rPr>
+              <a:t>        </a:t>
+            </a:r>
+            <a:r>
+              <a:rPr b="0" lang="cs-CZ" sz="3200" spc="-1" strike="noStrike">
+                <a:solidFill>
+                  <a:srgbClr val="000000"/>
+                </a:solidFill>
+                <a:latin typeface="Courier New"/>
+                <a:ea typeface="DejaVu Sans"/>
+              </a:rPr>
+              <a:t>display</a:t>
+            </a:r>
+            <a:r>
+              <a:rPr b="0" lang="cs-CZ" sz="3200" spc="-1" strike="noStrike">
+                <a:solidFill>
+                  <a:srgbClr val="666666"/>
+                </a:solidFill>
+                <a:latin typeface="Courier New"/>
+                <a:ea typeface="DejaVu Sans"/>
+              </a:rPr>
+              <a:t>.</a:t>
+            </a:r>
+            <a:r>
+              <a:rPr b="0" lang="cs-CZ" sz="3200" spc="-1" strike="noStrike">
+                <a:solidFill>
+                  <a:srgbClr val="000000"/>
+                </a:solidFill>
+                <a:latin typeface="Courier New"/>
+                <a:ea typeface="DejaVu Sans"/>
+              </a:rPr>
+              <a:t>show(</a:t>
+            </a:r>
+            <a:r>
+              <a:rPr b="0" lang="cs-CZ" sz="3200" spc="-1" strike="noStrike">
+                <a:solidFill>
+                  <a:srgbClr val="ba2121"/>
+                </a:solidFill>
+                <a:latin typeface="Courier New"/>
+                <a:ea typeface="DejaVu Sans"/>
+              </a:rPr>
+              <a:t>"P"</a:t>
+            </a:r>
+            <a:r>
+              <a:rPr b="0" lang="cs-CZ" sz="3200" spc="-1" strike="noStrike">
+                <a:solidFill>
+                  <a:srgbClr val="000000"/>
+                </a:solidFill>
+                <a:latin typeface="Courier New"/>
+                <a:ea typeface="DejaVu Sans"/>
+              </a:rPr>
+              <a:t>)</a:t>
+            </a:r>
+            <a:endParaRPr b="0" lang="cs-CZ" sz="3200" spc="-1" strike="noStrike">
+              <a:latin typeface="Arial"/>
+            </a:endParaRPr>
+          </a:p>
+          <a:p>
+            <a:pPr>
+              <a:lnSpc>
+                <a:spcPct val="100000"/>
+              </a:lnSpc>
+            </a:pPr>
+            <a:r>
+              <a:rPr b="0" lang="cs-CZ" sz="3200" spc="-1" strike="noStrike">
+                <a:solidFill>
+                  <a:srgbClr val="000000"/>
+                </a:solidFill>
+                <a:latin typeface="Courier New"/>
+                <a:ea typeface="DejaVu Sans"/>
+              </a:rPr>
+              <a:t>    </a:t>
+            </a:r>
+            <a:r>
+              <a:rPr b="0" lang="cs-CZ" sz="3200" spc="-1" strike="noStrike">
+                <a:solidFill>
+                  <a:srgbClr val="008000"/>
+                </a:solidFill>
+                <a:latin typeface="Courier New"/>
+                <a:ea typeface="DejaVu Sans"/>
+              </a:rPr>
+              <a:t>elif</a:t>
+            </a:r>
+            <a:r>
+              <a:rPr b="0" lang="cs-CZ" sz="3200" spc="-1" strike="noStrike">
+                <a:solidFill>
+                  <a:srgbClr val="000000"/>
+                </a:solidFill>
+                <a:latin typeface="Courier New"/>
+                <a:ea typeface="DejaVu Sans"/>
+              </a:rPr>
+              <a:t> naklon </a:t>
+            </a:r>
+            <a:r>
+              <a:rPr b="0" lang="cs-CZ" sz="3200" spc="-1" strike="noStrike">
+                <a:solidFill>
+                  <a:srgbClr val="666666"/>
+                </a:solidFill>
+                <a:latin typeface="Courier New"/>
+                <a:ea typeface="DejaVu Sans"/>
+              </a:rPr>
+              <a:t>&lt;</a:t>
+            </a:r>
+            <a:r>
+              <a:rPr b="0" lang="cs-CZ" sz="3200" spc="-1" strike="noStrike">
+                <a:solidFill>
+                  <a:srgbClr val="000000"/>
+                </a:solidFill>
+                <a:latin typeface="Courier New"/>
+                <a:ea typeface="DejaVu Sans"/>
               </a:rPr>
               <a:t> </a:t>
             </a:r>
             <a:r>
-              <a:rPr lang="cs-CZ" sz="3200" dirty="0" err="1">
-                <a:latin typeface="Courier New" panose="02070309020205020404" pitchFamily="49" charset="0"/>
-                <a:cs typeface="Courier New" panose="02070309020205020404" pitchFamily="49" charset="0"/>
-              </a:rPr>
-              <a:t>naklon</a:t>
-            </a:r>
-            <a:r>
-              <a:rPr lang="cs-CZ" sz="3200" dirty="0">
-                <a:latin typeface="Courier New" panose="02070309020205020404" pitchFamily="49" charset="0"/>
-                <a:cs typeface="Courier New" panose="02070309020205020404" pitchFamily="49" charset="0"/>
-              </a:rPr>
-              <a:t> &gt; mez:</a:t>
-            </a:r>
-          </a:p>
-          <a:p>
-            <a:r>
-              <a:rPr lang="cs-CZ" sz="3200" dirty="0">
-                <a:latin typeface="Courier New" panose="02070309020205020404" pitchFamily="49" charset="0"/>
-                <a:cs typeface="Courier New" panose="02070309020205020404" pitchFamily="49" charset="0"/>
+              <a:rPr b="0" lang="cs-CZ" sz="3200" spc="-1" strike="noStrike">
+                <a:solidFill>
+                  <a:srgbClr val="666666"/>
+                </a:solidFill>
+                <a:latin typeface="Courier New"/>
+                <a:ea typeface="DejaVu Sans"/>
+              </a:rPr>
+              <a:t>-</a:t>
+            </a:r>
+            <a:r>
+              <a:rPr b="0" lang="cs-CZ" sz="3200" spc="-1" strike="noStrike">
+                <a:solidFill>
+                  <a:srgbClr val="000000"/>
+                </a:solidFill>
+                <a:latin typeface="Courier New"/>
+                <a:ea typeface="DejaVu Sans"/>
+              </a:rPr>
+              <a:t>mez:</a:t>
+            </a:r>
+            <a:endParaRPr b="0" lang="cs-CZ" sz="3200" spc="-1" strike="noStrike">
+              <a:latin typeface="Arial"/>
+            </a:endParaRPr>
+          </a:p>
+          <a:p>
+            <a:pPr>
+              <a:lnSpc>
+                <a:spcPct val="100000"/>
+              </a:lnSpc>
+            </a:pPr>
+            <a:r>
+              <a:rPr b="0" lang="cs-CZ" sz="3200" spc="-1" strike="noStrike">
+                <a:solidFill>
+                  <a:srgbClr val="000000"/>
+                </a:solidFill>
+                <a:latin typeface="Courier New"/>
+                <a:ea typeface="DejaVu Sans"/>
               </a:rPr>
               <a:t>        </a:t>
             </a:r>
             <a:r>
-              <a:rPr lang="cs-CZ" sz="3200" dirty="0" err="1">
-                <a:latin typeface="Courier New" panose="02070309020205020404" pitchFamily="49" charset="0"/>
-                <a:cs typeface="Courier New" panose="02070309020205020404" pitchFamily="49" charset="0"/>
-              </a:rPr>
-              <a:t>display.show</a:t>
-            </a:r>
-            <a:r>
-              <a:rPr lang="cs-CZ" sz="3200" dirty="0">
-                <a:latin typeface="Courier New" panose="02070309020205020404" pitchFamily="49" charset="0"/>
-                <a:cs typeface="Courier New" panose="02070309020205020404" pitchFamily="49" charset="0"/>
-              </a:rPr>
-              <a:t>("P")</a:t>
-            </a:r>
-          </a:p>
-          <a:p>
-            <a:r>
-              <a:rPr lang="cs-CZ" sz="3200" dirty="0">
-                <a:latin typeface="Courier New" panose="02070309020205020404" pitchFamily="49" charset="0"/>
-                <a:cs typeface="Courier New" panose="02070309020205020404" pitchFamily="49" charset="0"/>
+              <a:rPr b="0" lang="cs-CZ" sz="3200" spc="-1" strike="noStrike">
+                <a:solidFill>
+                  <a:srgbClr val="000000"/>
+                </a:solidFill>
+                <a:latin typeface="Courier New"/>
+                <a:ea typeface="DejaVu Sans"/>
+              </a:rPr>
+              <a:t>display</a:t>
+            </a:r>
+            <a:r>
+              <a:rPr b="0" lang="cs-CZ" sz="3200" spc="-1" strike="noStrike">
+                <a:solidFill>
+                  <a:srgbClr val="666666"/>
+                </a:solidFill>
+                <a:latin typeface="Courier New"/>
+                <a:ea typeface="DejaVu Sans"/>
+              </a:rPr>
+              <a:t>.</a:t>
+            </a:r>
+            <a:r>
+              <a:rPr b="0" lang="cs-CZ" sz="3200" spc="-1" strike="noStrike">
+                <a:solidFill>
+                  <a:srgbClr val="000000"/>
+                </a:solidFill>
+                <a:latin typeface="Courier New"/>
+                <a:ea typeface="DejaVu Sans"/>
+              </a:rPr>
+              <a:t>show(</a:t>
+            </a:r>
+            <a:r>
+              <a:rPr b="0" lang="cs-CZ" sz="3200" spc="-1" strike="noStrike">
+                <a:solidFill>
+                  <a:srgbClr val="ba2121"/>
+                </a:solidFill>
+                <a:latin typeface="Courier New"/>
+                <a:ea typeface="DejaVu Sans"/>
+              </a:rPr>
+              <a:t>"L"</a:t>
+            </a:r>
+            <a:r>
+              <a:rPr b="0" lang="cs-CZ" sz="3200" spc="-1" strike="noStrike">
+                <a:solidFill>
+                  <a:srgbClr val="000000"/>
+                </a:solidFill>
+                <a:latin typeface="Courier New"/>
+                <a:ea typeface="DejaVu Sans"/>
+              </a:rPr>
+              <a:t>)</a:t>
+            </a:r>
+            <a:endParaRPr b="0" lang="cs-CZ" sz="3200" spc="-1" strike="noStrike">
+              <a:latin typeface="Arial"/>
+            </a:endParaRPr>
+          </a:p>
+          <a:p>
+            <a:pPr>
+              <a:lnSpc>
+                <a:spcPct val="100000"/>
+              </a:lnSpc>
+            </a:pPr>
+            <a:r>
+              <a:rPr b="0" lang="cs-CZ" sz="3200" spc="-1" strike="noStrike">
+                <a:solidFill>
+                  <a:srgbClr val="000000"/>
+                </a:solidFill>
+                <a:latin typeface="Courier New"/>
+                <a:ea typeface="DejaVu Sans"/>
               </a:rPr>
               <a:t>    </a:t>
             </a:r>
             <a:r>
-              <a:rPr lang="cs-CZ" sz="3200" dirty="0" err="1">
-                <a:latin typeface="Courier New" panose="02070309020205020404" pitchFamily="49" charset="0"/>
-                <a:cs typeface="Courier New" panose="02070309020205020404" pitchFamily="49" charset="0"/>
-              </a:rPr>
-              <a:t>elif</a:t>
-            </a:r>
-            <a:r>
-              <a:rPr lang="cs-CZ" sz="3200" dirty="0">
-                <a:latin typeface="Courier New" panose="02070309020205020404" pitchFamily="49" charset="0"/>
-                <a:cs typeface="Courier New" panose="02070309020205020404" pitchFamily="49" charset="0"/>
-              </a:rPr>
-              <a:t> </a:t>
-            </a:r>
-            <a:r>
-              <a:rPr lang="cs-CZ" sz="3200" dirty="0" err="1">
-                <a:latin typeface="Courier New" panose="02070309020205020404" pitchFamily="49" charset="0"/>
-                <a:cs typeface="Courier New" panose="02070309020205020404" pitchFamily="49" charset="0"/>
-              </a:rPr>
-              <a:t>naklon</a:t>
-            </a:r>
-            <a:r>
-              <a:rPr lang="cs-CZ" sz="3200" dirty="0">
-                <a:latin typeface="Courier New" panose="02070309020205020404" pitchFamily="49" charset="0"/>
-                <a:cs typeface="Courier New" panose="02070309020205020404" pitchFamily="49" charset="0"/>
-              </a:rPr>
-              <a:t> &lt; -mez:</a:t>
-            </a:r>
-          </a:p>
-          <a:p>
-            <a:r>
-              <a:rPr lang="cs-CZ" sz="3200" dirty="0">
-                <a:latin typeface="Courier New" panose="02070309020205020404" pitchFamily="49" charset="0"/>
-                <a:cs typeface="Courier New" panose="02070309020205020404" pitchFamily="49" charset="0"/>
+              <a:rPr b="0" lang="cs-CZ" sz="3200" spc="-1" strike="noStrike">
+                <a:solidFill>
+                  <a:srgbClr val="008000"/>
+                </a:solidFill>
+                <a:latin typeface="Courier New"/>
+                <a:ea typeface="DejaVu Sans"/>
+              </a:rPr>
+              <a:t>else</a:t>
+            </a:r>
+            <a:r>
+              <a:rPr b="0" lang="cs-CZ" sz="3200" spc="-1" strike="noStrike">
+                <a:solidFill>
+                  <a:srgbClr val="000000"/>
+                </a:solidFill>
+                <a:latin typeface="Courier New"/>
+                <a:ea typeface="DejaVu Sans"/>
+              </a:rPr>
+              <a:t>:</a:t>
+            </a:r>
+            <a:endParaRPr b="0" lang="cs-CZ" sz="3200" spc="-1" strike="noStrike">
+              <a:latin typeface="Arial"/>
+            </a:endParaRPr>
+          </a:p>
+          <a:p>
+            <a:pPr>
+              <a:lnSpc>
+                <a:spcPct val="100000"/>
+              </a:lnSpc>
+            </a:pPr>
+            <a:r>
+              <a:rPr b="0" lang="cs-CZ" sz="3200" spc="-1" strike="noStrike">
+                <a:solidFill>
+                  <a:srgbClr val="000000"/>
+                </a:solidFill>
+                <a:latin typeface="Courier New"/>
+                <a:ea typeface="DejaVu Sans"/>
               </a:rPr>
               <a:t>        </a:t>
             </a:r>
             <a:r>
-              <a:rPr lang="cs-CZ" sz="3200" dirty="0" err="1">
-                <a:latin typeface="Courier New" panose="02070309020205020404" pitchFamily="49" charset="0"/>
-                <a:cs typeface="Courier New" panose="02070309020205020404" pitchFamily="49" charset="0"/>
-              </a:rPr>
-              <a:t>display.show</a:t>
-            </a:r>
-            <a:r>
-              <a:rPr lang="cs-CZ" sz="3200" dirty="0">
-                <a:latin typeface="Courier New" panose="02070309020205020404" pitchFamily="49" charset="0"/>
-                <a:cs typeface="Courier New" panose="02070309020205020404" pitchFamily="49" charset="0"/>
-              </a:rPr>
-              <a:t>("L")</a:t>
-            </a:r>
-          </a:p>
-          <a:p>
-            <a:r>
-              <a:rPr lang="cs-CZ" sz="3200" dirty="0">
-                <a:latin typeface="Courier New" panose="02070309020205020404" pitchFamily="49" charset="0"/>
-                <a:cs typeface="Courier New" panose="02070309020205020404" pitchFamily="49" charset="0"/>
-              </a:rPr>
-              <a:t>    </a:t>
-            </a:r>
-            <a:r>
-              <a:rPr lang="cs-CZ" sz="3200" dirty="0" err="1">
-                <a:latin typeface="Courier New" panose="02070309020205020404" pitchFamily="49" charset="0"/>
-                <a:cs typeface="Courier New" panose="02070309020205020404" pitchFamily="49" charset="0"/>
-              </a:rPr>
-              <a:t>else</a:t>
-            </a:r>
-            <a:r>
-              <a:rPr lang="cs-CZ" sz="3200" dirty="0">
-                <a:latin typeface="Courier New" panose="02070309020205020404" pitchFamily="49" charset="0"/>
-                <a:cs typeface="Courier New" panose="02070309020205020404" pitchFamily="49" charset="0"/>
-              </a:rPr>
-              <a:t>:</a:t>
-            </a:r>
-          </a:p>
-          <a:p>
-            <a:r>
-              <a:rPr lang="cs-CZ" sz="3200" dirty="0">
-                <a:latin typeface="Courier New" panose="02070309020205020404" pitchFamily="49" charset="0"/>
-                <a:cs typeface="Courier New" panose="02070309020205020404" pitchFamily="49" charset="0"/>
-              </a:rPr>
-              <a:t>        </a:t>
-            </a:r>
-            <a:r>
-              <a:rPr lang="cs-CZ" sz="3200" dirty="0" err="1">
-                <a:latin typeface="Courier New" panose="02070309020205020404" pitchFamily="49" charset="0"/>
-                <a:cs typeface="Courier New" panose="02070309020205020404" pitchFamily="49" charset="0"/>
-              </a:rPr>
-              <a:t>display.show</a:t>
-            </a:r>
-            <a:r>
-              <a:rPr lang="cs-CZ" sz="3200" dirty="0">
-                <a:latin typeface="Courier New" panose="02070309020205020404" pitchFamily="49" charset="0"/>
-                <a:cs typeface="Courier New" panose="02070309020205020404" pitchFamily="49" charset="0"/>
-              </a:rPr>
-              <a:t>("-")</a:t>
-            </a:r>
+              <a:rPr b="0" lang="cs-CZ" sz="3200" spc="-1" strike="noStrike">
+                <a:solidFill>
+                  <a:srgbClr val="000000"/>
+                </a:solidFill>
+                <a:latin typeface="Courier New"/>
+                <a:ea typeface="DejaVu Sans"/>
+              </a:rPr>
+              <a:t>display</a:t>
+            </a:r>
+            <a:r>
+              <a:rPr b="0" lang="cs-CZ" sz="3200" spc="-1" strike="noStrike">
+                <a:solidFill>
+                  <a:srgbClr val="666666"/>
+                </a:solidFill>
+                <a:latin typeface="Courier New"/>
+                <a:ea typeface="DejaVu Sans"/>
+              </a:rPr>
+              <a:t>.</a:t>
+            </a:r>
+            <a:r>
+              <a:rPr b="0" lang="cs-CZ" sz="3200" spc="-1" strike="noStrike">
+                <a:solidFill>
+                  <a:srgbClr val="000000"/>
+                </a:solidFill>
+                <a:latin typeface="Courier New"/>
+                <a:ea typeface="DejaVu Sans"/>
+              </a:rPr>
+              <a:t>show(</a:t>
+            </a:r>
+            <a:r>
+              <a:rPr b="0" lang="cs-CZ" sz="3200" spc="-1" strike="noStrike">
+                <a:solidFill>
+                  <a:srgbClr val="ba2121"/>
+                </a:solidFill>
+                <a:latin typeface="Courier New"/>
+                <a:ea typeface="DejaVu Sans"/>
+              </a:rPr>
+              <a:t>"-"</a:t>
+            </a:r>
+            <a:r>
+              <a:rPr b="0" lang="cs-CZ" sz="3200" spc="-1" strike="noStrike">
+                <a:solidFill>
+                  <a:srgbClr val="000000"/>
+                </a:solidFill>
+                <a:latin typeface="Courier New"/>
+                <a:ea typeface="DejaVu Sans"/>
+              </a:rPr>
+              <a:t>)</a:t>
+            </a:r>
+            <a:endParaRPr b="0" lang="cs-CZ" sz="3200" spc="-1" strike="noStrike">
+              <a:latin typeface="Arial"/>
+            </a:endParaRPr>
           </a:p>
         </p:txBody>
       </p:sp>
     </p:spTree>
   </p:cSld>
-  <p:clrMapOvr>
-    <a:masterClrMapping/>
-  </p:clrMapOvr>
   <p:timing>
     <p:tnLst>
       <p:par>
-        <p:cTn id="1" dur="indefinite" restart="never" nodeType="tmRoot">
+        <p:cTn id="5" dur="indefinite" restart="never" nodeType="tmRoot">
           <p:childTnLst>
             <p:seq>
-              <p:cTn id="2" dur="indefinite" nodeType="mainSeq"/>
+              <p:cTn id="6" dur="indefinite" nodeType="mainSeq"/>
               <p:prevCondLst>
-                <p:cond evt="onPrev" delay="0">
+                <p:cond delay="0" evt="onPrev">
                   <p:tgtEl>
                     <p:sldTgt/>
                   </p:tgtEl>
                 </p:cond>
               </p:prevCondLst>
               <p:nextCondLst>
-                <p:cond evt="onNext" delay="0">
+                <p:cond delay="0" evt="onNext">
                   <p:tgtEl>
                     <p:sldTgt/>
                   </p:tgtEl>
@@ -4823,7 +6372,7 @@
 </file>
 
 <file path=ppt/slides/slide4.xml><?xml version="1.0" encoding="utf-8"?>
-<p:sld xmlns:a="http://schemas.openxmlformats.org/drawingml/2006/main" xmlns:r="http://schemas.openxmlformats.org/officeDocument/2006/relationships" xmlns:p="http://schemas.openxmlformats.org/presentationml/2006/main">
+<p:sld xmlns:a="http://schemas.openxmlformats.org/drawingml/2006/main" xmlns:p="http://schemas.openxmlformats.org/presentationml/2006/main" xmlns:r="http://schemas.openxmlformats.org/officeDocument/2006/relationships" xmlns:p14="http://schemas.microsoft.com/office/powerpoint/2010/main" xmlns:p15="http://schemas.microsoft.com/office/powerpoint/2012/main" xmlns:mc="http://schemas.openxmlformats.org/markup-compatibility/2006">
   <p:cSld>
     <p:spTree>
       <p:nvGrpSpPr>
@@ -4841,84 +6390,107 @@
       </p:grpSpPr>
       <p:sp>
         <p:nvSpPr>
-          <p:cNvPr id="2" name="Nadpis 1">
-            <a:extLst>
-              <a:ext uri="{FF2B5EF4-FFF2-40B4-BE49-F238E27FC236}">
-                <a16:creationId xmlns:a16="http://schemas.microsoft.com/office/drawing/2014/main" id="{3A8F0E52-705B-1743-BF50-A8512992D65A}"/>
-              </a:ext>
-            </a:extLst>
-          </p:cNvPr>
-          <p:cNvSpPr>
-            <a:spLocks noGrp="1"/>
-          </p:cNvSpPr>
-          <p:nvPr>
-            <p:ph type="title"/>
-          </p:nvPr>
-        </p:nvSpPr>
-        <p:spPr>
-          <a:xfrm>
-            <a:off x="504312" y="136315"/>
-            <a:ext cx="9072000" cy="1261800"/>
-          </a:xfrm>
-        </p:spPr>
-        <p:txBody>
-          <a:bodyPr/>
-          <a:lstStyle/>
-          <a:p>
-            <a:pPr algn="ctr"/>
-            <a:r>
-              <a:rPr lang="cs-CZ" dirty="0" err="1"/>
+          <p:cNvPr id="121" name="TextShape 1"/>
+          <p:cNvSpPr txBox="1"/>
+          <p:nvPr/>
+        </p:nvSpPr>
+        <p:spPr>
+          <a:xfrm>
+            <a:off x="504360" y="136440"/>
+            <a:ext cx="9071640" cy="1261440"/>
+          </a:xfrm>
+          <a:prstGeom prst="rect">
+            <a:avLst/>
+          </a:prstGeom>
+          <a:noFill/>
+          <a:ln>
+            <a:noFill/>
+          </a:ln>
+        </p:spPr>
+        <p:txBody>
+          <a:bodyPr lIns="0" rIns="0" tIns="0" bIns="0" anchor="ctr"/>
+          <a:p>
+            <a:pPr algn="ctr">
+              <a:lnSpc>
+                <a:spcPct val="90000"/>
+              </a:lnSpc>
+            </a:pPr>
+            <a:r>
+              <a:rPr b="0" lang="cs-CZ" sz="4400" spc="-1" strike="noStrike">
+                <a:solidFill>
+                  <a:srgbClr val="000000"/>
+                </a:solidFill>
+                <a:latin typeface="Arial"/>
+                <a:ea typeface="DejaVu Sans"/>
+              </a:rPr>
               <a:t>Theremin</a:t>
             </a:r>
-            <a:endParaRPr lang="cs-CZ" dirty="0"/>
+            <a:endParaRPr b="0" lang="cs-CZ" sz="4400" spc="-1" strike="noStrike">
+              <a:solidFill>
+                <a:srgbClr val="000000"/>
+              </a:solidFill>
+              <a:latin typeface="Arial"/>
+            </a:endParaRPr>
           </a:p>
         </p:txBody>
       </p:sp>
       <p:pic>
         <p:nvPicPr>
-          <p:cNvPr id="4" name="Obrázek 3">
-            <a:extLst>
-              <a:ext uri="{FF2B5EF4-FFF2-40B4-BE49-F238E27FC236}">
-                <a16:creationId xmlns:a16="http://schemas.microsoft.com/office/drawing/2014/main" id="{B9C6FEE3-AA9D-E64A-9A13-37DFFD4AE680}"/>
-              </a:ext>
-            </a:extLst>
-          </p:cNvPr>
-          <p:cNvPicPr>
-            <a:picLocks noChangeAspect="1"/>
-          </p:cNvPicPr>
+          <p:cNvPr id="122" name="Obrázek 3" descr=""/>
+          <p:cNvPicPr/>
           <p:nvPr/>
         </p:nvPicPr>
         <p:blipFill>
-          <a:blip r:embed="rId2"/>
-          <a:stretch>
-            <a:fillRect/>
-          </a:stretch>
+          <a:blip r:embed="rId1"/>
+          <a:stretch/>
         </p:blipFill>
         <p:spPr>
           <a:xfrm>
-            <a:off x="1201789" y="1289300"/>
-            <a:ext cx="7252402" cy="5969055"/>
-          </a:xfrm>
-          <a:prstGeom prst="rect">
-            <a:avLst/>
-          </a:prstGeom>
+            <a:off x="1201680" y="1289160"/>
+            <a:ext cx="7252200" cy="5968800"/>
+          </a:xfrm>
+          <a:prstGeom prst="rect">
+            <a:avLst/>
+          </a:prstGeom>
+          <a:ln>
+            <a:noFill/>
+          </a:ln>
         </p:spPr>
       </p:pic>
     </p:spTree>
-    <p:extLst>
-      <p:ext uri="{BB962C8B-B14F-4D97-AF65-F5344CB8AC3E}">
-        <p14:creationId xmlns:p14="http://schemas.microsoft.com/office/powerpoint/2010/main" val="3666522146"/>
-      </p:ext>
-    </p:extLst>
   </p:cSld>
-  <p:clrMapOvr>
-    <a:masterClrMapping/>
-  </p:clrMapOvr>
+  <p:timing>
+    <p:tnLst>
+      <p:par>
+        <p:cTn id="7" dur="indefinite" restart="never" nodeType="tmRoot">
+          <p:childTnLst>
+            <p:seq>
+              <p:cTn id="8" dur="indefinite" nodeType="mainSeq"/>
+              <p:prevCondLst>
+                <p:cond delay="0" evt="onPrev">
+                  <p:tgtEl>
+                    <p:sldTgt/>
+                  </p:tgtEl>
+                </p:cond>
+              </p:prevCondLst>
+              <p:nextCondLst>
+                <p:cond delay="0" evt="onNext">
+                  <p:tgtEl>
+                    <p:sldTgt/>
+                  </p:tgtEl>
+                </p:cond>
+              </p:nextCondLst>
+            </p:seq>
+          </p:childTnLst>
+        </p:cTn>
+      </p:par>
+    </p:tnLst>
+  </p:timing>
 </p:sld>
 </file>
 
 <file path=ppt/slides/slide5.xml><?xml version="1.0" encoding="utf-8"?>
-<p:sld xmlns:a="http://schemas.openxmlformats.org/drawingml/2006/main" xmlns:r="http://schemas.openxmlformats.org/officeDocument/2006/relationships" xmlns:p="http://schemas.openxmlformats.org/presentationml/2006/main">
+<p:sld xmlns:a="http://schemas.openxmlformats.org/drawingml/2006/main" xmlns:p="http://schemas.openxmlformats.org/presentationml/2006/main" xmlns:r="http://schemas.openxmlformats.org/officeDocument/2006/relationships" xmlns:p14="http://schemas.microsoft.com/office/powerpoint/2010/main" xmlns:p15="http://schemas.microsoft.com/office/powerpoint/2012/main" xmlns:mc="http://schemas.openxmlformats.org/markup-compatibility/2006">
   <p:cSld>
     <p:spTree>
       <p:nvGrpSpPr>
@@ -4936,14 +6508,14 @@
       </p:grpSpPr>
       <p:sp>
         <p:nvSpPr>
-          <p:cNvPr id="122" name="CustomShape 1"/>
+          <p:cNvPr id="123" name="CustomShape 1"/>
           <p:cNvSpPr/>
           <p:nvPr/>
         </p:nvSpPr>
         <p:spPr>
           <a:xfrm>
             <a:off x="576000" y="72000"/>
-            <a:ext cx="9069120" cy="861480"/>
+            <a:ext cx="9068760" cy="861120"/>
           </a:xfrm>
           <a:prstGeom prst="rect">
             <a:avLst/>
@@ -4954,20 +6526,13 @@
           </a:ln>
         </p:spPr>
         <p:style>
-          <a:lnRef idx="0">
-            <a:scrgbClr r="0" g="0" b="0"/>
-          </a:lnRef>
-          <a:fillRef idx="0">
-            <a:scrgbClr r="0" g="0" b="0"/>
-          </a:fillRef>
-          <a:effectRef idx="0">
-            <a:scrgbClr r="0" g="0" b="0"/>
-          </a:effectRef>
+          <a:lnRef idx="0"/>
+          <a:fillRef idx="0"/>
+          <a:effectRef idx="0"/>
           <a:fontRef idx="minor"/>
         </p:style>
         <p:txBody>
-          <a:bodyPr lIns="0" tIns="0" rIns="0" bIns="0" anchor="ctr"/>
-          <a:lstStyle/>
+          <a:bodyPr lIns="0" rIns="0" tIns="0" bIns="0" anchor="ctr"/>
           <a:p>
             <a:pPr algn="ctr">
               <a:lnSpc>
@@ -4975,774 +6540,949 @@
               </a:lnSpc>
             </a:pPr>
             <a:r>
-              <a:rPr lang="cs-CZ" sz="4400" spc="-1" dirty="0" err="1">
+              <a:rPr b="0" lang="cs-CZ" sz="4400" spc="-1" strike="noStrike">
                 <a:solidFill>
                   <a:srgbClr val="000000"/>
                 </a:solidFill>
                 <a:latin typeface="Arial"/>
+                <a:ea typeface="DejaVu Sans"/>
               </a:rPr>
               <a:t>Theremin</a:t>
             </a:r>
-            <a:endParaRPr lang="cs-CZ" sz="4400" b="0" strike="noStrike" spc="-1" dirty="0">
-              <a:latin typeface="Arial"/>
-            </a:endParaRPr>
-          </a:p>
-        </p:txBody>
-      </p:sp>
-      <p:sp>
-        <p:nvSpPr>
-          <p:cNvPr id="123" name="CustomShape 2"/>
-          <p:cNvSpPr/>
+            <a:endParaRPr b="0" lang="cs-CZ" sz="4400" spc="-1" strike="noStrike">
+              <a:latin typeface="Arial"/>
+            </a:endParaRPr>
+          </a:p>
+        </p:txBody>
+      </p:sp>
+      <p:graphicFrame>
+        <p:nvGraphicFramePr>
+          <p:cNvPr id="124" name="Table 2"/>
+          <p:cNvGraphicFramePr/>
           <p:nvPr/>
-        </p:nvSpPr>
-        <p:spPr>
-          <a:xfrm>
-            <a:off x="504000" y="1315453"/>
-            <a:ext cx="9069120" cy="6172221"/>
-          </a:xfrm>
-          <a:prstGeom prst="rect">
-            <a:avLst/>
-          </a:prstGeom>
-          <a:noFill/>
-          <a:ln>
-            <a:noFill/>
-          </a:ln>
-        </p:spPr>
-        <p:style>
-          <a:lnRef idx="0">
-            <a:scrgbClr r="0" g="0" b="0"/>
-          </a:lnRef>
-          <a:fillRef idx="0">
-            <a:scrgbClr r="0" g="0" b="0"/>
-          </a:fillRef>
-          <a:effectRef idx="0">
-            <a:scrgbClr r="0" g="0" b="0"/>
-          </a:effectRef>
-          <a:fontRef idx="minor"/>
-        </p:style>
-        <p:txBody>
-          <a:bodyPr lIns="0" tIns="0" rIns="0" bIns="0" numCol="2">
-            <a:noAutofit/>
-          </a:bodyPr>
-          <a:lstStyle/>
-          <a:p>
-            <a:r>
-              <a:rPr lang="cs-CZ" sz="2000" dirty="0" err="1">
-                <a:latin typeface="Courier New" panose="02070309020205020404" pitchFamily="49" charset="0"/>
-                <a:cs typeface="Courier New" panose="02070309020205020404" pitchFamily="49" charset="0"/>
-              </a:rPr>
-              <a:t>from</a:t>
-            </a:r>
-            <a:r>
-              <a:rPr lang="cs-CZ" sz="2000" dirty="0">
-                <a:latin typeface="Courier New" panose="02070309020205020404" pitchFamily="49" charset="0"/>
-                <a:cs typeface="Courier New" panose="02070309020205020404" pitchFamily="49" charset="0"/>
-              </a:rPr>
-              <a:t> </a:t>
-            </a:r>
-            <a:r>
-              <a:rPr lang="cs-CZ" sz="2000" dirty="0" err="1">
-                <a:latin typeface="Courier New" panose="02070309020205020404" pitchFamily="49" charset="0"/>
-                <a:cs typeface="Courier New" panose="02070309020205020404" pitchFamily="49" charset="0"/>
-              </a:rPr>
-              <a:t>microbit</a:t>
-            </a:r>
-            <a:r>
-              <a:rPr lang="cs-CZ" sz="2000" dirty="0">
-                <a:latin typeface="Courier New" panose="02070309020205020404" pitchFamily="49" charset="0"/>
-                <a:cs typeface="Courier New" panose="02070309020205020404" pitchFamily="49" charset="0"/>
-              </a:rPr>
-              <a:t> import *</a:t>
-            </a:r>
-          </a:p>
-          <a:p>
-            <a:r>
-              <a:rPr lang="cs-CZ" sz="2000" dirty="0">
-                <a:latin typeface="Courier New" panose="02070309020205020404" pitchFamily="49" charset="0"/>
-                <a:cs typeface="Courier New" panose="02070309020205020404" pitchFamily="49" charset="0"/>
-              </a:rPr>
-              <a:t>import music</a:t>
-            </a:r>
-          </a:p>
-          <a:p>
-            <a:r>
-              <a:rPr lang="cs-CZ" sz="2000" dirty="0" err="1">
-                <a:latin typeface="Courier New" panose="02070309020205020404" pitchFamily="49" charset="0"/>
-                <a:cs typeface="Courier New" panose="02070309020205020404" pitchFamily="49" charset="0"/>
-              </a:rPr>
-              <a:t>while</a:t>
-            </a:r>
-            <a:r>
-              <a:rPr lang="cs-CZ" sz="2000" dirty="0">
-                <a:latin typeface="Courier New" panose="02070309020205020404" pitchFamily="49" charset="0"/>
-                <a:cs typeface="Courier New" panose="02070309020205020404" pitchFamily="49" charset="0"/>
-              </a:rPr>
-              <a:t> </a:t>
-            </a:r>
-            <a:r>
-              <a:rPr lang="cs-CZ" sz="2000" dirty="0" err="1">
-                <a:latin typeface="Courier New" panose="02070309020205020404" pitchFamily="49" charset="0"/>
-                <a:cs typeface="Courier New" panose="02070309020205020404" pitchFamily="49" charset="0"/>
-              </a:rPr>
-              <a:t>True</a:t>
-            </a:r>
-            <a:r>
-              <a:rPr lang="cs-CZ" sz="2000" dirty="0">
-                <a:latin typeface="Courier New" panose="02070309020205020404" pitchFamily="49" charset="0"/>
-                <a:cs typeface="Courier New" panose="02070309020205020404" pitchFamily="49" charset="0"/>
-              </a:rPr>
-              <a:t>:</a:t>
-            </a:r>
-          </a:p>
-          <a:p>
-            <a:r>
-              <a:rPr lang="cs-CZ" sz="2000" dirty="0">
-                <a:latin typeface="Courier New" panose="02070309020205020404" pitchFamily="49" charset="0"/>
-                <a:cs typeface="Courier New" panose="02070309020205020404" pitchFamily="49" charset="0"/>
-              </a:rPr>
-              <a:t>    </a:t>
-            </a:r>
-            <a:r>
-              <a:rPr lang="cs-CZ" sz="2000" dirty="0" err="1">
-                <a:latin typeface="Courier New" panose="02070309020205020404" pitchFamily="49" charset="0"/>
-                <a:cs typeface="Courier New" panose="02070309020205020404" pitchFamily="49" charset="0"/>
-              </a:rPr>
-              <a:t>x</a:t>
-            </a:r>
-            <a:r>
-              <a:rPr lang="cs-CZ" sz="2000" dirty="0">
-                <a:latin typeface="Courier New" panose="02070309020205020404" pitchFamily="49" charset="0"/>
-                <a:cs typeface="Courier New" panose="02070309020205020404" pitchFamily="49" charset="0"/>
-              </a:rPr>
-              <a:t> = </a:t>
-            </a:r>
-            <a:r>
-              <a:rPr lang="cs-CZ" sz="2000" dirty="0" err="1">
-                <a:latin typeface="Courier New" panose="02070309020205020404" pitchFamily="49" charset="0"/>
-                <a:cs typeface="Courier New" panose="02070309020205020404" pitchFamily="49" charset="0"/>
-              </a:rPr>
-              <a:t>accelerometer.get_x</a:t>
-            </a:r>
-            <a:r>
-              <a:rPr lang="cs-CZ" sz="2000" dirty="0">
-                <a:latin typeface="Courier New" panose="02070309020205020404" pitchFamily="49" charset="0"/>
-                <a:cs typeface="Courier New" panose="02070309020205020404" pitchFamily="49" charset="0"/>
-              </a:rPr>
-              <a:t>()</a:t>
-            </a:r>
-          </a:p>
-          <a:p>
-            <a:r>
-              <a:rPr lang="cs-CZ" sz="2000" dirty="0">
-                <a:latin typeface="Courier New" panose="02070309020205020404" pitchFamily="49" charset="0"/>
-                <a:cs typeface="Courier New" panose="02070309020205020404" pitchFamily="49" charset="0"/>
-              </a:rPr>
-              <a:t>    </a:t>
-            </a:r>
-            <a:r>
-              <a:rPr lang="cs-CZ" sz="2000" dirty="0" err="1">
-                <a:latin typeface="Courier New" panose="02070309020205020404" pitchFamily="49" charset="0"/>
-                <a:cs typeface="Courier New" panose="02070309020205020404" pitchFamily="49" charset="0"/>
-              </a:rPr>
-              <a:t>y</a:t>
-            </a:r>
-            <a:r>
-              <a:rPr lang="cs-CZ" sz="2000" dirty="0">
-                <a:latin typeface="Courier New" panose="02070309020205020404" pitchFamily="49" charset="0"/>
-                <a:cs typeface="Courier New" panose="02070309020205020404" pitchFamily="49" charset="0"/>
-              </a:rPr>
-              <a:t> = </a:t>
-            </a:r>
-            <a:r>
-              <a:rPr lang="cs-CZ" sz="2000" dirty="0" err="1">
-                <a:latin typeface="Courier New" panose="02070309020205020404" pitchFamily="49" charset="0"/>
-                <a:cs typeface="Courier New" panose="02070309020205020404" pitchFamily="49" charset="0"/>
-              </a:rPr>
-              <a:t>accelerometer.get_y</a:t>
-            </a:r>
-            <a:r>
-              <a:rPr lang="cs-CZ" sz="2000" dirty="0">
-                <a:latin typeface="Courier New" panose="02070309020205020404" pitchFamily="49" charset="0"/>
-                <a:cs typeface="Courier New" panose="02070309020205020404" pitchFamily="49" charset="0"/>
-              </a:rPr>
-              <a:t>()</a:t>
-            </a:r>
-          </a:p>
-          <a:p>
-            <a:r>
-              <a:rPr lang="cs-CZ" sz="2000" dirty="0">
-                <a:latin typeface="Courier New" panose="02070309020205020404" pitchFamily="49" charset="0"/>
-                <a:cs typeface="Courier New" panose="02070309020205020404" pitchFamily="49" charset="0"/>
-              </a:rPr>
-              <a:t>    </a:t>
-            </a:r>
-            <a:r>
-              <a:rPr lang="cs-CZ" sz="2000" dirty="0" err="1">
-                <a:latin typeface="Courier New" panose="02070309020205020404" pitchFamily="49" charset="0"/>
-                <a:cs typeface="Courier New" panose="02070309020205020404" pitchFamily="49" charset="0"/>
-              </a:rPr>
-              <a:t>if</a:t>
-            </a:r>
-            <a:r>
-              <a:rPr lang="cs-CZ" sz="2000" dirty="0">
-                <a:latin typeface="Courier New" panose="02070309020205020404" pitchFamily="49" charset="0"/>
-                <a:cs typeface="Courier New" panose="02070309020205020404" pitchFamily="49" charset="0"/>
-              </a:rPr>
-              <a:t> (</a:t>
-            </a:r>
-            <a:r>
-              <a:rPr lang="cs-CZ" sz="2000" dirty="0" err="1">
-                <a:latin typeface="Courier New" panose="02070309020205020404" pitchFamily="49" charset="0"/>
-                <a:cs typeface="Courier New" panose="02070309020205020404" pitchFamily="49" charset="0"/>
-              </a:rPr>
-              <a:t>x</a:t>
-            </a:r>
-            <a:r>
-              <a:rPr lang="cs-CZ" sz="2000" dirty="0">
-                <a:latin typeface="Courier New" panose="02070309020205020404" pitchFamily="49" charset="0"/>
-                <a:cs typeface="Courier New" panose="02070309020205020404" pitchFamily="49" charset="0"/>
-              </a:rPr>
-              <a:t> &lt; -1000):</a:t>
-            </a:r>
-          </a:p>
-          <a:p>
-            <a:r>
-              <a:rPr lang="cs-CZ" sz="2000" dirty="0">
-                <a:latin typeface="Courier New" panose="02070309020205020404" pitchFamily="49" charset="0"/>
-                <a:cs typeface="Courier New" panose="02070309020205020404" pitchFamily="49" charset="0"/>
-              </a:rPr>
-              <a:t>        ton = "C4"</a:t>
-            </a:r>
-          </a:p>
-          <a:p>
-            <a:r>
-              <a:rPr lang="cs-CZ" sz="2000" dirty="0">
-                <a:latin typeface="Courier New" panose="02070309020205020404" pitchFamily="49" charset="0"/>
-                <a:cs typeface="Courier New" panose="02070309020205020404" pitchFamily="49" charset="0"/>
-              </a:rPr>
-              <a:t>    </a:t>
-            </a:r>
-            <a:r>
-              <a:rPr lang="cs-CZ" sz="2000" dirty="0" err="1">
-                <a:latin typeface="Courier New" panose="02070309020205020404" pitchFamily="49" charset="0"/>
-                <a:cs typeface="Courier New" panose="02070309020205020404" pitchFamily="49" charset="0"/>
-              </a:rPr>
-              <a:t>elif</a:t>
-            </a:r>
-            <a:r>
-              <a:rPr lang="cs-CZ" sz="2000" dirty="0">
-                <a:latin typeface="Courier New" panose="02070309020205020404" pitchFamily="49" charset="0"/>
-                <a:cs typeface="Courier New" panose="02070309020205020404" pitchFamily="49" charset="0"/>
-              </a:rPr>
-              <a:t> (</a:t>
-            </a:r>
-            <a:r>
-              <a:rPr lang="cs-CZ" sz="2000" dirty="0" err="1">
-                <a:latin typeface="Courier New" panose="02070309020205020404" pitchFamily="49" charset="0"/>
-                <a:cs typeface="Courier New" panose="02070309020205020404" pitchFamily="49" charset="0"/>
-              </a:rPr>
-              <a:t>x</a:t>
-            </a:r>
-            <a:r>
-              <a:rPr lang="cs-CZ" sz="2000" dirty="0">
-                <a:latin typeface="Courier New" panose="02070309020205020404" pitchFamily="49" charset="0"/>
-                <a:cs typeface="Courier New" panose="02070309020205020404" pitchFamily="49" charset="0"/>
-              </a:rPr>
-              <a:t> &lt; -700):</a:t>
-            </a:r>
-          </a:p>
-          <a:p>
-            <a:r>
-              <a:rPr lang="cs-CZ" sz="2000" dirty="0">
-                <a:latin typeface="Courier New" panose="02070309020205020404" pitchFamily="49" charset="0"/>
-                <a:cs typeface="Courier New" panose="02070309020205020404" pitchFamily="49" charset="0"/>
-              </a:rPr>
-              <a:t>        ton = "D4"</a:t>
-            </a:r>
-          </a:p>
-          <a:p>
-            <a:r>
-              <a:rPr lang="cs-CZ" sz="2000" dirty="0">
-                <a:latin typeface="Courier New" panose="02070309020205020404" pitchFamily="49" charset="0"/>
-                <a:cs typeface="Courier New" panose="02070309020205020404" pitchFamily="49" charset="0"/>
-              </a:rPr>
-              <a:t>    </a:t>
-            </a:r>
-            <a:r>
-              <a:rPr lang="cs-CZ" sz="2000" dirty="0" err="1">
-                <a:latin typeface="Courier New" panose="02070309020205020404" pitchFamily="49" charset="0"/>
-                <a:cs typeface="Courier New" panose="02070309020205020404" pitchFamily="49" charset="0"/>
-              </a:rPr>
-              <a:t>elif</a:t>
-            </a:r>
-            <a:r>
-              <a:rPr lang="cs-CZ" sz="2000" dirty="0">
-                <a:latin typeface="Courier New" panose="02070309020205020404" pitchFamily="49" charset="0"/>
-                <a:cs typeface="Courier New" panose="02070309020205020404" pitchFamily="49" charset="0"/>
-              </a:rPr>
-              <a:t> (</a:t>
-            </a:r>
-            <a:r>
-              <a:rPr lang="cs-CZ" sz="2000" dirty="0" err="1">
-                <a:latin typeface="Courier New" panose="02070309020205020404" pitchFamily="49" charset="0"/>
-                <a:cs typeface="Courier New" panose="02070309020205020404" pitchFamily="49" charset="0"/>
-              </a:rPr>
-              <a:t>x</a:t>
-            </a:r>
-            <a:r>
-              <a:rPr lang="cs-CZ" sz="2000" dirty="0">
-                <a:latin typeface="Courier New" panose="02070309020205020404" pitchFamily="49" charset="0"/>
-                <a:cs typeface="Courier New" panose="02070309020205020404" pitchFamily="49" charset="0"/>
-              </a:rPr>
-              <a:t> &lt; - 400):</a:t>
-            </a:r>
-          </a:p>
-          <a:p>
-            <a:r>
-              <a:rPr lang="cs-CZ" sz="2000" dirty="0">
-                <a:latin typeface="Courier New" panose="02070309020205020404" pitchFamily="49" charset="0"/>
-                <a:cs typeface="Courier New" panose="02070309020205020404" pitchFamily="49" charset="0"/>
-              </a:rPr>
-              <a:t>        ton = "E4"</a:t>
-            </a:r>
-          </a:p>
-          <a:p>
-            <a:r>
-              <a:rPr lang="cs-CZ" sz="2000" dirty="0">
-                <a:latin typeface="Courier New" panose="02070309020205020404" pitchFamily="49" charset="0"/>
-                <a:cs typeface="Courier New" panose="02070309020205020404" pitchFamily="49" charset="0"/>
-              </a:rPr>
-              <a:t>    </a:t>
-            </a:r>
-            <a:r>
-              <a:rPr lang="cs-CZ" sz="2000" dirty="0" err="1">
-                <a:latin typeface="Courier New" panose="02070309020205020404" pitchFamily="49" charset="0"/>
-                <a:cs typeface="Courier New" panose="02070309020205020404" pitchFamily="49" charset="0"/>
-              </a:rPr>
-              <a:t>elif</a:t>
-            </a:r>
-            <a:r>
-              <a:rPr lang="cs-CZ" sz="2000" dirty="0">
-                <a:latin typeface="Courier New" panose="02070309020205020404" pitchFamily="49" charset="0"/>
-                <a:cs typeface="Courier New" panose="02070309020205020404" pitchFamily="49" charset="0"/>
-              </a:rPr>
-              <a:t> (</a:t>
-            </a:r>
-            <a:r>
-              <a:rPr lang="cs-CZ" sz="2000" dirty="0" err="1">
-                <a:latin typeface="Courier New" panose="02070309020205020404" pitchFamily="49" charset="0"/>
-                <a:cs typeface="Courier New" panose="02070309020205020404" pitchFamily="49" charset="0"/>
-              </a:rPr>
-              <a:t>x</a:t>
-            </a:r>
-            <a:r>
-              <a:rPr lang="cs-CZ" sz="2000" dirty="0">
-                <a:latin typeface="Courier New" panose="02070309020205020404" pitchFamily="49" charset="0"/>
-                <a:cs typeface="Courier New" panose="02070309020205020404" pitchFamily="49" charset="0"/>
-              </a:rPr>
-              <a:t> &lt; -100):</a:t>
-            </a:r>
-          </a:p>
-          <a:p>
-            <a:r>
-              <a:rPr lang="cs-CZ" sz="2000" dirty="0">
-                <a:latin typeface="Courier New" panose="02070309020205020404" pitchFamily="49" charset="0"/>
-                <a:cs typeface="Courier New" panose="02070309020205020404" pitchFamily="49" charset="0"/>
-              </a:rPr>
-              <a:t>        ton = "F4"</a:t>
-            </a:r>
-          </a:p>
-          <a:p>
-            <a:r>
-              <a:rPr lang="cs-CZ" sz="2000" dirty="0">
-                <a:latin typeface="Courier New" panose="02070309020205020404" pitchFamily="49" charset="0"/>
-                <a:cs typeface="Courier New" panose="02070309020205020404" pitchFamily="49" charset="0"/>
-              </a:rPr>
-              <a:t>    </a:t>
-            </a:r>
-            <a:r>
-              <a:rPr lang="cs-CZ" sz="2000" dirty="0" err="1">
-                <a:latin typeface="Courier New" panose="02070309020205020404" pitchFamily="49" charset="0"/>
-                <a:cs typeface="Courier New" panose="02070309020205020404" pitchFamily="49" charset="0"/>
-              </a:rPr>
-              <a:t>elif</a:t>
-            </a:r>
-            <a:r>
-              <a:rPr lang="cs-CZ" sz="2000" dirty="0">
-                <a:latin typeface="Courier New" panose="02070309020205020404" pitchFamily="49" charset="0"/>
-                <a:cs typeface="Courier New" panose="02070309020205020404" pitchFamily="49" charset="0"/>
-              </a:rPr>
-              <a:t> (</a:t>
-            </a:r>
-            <a:r>
-              <a:rPr lang="cs-CZ" sz="2000" dirty="0" err="1">
-                <a:latin typeface="Courier New" panose="02070309020205020404" pitchFamily="49" charset="0"/>
-                <a:cs typeface="Courier New" panose="02070309020205020404" pitchFamily="49" charset="0"/>
-              </a:rPr>
-              <a:t>x</a:t>
-            </a:r>
-            <a:r>
-              <a:rPr lang="cs-CZ" sz="2000" dirty="0">
-                <a:latin typeface="Courier New" panose="02070309020205020404" pitchFamily="49" charset="0"/>
-                <a:cs typeface="Courier New" panose="02070309020205020404" pitchFamily="49" charset="0"/>
-              </a:rPr>
-              <a:t> &lt; 200):</a:t>
-            </a:r>
-          </a:p>
-          <a:p>
-            <a:r>
-              <a:rPr lang="cs-CZ" sz="2000" dirty="0">
-                <a:latin typeface="Courier New" panose="02070309020205020404" pitchFamily="49" charset="0"/>
-                <a:cs typeface="Courier New" panose="02070309020205020404" pitchFamily="49" charset="0"/>
-              </a:rPr>
-              <a:t>        ton = "G4"</a:t>
-            </a:r>
-          </a:p>
-          <a:p>
-            <a:r>
-              <a:rPr lang="cs-CZ" sz="2000" dirty="0">
-                <a:latin typeface="Courier New" panose="02070309020205020404" pitchFamily="49" charset="0"/>
-                <a:cs typeface="Courier New" panose="02070309020205020404" pitchFamily="49" charset="0"/>
-              </a:rPr>
-              <a:t>    </a:t>
-            </a:r>
-            <a:r>
-              <a:rPr lang="cs-CZ" sz="2000" dirty="0" err="1">
-                <a:latin typeface="Courier New" panose="02070309020205020404" pitchFamily="49" charset="0"/>
-                <a:cs typeface="Courier New" panose="02070309020205020404" pitchFamily="49" charset="0"/>
-              </a:rPr>
-              <a:t>elif</a:t>
-            </a:r>
-            <a:r>
-              <a:rPr lang="cs-CZ" sz="2000" dirty="0">
-                <a:latin typeface="Courier New" panose="02070309020205020404" pitchFamily="49" charset="0"/>
-                <a:cs typeface="Courier New" panose="02070309020205020404" pitchFamily="49" charset="0"/>
-              </a:rPr>
-              <a:t> (</a:t>
-            </a:r>
-            <a:r>
-              <a:rPr lang="cs-CZ" sz="2000" dirty="0" err="1">
-                <a:latin typeface="Courier New" panose="02070309020205020404" pitchFamily="49" charset="0"/>
-                <a:cs typeface="Courier New" panose="02070309020205020404" pitchFamily="49" charset="0"/>
-              </a:rPr>
-              <a:t>x</a:t>
-            </a:r>
-            <a:r>
-              <a:rPr lang="cs-CZ" sz="2000" dirty="0">
-                <a:latin typeface="Courier New" panose="02070309020205020404" pitchFamily="49" charset="0"/>
-                <a:cs typeface="Courier New" panose="02070309020205020404" pitchFamily="49" charset="0"/>
-              </a:rPr>
-              <a:t> &lt; 500):</a:t>
-            </a:r>
-          </a:p>
-          <a:p>
-            <a:r>
-              <a:rPr lang="cs-CZ" sz="2000" dirty="0">
-                <a:latin typeface="Courier New" panose="02070309020205020404" pitchFamily="49" charset="0"/>
-                <a:cs typeface="Courier New" panose="02070309020205020404" pitchFamily="49" charset="0"/>
-              </a:rPr>
-              <a:t>        ton = "A4"</a:t>
-            </a:r>
-          </a:p>
-          <a:p>
-            <a:r>
-              <a:rPr lang="cs-CZ" sz="2000" dirty="0">
-                <a:latin typeface="Courier New" panose="02070309020205020404" pitchFamily="49" charset="0"/>
-                <a:cs typeface="Courier New" panose="02070309020205020404" pitchFamily="49" charset="0"/>
-              </a:rPr>
-              <a:t>    </a:t>
-            </a:r>
-            <a:r>
-              <a:rPr lang="cs-CZ" sz="2000" dirty="0" err="1">
-                <a:latin typeface="Courier New" panose="02070309020205020404" pitchFamily="49" charset="0"/>
-                <a:cs typeface="Courier New" panose="02070309020205020404" pitchFamily="49" charset="0"/>
-              </a:rPr>
-              <a:t>elif</a:t>
-            </a:r>
-            <a:r>
-              <a:rPr lang="cs-CZ" sz="2000" dirty="0">
-                <a:latin typeface="Courier New" panose="02070309020205020404" pitchFamily="49" charset="0"/>
-                <a:cs typeface="Courier New" panose="02070309020205020404" pitchFamily="49" charset="0"/>
-              </a:rPr>
-              <a:t> (</a:t>
-            </a:r>
-            <a:r>
-              <a:rPr lang="cs-CZ" sz="2000" dirty="0" err="1">
-                <a:latin typeface="Courier New" panose="02070309020205020404" pitchFamily="49" charset="0"/>
-                <a:cs typeface="Courier New" panose="02070309020205020404" pitchFamily="49" charset="0"/>
-              </a:rPr>
-              <a:t>x</a:t>
-            </a:r>
-            <a:r>
-              <a:rPr lang="cs-CZ" sz="2000" dirty="0">
-                <a:latin typeface="Courier New" panose="02070309020205020404" pitchFamily="49" charset="0"/>
-                <a:cs typeface="Courier New" panose="02070309020205020404" pitchFamily="49" charset="0"/>
-              </a:rPr>
-              <a:t> &lt; 800):</a:t>
-            </a:r>
-          </a:p>
-          <a:p>
-            <a:r>
-              <a:rPr lang="cs-CZ" sz="2000" dirty="0">
-                <a:latin typeface="Courier New" panose="02070309020205020404" pitchFamily="49" charset="0"/>
-                <a:cs typeface="Courier New" panose="02070309020205020404" pitchFamily="49" charset="0"/>
-              </a:rPr>
-              <a:t>        ton = "B4"</a:t>
-            </a:r>
-          </a:p>
-          <a:p>
-            <a:r>
-              <a:rPr lang="cs-CZ" sz="2000" dirty="0">
-                <a:latin typeface="Courier New" panose="02070309020205020404" pitchFamily="49" charset="0"/>
-                <a:cs typeface="Courier New" panose="02070309020205020404" pitchFamily="49" charset="0"/>
-              </a:rPr>
-              <a:t>    </a:t>
-            </a:r>
-            <a:r>
-              <a:rPr lang="cs-CZ" sz="2000" dirty="0" err="1">
-                <a:latin typeface="Courier New" panose="02070309020205020404" pitchFamily="49" charset="0"/>
-                <a:cs typeface="Courier New" panose="02070309020205020404" pitchFamily="49" charset="0"/>
-              </a:rPr>
-              <a:t>else</a:t>
-            </a:r>
-            <a:r>
-              <a:rPr lang="cs-CZ" sz="2000" dirty="0">
-                <a:latin typeface="Courier New" panose="02070309020205020404" pitchFamily="49" charset="0"/>
-                <a:cs typeface="Courier New" panose="02070309020205020404" pitchFamily="49" charset="0"/>
-              </a:rPr>
-              <a:t>:</a:t>
-            </a:r>
-          </a:p>
-          <a:p>
-            <a:r>
-              <a:rPr lang="cs-CZ" sz="2000" dirty="0">
-                <a:latin typeface="Courier New" panose="02070309020205020404" pitchFamily="49" charset="0"/>
-                <a:cs typeface="Courier New" panose="02070309020205020404" pitchFamily="49" charset="0"/>
-              </a:rPr>
-              <a:t>        ton = "C5"</a:t>
-            </a:r>
-          </a:p>
-          <a:p>
-            <a:r>
-              <a:rPr lang="cs-CZ" sz="2000" dirty="0">
-                <a:latin typeface="Courier New" panose="02070309020205020404" pitchFamily="49" charset="0"/>
-                <a:cs typeface="Courier New" panose="02070309020205020404" pitchFamily="49" charset="0"/>
-              </a:rPr>
-              <a:t>    </a:t>
-            </a:r>
-            <a:r>
-              <a:rPr lang="cs-CZ" sz="2000" dirty="0" err="1">
-                <a:latin typeface="Courier New" panose="02070309020205020404" pitchFamily="49" charset="0"/>
-                <a:cs typeface="Courier New" panose="02070309020205020404" pitchFamily="49" charset="0"/>
-              </a:rPr>
-              <a:t>if</a:t>
-            </a:r>
-            <a:r>
-              <a:rPr lang="cs-CZ" sz="2000" dirty="0">
-                <a:latin typeface="Courier New" panose="02070309020205020404" pitchFamily="49" charset="0"/>
-                <a:cs typeface="Courier New" panose="02070309020205020404" pitchFamily="49" charset="0"/>
-              </a:rPr>
-              <a:t> (</a:t>
-            </a:r>
-            <a:r>
-              <a:rPr lang="cs-CZ" sz="2000" dirty="0" err="1">
-                <a:latin typeface="Courier New" panose="02070309020205020404" pitchFamily="49" charset="0"/>
-                <a:cs typeface="Courier New" panose="02070309020205020404" pitchFamily="49" charset="0"/>
-              </a:rPr>
-              <a:t>y</a:t>
-            </a:r>
-            <a:r>
-              <a:rPr lang="cs-CZ" sz="2000" dirty="0">
-                <a:latin typeface="Courier New" panose="02070309020205020404" pitchFamily="49" charset="0"/>
-                <a:cs typeface="Courier New" panose="02070309020205020404" pitchFamily="49" charset="0"/>
-              </a:rPr>
-              <a:t> &lt; -500):</a:t>
-            </a:r>
-          </a:p>
-          <a:p>
-            <a:r>
-              <a:rPr lang="cs-CZ" sz="2000" dirty="0">
-                <a:latin typeface="Courier New" panose="02070309020205020404" pitchFamily="49" charset="0"/>
-                <a:cs typeface="Courier New" panose="02070309020205020404" pitchFamily="49" charset="0"/>
-              </a:rPr>
-              <a:t>        nota = ton</a:t>
-            </a:r>
-          </a:p>
-          <a:p>
-            <a:r>
-              <a:rPr lang="cs-CZ" sz="2000" dirty="0">
-                <a:latin typeface="Courier New" panose="02070309020205020404" pitchFamily="49" charset="0"/>
-                <a:cs typeface="Courier New" panose="02070309020205020404" pitchFamily="49" charset="0"/>
-              </a:rPr>
-              <a:t>    </a:t>
-            </a:r>
-            <a:r>
-              <a:rPr lang="cs-CZ" sz="2000" dirty="0" err="1">
-                <a:latin typeface="Courier New" panose="02070309020205020404" pitchFamily="49" charset="0"/>
-                <a:cs typeface="Courier New" panose="02070309020205020404" pitchFamily="49" charset="0"/>
-              </a:rPr>
-              <a:t>elif</a:t>
-            </a:r>
-            <a:r>
-              <a:rPr lang="cs-CZ" sz="2000" dirty="0">
-                <a:latin typeface="Courier New" panose="02070309020205020404" pitchFamily="49" charset="0"/>
-                <a:cs typeface="Courier New" panose="02070309020205020404" pitchFamily="49" charset="0"/>
-              </a:rPr>
-              <a:t> (</a:t>
-            </a:r>
-            <a:r>
-              <a:rPr lang="cs-CZ" sz="2000" dirty="0" err="1">
-                <a:latin typeface="Courier New" panose="02070309020205020404" pitchFamily="49" charset="0"/>
-                <a:cs typeface="Courier New" panose="02070309020205020404" pitchFamily="49" charset="0"/>
-              </a:rPr>
-              <a:t>y</a:t>
-            </a:r>
-            <a:r>
-              <a:rPr lang="cs-CZ" sz="2000" dirty="0">
-                <a:latin typeface="Courier New" panose="02070309020205020404" pitchFamily="49" charset="0"/>
-                <a:cs typeface="Courier New" panose="02070309020205020404" pitchFamily="49" charset="0"/>
-              </a:rPr>
-              <a:t> &lt; 0):</a:t>
-            </a:r>
-          </a:p>
-          <a:p>
-            <a:r>
-              <a:rPr lang="cs-CZ" sz="2000" dirty="0">
-                <a:latin typeface="Courier New" panose="02070309020205020404" pitchFamily="49" charset="0"/>
-                <a:cs typeface="Courier New" panose="02070309020205020404" pitchFamily="49" charset="0"/>
-              </a:rPr>
-              <a:t>        nota = ton + ":2"</a:t>
-            </a:r>
-          </a:p>
-          <a:p>
-            <a:r>
-              <a:rPr lang="cs-CZ" sz="2000" dirty="0">
-                <a:latin typeface="Courier New" panose="02070309020205020404" pitchFamily="49" charset="0"/>
-                <a:cs typeface="Courier New" panose="02070309020205020404" pitchFamily="49" charset="0"/>
-              </a:rPr>
-              <a:t>    </a:t>
-            </a:r>
-            <a:r>
-              <a:rPr lang="cs-CZ" sz="2000" dirty="0" err="1">
-                <a:latin typeface="Courier New" panose="02070309020205020404" pitchFamily="49" charset="0"/>
-                <a:cs typeface="Courier New" panose="02070309020205020404" pitchFamily="49" charset="0"/>
-              </a:rPr>
-              <a:t>elif</a:t>
-            </a:r>
-            <a:r>
-              <a:rPr lang="cs-CZ" sz="2000" dirty="0">
-                <a:latin typeface="Courier New" panose="02070309020205020404" pitchFamily="49" charset="0"/>
-                <a:cs typeface="Courier New" panose="02070309020205020404" pitchFamily="49" charset="0"/>
-              </a:rPr>
-              <a:t> (</a:t>
-            </a:r>
-            <a:r>
-              <a:rPr lang="cs-CZ" sz="2000" dirty="0" err="1">
-                <a:latin typeface="Courier New" panose="02070309020205020404" pitchFamily="49" charset="0"/>
-                <a:cs typeface="Courier New" panose="02070309020205020404" pitchFamily="49" charset="0"/>
-              </a:rPr>
-              <a:t>y</a:t>
-            </a:r>
-            <a:r>
-              <a:rPr lang="cs-CZ" sz="2000" dirty="0">
-                <a:latin typeface="Courier New" panose="02070309020205020404" pitchFamily="49" charset="0"/>
-                <a:cs typeface="Courier New" panose="02070309020205020404" pitchFamily="49" charset="0"/>
-              </a:rPr>
-              <a:t> &lt; 500):</a:t>
-            </a:r>
-          </a:p>
-          <a:p>
-            <a:r>
-              <a:rPr lang="cs-CZ" sz="2000" dirty="0">
-                <a:latin typeface="Courier New" panose="02070309020205020404" pitchFamily="49" charset="0"/>
-                <a:cs typeface="Courier New" panose="02070309020205020404" pitchFamily="49" charset="0"/>
-              </a:rPr>
-              <a:t>        nota = ton + ":4" </a:t>
-            </a:r>
-          </a:p>
-          <a:p>
-            <a:r>
-              <a:rPr lang="cs-CZ" sz="2000" dirty="0">
-                <a:latin typeface="Courier New" panose="02070309020205020404" pitchFamily="49" charset="0"/>
-                <a:cs typeface="Courier New" panose="02070309020205020404" pitchFamily="49" charset="0"/>
-              </a:rPr>
-              <a:t>    </a:t>
-            </a:r>
-            <a:r>
-              <a:rPr lang="cs-CZ" sz="2000" dirty="0" err="1">
-                <a:latin typeface="Courier New" panose="02070309020205020404" pitchFamily="49" charset="0"/>
-                <a:cs typeface="Courier New" panose="02070309020205020404" pitchFamily="49" charset="0"/>
-              </a:rPr>
-              <a:t>else</a:t>
-            </a:r>
-            <a:r>
-              <a:rPr lang="cs-CZ" sz="2000" dirty="0">
-                <a:latin typeface="Courier New" panose="02070309020205020404" pitchFamily="49" charset="0"/>
-                <a:cs typeface="Courier New" panose="02070309020205020404" pitchFamily="49" charset="0"/>
-              </a:rPr>
-              <a:t>:</a:t>
-            </a:r>
-          </a:p>
-          <a:p>
-            <a:r>
-              <a:rPr lang="cs-CZ" sz="2000" dirty="0">
-                <a:latin typeface="Courier New" panose="02070309020205020404" pitchFamily="49" charset="0"/>
-                <a:cs typeface="Courier New" panose="02070309020205020404" pitchFamily="49" charset="0"/>
-              </a:rPr>
-              <a:t>        nota = ton + ":8"</a:t>
-            </a:r>
-          </a:p>
-          <a:p>
-            <a:r>
-              <a:rPr lang="cs-CZ" sz="2000" dirty="0">
-                <a:latin typeface="Courier New" panose="02070309020205020404" pitchFamily="49" charset="0"/>
-                <a:cs typeface="Courier New" panose="02070309020205020404" pitchFamily="49" charset="0"/>
-              </a:rPr>
-              <a:t>    </a:t>
-            </a:r>
-            <a:r>
-              <a:rPr lang="cs-CZ" sz="2000" dirty="0" err="1">
-                <a:latin typeface="Courier New" panose="02070309020205020404" pitchFamily="49" charset="0"/>
-                <a:cs typeface="Courier New" panose="02070309020205020404" pitchFamily="49" charset="0"/>
-              </a:rPr>
-              <a:t>music.play</a:t>
-            </a:r>
-            <a:r>
-              <a:rPr lang="cs-CZ" sz="2000" dirty="0">
-                <a:latin typeface="Courier New" panose="02070309020205020404" pitchFamily="49" charset="0"/>
-                <a:cs typeface="Courier New" panose="02070309020205020404" pitchFamily="49" charset="0"/>
-              </a:rPr>
-              <a:t>(nota)</a:t>
-            </a:r>
-          </a:p>
-        </p:txBody>
-      </p:sp>
+        </p:nvGraphicFramePr>
+        <p:xfrm>
+          <a:off x="504000" y="1315440"/>
+          <a:ext cx="9068760" cy="360000"/>
+        </p:xfrm>
+        <a:graphic>
+          <a:graphicData uri="http://schemas.openxmlformats.org/drawingml/2006/table">
+            <a:tbl>
+              <a:tblPr/>
+              <a:tblGrid>
+                <a:gridCol w="4534560"/>
+                <a:gridCol w="4534560"/>
+              </a:tblGrid>
+              <a:tr h="0">
+                <a:tc>
+                  <a:txBody>
+                    <a:bodyPr/>
+                    <a:p>
+                      <a:pPr>
+                        <a:lnSpc>
+                          <a:spcPct val="100000"/>
+                        </a:lnSpc>
+                      </a:pPr>
+                      <a:r>
+                        <a:rPr b="0" lang="cs-CZ" sz="2000" spc="-1" strike="noStrike">
+                          <a:solidFill>
+                            <a:srgbClr val="000000"/>
+                          </a:solidFill>
+                          <a:latin typeface="Courier New"/>
+                          <a:ea typeface="DejaVu Sans"/>
+                        </a:rPr>
+                        <a:t>from microbit import *</a:t>
+                      </a:r>
+                      <a:endParaRPr b="0" lang="cs-CZ" sz="2000" spc="-1" strike="noStrike">
+                        <a:latin typeface="Arial"/>
+                      </a:endParaRPr>
+                    </a:p>
+                    <a:p>
+                      <a:pPr>
+                        <a:lnSpc>
+                          <a:spcPct val="100000"/>
+                        </a:lnSpc>
+                      </a:pPr>
+                      <a:r>
+                        <a:rPr b="0" lang="cs-CZ" sz="2000" spc="-1" strike="noStrike">
+                          <a:solidFill>
+                            <a:srgbClr val="000000"/>
+                          </a:solidFill>
+                          <a:latin typeface="Courier New"/>
+                          <a:ea typeface="DejaVu Sans"/>
+                        </a:rPr>
+                        <a:t>import music</a:t>
+                      </a:r>
+                      <a:endParaRPr b="0" lang="cs-CZ" sz="2000" spc="-1" strike="noStrike">
+                        <a:latin typeface="Arial"/>
+                      </a:endParaRPr>
+                    </a:p>
+                    <a:p>
+                      <a:pPr>
+                        <a:lnSpc>
+                          <a:spcPct val="100000"/>
+                        </a:lnSpc>
+                      </a:pPr>
+                      <a:r>
+                        <a:rPr b="0" lang="cs-CZ" sz="2000" spc="-1" strike="noStrike">
+                          <a:solidFill>
+                            <a:srgbClr val="000000"/>
+                          </a:solidFill>
+                          <a:latin typeface="Courier New"/>
+                          <a:ea typeface="DejaVu Sans"/>
+                        </a:rPr>
+                        <a:t>while True:</a:t>
+                      </a:r>
+                      <a:endParaRPr b="0" lang="cs-CZ" sz="2000" spc="-1" strike="noStrike">
+                        <a:latin typeface="Arial"/>
+                      </a:endParaRPr>
+                    </a:p>
+                    <a:p>
+                      <a:pPr>
+                        <a:lnSpc>
+                          <a:spcPct val="100000"/>
+                        </a:lnSpc>
+                      </a:pPr>
+                      <a:r>
+                        <a:rPr b="0" lang="cs-CZ" sz="2000" spc="-1" strike="noStrike">
+                          <a:solidFill>
+                            <a:srgbClr val="000000"/>
+                          </a:solidFill>
+                          <a:latin typeface="Courier New"/>
+                          <a:ea typeface="DejaVu Sans"/>
+                        </a:rPr>
+                        <a:t>    </a:t>
+                      </a:r>
+                      <a:r>
+                        <a:rPr b="0" lang="cs-CZ" sz="2000" spc="-1" strike="noStrike">
+                          <a:solidFill>
+                            <a:srgbClr val="000000"/>
+                          </a:solidFill>
+                          <a:latin typeface="Courier New"/>
+                          <a:ea typeface="DejaVu Sans"/>
+                        </a:rPr>
+                        <a:t>x = accelerometer.get_x()</a:t>
+                      </a:r>
+                      <a:endParaRPr b="0" lang="cs-CZ" sz="2000" spc="-1" strike="noStrike">
+                        <a:latin typeface="Arial"/>
+                      </a:endParaRPr>
+                    </a:p>
+                    <a:p>
+                      <a:pPr>
+                        <a:lnSpc>
+                          <a:spcPct val="100000"/>
+                        </a:lnSpc>
+                      </a:pPr>
+                      <a:r>
+                        <a:rPr b="0" lang="cs-CZ" sz="2000" spc="-1" strike="noStrike">
+                          <a:solidFill>
+                            <a:srgbClr val="000000"/>
+                          </a:solidFill>
+                          <a:latin typeface="Courier New"/>
+                          <a:ea typeface="DejaVu Sans"/>
+                        </a:rPr>
+                        <a:t>    </a:t>
+                      </a:r>
+                      <a:r>
+                        <a:rPr b="0" lang="cs-CZ" sz="2000" spc="-1" strike="noStrike">
+                          <a:solidFill>
+                            <a:srgbClr val="000000"/>
+                          </a:solidFill>
+                          <a:latin typeface="Courier New"/>
+                          <a:ea typeface="DejaVu Sans"/>
+                        </a:rPr>
+                        <a:t>y = accelerometer.get_y()</a:t>
+                      </a:r>
+                      <a:endParaRPr b="0" lang="cs-CZ" sz="2000" spc="-1" strike="noStrike">
+                        <a:latin typeface="Arial"/>
+                      </a:endParaRPr>
+                    </a:p>
+                    <a:p>
+                      <a:pPr>
+                        <a:lnSpc>
+                          <a:spcPct val="100000"/>
+                        </a:lnSpc>
+                      </a:pPr>
+                      <a:r>
+                        <a:rPr b="0" lang="cs-CZ" sz="2000" spc="-1" strike="noStrike">
+                          <a:solidFill>
+                            <a:srgbClr val="000000"/>
+                          </a:solidFill>
+                          <a:latin typeface="Courier New"/>
+                          <a:ea typeface="DejaVu Sans"/>
+                        </a:rPr>
+                        <a:t>    </a:t>
+                      </a:r>
+                      <a:r>
+                        <a:rPr b="0" lang="cs-CZ" sz="2000" spc="-1" strike="noStrike">
+                          <a:solidFill>
+                            <a:srgbClr val="000000"/>
+                          </a:solidFill>
+                          <a:latin typeface="Courier New"/>
+                          <a:ea typeface="DejaVu Sans"/>
+                        </a:rPr>
+                        <a:t>if (x &lt; -1000):</a:t>
+                      </a:r>
+                      <a:endParaRPr b="0" lang="cs-CZ" sz="2000" spc="-1" strike="noStrike">
+                        <a:latin typeface="Arial"/>
+                      </a:endParaRPr>
+                    </a:p>
+                    <a:p>
+                      <a:pPr>
+                        <a:lnSpc>
+                          <a:spcPct val="100000"/>
+                        </a:lnSpc>
+                      </a:pPr>
+                      <a:r>
+                        <a:rPr b="0" lang="cs-CZ" sz="2000" spc="-1" strike="noStrike">
+                          <a:solidFill>
+                            <a:srgbClr val="000000"/>
+                          </a:solidFill>
+                          <a:latin typeface="Courier New"/>
+                          <a:ea typeface="DejaVu Sans"/>
+                        </a:rPr>
+                        <a:t>        </a:t>
+                      </a:r>
+                      <a:r>
+                        <a:rPr b="0" lang="cs-CZ" sz="2000" spc="-1" strike="noStrike">
+                          <a:solidFill>
+                            <a:srgbClr val="000000"/>
+                          </a:solidFill>
+                          <a:latin typeface="Courier New"/>
+                          <a:ea typeface="DejaVu Sans"/>
+                        </a:rPr>
+                        <a:t>ton = "C4"</a:t>
+                      </a:r>
+                      <a:endParaRPr b="0" lang="cs-CZ" sz="2000" spc="-1" strike="noStrike">
+                        <a:latin typeface="Arial"/>
+                      </a:endParaRPr>
+                    </a:p>
+                    <a:p>
+                      <a:pPr>
+                        <a:lnSpc>
+                          <a:spcPct val="100000"/>
+                        </a:lnSpc>
+                      </a:pPr>
+                      <a:r>
+                        <a:rPr b="0" lang="cs-CZ" sz="2000" spc="-1" strike="noStrike">
+                          <a:solidFill>
+                            <a:srgbClr val="000000"/>
+                          </a:solidFill>
+                          <a:latin typeface="Courier New"/>
+                          <a:ea typeface="DejaVu Sans"/>
+                        </a:rPr>
+                        <a:t>    </a:t>
+                      </a:r>
+                      <a:r>
+                        <a:rPr b="0" lang="cs-CZ" sz="2000" spc="-1" strike="noStrike">
+                          <a:solidFill>
+                            <a:srgbClr val="000000"/>
+                          </a:solidFill>
+                          <a:latin typeface="Courier New"/>
+                          <a:ea typeface="DejaVu Sans"/>
+                        </a:rPr>
+                        <a:t>elif (x &lt; -700):</a:t>
+                      </a:r>
+                      <a:endParaRPr b="0" lang="cs-CZ" sz="2000" spc="-1" strike="noStrike">
+                        <a:latin typeface="Arial"/>
+                      </a:endParaRPr>
+                    </a:p>
+                    <a:p>
+                      <a:pPr>
+                        <a:lnSpc>
+                          <a:spcPct val="100000"/>
+                        </a:lnSpc>
+                      </a:pPr>
+                      <a:r>
+                        <a:rPr b="0" lang="cs-CZ" sz="2000" spc="-1" strike="noStrike">
+                          <a:solidFill>
+                            <a:srgbClr val="000000"/>
+                          </a:solidFill>
+                          <a:latin typeface="Courier New"/>
+                          <a:ea typeface="DejaVu Sans"/>
+                        </a:rPr>
+                        <a:t>        </a:t>
+                      </a:r>
+                      <a:r>
+                        <a:rPr b="0" lang="cs-CZ" sz="2000" spc="-1" strike="noStrike">
+                          <a:solidFill>
+                            <a:srgbClr val="000000"/>
+                          </a:solidFill>
+                          <a:latin typeface="Courier New"/>
+                          <a:ea typeface="DejaVu Sans"/>
+                        </a:rPr>
+                        <a:t>ton = "D4"</a:t>
+                      </a:r>
+                      <a:endParaRPr b="0" lang="cs-CZ" sz="2000" spc="-1" strike="noStrike">
+                        <a:latin typeface="Arial"/>
+                      </a:endParaRPr>
+                    </a:p>
+                    <a:p>
+                      <a:pPr>
+                        <a:lnSpc>
+                          <a:spcPct val="100000"/>
+                        </a:lnSpc>
+                      </a:pPr>
+                      <a:r>
+                        <a:rPr b="0" lang="cs-CZ" sz="2000" spc="-1" strike="noStrike">
+                          <a:solidFill>
+                            <a:srgbClr val="000000"/>
+                          </a:solidFill>
+                          <a:latin typeface="Courier New"/>
+                          <a:ea typeface="DejaVu Sans"/>
+                        </a:rPr>
+                        <a:t>    </a:t>
+                      </a:r>
+                      <a:r>
+                        <a:rPr b="0" lang="cs-CZ" sz="2000" spc="-1" strike="noStrike">
+                          <a:solidFill>
+                            <a:srgbClr val="000000"/>
+                          </a:solidFill>
+                          <a:latin typeface="Courier New"/>
+                          <a:ea typeface="DejaVu Sans"/>
+                        </a:rPr>
+                        <a:t>elif (x &lt; - 400):</a:t>
+                      </a:r>
+                      <a:endParaRPr b="0" lang="cs-CZ" sz="2000" spc="-1" strike="noStrike">
+                        <a:latin typeface="Arial"/>
+                      </a:endParaRPr>
+                    </a:p>
+                    <a:p>
+                      <a:pPr>
+                        <a:lnSpc>
+                          <a:spcPct val="100000"/>
+                        </a:lnSpc>
+                      </a:pPr>
+                      <a:r>
+                        <a:rPr b="0" lang="cs-CZ" sz="2000" spc="-1" strike="noStrike">
+                          <a:solidFill>
+                            <a:srgbClr val="000000"/>
+                          </a:solidFill>
+                          <a:latin typeface="Courier New"/>
+                          <a:ea typeface="DejaVu Sans"/>
+                        </a:rPr>
+                        <a:t>        </a:t>
+                      </a:r>
+                      <a:r>
+                        <a:rPr b="0" lang="cs-CZ" sz="2000" spc="-1" strike="noStrike">
+                          <a:solidFill>
+                            <a:srgbClr val="000000"/>
+                          </a:solidFill>
+                          <a:latin typeface="Courier New"/>
+                          <a:ea typeface="DejaVu Sans"/>
+                        </a:rPr>
+                        <a:t>ton = "E4"</a:t>
+                      </a:r>
+                      <a:endParaRPr b="0" lang="cs-CZ" sz="2000" spc="-1" strike="noStrike">
+                        <a:latin typeface="Arial"/>
+                      </a:endParaRPr>
+                    </a:p>
+                    <a:p>
+                      <a:pPr>
+                        <a:lnSpc>
+                          <a:spcPct val="100000"/>
+                        </a:lnSpc>
+                      </a:pPr>
+                      <a:r>
+                        <a:rPr b="0" lang="cs-CZ" sz="2000" spc="-1" strike="noStrike">
+                          <a:solidFill>
+                            <a:srgbClr val="000000"/>
+                          </a:solidFill>
+                          <a:latin typeface="Courier New"/>
+                          <a:ea typeface="DejaVu Sans"/>
+                        </a:rPr>
+                        <a:t>    </a:t>
+                      </a:r>
+                      <a:r>
+                        <a:rPr b="0" lang="cs-CZ" sz="2000" spc="-1" strike="noStrike">
+                          <a:solidFill>
+                            <a:srgbClr val="000000"/>
+                          </a:solidFill>
+                          <a:latin typeface="Courier New"/>
+                          <a:ea typeface="DejaVu Sans"/>
+                        </a:rPr>
+                        <a:t>elif (x &lt; -100):</a:t>
+                      </a:r>
+                      <a:endParaRPr b="0" lang="cs-CZ" sz="2000" spc="-1" strike="noStrike">
+                        <a:latin typeface="Arial"/>
+                      </a:endParaRPr>
+                    </a:p>
+                    <a:p>
+                      <a:pPr>
+                        <a:lnSpc>
+                          <a:spcPct val="100000"/>
+                        </a:lnSpc>
+                      </a:pPr>
+                      <a:r>
+                        <a:rPr b="0" lang="cs-CZ" sz="2000" spc="-1" strike="noStrike">
+                          <a:solidFill>
+                            <a:srgbClr val="000000"/>
+                          </a:solidFill>
+                          <a:latin typeface="Courier New"/>
+                          <a:ea typeface="DejaVu Sans"/>
+                        </a:rPr>
+                        <a:t>        </a:t>
+                      </a:r>
+                      <a:r>
+                        <a:rPr b="0" lang="cs-CZ" sz="2000" spc="-1" strike="noStrike">
+                          <a:solidFill>
+                            <a:srgbClr val="000000"/>
+                          </a:solidFill>
+                          <a:latin typeface="Courier New"/>
+                          <a:ea typeface="DejaVu Sans"/>
+                        </a:rPr>
+                        <a:t>ton = "F4"</a:t>
+                      </a:r>
+                      <a:endParaRPr b="0" lang="cs-CZ" sz="2000" spc="-1" strike="noStrike">
+                        <a:latin typeface="Arial"/>
+                      </a:endParaRPr>
+                    </a:p>
+                    <a:p>
+                      <a:pPr>
+                        <a:lnSpc>
+                          <a:spcPct val="100000"/>
+                        </a:lnSpc>
+                      </a:pPr>
+                      <a:r>
+                        <a:rPr b="0" lang="cs-CZ" sz="2000" spc="-1" strike="noStrike">
+                          <a:solidFill>
+                            <a:srgbClr val="000000"/>
+                          </a:solidFill>
+                          <a:latin typeface="Courier New"/>
+                          <a:ea typeface="DejaVu Sans"/>
+                        </a:rPr>
+                        <a:t>    </a:t>
+                      </a:r>
+                      <a:r>
+                        <a:rPr b="0" lang="cs-CZ" sz="2000" spc="-1" strike="noStrike">
+                          <a:solidFill>
+                            <a:srgbClr val="000000"/>
+                          </a:solidFill>
+                          <a:latin typeface="Courier New"/>
+                          <a:ea typeface="DejaVu Sans"/>
+                        </a:rPr>
+                        <a:t>elif (x &lt; 200):</a:t>
+                      </a:r>
+                      <a:endParaRPr b="0" lang="cs-CZ" sz="2000" spc="-1" strike="noStrike">
+                        <a:latin typeface="Arial"/>
+                      </a:endParaRPr>
+                    </a:p>
+                    <a:p>
+                      <a:pPr>
+                        <a:lnSpc>
+                          <a:spcPct val="100000"/>
+                        </a:lnSpc>
+                      </a:pPr>
+                      <a:r>
+                        <a:rPr b="0" lang="cs-CZ" sz="2000" spc="-1" strike="noStrike">
+                          <a:solidFill>
+                            <a:srgbClr val="000000"/>
+                          </a:solidFill>
+                          <a:latin typeface="Courier New"/>
+                          <a:ea typeface="DejaVu Sans"/>
+                        </a:rPr>
+                        <a:t>        </a:t>
+                      </a:r>
+                      <a:r>
+                        <a:rPr b="0" lang="cs-CZ" sz="2000" spc="-1" strike="noStrike">
+                          <a:solidFill>
+                            <a:srgbClr val="000000"/>
+                          </a:solidFill>
+                          <a:latin typeface="Courier New"/>
+                          <a:ea typeface="DejaVu Sans"/>
+                        </a:rPr>
+                        <a:t>ton = "G4"</a:t>
+                      </a:r>
+                      <a:endParaRPr b="0" lang="cs-CZ" sz="2000" spc="-1" strike="noStrike">
+                        <a:latin typeface="Arial"/>
+                      </a:endParaRPr>
+                    </a:p>
+                  </a:txBody>
+                  <a:tcPr marL="91440" marR="91440">
+                    <a:noFill/>
+                  </a:tcPr>
+                </a:tc>
+                <a:tc>
+                  <a:txBody>
+                    <a:bodyPr/>
+                    <a:p>
+                      <a:pPr>
+                        <a:lnSpc>
+                          <a:spcPct val="100000"/>
+                        </a:lnSpc>
+                      </a:pPr>
+                      <a:r>
+                        <a:rPr b="0" lang="cs-CZ" sz="2000" spc="-1" strike="noStrike">
+                          <a:solidFill>
+                            <a:srgbClr val="000000"/>
+                          </a:solidFill>
+                          <a:latin typeface="Courier New"/>
+                          <a:ea typeface="DejaVu Sans"/>
+                        </a:rPr>
+                        <a:t>    </a:t>
+                      </a:r>
+                      <a:r>
+                        <a:rPr b="0" lang="cs-CZ" sz="2000" spc="-1" strike="noStrike">
+                          <a:solidFill>
+                            <a:srgbClr val="000000"/>
+                          </a:solidFill>
+                          <a:latin typeface="Courier New"/>
+                          <a:ea typeface="DejaVu Sans"/>
+                        </a:rPr>
+                        <a:t>elif (x &lt; 500):</a:t>
+                      </a:r>
+                      <a:endParaRPr b="0" lang="cs-CZ" sz="2000" spc="-1" strike="noStrike">
+                        <a:latin typeface="Arial"/>
+                      </a:endParaRPr>
+                    </a:p>
+                    <a:p>
+                      <a:pPr>
+                        <a:lnSpc>
+                          <a:spcPct val="100000"/>
+                        </a:lnSpc>
+                      </a:pPr>
+                      <a:r>
+                        <a:rPr b="0" lang="cs-CZ" sz="2000" spc="-1" strike="noStrike">
+                          <a:solidFill>
+                            <a:srgbClr val="000000"/>
+                          </a:solidFill>
+                          <a:latin typeface="Courier New"/>
+                          <a:ea typeface="DejaVu Sans"/>
+                        </a:rPr>
+                        <a:t>        </a:t>
+                      </a:r>
+                      <a:r>
+                        <a:rPr b="0" lang="cs-CZ" sz="2000" spc="-1" strike="noStrike">
+                          <a:solidFill>
+                            <a:srgbClr val="000000"/>
+                          </a:solidFill>
+                          <a:latin typeface="Courier New"/>
+                          <a:ea typeface="DejaVu Sans"/>
+                        </a:rPr>
+                        <a:t>ton = "A4"</a:t>
+                      </a:r>
+                      <a:endParaRPr b="0" lang="cs-CZ" sz="2000" spc="-1" strike="noStrike">
+                        <a:latin typeface="Arial"/>
+                      </a:endParaRPr>
+                    </a:p>
+                    <a:p>
+                      <a:pPr>
+                        <a:lnSpc>
+                          <a:spcPct val="100000"/>
+                        </a:lnSpc>
+                      </a:pPr>
+                      <a:r>
+                        <a:rPr b="0" lang="cs-CZ" sz="2000" spc="-1" strike="noStrike">
+                          <a:solidFill>
+                            <a:srgbClr val="000000"/>
+                          </a:solidFill>
+                          <a:latin typeface="Courier New"/>
+                          <a:ea typeface="DejaVu Sans"/>
+                        </a:rPr>
+                        <a:t>    </a:t>
+                      </a:r>
+                      <a:r>
+                        <a:rPr b="0" lang="cs-CZ" sz="2000" spc="-1" strike="noStrike">
+                          <a:solidFill>
+                            <a:srgbClr val="000000"/>
+                          </a:solidFill>
+                          <a:latin typeface="Courier New"/>
+                          <a:ea typeface="DejaVu Sans"/>
+                        </a:rPr>
+                        <a:t>elif (x &lt; 800):</a:t>
+                      </a:r>
+                      <a:endParaRPr b="0" lang="cs-CZ" sz="2000" spc="-1" strike="noStrike">
+                        <a:latin typeface="Arial"/>
+                      </a:endParaRPr>
+                    </a:p>
+                    <a:p>
+                      <a:pPr>
+                        <a:lnSpc>
+                          <a:spcPct val="100000"/>
+                        </a:lnSpc>
+                      </a:pPr>
+                      <a:r>
+                        <a:rPr b="0" lang="cs-CZ" sz="2000" spc="-1" strike="noStrike">
+                          <a:solidFill>
+                            <a:srgbClr val="000000"/>
+                          </a:solidFill>
+                          <a:latin typeface="Courier New"/>
+                          <a:ea typeface="DejaVu Sans"/>
+                        </a:rPr>
+                        <a:t>        </a:t>
+                      </a:r>
+                      <a:r>
+                        <a:rPr b="0" lang="cs-CZ" sz="2000" spc="-1" strike="noStrike">
+                          <a:solidFill>
+                            <a:srgbClr val="000000"/>
+                          </a:solidFill>
+                          <a:latin typeface="Courier New"/>
+                          <a:ea typeface="DejaVu Sans"/>
+                        </a:rPr>
+                        <a:t>ton = "B4"</a:t>
+                      </a:r>
+                      <a:endParaRPr b="0" lang="cs-CZ" sz="2000" spc="-1" strike="noStrike">
+                        <a:latin typeface="Arial"/>
+                      </a:endParaRPr>
+                    </a:p>
+                    <a:p>
+                      <a:pPr>
+                        <a:lnSpc>
+                          <a:spcPct val="100000"/>
+                        </a:lnSpc>
+                      </a:pPr>
+                      <a:r>
+                        <a:rPr b="0" lang="cs-CZ" sz="2000" spc="-1" strike="noStrike">
+                          <a:solidFill>
+                            <a:srgbClr val="000000"/>
+                          </a:solidFill>
+                          <a:latin typeface="Courier New"/>
+                          <a:ea typeface="DejaVu Sans"/>
+                        </a:rPr>
+                        <a:t>    </a:t>
+                      </a:r>
+                      <a:r>
+                        <a:rPr b="0" lang="cs-CZ" sz="2000" spc="-1" strike="noStrike">
+                          <a:solidFill>
+                            <a:srgbClr val="000000"/>
+                          </a:solidFill>
+                          <a:latin typeface="Courier New"/>
+                          <a:ea typeface="DejaVu Sans"/>
+                        </a:rPr>
+                        <a:t>else:</a:t>
+                      </a:r>
+                      <a:endParaRPr b="0" lang="cs-CZ" sz="2000" spc="-1" strike="noStrike">
+                        <a:latin typeface="Arial"/>
+                      </a:endParaRPr>
+                    </a:p>
+                    <a:p>
+                      <a:pPr>
+                        <a:lnSpc>
+                          <a:spcPct val="100000"/>
+                        </a:lnSpc>
+                      </a:pPr>
+                      <a:r>
+                        <a:rPr b="0" lang="cs-CZ" sz="2000" spc="-1" strike="noStrike">
+                          <a:solidFill>
+                            <a:srgbClr val="000000"/>
+                          </a:solidFill>
+                          <a:latin typeface="Courier New"/>
+                          <a:ea typeface="DejaVu Sans"/>
+                        </a:rPr>
+                        <a:t>        </a:t>
+                      </a:r>
+                      <a:r>
+                        <a:rPr b="0" lang="cs-CZ" sz="2000" spc="-1" strike="noStrike">
+                          <a:solidFill>
+                            <a:srgbClr val="000000"/>
+                          </a:solidFill>
+                          <a:latin typeface="Courier New"/>
+                          <a:ea typeface="DejaVu Sans"/>
+                        </a:rPr>
+                        <a:t>ton = "C5"</a:t>
+                      </a:r>
+                      <a:endParaRPr b="0" lang="cs-CZ" sz="2000" spc="-1" strike="noStrike">
+                        <a:latin typeface="Arial"/>
+                      </a:endParaRPr>
+                    </a:p>
+                    <a:p>
+                      <a:pPr>
+                        <a:lnSpc>
+                          <a:spcPct val="100000"/>
+                        </a:lnSpc>
+                      </a:pPr>
+                      <a:r>
+                        <a:rPr b="0" lang="cs-CZ" sz="2000" spc="-1" strike="noStrike">
+                          <a:solidFill>
+                            <a:srgbClr val="000000"/>
+                          </a:solidFill>
+                          <a:latin typeface="Courier New"/>
+                          <a:ea typeface="DejaVu Sans"/>
+                        </a:rPr>
+                        <a:t>    </a:t>
+                      </a:r>
+                      <a:r>
+                        <a:rPr b="0" lang="cs-CZ" sz="2000" spc="-1" strike="noStrike">
+                          <a:solidFill>
+                            <a:srgbClr val="000000"/>
+                          </a:solidFill>
+                          <a:latin typeface="Courier New"/>
+                          <a:ea typeface="DejaVu Sans"/>
+                        </a:rPr>
+                        <a:t>if (y &lt; -500):</a:t>
+                      </a:r>
+                      <a:endParaRPr b="0" lang="cs-CZ" sz="2000" spc="-1" strike="noStrike">
+                        <a:latin typeface="Arial"/>
+                      </a:endParaRPr>
+                    </a:p>
+                    <a:p>
+                      <a:pPr>
+                        <a:lnSpc>
+                          <a:spcPct val="100000"/>
+                        </a:lnSpc>
+                      </a:pPr>
+                      <a:r>
+                        <a:rPr b="0" lang="cs-CZ" sz="2000" spc="-1" strike="noStrike">
+                          <a:solidFill>
+                            <a:srgbClr val="000000"/>
+                          </a:solidFill>
+                          <a:latin typeface="Courier New"/>
+                          <a:ea typeface="DejaVu Sans"/>
+                        </a:rPr>
+                        <a:t>        </a:t>
+                      </a:r>
+                      <a:r>
+                        <a:rPr b="0" lang="cs-CZ" sz="2000" spc="-1" strike="noStrike">
+                          <a:solidFill>
+                            <a:srgbClr val="000000"/>
+                          </a:solidFill>
+                          <a:latin typeface="Courier New"/>
+                          <a:ea typeface="DejaVu Sans"/>
+                        </a:rPr>
+                        <a:t>nota = ton</a:t>
+                      </a:r>
+                      <a:endParaRPr b="0" lang="cs-CZ" sz="2000" spc="-1" strike="noStrike">
+                        <a:latin typeface="Arial"/>
+                      </a:endParaRPr>
+                    </a:p>
+                    <a:p>
+                      <a:pPr>
+                        <a:lnSpc>
+                          <a:spcPct val="100000"/>
+                        </a:lnSpc>
+                      </a:pPr>
+                      <a:r>
+                        <a:rPr b="0" lang="cs-CZ" sz="2000" spc="-1" strike="noStrike">
+                          <a:solidFill>
+                            <a:srgbClr val="000000"/>
+                          </a:solidFill>
+                          <a:latin typeface="Courier New"/>
+                          <a:ea typeface="DejaVu Sans"/>
+                        </a:rPr>
+                        <a:t>    </a:t>
+                      </a:r>
+                      <a:r>
+                        <a:rPr b="0" lang="cs-CZ" sz="2000" spc="-1" strike="noStrike">
+                          <a:solidFill>
+                            <a:srgbClr val="000000"/>
+                          </a:solidFill>
+                          <a:latin typeface="Courier New"/>
+                          <a:ea typeface="DejaVu Sans"/>
+                        </a:rPr>
+                        <a:t>elif (y &lt; 0):</a:t>
+                      </a:r>
+                      <a:endParaRPr b="0" lang="cs-CZ" sz="2000" spc="-1" strike="noStrike">
+                        <a:latin typeface="Arial"/>
+                      </a:endParaRPr>
+                    </a:p>
+                    <a:p>
+                      <a:pPr>
+                        <a:lnSpc>
+                          <a:spcPct val="100000"/>
+                        </a:lnSpc>
+                      </a:pPr>
+                      <a:r>
+                        <a:rPr b="0" lang="cs-CZ" sz="2000" spc="-1" strike="noStrike">
+                          <a:solidFill>
+                            <a:srgbClr val="000000"/>
+                          </a:solidFill>
+                          <a:latin typeface="Courier New"/>
+                          <a:ea typeface="DejaVu Sans"/>
+                        </a:rPr>
+                        <a:t>        </a:t>
+                      </a:r>
+                      <a:r>
+                        <a:rPr b="0" lang="cs-CZ" sz="2000" spc="-1" strike="noStrike">
+                          <a:solidFill>
+                            <a:srgbClr val="000000"/>
+                          </a:solidFill>
+                          <a:latin typeface="Courier New"/>
+                          <a:ea typeface="DejaVu Sans"/>
+                        </a:rPr>
+                        <a:t>nota = ton + ":2"</a:t>
+                      </a:r>
+                      <a:endParaRPr b="0" lang="cs-CZ" sz="2000" spc="-1" strike="noStrike">
+                        <a:latin typeface="Arial"/>
+                      </a:endParaRPr>
+                    </a:p>
+                    <a:p>
+                      <a:pPr>
+                        <a:lnSpc>
+                          <a:spcPct val="100000"/>
+                        </a:lnSpc>
+                      </a:pPr>
+                      <a:r>
+                        <a:rPr b="0" lang="cs-CZ" sz="2000" spc="-1" strike="noStrike">
+                          <a:solidFill>
+                            <a:srgbClr val="000000"/>
+                          </a:solidFill>
+                          <a:latin typeface="Courier New"/>
+                          <a:ea typeface="DejaVu Sans"/>
+                        </a:rPr>
+                        <a:t>    </a:t>
+                      </a:r>
+                      <a:r>
+                        <a:rPr b="0" lang="cs-CZ" sz="2000" spc="-1" strike="noStrike">
+                          <a:solidFill>
+                            <a:srgbClr val="000000"/>
+                          </a:solidFill>
+                          <a:latin typeface="Courier New"/>
+                          <a:ea typeface="DejaVu Sans"/>
+                        </a:rPr>
+                        <a:t>elif (y &lt; 500):</a:t>
+                      </a:r>
+                      <a:endParaRPr b="0" lang="cs-CZ" sz="2000" spc="-1" strike="noStrike">
+                        <a:latin typeface="Arial"/>
+                      </a:endParaRPr>
+                    </a:p>
+                    <a:p>
+                      <a:pPr>
+                        <a:lnSpc>
+                          <a:spcPct val="100000"/>
+                        </a:lnSpc>
+                      </a:pPr>
+                      <a:r>
+                        <a:rPr b="0" lang="cs-CZ" sz="2000" spc="-1" strike="noStrike">
+                          <a:solidFill>
+                            <a:srgbClr val="000000"/>
+                          </a:solidFill>
+                          <a:latin typeface="Courier New"/>
+                          <a:ea typeface="DejaVu Sans"/>
+                        </a:rPr>
+                        <a:t>        </a:t>
+                      </a:r>
+                      <a:r>
+                        <a:rPr b="0" lang="cs-CZ" sz="2000" spc="-1" strike="noStrike">
+                          <a:solidFill>
+                            <a:srgbClr val="000000"/>
+                          </a:solidFill>
+                          <a:latin typeface="Courier New"/>
+                          <a:ea typeface="DejaVu Sans"/>
+                        </a:rPr>
+                        <a:t>nota = ton + ":4" </a:t>
+                      </a:r>
+                      <a:endParaRPr b="0" lang="cs-CZ" sz="2000" spc="-1" strike="noStrike">
+                        <a:latin typeface="Arial"/>
+                      </a:endParaRPr>
+                    </a:p>
+                    <a:p>
+                      <a:pPr>
+                        <a:lnSpc>
+                          <a:spcPct val="100000"/>
+                        </a:lnSpc>
+                      </a:pPr>
+                      <a:r>
+                        <a:rPr b="0" lang="cs-CZ" sz="2000" spc="-1" strike="noStrike">
+                          <a:solidFill>
+                            <a:srgbClr val="000000"/>
+                          </a:solidFill>
+                          <a:latin typeface="Courier New"/>
+                          <a:ea typeface="DejaVu Sans"/>
+                        </a:rPr>
+                        <a:t>    </a:t>
+                      </a:r>
+                      <a:r>
+                        <a:rPr b="0" lang="cs-CZ" sz="2000" spc="-1" strike="noStrike">
+                          <a:solidFill>
+                            <a:srgbClr val="000000"/>
+                          </a:solidFill>
+                          <a:latin typeface="Courier New"/>
+                          <a:ea typeface="DejaVu Sans"/>
+                        </a:rPr>
+                        <a:t>else:</a:t>
+                      </a:r>
+                      <a:endParaRPr b="0" lang="cs-CZ" sz="2000" spc="-1" strike="noStrike">
+                        <a:latin typeface="Arial"/>
+                      </a:endParaRPr>
+                    </a:p>
+                    <a:p>
+                      <a:pPr>
+                        <a:lnSpc>
+                          <a:spcPct val="100000"/>
+                        </a:lnSpc>
+                      </a:pPr>
+                      <a:r>
+                        <a:rPr b="0" lang="cs-CZ" sz="2000" spc="-1" strike="noStrike">
+                          <a:solidFill>
+                            <a:srgbClr val="000000"/>
+                          </a:solidFill>
+                          <a:latin typeface="Courier New"/>
+                          <a:ea typeface="DejaVu Sans"/>
+                        </a:rPr>
+                        <a:t>        </a:t>
+                      </a:r>
+                      <a:r>
+                        <a:rPr b="0" lang="cs-CZ" sz="2000" spc="-1" strike="noStrike">
+                          <a:solidFill>
+                            <a:srgbClr val="000000"/>
+                          </a:solidFill>
+                          <a:latin typeface="Courier New"/>
+                          <a:ea typeface="DejaVu Sans"/>
+                        </a:rPr>
+                        <a:t>nota = ton + ":8"</a:t>
+                      </a:r>
+                      <a:endParaRPr b="0" lang="cs-CZ" sz="2000" spc="-1" strike="noStrike">
+                        <a:latin typeface="Arial"/>
+                      </a:endParaRPr>
+                    </a:p>
+                    <a:p>
+                      <a:pPr>
+                        <a:lnSpc>
+                          <a:spcPct val="100000"/>
+                        </a:lnSpc>
+                      </a:pPr>
+                      <a:r>
+                        <a:rPr b="0" lang="cs-CZ" sz="2000" spc="-1" strike="noStrike">
+                          <a:solidFill>
+                            <a:srgbClr val="000000"/>
+                          </a:solidFill>
+                          <a:latin typeface="Courier New"/>
+                          <a:ea typeface="DejaVu Sans"/>
+                        </a:rPr>
+                        <a:t>    </a:t>
+                      </a:r>
+                      <a:r>
+                        <a:rPr b="0" lang="cs-CZ" sz="2000" spc="-1" strike="noStrike">
+                          <a:solidFill>
+                            <a:srgbClr val="000000"/>
+                          </a:solidFill>
+                          <a:latin typeface="Courier New"/>
+                          <a:ea typeface="DejaVu Sans"/>
+                        </a:rPr>
+                        <a:t>music.play(nota)</a:t>
+                      </a:r>
+                      <a:endParaRPr b="0" lang="cs-CZ" sz="2000" spc="-1" strike="noStrike">
+                        <a:latin typeface="Arial"/>
+                      </a:endParaRPr>
+                    </a:p>
+                  </a:txBody>
+                  <a:tcPr marL="91440" marR="91440">
+                    <a:noFill/>
+                  </a:tcPr>
+                </a:tc>
+              </a:tr>
+            </a:tbl>
+          </a:graphicData>
+        </a:graphic>
+      </p:graphicFrame>
     </p:spTree>
-    <p:extLst>
-      <p:ext uri="{BB962C8B-B14F-4D97-AF65-F5344CB8AC3E}">
-        <p14:creationId xmlns:p14="http://schemas.microsoft.com/office/powerpoint/2010/main" val="45421215"/>
-      </p:ext>
-    </p:extLst>
   </p:cSld>
-  <p:clrMapOvr>
-    <a:masterClrMapping/>
-  </p:clrMapOvr>
   <p:timing>
     <p:tnLst>
       <p:par>
-        <p:cTn id="1" dur="indefinite" restart="never" nodeType="tmRoot">
+        <p:cTn id="9" dur="indefinite" restart="never" nodeType="tmRoot">
           <p:childTnLst>
             <p:seq>
-              <p:cTn id="2" dur="indefinite" nodeType="mainSeq"/>
+              <p:cTn id="10" dur="indefinite" nodeType="mainSeq"/>
               <p:prevCondLst>
-                <p:cond evt="onPrev" delay="0">
+                <p:cond delay="0" evt="onPrev">
                   <p:tgtEl>
                     <p:sldTgt/>
                   </p:tgtEl>
                 </p:cond>
               </p:prevCondLst>
               <p:nextCondLst>
-                <p:cond evt="onNext" delay="0">
+                <p:cond delay="0" evt="onNext">
                   <p:tgtEl>
                     <p:sldTgt/>
                   </p:tgtEl>
@@ -5768,31 +7508,31 @@
         <a:sysClr val="window" lastClr="FFFFFF"/>
       </a:lt1>
       <a:dk2>
-        <a:srgbClr val="1F497D"/>
+        <a:srgbClr val="1f497d"/>
       </a:dk2>
       <a:lt2>
-        <a:srgbClr val="EEECE1"/>
+        <a:srgbClr val="eeece1"/>
       </a:lt2>
       <a:accent1>
-        <a:srgbClr val="4F81BD"/>
+        <a:srgbClr val="4f81bd"/>
       </a:accent1>
       <a:accent2>
-        <a:srgbClr val="C0504D"/>
+        <a:srgbClr val="c0504d"/>
       </a:accent2>
       <a:accent3>
-        <a:srgbClr val="9BBB59"/>
+        <a:srgbClr val="9bbb59"/>
       </a:accent3>
       <a:accent4>
-        <a:srgbClr val="8064A2"/>
+        <a:srgbClr val="8064a2"/>
       </a:accent4>
       <a:accent5>
-        <a:srgbClr val="4BACC6"/>
+        <a:srgbClr val="4bacc6"/>
       </a:accent5>
       <a:accent6>
-        <a:srgbClr val="F79646"/>
+        <a:srgbClr val="f79646"/>
       </a:accent6>
       <a:hlink>
-        <a:srgbClr val="0000FF"/>
+        <a:srgbClr val="0000ff"/>
       </a:hlink>
       <a:folHlink>
         <a:srgbClr val="800080"/>
@@ -5977,8 +7717,6 @@
       </a:bgFillStyleLst>
     </a:fmtScheme>
   </a:themeElements>
-  <a:objectDefaults/>
-  <a:extraClrSchemeLst/>
 </a:theme>
 </file>
 
@@ -5993,31 +7731,31 @@
         <a:sysClr val="window" lastClr="FFFFFF"/>
       </a:lt1>
       <a:dk2>
-        <a:srgbClr val="1F497D"/>
+        <a:srgbClr val="1f497d"/>
       </a:dk2>
       <a:lt2>
-        <a:srgbClr val="EEECE1"/>
+        <a:srgbClr val="eeece1"/>
       </a:lt2>
       <a:accent1>
-        <a:srgbClr val="4F81BD"/>
+        <a:srgbClr val="4f81bd"/>
       </a:accent1>
       <a:accent2>
-        <a:srgbClr val="C0504D"/>
+        <a:srgbClr val="c0504d"/>
       </a:accent2>
       <a:accent3>
-        <a:srgbClr val="9BBB59"/>
+        <a:srgbClr val="9bbb59"/>
       </a:accent3>
       <a:accent4>
-        <a:srgbClr val="8064A2"/>
+        <a:srgbClr val="8064a2"/>
       </a:accent4>
       <a:accent5>
-        <a:srgbClr val="4BACC6"/>
+        <a:srgbClr val="4bacc6"/>
       </a:accent5>
       <a:accent6>
-        <a:srgbClr val="F79646"/>
+        <a:srgbClr val="f79646"/>
       </a:accent6>
       <a:hlink>
-        <a:srgbClr val="0000FF"/>
+        <a:srgbClr val="0000ff"/>
       </a:hlink>
       <a:folHlink>
         <a:srgbClr val="800080"/>
@@ -6202,7 +7940,228 @@
       </a:bgFillStyleLst>
     </a:fmtScheme>
   </a:themeElements>
-  <a:objectDefaults/>
-  <a:extraClrSchemeLst/>
+</a:theme>
+</file>
+
+<file path=ppt/theme/theme3.xml><?xml version="1.0" encoding="utf-8"?>
+<a:theme xmlns:a="http://schemas.openxmlformats.org/drawingml/2006/main" name="Office Theme">
+  <a:themeElements>
+    <a:clrScheme name="Office">
+      <a:dk1>
+        <a:sysClr val="windowText" lastClr="000000"/>
+      </a:dk1>
+      <a:lt1>
+        <a:sysClr val="window" lastClr="FFFFFF"/>
+      </a:lt1>
+      <a:dk2>
+        <a:srgbClr val="1f497d"/>
+      </a:dk2>
+      <a:lt2>
+        <a:srgbClr val="eeece1"/>
+      </a:lt2>
+      <a:accent1>
+        <a:srgbClr val="4f81bd"/>
+      </a:accent1>
+      <a:accent2>
+        <a:srgbClr val="c0504d"/>
+      </a:accent2>
+      <a:accent3>
+        <a:srgbClr val="9bbb59"/>
+      </a:accent3>
+      <a:accent4>
+        <a:srgbClr val="8064a2"/>
+      </a:accent4>
+      <a:accent5>
+        <a:srgbClr val="4bacc6"/>
+      </a:accent5>
+      <a:accent6>
+        <a:srgbClr val="f79646"/>
+      </a:accent6>
+      <a:hlink>
+        <a:srgbClr val="0000ff"/>
+      </a:hlink>
+      <a:folHlink>
+        <a:srgbClr val="800080"/>
+      </a:folHlink>
+    </a:clrScheme>
+    <a:fontScheme name="Office">
+      <a:majorFont>
+        <a:latin typeface="Arial"/>
+        <a:ea typeface="DejaVu Sans"/>
+        <a:cs typeface="DejaVu Sans"/>
+      </a:majorFont>
+      <a:minorFont>
+        <a:latin typeface="Arial"/>
+        <a:ea typeface="DejaVu Sans"/>
+        <a:cs typeface="DejaVu Sans"/>
+      </a:minorFont>
+    </a:fontScheme>
+    <a:fmtScheme name="Office">
+      <a:fillStyleLst>
+        <a:solidFill>
+          <a:schemeClr val="phClr"/>
+        </a:solidFill>
+        <a:gradFill rotWithShape="1">
+          <a:gsLst>
+            <a:gs pos="0">
+              <a:schemeClr val="phClr">
+                <a:tint val="50000"/>
+                <a:satMod val="300000"/>
+              </a:schemeClr>
+            </a:gs>
+            <a:gs pos="35000">
+              <a:schemeClr val="phClr">
+                <a:tint val="37000"/>
+                <a:satMod val="300000"/>
+              </a:schemeClr>
+            </a:gs>
+            <a:gs pos="100000">
+              <a:schemeClr val="phClr">
+                <a:tint val="15000"/>
+                <a:satMod val="350000"/>
+              </a:schemeClr>
+            </a:gs>
+          </a:gsLst>
+          <a:lin ang="16200000" scaled="1"/>
+        </a:gradFill>
+        <a:gradFill rotWithShape="1">
+          <a:gsLst>
+            <a:gs pos="0">
+              <a:schemeClr val="phClr">
+                <a:shade val="51000"/>
+                <a:satMod val="130000"/>
+              </a:schemeClr>
+            </a:gs>
+            <a:gs pos="80000">
+              <a:schemeClr val="phClr">
+                <a:shade val="93000"/>
+                <a:satMod val="130000"/>
+              </a:schemeClr>
+            </a:gs>
+            <a:gs pos="100000">
+              <a:schemeClr val="phClr">
+                <a:shade val="94000"/>
+                <a:satMod val="135000"/>
+              </a:schemeClr>
+            </a:gs>
+          </a:gsLst>
+          <a:lin ang="16200000" scaled="0"/>
+        </a:gradFill>
+      </a:fillStyleLst>
+      <a:lnStyleLst>
+        <a:ln w="9525" cap="flat" cmpd="sng" algn="ctr">
+          <a:solidFill>
+            <a:schemeClr val="phClr">
+              <a:shade val="95000"/>
+              <a:satMod val="105000"/>
+            </a:schemeClr>
+          </a:solidFill>
+          <a:prstDash val="solid"/>
+        </a:ln>
+        <a:ln w="25400" cap="flat" cmpd="sng" algn="ctr">
+          <a:solidFill>
+            <a:schemeClr val="phClr"/>
+          </a:solidFill>
+          <a:prstDash val="solid"/>
+        </a:ln>
+        <a:ln w="38100" cap="flat" cmpd="sng" algn="ctr">
+          <a:solidFill>
+            <a:schemeClr val="phClr"/>
+          </a:solidFill>
+          <a:prstDash val="solid"/>
+        </a:ln>
+      </a:lnStyleLst>
+      <a:effectStyleLst>
+        <a:effectStyle>
+          <a:effectLst>
+            <a:outerShdw blurRad="40000" dist="20000" dir="5400000" rotWithShape="0">
+              <a:srgbClr val="000000">
+                <a:alpha val="38000"/>
+              </a:srgbClr>
+            </a:outerShdw>
+          </a:effectLst>
+        </a:effectStyle>
+        <a:effectStyle>
+          <a:effectLst>
+            <a:outerShdw blurRad="40000" dist="23000" dir="5400000" rotWithShape="0">
+              <a:srgbClr val="000000">
+                <a:alpha val="35000"/>
+              </a:srgbClr>
+            </a:outerShdw>
+          </a:effectLst>
+        </a:effectStyle>
+        <a:effectStyle>
+          <a:effectLst>
+            <a:outerShdw blurRad="40000" dist="23000" dir="5400000" rotWithShape="0">
+              <a:srgbClr val="000000">
+                <a:alpha val="35000"/>
+              </a:srgbClr>
+            </a:outerShdw>
+          </a:effectLst>
+          <a:scene3d>
+            <a:camera prst="orthographicFront">
+              <a:rot lat="0" lon="0" rev="0"/>
+            </a:camera>
+            <a:lightRig rig="threePt" dir="t">
+              <a:rot lat="0" lon="0" rev="1200000"/>
+            </a:lightRig>
+          </a:scene3d>
+          <a:sp3d>
+            <a:bevelT w="63500" h="25400"/>
+          </a:sp3d>
+        </a:effectStyle>
+      </a:effectStyleLst>
+      <a:bgFillStyleLst>
+        <a:solidFill>
+          <a:schemeClr val="phClr"/>
+        </a:solidFill>
+        <a:gradFill rotWithShape="1">
+          <a:gsLst>
+            <a:gs pos="0">
+              <a:schemeClr val="phClr">
+                <a:tint val="40000"/>
+                <a:satMod val="350000"/>
+              </a:schemeClr>
+            </a:gs>
+            <a:gs pos="40000">
+              <a:schemeClr val="phClr">
+                <a:tint val="45000"/>
+                <a:shade val="99000"/>
+                <a:satMod val="350000"/>
+              </a:schemeClr>
+            </a:gs>
+            <a:gs pos="100000">
+              <a:schemeClr val="phClr">
+                <a:shade val="20000"/>
+                <a:satMod val="255000"/>
+              </a:schemeClr>
+            </a:gs>
+          </a:gsLst>
+          <a:path path="circle">
+            <a:fillToRect l="50000" t="-80000" r="50000" b="180000"/>
+          </a:path>
+        </a:gradFill>
+        <a:gradFill rotWithShape="1">
+          <a:gsLst>
+            <a:gs pos="0">
+              <a:schemeClr val="phClr">
+                <a:tint val="80000"/>
+                <a:satMod val="300000"/>
+              </a:schemeClr>
+            </a:gs>
+            <a:gs pos="100000">
+              <a:schemeClr val="phClr">
+                <a:shade val="30000"/>
+                <a:satMod val="200000"/>
+              </a:schemeClr>
+            </a:gs>
+          </a:gsLst>
+          <a:path path="circle">
+            <a:fillToRect l="50000" t="50000" r="50000" b="50000"/>
+          </a:path>
+        </a:gradFill>
+      </a:bgFillStyleLst>
+    </a:fmtScheme>
+  </a:themeElements>
 </a:theme>
 </file>
--- a/04-Poloha/01_Pro_ucitele/Prezentace/41-akcelerometr.pptx
+++ b/04-Poloha/01_Pro_ucitele/Prezentace/41-akcelerometr.pptx
@@ -1,25 +1,120 @@
 
 <file path=ppt/presentation.xml><?xml version="1.0" encoding="utf-8"?>
-<p:presentation xmlns:a="http://schemas.openxmlformats.org/drawingml/2006/main" xmlns:p="http://schemas.openxmlformats.org/presentationml/2006/main" xmlns:r="http://schemas.openxmlformats.org/officeDocument/2006/relationships" xmlns:p14="http://schemas.microsoft.com/office/powerpoint/2010/main" xmlns:p15="http://schemas.microsoft.com/office/powerpoint/2012/main" xmlns:mc="http://schemas.openxmlformats.org/markup-compatibility/2006">
+<p:presentation xmlns:a="http://schemas.openxmlformats.org/drawingml/2006/main" xmlns:r="http://schemas.openxmlformats.org/officeDocument/2006/relationships" xmlns:p="http://schemas.openxmlformats.org/presentationml/2006/main">
   <p:sldMasterIdLst>
-    <p:sldMasterId id="2147483648" r:id="rId2"/>
-    <p:sldMasterId id="2147483661" r:id="rId3"/>
-    <p:sldMasterId id="2147483674" r:id="rId4"/>
+    <p:sldMasterId id="2147483648" r:id="rId1"/>
+    <p:sldMasterId id="2147483661" r:id="rId2"/>
+    <p:sldMasterId id="2147483674" r:id="rId3"/>
   </p:sldMasterIdLst>
   <p:sldIdLst>
-    <p:sldId id="256" r:id="rId5"/>
-    <p:sldId id="257" r:id="rId6"/>
-    <p:sldId id="258" r:id="rId7"/>
-    <p:sldId id="259" r:id="rId8"/>
-    <p:sldId id="260" r:id="rId9"/>
+    <p:sldId id="256" r:id="rId4"/>
+    <p:sldId id="257" r:id="rId5"/>
+    <p:sldId id="258" r:id="rId6"/>
+    <p:sldId id="259" r:id="rId7"/>
+    <p:sldId id="260" r:id="rId8"/>
   </p:sldIdLst>
   <p:sldSz cx="10080625" cy="7559675"/>
-  <p:notesSz cx="7559675" cy="10691812"/>
+  <p:notesSz cx="7559675" cy="10691813"/>
+  <p:defaultTextStyle>
+    <a:defPPr>
+      <a:defRPr lang="cs-CZ"/>
+    </a:defPPr>
+    <a:lvl1pPr marL="0" algn="l" defTabSz="914400" rtl="0" eaLnBrk="1" latinLnBrk="0" hangingPunct="1">
+      <a:defRPr sz="1800" kern="1200">
+        <a:solidFill>
+          <a:schemeClr val="tx1"/>
+        </a:solidFill>
+        <a:latin typeface="+mn-lt"/>
+        <a:ea typeface="+mn-ea"/>
+        <a:cs typeface="+mn-cs"/>
+      </a:defRPr>
+    </a:lvl1pPr>
+    <a:lvl2pPr marL="457200" algn="l" defTabSz="914400" rtl="0" eaLnBrk="1" latinLnBrk="0" hangingPunct="1">
+      <a:defRPr sz="1800" kern="1200">
+        <a:solidFill>
+          <a:schemeClr val="tx1"/>
+        </a:solidFill>
+        <a:latin typeface="+mn-lt"/>
+        <a:ea typeface="+mn-ea"/>
+        <a:cs typeface="+mn-cs"/>
+      </a:defRPr>
+    </a:lvl2pPr>
+    <a:lvl3pPr marL="914400" algn="l" defTabSz="914400" rtl="0" eaLnBrk="1" latinLnBrk="0" hangingPunct="1">
+      <a:defRPr sz="1800" kern="1200">
+        <a:solidFill>
+          <a:schemeClr val="tx1"/>
+        </a:solidFill>
+        <a:latin typeface="+mn-lt"/>
+        <a:ea typeface="+mn-ea"/>
+        <a:cs typeface="+mn-cs"/>
+      </a:defRPr>
+    </a:lvl3pPr>
+    <a:lvl4pPr marL="1371600" algn="l" defTabSz="914400" rtl="0" eaLnBrk="1" latinLnBrk="0" hangingPunct="1">
+      <a:defRPr sz="1800" kern="1200">
+        <a:solidFill>
+          <a:schemeClr val="tx1"/>
+        </a:solidFill>
+        <a:latin typeface="+mn-lt"/>
+        <a:ea typeface="+mn-ea"/>
+        <a:cs typeface="+mn-cs"/>
+      </a:defRPr>
+    </a:lvl4pPr>
+    <a:lvl5pPr marL="1828800" algn="l" defTabSz="914400" rtl="0" eaLnBrk="1" latinLnBrk="0" hangingPunct="1">
+      <a:defRPr sz="1800" kern="1200">
+        <a:solidFill>
+          <a:schemeClr val="tx1"/>
+        </a:solidFill>
+        <a:latin typeface="+mn-lt"/>
+        <a:ea typeface="+mn-ea"/>
+        <a:cs typeface="+mn-cs"/>
+      </a:defRPr>
+    </a:lvl5pPr>
+    <a:lvl6pPr marL="2286000" algn="l" defTabSz="914400" rtl="0" eaLnBrk="1" latinLnBrk="0" hangingPunct="1">
+      <a:defRPr sz="1800" kern="1200">
+        <a:solidFill>
+          <a:schemeClr val="tx1"/>
+        </a:solidFill>
+        <a:latin typeface="+mn-lt"/>
+        <a:ea typeface="+mn-ea"/>
+        <a:cs typeface="+mn-cs"/>
+      </a:defRPr>
+    </a:lvl6pPr>
+    <a:lvl7pPr marL="2743200" algn="l" defTabSz="914400" rtl="0" eaLnBrk="1" latinLnBrk="0" hangingPunct="1">
+      <a:defRPr sz="1800" kern="1200">
+        <a:solidFill>
+          <a:schemeClr val="tx1"/>
+        </a:solidFill>
+        <a:latin typeface="+mn-lt"/>
+        <a:ea typeface="+mn-ea"/>
+        <a:cs typeface="+mn-cs"/>
+      </a:defRPr>
+    </a:lvl7pPr>
+    <a:lvl8pPr marL="3200400" algn="l" defTabSz="914400" rtl="0" eaLnBrk="1" latinLnBrk="0" hangingPunct="1">
+      <a:defRPr sz="1800" kern="1200">
+        <a:solidFill>
+          <a:schemeClr val="tx1"/>
+        </a:solidFill>
+        <a:latin typeface="+mn-lt"/>
+        <a:ea typeface="+mn-ea"/>
+        <a:cs typeface="+mn-cs"/>
+      </a:defRPr>
+    </a:lvl8pPr>
+    <a:lvl9pPr marL="3657600" algn="l" defTabSz="914400" rtl="0" eaLnBrk="1" latinLnBrk="0" hangingPunct="1">
+      <a:defRPr sz="1800" kern="1200">
+        <a:solidFill>
+          <a:schemeClr val="tx1"/>
+        </a:solidFill>
+        <a:latin typeface="+mn-lt"/>
+        <a:ea typeface="+mn-ea"/>
+        <a:cs typeface="+mn-cs"/>
+      </a:defRPr>
+    </a:lvl9pPr>
+  </p:defaultTextStyle>
 </p:presentation>
 </file>
 
 <file path=ppt/slideLayouts/slideLayout1.xml><?xml version="1.0" encoding="utf-8"?>
-<p:sldLayout xmlns:a="http://schemas.openxmlformats.org/drawingml/2006/main" xmlns:p="http://schemas.openxmlformats.org/presentationml/2006/main" xmlns:r="http://schemas.openxmlformats.org/officeDocument/2006/relationships" xmlns:p14="http://schemas.microsoft.com/office/powerpoint/2010/main" xmlns:p15="http://schemas.microsoft.com/office/powerpoint/2012/main" xmlns:mc="http://schemas.openxmlformats.org/markup-compatibility/2006" type="blank" preserve="1">
+<p:sldLayout xmlns:a="http://schemas.openxmlformats.org/drawingml/2006/main" xmlns:r="http://schemas.openxmlformats.org/officeDocument/2006/relationships" xmlns:p="http://schemas.openxmlformats.org/presentationml/2006/main" type="blank" preserve="1">
   <p:cSld name="Blank Slide">
     <p:spTree>
       <p:nvGrpSpPr>
@@ -37,11 +132,14 @@
       </p:grpSpPr>
     </p:spTree>
   </p:cSld>
+  <p:clrMapOvr>
+    <a:masterClrMapping/>
+  </p:clrMapOvr>
 </p:sldLayout>
 </file>
 
 <file path=ppt/slideLayouts/slideLayout10.xml><?xml version="1.0" encoding="utf-8"?>
-<p:sldLayout xmlns:a="http://schemas.openxmlformats.org/drawingml/2006/main" xmlns:p="http://schemas.openxmlformats.org/presentationml/2006/main" xmlns:r="http://schemas.openxmlformats.org/officeDocument/2006/relationships" xmlns:p14="http://schemas.microsoft.com/office/powerpoint/2010/main" xmlns:p15="http://schemas.microsoft.com/office/powerpoint/2012/main" xmlns:mc="http://schemas.openxmlformats.org/markup-compatibility/2006" type="objOverTx" preserve="1">
+<p:sldLayout xmlns:a="http://schemas.openxmlformats.org/drawingml/2006/main" xmlns:r="http://schemas.openxmlformats.org/officeDocument/2006/relationships" xmlns:p="http://schemas.openxmlformats.org/presentationml/2006/main" type="objOverTx" preserve="1">
   <p:cSld name="Title, Content over Content">
     <p:spTree>
       <p:nvGrpSpPr>
@@ -77,9 +175,10 @@
           </a:prstGeom>
         </p:spPr>
         <p:txBody>
-          <a:bodyPr lIns="0" rIns="0" tIns="0" bIns="0" anchor="ctr"/>
-          <a:p>
-            <a:endParaRPr b="0" lang="cs-CZ" sz="1800" spc="-1" strike="noStrike">
+          <a:bodyPr lIns="0" tIns="0" rIns="0" bIns="0" anchor="ctr"/>
+          <a:lstStyle/>
+          <a:p>
+            <a:endParaRPr lang="cs-CZ" sz="1800" b="0" strike="noStrike" spc="-1">
               <a:solidFill>
                 <a:srgbClr val="000000"/>
               </a:solidFill>
@@ -108,11 +207,12 @@
           </a:prstGeom>
         </p:spPr>
         <p:txBody>
-          <a:bodyPr lIns="0" rIns="0" tIns="0" bIns="0">
+          <a:bodyPr lIns="0" tIns="0" rIns="0" bIns="0">
             <a:normAutofit/>
           </a:bodyPr>
-          <a:p>
-            <a:endParaRPr b="0" lang="cs-CZ" sz="2800" spc="-1" strike="noStrike">
+          <a:lstStyle/>
+          <a:p>
+            <a:endParaRPr lang="cs-CZ" sz="2800" b="0" strike="noStrike" spc="-1">
               <a:solidFill>
                 <a:srgbClr val="000000"/>
               </a:solidFill>
@@ -141,11 +241,12 @@
           </a:prstGeom>
         </p:spPr>
         <p:txBody>
-          <a:bodyPr lIns="0" rIns="0" tIns="0" bIns="0">
+          <a:bodyPr lIns="0" tIns="0" rIns="0" bIns="0">
             <a:normAutofit/>
           </a:bodyPr>
-          <a:p>
-            <a:endParaRPr b="0" lang="cs-CZ" sz="2800" spc="-1" strike="noStrike">
+          <a:lstStyle/>
+          <a:p>
+            <a:endParaRPr lang="cs-CZ" sz="2800" b="0" strike="noStrike" spc="-1">
               <a:solidFill>
                 <a:srgbClr val="000000"/>
               </a:solidFill>
@@ -156,11 +257,14 @@
       </p:sp>
     </p:spTree>
   </p:cSld>
+  <p:clrMapOvr>
+    <a:masterClrMapping/>
+  </p:clrMapOvr>
 </p:sldLayout>
 </file>
 
 <file path=ppt/slideLayouts/slideLayout11.xml><?xml version="1.0" encoding="utf-8"?>
-<p:sldLayout xmlns:a="http://schemas.openxmlformats.org/drawingml/2006/main" xmlns:p="http://schemas.openxmlformats.org/presentationml/2006/main" xmlns:r="http://schemas.openxmlformats.org/officeDocument/2006/relationships" xmlns:p14="http://schemas.microsoft.com/office/powerpoint/2010/main" xmlns:p15="http://schemas.microsoft.com/office/powerpoint/2012/main" xmlns:mc="http://schemas.openxmlformats.org/markup-compatibility/2006" type="fourObj" preserve="1">
+<p:sldLayout xmlns:a="http://schemas.openxmlformats.org/drawingml/2006/main" xmlns:r="http://schemas.openxmlformats.org/officeDocument/2006/relationships" xmlns:p="http://schemas.openxmlformats.org/presentationml/2006/main" type="fourObj" preserve="1">
   <p:cSld name="Title, 4 Content">
     <p:spTree>
       <p:nvGrpSpPr>
@@ -196,9 +300,10 @@
           </a:prstGeom>
         </p:spPr>
         <p:txBody>
-          <a:bodyPr lIns="0" rIns="0" tIns="0" bIns="0" anchor="ctr"/>
-          <a:p>
-            <a:endParaRPr b="0" lang="cs-CZ" sz="1800" spc="-1" strike="noStrike">
+          <a:bodyPr lIns="0" tIns="0" rIns="0" bIns="0" anchor="ctr"/>
+          <a:lstStyle/>
+          <a:p>
+            <a:endParaRPr lang="cs-CZ" sz="1800" b="0" strike="noStrike" spc="-1">
               <a:solidFill>
                 <a:srgbClr val="000000"/>
               </a:solidFill>
@@ -227,11 +332,12 @@
           </a:prstGeom>
         </p:spPr>
         <p:txBody>
-          <a:bodyPr lIns="0" rIns="0" tIns="0" bIns="0">
+          <a:bodyPr lIns="0" tIns="0" rIns="0" bIns="0">
             <a:normAutofit/>
           </a:bodyPr>
-          <a:p>
-            <a:endParaRPr b="0" lang="cs-CZ" sz="2800" spc="-1" strike="noStrike">
+          <a:lstStyle/>
+          <a:p>
+            <a:endParaRPr lang="cs-CZ" sz="2800" b="0" strike="noStrike" spc="-1">
               <a:solidFill>
                 <a:srgbClr val="000000"/>
               </a:solidFill>
@@ -260,11 +366,12 @@
           </a:prstGeom>
         </p:spPr>
         <p:txBody>
-          <a:bodyPr lIns="0" rIns="0" tIns="0" bIns="0">
+          <a:bodyPr lIns="0" tIns="0" rIns="0" bIns="0">
             <a:normAutofit/>
           </a:bodyPr>
-          <a:p>
-            <a:endParaRPr b="0" lang="cs-CZ" sz="2800" spc="-1" strike="noStrike">
+          <a:lstStyle/>
+          <a:p>
+            <a:endParaRPr lang="cs-CZ" sz="2800" b="0" strike="noStrike" spc="-1">
               <a:solidFill>
                 <a:srgbClr val="000000"/>
               </a:solidFill>
@@ -293,11 +400,12 @@
           </a:prstGeom>
         </p:spPr>
         <p:txBody>
-          <a:bodyPr lIns="0" rIns="0" tIns="0" bIns="0">
+          <a:bodyPr lIns="0" tIns="0" rIns="0" bIns="0">
             <a:normAutofit/>
           </a:bodyPr>
-          <a:p>
-            <a:endParaRPr b="0" lang="cs-CZ" sz="2800" spc="-1" strike="noStrike">
+          <a:lstStyle/>
+          <a:p>
+            <a:endParaRPr lang="cs-CZ" sz="2800" b="0" strike="noStrike" spc="-1">
               <a:solidFill>
                 <a:srgbClr val="000000"/>
               </a:solidFill>
@@ -326,11 +434,12 @@
           </a:prstGeom>
         </p:spPr>
         <p:txBody>
-          <a:bodyPr lIns="0" rIns="0" tIns="0" bIns="0">
+          <a:bodyPr lIns="0" tIns="0" rIns="0" bIns="0">
             <a:normAutofit/>
           </a:bodyPr>
-          <a:p>
-            <a:endParaRPr b="0" lang="cs-CZ" sz="2800" spc="-1" strike="noStrike">
+          <a:lstStyle/>
+          <a:p>
+            <a:endParaRPr lang="cs-CZ" sz="2800" b="0" strike="noStrike" spc="-1">
               <a:solidFill>
                 <a:srgbClr val="000000"/>
               </a:solidFill>
@@ -341,11 +450,14 @@
       </p:sp>
     </p:spTree>
   </p:cSld>
+  <p:clrMapOvr>
+    <a:masterClrMapping/>
+  </p:clrMapOvr>
 </p:sldLayout>
 </file>
 
 <file path=ppt/slideLayouts/slideLayout12.xml><?xml version="1.0" encoding="utf-8"?>
-<p:sldLayout xmlns:a="http://schemas.openxmlformats.org/drawingml/2006/main" xmlns:p="http://schemas.openxmlformats.org/presentationml/2006/main" xmlns:r="http://schemas.openxmlformats.org/officeDocument/2006/relationships" xmlns:p14="http://schemas.microsoft.com/office/powerpoint/2010/main" xmlns:p15="http://schemas.microsoft.com/office/powerpoint/2012/main" xmlns:mc="http://schemas.openxmlformats.org/markup-compatibility/2006" type="blank" preserve="1">
+<p:sldLayout xmlns:a="http://schemas.openxmlformats.org/drawingml/2006/main" xmlns:r="http://schemas.openxmlformats.org/officeDocument/2006/relationships" xmlns:p="http://schemas.openxmlformats.org/presentationml/2006/main" type="blank" preserve="1">
   <p:cSld name="Title, 6 Content">
     <p:spTree>
       <p:nvGrpSpPr>
@@ -381,9 +493,10 @@
           </a:prstGeom>
         </p:spPr>
         <p:txBody>
-          <a:bodyPr lIns="0" rIns="0" tIns="0" bIns="0" anchor="ctr"/>
-          <a:p>
-            <a:endParaRPr b="0" lang="cs-CZ" sz="1800" spc="-1" strike="noStrike">
+          <a:bodyPr lIns="0" tIns="0" rIns="0" bIns="0" anchor="ctr"/>
+          <a:lstStyle/>
+          <a:p>
+            <a:endParaRPr lang="cs-CZ" sz="1800" b="0" strike="noStrike" spc="-1">
               <a:solidFill>
                 <a:srgbClr val="000000"/>
               </a:solidFill>
@@ -412,11 +525,12 @@
           </a:prstGeom>
         </p:spPr>
         <p:txBody>
-          <a:bodyPr lIns="0" rIns="0" tIns="0" bIns="0">
+          <a:bodyPr lIns="0" tIns="0" rIns="0" bIns="0">
             <a:normAutofit/>
           </a:bodyPr>
-          <a:p>
-            <a:endParaRPr b="0" lang="cs-CZ" sz="2800" spc="-1" strike="noStrike">
+          <a:lstStyle/>
+          <a:p>
+            <a:endParaRPr lang="cs-CZ" sz="2800" b="0" strike="noStrike" spc="-1">
               <a:solidFill>
                 <a:srgbClr val="000000"/>
               </a:solidFill>
@@ -445,11 +559,12 @@
           </a:prstGeom>
         </p:spPr>
         <p:txBody>
-          <a:bodyPr lIns="0" rIns="0" tIns="0" bIns="0">
+          <a:bodyPr lIns="0" tIns="0" rIns="0" bIns="0">
             <a:normAutofit/>
           </a:bodyPr>
-          <a:p>
-            <a:endParaRPr b="0" lang="cs-CZ" sz="2800" spc="-1" strike="noStrike">
+          <a:lstStyle/>
+          <a:p>
+            <a:endParaRPr lang="cs-CZ" sz="2800" b="0" strike="noStrike" spc="-1">
               <a:solidFill>
                 <a:srgbClr val="000000"/>
               </a:solidFill>
@@ -478,11 +593,12 @@
           </a:prstGeom>
         </p:spPr>
         <p:txBody>
-          <a:bodyPr lIns="0" rIns="0" tIns="0" bIns="0">
+          <a:bodyPr lIns="0" tIns="0" rIns="0" bIns="0">
             <a:normAutofit/>
           </a:bodyPr>
-          <a:p>
-            <a:endParaRPr b="0" lang="cs-CZ" sz="2800" spc="-1" strike="noStrike">
+          <a:lstStyle/>
+          <a:p>
+            <a:endParaRPr lang="cs-CZ" sz="2800" b="0" strike="noStrike" spc="-1">
               <a:solidFill>
                 <a:srgbClr val="000000"/>
               </a:solidFill>
@@ -511,11 +627,12 @@
           </a:prstGeom>
         </p:spPr>
         <p:txBody>
-          <a:bodyPr lIns="0" rIns="0" tIns="0" bIns="0">
+          <a:bodyPr lIns="0" tIns="0" rIns="0" bIns="0">
             <a:normAutofit/>
           </a:bodyPr>
-          <a:p>
-            <a:endParaRPr b="0" lang="cs-CZ" sz="2800" spc="-1" strike="noStrike">
+          <a:lstStyle/>
+          <a:p>
+            <a:endParaRPr lang="cs-CZ" sz="2800" b="0" strike="noStrike" spc="-1">
               <a:solidFill>
                 <a:srgbClr val="000000"/>
               </a:solidFill>
@@ -544,11 +661,12 @@
           </a:prstGeom>
         </p:spPr>
         <p:txBody>
-          <a:bodyPr lIns="0" rIns="0" tIns="0" bIns="0">
+          <a:bodyPr lIns="0" tIns="0" rIns="0" bIns="0">
             <a:normAutofit/>
           </a:bodyPr>
-          <a:p>
-            <a:endParaRPr b="0" lang="cs-CZ" sz="2800" spc="-1" strike="noStrike">
+          <a:lstStyle/>
+          <a:p>
+            <a:endParaRPr lang="cs-CZ" sz="2800" b="0" strike="noStrike" spc="-1">
               <a:solidFill>
                 <a:srgbClr val="000000"/>
               </a:solidFill>
@@ -577,11 +695,12 @@
           </a:prstGeom>
         </p:spPr>
         <p:txBody>
-          <a:bodyPr lIns="0" rIns="0" tIns="0" bIns="0">
+          <a:bodyPr lIns="0" tIns="0" rIns="0" bIns="0">
             <a:normAutofit/>
           </a:bodyPr>
-          <a:p>
-            <a:endParaRPr b="0" lang="cs-CZ" sz="2800" spc="-1" strike="noStrike">
+          <a:lstStyle/>
+          <a:p>
+            <a:endParaRPr lang="cs-CZ" sz="2800" b="0" strike="noStrike" spc="-1">
               <a:solidFill>
                 <a:srgbClr val="000000"/>
               </a:solidFill>
@@ -592,11 +711,14 @@
       </p:sp>
     </p:spTree>
   </p:cSld>
+  <p:clrMapOvr>
+    <a:masterClrMapping/>
+  </p:clrMapOvr>
 </p:sldLayout>
 </file>
 
 <file path=ppt/slideLayouts/slideLayout13.xml><?xml version="1.0" encoding="utf-8"?>
-<p:sldLayout xmlns:a="http://schemas.openxmlformats.org/drawingml/2006/main" xmlns:p="http://schemas.openxmlformats.org/presentationml/2006/main" xmlns:r="http://schemas.openxmlformats.org/officeDocument/2006/relationships" xmlns:p14="http://schemas.microsoft.com/office/powerpoint/2010/main" xmlns:p15="http://schemas.microsoft.com/office/powerpoint/2012/main" xmlns:mc="http://schemas.openxmlformats.org/markup-compatibility/2006" type="blank" preserve="1">
+<p:sldLayout xmlns:a="http://schemas.openxmlformats.org/drawingml/2006/main" xmlns:r="http://schemas.openxmlformats.org/officeDocument/2006/relationships" xmlns:p="http://schemas.openxmlformats.org/presentationml/2006/main" type="blank" preserve="1">
   <p:cSld name="Blank Slide">
     <p:spTree>
       <p:nvGrpSpPr>
@@ -614,11 +736,14 @@
       </p:grpSpPr>
     </p:spTree>
   </p:cSld>
+  <p:clrMapOvr>
+    <a:masterClrMapping/>
+  </p:clrMapOvr>
 </p:sldLayout>
 </file>
 
 <file path=ppt/slideLayouts/slideLayout14.xml><?xml version="1.0" encoding="utf-8"?>
-<p:sldLayout xmlns:a="http://schemas.openxmlformats.org/drawingml/2006/main" xmlns:p="http://schemas.openxmlformats.org/presentationml/2006/main" xmlns:r="http://schemas.openxmlformats.org/officeDocument/2006/relationships" xmlns:p14="http://schemas.microsoft.com/office/powerpoint/2010/main" xmlns:p15="http://schemas.microsoft.com/office/powerpoint/2012/main" xmlns:mc="http://schemas.openxmlformats.org/markup-compatibility/2006" type="tx" preserve="1">
+<p:sldLayout xmlns:a="http://schemas.openxmlformats.org/drawingml/2006/main" xmlns:r="http://schemas.openxmlformats.org/officeDocument/2006/relationships" xmlns:p="http://schemas.openxmlformats.org/presentationml/2006/main" type="tx" preserve="1">
   <p:cSld name="Title Slide">
     <p:spTree>
       <p:nvGrpSpPr>
@@ -654,9 +779,10 @@
           </a:prstGeom>
         </p:spPr>
         <p:txBody>
-          <a:bodyPr lIns="0" rIns="0" tIns="0" bIns="0" anchor="ctr"/>
-          <a:p>
-            <a:endParaRPr b="0" lang="cs-CZ" sz="1800" spc="-1" strike="noStrike">
+          <a:bodyPr lIns="0" tIns="0" rIns="0" bIns="0" anchor="ctr"/>
+          <a:lstStyle/>
+          <a:p>
+            <a:endParaRPr lang="cs-CZ" sz="1800" b="0" strike="noStrike" spc="-1">
               <a:solidFill>
                 <a:srgbClr val="000000"/>
               </a:solidFill>
@@ -685,10 +811,11 @@
           </a:prstGeom>
         </p:spPr>
         <p:txBody>
-          <a:bodyPr lIns="0" rIns="0" tIns="0" bIns="0" anchor="ctr"/>
+          <a:bodyPr lIns="0" tIns="0" rIns="0" bIns="0" anchor="ctr"/>
+          <a:lstStyle/>
           <a:p>
             <a:pPr algn="ctr"/>
-            <a:endParaRPr b="0" lang="cs-CZ" sz="3200" spc="-1" strike="noStrike">
+            <a:endParaRPr lang="cs-CZ" sz="3200" b="0" strike="noStrike" spc="-1">
               <a:latin typeface="Arial"/>
             </a:endParaRPr>
           </a:p>
@@ -696,11 +823,14 @@
       </p:sp>
     </p:spTree>
   </p:cSld>
+  <p:clrMapOvr>
+    <a:masterClrMapping/>
+  </p:clrMapOvr>
 </p:sldLayout>
 </file>
 
 <file path=ppt/slideLayouts/slideLayout15.xml><?xml version="1.0" encoding="utf-8"?>
-<p:sldLayout xmlns:a="http://schemas.openxmlformats.org/drawingml/2006/main" xmlns:p="http://schemas.openxmlformats.org/presentationml/2006/main" xmlns:r="http://schemas.openxmlformats.org/officeDocument/2006/relationships" xmlns:p14="http://schemas.microsoft.com/office/powerpoint/2010/main" xmlns:p15="http://schemas.microsoft.com/office/powerpoint/2012/main" xmlns:mc="http://schemas.openxmlformats.org/markup-compatibility/2006" type="obj" preserve="1">
+<p:sldLayout xmlns:a="http://schemas.openxmlformats.org/drawingml/2006/main" xmlns:r="http://schemas.openxmlformats.org/officeDocument/2006/relationships" xmlns:p="http://schemas.openxmlformats.org/presentationml/2006/main" type="obj" preserve="1">
   <p:cSld name="Title, Content">
     <p:spTree>
       <p:nvGrpSpPr>
@@ -736,9 +866,10 @@
           </a:prstGeom>
         </p:spPr>
         <p:txBody>
-          <a:bodyPr lIns="0" rIns="0" tIns="0" bIns="0" anchor="ctr"/>
-          <a:p>
-            <a:endParaRPr b="0" lang="cs-CZ" sz="1800" spc="-1" strike="noStrike">
+          <a:bodyPr lIns="0" tIns="0" rIns="0" bIns="0" anchor="ctr"/>
+          <a:lstStyle/>
+          <a:p>
+            <a:endParaRPr lang="cs-CZ" sz="1800" b="0" strike="noStrike" spc="-1">
               <a:solidFill>
                 <a:srgbClr val="000000"/>
               </a:solidFill>
@@ -767,11 +898,12 @@
           </a:prstGeom>
         </p:spPr>
         <p:txBody>
-          <a:bodyPr lIns="0" rIns="0" tIns="0" bIns="0">
+          <a:bodyPr lIns="0" tIns="0" rIns="0" bIns="0">
             <a:normAutofit/>
           </a:bodyPr>
-          <a:p>
-            <a:endParaRPr b="0" lang="cs-CZ" sz="2800" spc="-1" strike="noStrike">
+          <a:lstStyle/>
+          <a:p>
+            <a:endParaRPr lang="cs-CZ" sz="2800" b="0" strike="noStrike" spc="-1">
               <a:solidFill>
                 <a:srgbClr val="000000"/>
               </a:solidFill>
@@ -782,11 +914,14 @@
       </p:sp>
     </p:spTree>
   </p:cSld>
+  <p:clrMapOvr>
+    <a:masterClrMapping/>
+  </p:clrMapOvr>
 </p:sldLayout>
 </file>
 
 <file path=ppt/slideLayouts/slideLayout16.xml><?xml version="1.0" encoding="utf-8"?>
-<p:sldLayout xmlns:a="http://schemas.openxmlformats.org/drawingml/2006/main" xmlns:p="http://schemas.openxmlformats.org/presentationml/2006/main" xmlns:r="http://schemas.openxmlformats.org/officeDocument/2006/relationships" xmlns:p14="http://schemas.microsoft.com/office/powerpoint/2010/main" xmlns:p15="http://schemas.microsoft.com/office/powerpoint/2012/main" xmlns:mc="http://schemas.openxmlformats.org/markup-compatibility/2006" type="twoObj" preserve="1">
+<p:sldLayout xmlns:a="http://schemas.openxmlformats.org/drawingml/2006/main" xmlns:r="http://schemas.openxmlformats.org/officeDocument/2006/relationships" xmlns:p="http://schemas.openxmlformats.org/presentationml/2006/main" type="twoObj" preserve="1">
   <p:cSld name="Title, 2 Content">
     <p:spTree>
       <p:nvGrpSpPr>
@@ -822,9 +957,10 @@
           </a:prstGeom>
         </p:spPr>
         <p:txBody>
-          <a:bodyPr lIns="0" rIns="0" tIns="0" bIns="0" anchor="ctr"/>
-          <a:p>
-            <a:endParaRPr b="0" lang="cs-CZ" sz="1800" spc="-1" strike="noStrike">
+          <a:bodyPr lIns="0" tIns="0" rIns="0" bIns="0" anchor="ctr"/>
+          <a:lstStyle/>
+          <a:p>
+            <a:endParaRPr lang="cs-CZ" sz="1800" b="0" strike="noStrike" spc="-1">
               <a:solidFill>
                 <a:srgbClr val="000000"/>
               </a:solidFill>
@@ -853,11 +989,12 @@
           </a:prstGeom>
         </p:spPr>
         <p:txBody>
-          <a:bodyPr lIns="0" rIns="0" tIns="0" bIns="0">
+          <a:bodyPr lIns="0" tIns="0" rIns="0" bIns="0">
             <a:normAutofit/>
           </a:bodyPr>
-          <a:p>
-            <a:endParaRPr b="0" lang="cs-CZ" sz="2800" spc="-1" strike="noStrike">
+          <a:lstStyle/>
+          <a:p>
+            <a:endParaRPr lang="cs-CZ" sz="2800" b="0" strike="noStrike" spc="-1">
               <a:solidFill>
                 <a:srgbClr val="000000"/>
               </a:solidFill>
@@ -886,11 +1023,12 @@
           </a:prstGeom>
         </p:spPr>
         <p:txBody>
-          <a:bodyPr lIns="0" rIns="0" tIns="0" bIns="0">
+          <a:bodyPr lIns="0" tIns="0" rIns="0" bIns="0">
             <a:normAutofit/>
           </a:bodyPr>
-          <a:p>
-            <a:endParaRPr b="0" lang="cs-CZ" sz="2800" spc="-1" strike="noStrike">
+          <a:lstStyle/>
+          <a:p>
+            <a:endParaRPr lang="cs-CZ" sz="2800" b="0" strike="noStrike" spc="-1">
               <a:solidFill>
                 <a:srgbClr val="000000"/>
               </a:solidFill>
@@ -901,11 +1039,14 @@
       </p:sp>
     </p:spTree>
   </p:cSld>
+  <p:clrMapOvr>
+    <a:masterClrMapping/>
+  </p:clrMapOvr>
 </p:sldLayout>
 </file>
 
 <file path=ppt/slideLayouts/slideLayout17.xml><?xml version="1.0" encoding="utf-8"?>
-<p:sldLayout xmlns:a="http://schemas.openxmlformats.org/drawingml/2006/main" xmlns:p="http://schemas.openxmlformats.org/presentationml/2006/main" xmlns:r="http://schemas.openxmlformats.org/officeDocument/2006/relationships" xmlns:p14="http://schemas.microsoft.com/office/powerpoint/2010/main" xmlns:p15="http://schemas.microsoft.com/office/powerpoint/2012/main" xmlns:mc="http://schemas.openxmlformats.org/markup-compatibility/2006" type="titleOnly" preserve="1">
+<p:sldLayout xmlns:a="http://schemas.openxmlformats.org/drawingml/2006/main" xmlns:r="http://schemas.openxmlformats.org/officeDocument/2006/relationships" xmlns:p="http://schemas.openxmlformats.org/presentationml/2006/main" type="titleOnly" preserve="1">
   <p:cSld name="Title Only">
     <p:spTree>
       <p:nvGrpSpPr>
@@ -941,9 +1082,10 @@
           </a:prstGeom>
         </p:spPr>
         <p:txBody>
-          <a:bodyPr lIns="0" rIns="0" tIns="0" bIns="0" anchor="ctr"/>
-          <a:p>
-            <a:endParaRPr b="0" lang="cs-CZ" sz="1800" spc="-1" strike="noStrike">
+          <a:bodyPr lIns="0" tIns="0" rIns="0" bIns="0" anchor="ctr"/>
+          <a:lstStyle/>
+          <a:p>
+            <a:endParaRPr lang="cs-CZ" sz="1800" b="0" strike="noStrike" spc="-1">
               <a:solidFill>
                 <a:srgbClr val="000000"/>
               </a:solidFill>
@@ -954,11 +1096,14 @@
       </p:sp>
     </p:spTree>
   </p:cSld>
+  <p:clrMapOvr>
+    <a:masterClrMapping/>
+  </p:clrMapOvr>
 </p:sldLayout>
 </file>
 
 <file path=ppt/slideLayouts/slideLayout18.xml><?xml version="1.0" encoding="utf-8"?>
-<p:sldLayout xmlns:a="http://schemas.openxmlformats.org/drawingml/2006/main" xmlns:p="http://schemas.openxmlformats.org/presentationml/2006/main" xmlns:r="http://schemas.openxmlformats.org/officeDocument/2006/relationships" xmlns:p14="http://schemas.microsoft.com/office/powerpoint/2010/main" xmlns:p15="http://schemas.microsoft.com/office/powerpoint/2012/main" xmlns:mc="http://schemas.openxmlformats.org/markup-compatibility/2006" type="objOnly" preserve="1">
+<p:sldLayout xmlns:a="http://schemas.openxmlformats.org/drawingml/2006/main" xmlns:r="http://schemas.openxmlformats.org/officeDocument/2006/relationships" xmlns:p="http://schemas.openxmlformats.org/presentationml/2006/main" type="objOnly" preserve="1">
   <p:cSld name="Centered Text">
     <p:spTree>
       <p:nvGrpSpPr>
@@ -994,10 +1139,11 @@
           </a:prstGeom>
         </p:spPr>
         <p:txBody>
-          <a:bodyPr lIns="0" rIns="0" tIns="0" bIns="0" anchor="ctr"/>
+          <a:bodyPr lIns="0" tIns="0" rIns="0" bIns="0" anchor="ctr"/>
+          <a:lstStyle/>
           <a:p>
             <a:pPr algn="ctr"/>
-            <a:endParaRPr b="0" lang="cs-CZ" sz="3200" spc="-1" strike="noStrike">
+            <a:endParaRPr lang="cs-CZ" sz="3200" b="0" strike="noStrike" spc="-1">
               <a:latin typeface="Arial"/>
             </a:endParaRPr>
           </a:p>
@@ -1005,11 +1151,14 @@
       </p:sp>
     </p:spTree>
   </p:cSld>
+  <p:clrMapOvr>
+    <a:masterClrMapping/>
+  </p:clrMapOvr>
 </p:sldLayout>
 </file>
 
 <file path=ppt/slideLayouts/slideLayout19.xml><?xml version="1.0" encoding="utf-8"?>
-<p:sldLayout xmlns:a="http://schemas.openxmlformats.org/drawingml/2006/main" xmlns:p="http://schemas.openxmlformats.org/presentationml/2006/main" xmlns:r="http://schemas.openxmlformats.org/officeDocument/2006/relationships" xmlns:p14="http://schemas.microsoft.com/office/powerpoint/2010/main" xmlns:p15="http://schemas.microsoft.com/office/powerpoint/2012/main" xmlns:mc="http://schemas.openxmlformats.org/markup-compatibility/2006" type="twoObjAndObj" preserve="1">
+<p:sldLayout xmlns:a="http://schemas.openxmlformats.org/drawingml/2006/main" xmlns:r="http://schemas.openxmlformats.org/officeDocument/2006/relationships" xmlns:p="http://schemas.openxmlformats.org/presentationml/2006/main" type="twoObjAndObj" preserve="1">
   <p:cSld name="Title, 2 Content and Content">
     <p:spTree>
       <p:nvGrpSpPr>
@@ -1045,9 +1194,10 @@
           </a:prstGeom>
         </p:spPr>
         <p:txBody>
-          <a:bodyPr lIns="0" rIns="0" tIns="0" bIns="0" anchor="ctr"/>
-          <a:p>
-            <a:endParaRPr b="0" lang="cs-CZ" sz="1800" spc="-1" strike="noStrike">
+          <a:bodyPr lIns="0" tIns="0" rIns="0" bIns="0" anchor="ctr"/>
+          <a:lstStyle/>
+          <a:p>
+            <a:endParaRPr lang="cs-CZ" sz="1800" b="0" strike="noStrike" spc="-1">
               <a:solidFill>
                 <a:srgbClr val="000000"/>
               </a:solidFill>
@@ -1076,11 +1226,12 @@
           </a:prstGeom>
         </p:spPr>
         <p:txBody>
-          <a:bodyPr lIns="0" rIns="0" tIns="0" bIns="0">
+          <a:bodyPr lIns="0" tIns="0" rIns="0" bIns="0">
             <a:normAutofit/>
           </a:bodyPr>
-          <a:p>
-            <a:endParaRPr b="0" lang="cs-CZ" sz="2800" spc="-1" strike="noStrike">
+          <a:lstStyle/>
+          <a:p>
+            <a:endParaRPr lang="cs-CZ" sz="2800" b="0" strike="noStrike" spc="-1">
               <a:solidFill>
                 <a:srgbClr val="000000"/>
               </a:solidFill>
@@ -1109,11 +1260,12 @@
           </a:prstGeom>
         </p:spPr>
         <p:txBody>
-          <a:bodyPr lIns="0" rIns="0" tIns="0" bIns="0">
+          <a:bodyPr lIns="0" tIns="0" rIns="0" bIns="0">
             <a:normAutofit/>
           </a:bodyPr>
-          <a:p>
-            <a:endParaRPr b="0" lang="cs-CZ" sz="2800" spc="-1" strike="noStrike">
+          <a:lstStyle/>
+          <a:p>
+            <a:endParaRPr lang="cs-CZ" sz="2800" b="0" strike="noStrike" spc="-1">
               <a:solidFill>
                 <a:srgbClr val="000000"/>
               </a:solidFill>
@@ -1142,11 +1294,12 @@
           </a:prstGeom>
         </p:spPr>
         <p:txBody>
-          <a:bodyPr lIns="0" rIns="0" tIns="0" bIns="0">
+          <a:bodyPr lIns="0" tIns="0" rIns="0" bIns="0">
             <a:normAutofit/>
           </a:bodyPr>
-          <a:p>
-            <a:endParaRPr b="0" lang="cs-CZ" sz="2800" spc="-1" strike="noStrike">
+          <a:lstStyle/>
+          <a:p>
+            <a:endParaRPr lang="cs-CZ" sz="2800" b="0" strike="noStrike" spc="-1">
               <a:solidFill>
                 <a:srgbClr val="000000"/>
               </a:solidFill>
@@ -1157,11 +1310,14 @@
       </p:sp>
     </p:spTree>
   </p:cSld>
+  <p:clrMapOvr>
+    <a:masterClrMapping/>
+  </p:clrMapOvr>
 </p:sldLayout>
 </file>
 
 <file path=ppt/slideLayouts/slideLayout2.xml><?xml version="1.0" encoding="utf-8"?>
-<p:sldLayout xmlns:a="http://schemas.openxmlformats.org/drawingml/2006/main" xmlns:p="http://schemas.openxmlformats.org/presentationml/2006/main" xmlns:r="http://schemas.openxmlformats.org/officeDocument/2006/relationships" xmlns:p14="http://schemas.microsoft.com/office/powerpoint/2010/main" xmlns:p15="http://schemas.microsoft.com/office/powerpoint/2012/main" xmlns:mc="http://schemas.openxmlformats.org/markup-compatibility/2006" type="tx" preserve="1">
+<p:sldLayout xmlns:a="http://schemas.openxmlformats.org/drawingml/2006/main" xmlns:r="http://schemas.openxmlformats.org/officeDocument/2006/relationships" xmlns:p="http://schemas.openxmlformats.org/presentationml/2006/main" type="tx" preserve="1">
   <p:cSld name="Title Slide">
     <p:spTree>
       <p:nvGrpSpPr>
@@ -1197,9 +1353,10 @@
           </a:prstGeom>
         </p:spPr>
         <p:txBody>
-          <a:bodyPr lIns="0" rIns="0" tIns="0" bIns="0" anchor="ctr"/>
-          <a:p>
-            <a:endParaRPr b="0" lang="cs-CZ" sz="1800" spc="-1" strike="noStrike">
+          <a:bodyPr lIns="0" tIns="0" rIns="0" bIns="0" anchor="ctr"/>
+          <a:lstStyle/>
+          <a:p>
+            <a:endParaRPr lang="cs-CZ" sz="1800" b="0" strike="noStrike" spc="-1">
               <a:solidFill>
                 <a:srgbClr val="000000"/>
               </a:solidFill>
@@ -1228,10 +1385,11 @@
           </a:prstGeom>
         </p:spPr>
         <p:txBody>
-          <a:bodyPr lIns="0" rIns="0" tIns="0" bIns="0" anchor="ctr"/>
+          <a:bodyPr lIns="0" tIns="0" rIns="0" bIns="0" anchor="ctr"/>
+          <a:lstStyle/>
           <a:p>
             <a:pPr algn="ctr"/>
-            <a:endParaRPr b="0" lang="cs-CZ" sz="3200" spc="-1" strike="noStrike">
+            <a:endParaRPr lang="cs-CZ" sz="3200" b="0" strike="noStrike" spc="-1">
               <a:latin typeface="Arial"/>
             </a:endParaRPr>
           </a:p>
@@ -1239,11 +1397,14 @@
       </p:sp>
     </p:spTree>
   </p:cSld>
+  <p:clrMapOvr>
+    <a:masterClrMapping/>
+  </p:clrMapOvr>
 </p:sldLayout>
 </file>
 
 <file path=ppt/slideLayouts/slideLayout20.xml><?xml version="1.0" encoding="utf-8"?>
-<p:sldLayout xmlns:a="http://schemas.openxmlformats.org/drawingml/2006/main" xmlns:p="http://schemas.openxmlformats.org/presentationml/2006/main" xmlns:r="http://schemas.openxmlformats.org/officeDocument/2006/relationships" xmlns:p14="http://schemas.microsoft.com/office/powerpoint/2010/main" xmlns:p15="http://schemas.microsoft.com/office/powerpoint/2012/main" xmlns:mc="http://schemas.openxmlformats.org/markup-compatibility/2006" type="objAndTwoObj" preserve="1">
+<p:sldLayout xmlns:a="http://schemas.openxmlformats.org/drawingml/2006/main" xmlns:r="http://schemas.openxmlformats.org/officeDocument/2006/relationships" xmlns:p="http://schemas.openxmlformats.org/presentationml/2006/main" type="objAndTwoObj" preserve="1">
   <p:cSld name="Title Content and 2 Content">
     <p:spTree>
       <p:nvGrpSpPr>
@@ -1279,9 +1440,10 @@
           </a:prstGeom>
         </p:spPr>
         <p:txBody>
-          <a:bodyPr lIns="0" rIns="0" tIns="0" bIns="0" anchor="ctr"/>
-          <a:p>
-            <a:endParaRPr b="0" lang="cs-CZ" sz="1800" spc="-1" strike="noStrike">
+          <a:bodyPr lIns="0" tIns="0" rIns="0" bIns="0" anchor="ctr"/>
+          <a:lstStyle/>
+          <a:p>
+            <a:endParaRPr lang="cs-CZ" sz="1800" b="0" strike="noStrike" spc="-1">
               <a:solidFill>
                 <a:srgbClr val="000000"/>
               </a:solidFill>
@@ -1310,11 +1472,12 @@
           </a:prstGeom>
         </p:spPr>
         <p:txBody>
-          <a:bodyPr lIns="0" rIns="0" tIns="0" bIns="0">
+          <a:bodyPr lIns="0" tIns="0" rIns="0" bIns="0">
             <a:normAutofit/>
           </a:bodyPr>
-          <a:p>
-            <a:endParaRPr b="0" lang="cs-CZ" sz="2800" spc="-1" strike="noStrike">
+          <a:lstStyle/>
+          <a:p>
+            <a:endParaRPr lang="cs-CZ" sz="2800" b="0" strike="noStrike" spc="-1">
               <a:solidFill>
                 <a:srgbClr val="000000"/>
               </a:solidFill>
@@ -1343,11 +1506,12 @@
           </a:prstGeom>
         </p:spPr>
         <p:txBody>
-          <a:bodyPr lIns="0" rIns="0" tIns="0" bIns="0">
+          <a:bodyPr lIns="0" tIns="0" rIns="0" bIns="0">
             <a:normAutofit/>
           </a:bodyPr>
-          <a:p>
-            <a:endParaRPr b="0" lang="cs-CZ" sz="2800" spc="-1" strike="noStrike">
+          <a:lstStyle/>
+          <a:p>
+            <a:endParaRPr lang="cs-CZ" sz="2800" b="0" strike="noStrike" spc="-1">
               <a:solidFill>
                 <a:srgbClr val="000000"/>
               </a:solidFill>
@@ -1376,11 +1540,12 @@
           </a:prstGeom>
         </p:spPr>
         <p:txBody>
-          <a:bodyPr lIns="0" rIns="0" tIns="0" bIns="0">
+          <a:bodyPr lIns="0" tIns="0" rIns="0" bIns="0">
             <a:normAutofit/>
           </a:bodyPr>
-          <a:p>
-            <a:endParaRPr b="0" lang="cs-CZ" sz="2800" spc="-1" strike="noStrike">
+          <a:lstStyle/>
+          <a:p>
+            <a:endParaRPr lang="cs-CZ" sz="2800" b="0" strike="noStrike" spc="-1">
               <a:solidFill>
                 <a:srgbClr val="000000"/>
               </a:solidFill>
@@ -1391,11 +1556,14 @@
       </p:sp>
     </p:spTree>
   </p:cSld>
+  <p:clrMapOvr>
+    <a:masterClrMapping/>
+  </p:clrMapOvr>
 </p:sldLayout>
 </file>
 
 <file path=ppt/slideLayouts/slideLayout21.xml><?xml version="1.0" encoding="utf-8"?>
-<p:sldLayout xmlns:a="http://schemas.openxmlformats.org/drawingml/2006/main" xmlns:p="http://schemas.openxmlformats.org/presentationml/2006/main" xmlns:r="http://schemas.openxmlformats.org/officeDocument/2006/relationships" xmlns:p14="http://schemas.microsoft.com/office/powerpoint/2010/main" xmlns:p15="http://schemas.microsoft.com/office/powerpoint/2012/main" xmlns:mc="http://schemas.openxmlformats.org/markup-compatibility/2006" type="twoObjOverTx" preserve="1">
+<p:sldLayout xmlns:a="http://schemas.openxmlformats.org/drawingml/2006/main" xmlns:r="http://schemas.openxmlformats.org/officeDocument/2006/relationships" xmlns:p="http://schemas.openxmlformats.org/presentationml/2006/main" type="twoObjOverTx" preserve="1">
   <p:cSld name="Title, 2 Content over Content">
     <p:spTree>
       <p:nvGrpSpPr>
@@ -1431,9 +1599,10 @@
           </a:prstGeom>
         </p:spPr>
         <p:txBody>
-          <a:bodyPr lIns="0" rIns="0" tIns="0" bIns="0" anchor="ctr"/>
-          <a:p>
-            <a:endParaRPr b="0" lang="cs-CZ" sz="1800" spc="-1" strike="noStrike">
+          <a:bodyPr lIns="0" tIns="0" rIns="0" bIns="0" anchor="ctr"/>
+          <a:lstStyle/>
+          <a:p>
+            <a:endParaRPr lang="cs-CZ" sz="1800" b="0" strike="noStrike" spc="-1">
               <a:solidFill>
                 <a:srgbClr val="000000"/>
               </a:solidFill>
@@ -1462,11 +1631,12 @@
           </a:prstGeom>
         </p:spPr>
         <p:txBody>
-          <a:bodyPr lIns="0" rIns="0" tIns="0" bIns="0">
+          <a:bodyPr lIns="0" tIns="0" rIns="0" bIns="0">
             <a:normAutofit/>
           </a:bodyPr>
-          <a:p>
-            <a:endParaRPr b="0" lang="cs-CZ" sz="2800" spc="-1" strike="noStrike">
+          <a:lstStyle/>
+          <a:p>
+            <a:endParaRPr lang="cs-CZ" sz="2800" b="0" strike="noStrike" spc="-1">
               <a:solidFill>
                 <a:srgbClr val="000000"/>
               </a:solidFill>
@@ -1495,11 +1665,12 @@
           </a:prstGeom>
         </p:spPr>
         <p:txBody>
-          <a:bodyPr lIns="0" rIns="0" tIns="0" bIns="0">
+          <a:bodyPr lIns="0" tIns="0" rIns="0" bIns="0">
             <a:normAutofit/>
           </a:bodyPr>
-          <a:p>
-            <a:endParaRPr b="0" lang="cs-CZ" sz="2800" spc="-1" strike="noStrike">
+          <a:lstStyle/>
+          <a:p>
+            <a:endParaRPr lang="cs-CZ" sz="2800" b="0" strike="noStrike" spc="-1">
               <a:solidFill>
                 <a:srgbClr val="000000"/>
               </a:solidFill>
@@ -1528,11 +1699,12 @@
           </a:prstGeom>
         </p:spPr>
         <p:txBody>
-          <a:bodyPr lIns="0" rIns="0" tIns="0" bIns="0">
+          <a:bodyPr lIns="0" tIns="0" rIns="0" bIns="0">
             <a:normAutofit/>
           </a:bodyPr>
-          <a:p>
-            <a:endParaRPr b="0" lang="cs-CZ" sz="2800" spc="-1" strike="noStrike">
+          <a:lstStyle/>
+          <a:p>
+            <a:endParaRPr lang="cs-CZ" sz="2800" b="0" strike="noStrike" spc="-1">
               <a:solidFill>
                 <a:srgbClr val="000000"/>
               </a:solidFill>
@@ -1543,11 +1715,14 @@
       </p:sp>
     </p:spTree>
   </p:cSld>
+  <p:clrMapOvr>
+    <a:masterClrMapping/>
+  </p:clrMapOvr>
 </p:sldLayout>
 </file>
 
 <file path=ppt/slideLayouts/slideLayout22.xml><?xml version="1.0" encoding="utf-8"?>
-<p:sldLayout xmlns:a="http://schemas.openxmlformats.org/drawingml/2006/main" xmlns:p="http://schemas.openxmlformats.org/presentationml/2006/main" xmlns:r="http://schemas.openxmlformats.org/officeDocument/2006/relationships" xmlns:p14="http://schemas.microsoft.com/office/powerpoint/2010/main" xmlns:p15="http://schemas.microsoft.com/office/powerpoint/2012/main" xmlns:mc="http://schemas.openxmlformats.org/markup-compatibility/2006" type="objOverTx" preserve="1">
+<p:sldLayout xmlns:a="http://schemas.openxmlformats.org/drawingml/2006/main" xmlns:r="http://schemas.openxmlformats.org/officeDocument/2006/relationships" xmlns:p="http://schemas.openxmlformats.org/presentationml/2006/main" type="objOverTx" preserve="1">
   <p:cSld name="Title, Content over Content">
     <p:spTree>
       <p:nvGrpSpPr>
@@ -1583,9 +1758,10 @@
           </a:prstGeom>
         </p:spPr>
         <p:txBody>
-          <a:bodyPr lIns="0" rIns="0" tIns="0" bIns="0" anchor="ctr"/>
-          <a:p>
-            <a:endParaRPr b="0" lang="cs-CZ" sz="1800" spc="-1" strike="noStrike">
+          <a:bodyPr lIns="0" tIns="0" rIns="0" bIns="0" anchor="ctr"/>
+          <a:lstStyle/>
+          <a:p>
+            <a:endParaRPr lang="cs-CZ" sz="1800" b="0" strike="noStrike" spc="-1">
               <a:solidFill>
                 <a:srgbClr val="000000"/>
               </a:solidFill>
@@ -1614,11 +1790,12 @@
           </a:prstGeom>
         </p:spPr>
         <p:txBody>
-          <a:bodyPr lIns="0" rIns="0" tIns="0" bIns="0">
+          <a:bodyPr lIns="0" tIns="0" rIns="0" bIns="0">
             <a:normAutofit/>
           </a:bodyPr>
-          <a:p>
-            <a:endParaRPr b="0" lang="cs-CZ" sz="2800" spc="-1" strike="noStrike">
+          <a:lstStyle/>
+          <a:p>
+            <a:endParaRPr lang="cs-CZ" sz="2800" b="0" strike="noStrike" spc="-1">
               <a:solidFill>
                 <a:srgbClr val="000000"/>
               </a:solidFill>
@@ -1647,11 +1824,12 @@
           </a:prstGeom>
         </p:spPr>
         <p:txBody>
-          <a:bodyPr lIns="0" rIns="0" tIns="0" bIns="0">
+          <a:bodyPr lIns="0" tIns="0" rIns="0" bIns="0">
             <a:normAutofit/>
           </a:bodyPr>
-          <a:p>
-            <a:endParaRPr b="0" lang="cs-CZ" sz="2800" spc="-1" strike="noStrike">
+          <a:lstStyle/>
+          <a:p>
+            <a:endParaRPr lang="cs-CZ" sz="2800" b="0" strike="noStrike" spc="-1">
               <a:solidFill>
                 <a:srgbClr val="000000"/>
               </a:solidFill>
@@ -1662,11 +1840,14 @@
       </p:sp>
     </p:spTree>
   </p:cSld>
+  <p:clrMapOvr>
+    <a:masterClrMapping/>
+  </p:clrMapOvr>
 </p:sldLayout>
 </file>
 
 <file path=ppt/slideLayouts/slideLayout23.xml><?xml version="1.0" encoding="utf-8"?>
-<p:sldLayout xmlns:a="http://schemas.openxmlformats.org/drawingml/2006/main" xmlns:p="http://schemas.openxmlformats.org/presentationml/2006/main" xmlns:r="http://schemas.openxmlformats.org/officeDocument/2006/relationships" xmlns:p14="http://schemas.microsoft.com/office/powerpoint/2010/main" xmlns:p15="http://schemas.microsoft.com/office/powerpoint/2012/main" xmlns:mc="http://schemas.openxmlformats.org/markup-compatibility/2006" type="fourObj" preserve="1">
+<p:sldLayout xmlns:a="http://schemas.openxmlformats.org/drawingml/2006/main" xmlns:r="http://schemas.openxmlformats.org/officeDocument/2006/relationships" xmlns:p="http://schemas.openxmlformats.org/presentationml/2006/main" type="fourObj" preserve="1">
   <p:cSld name="Title, 4 Content">
     <p:spTree>
       <p:nvGrpSpPr>
@@ -1702,9 +1883,10 @@
           </a:prstGeom>
         </p:spPr>
         <p:txBody>
-          <a:bodyPr lIns="0" rIns="0" tIns="0" bIns="0" anchor="ctr"/>
-          <a:p>
-            <a:endParaRPr b="0" lang="cs-CZ" sz="1800" spc="-1" strike="noStrike">
+          <a:bodyPr lIns="0" tIns="0" rIns="0" bIns="0" anchor="ctr"/>
+          <a:lstStyle/>
+          <a:p>
+            <a:endParaRPr lang="cs-CZ" sz="1800" b="0" strike="noStrike" spc="-1">
               <a:solidFill>
                 <a:srgbClr val="000000"/>
               </a:solidFill>
@@ -1733,11 +1915,12 @@
           </a:prstGeom>
         </p:spPr>
         <p:txBody>
-          <a:bodyPr lIns="0" rIns="0" tIns="0" bIns="0">
+          <a:bodyPr lIns="0" tIns="0" rIns="0" bIns="0">
             <a:normAutofit/>
           </a:bodyPr>
-          <a:p>
-            <a:endParaRPr b="0" lang="cs-CZ" sz="2800" spc="-1" strike="noStrike">
+          <a:lstStyle/>
+          <a:p>
+            <a:endParaRPr lang="cs-CZ" sz="2800" b="0" strike="noStrike" spc="-1">
               <a:solidFill>
                 <a:srgbClr val="000000"/>
               </a:solidFill>
@@ -1766,11 +1949,12 @@
           </a:prstGeom>
         </p:spPr>
         <p:txBody>
-          <a:bodyPr lIns="0" rIns="0" tIns="0" bIns="0">
+          <a:bodyPr lIns="0" tIns="0" rIns="0" bIns="0">
             <a:normAutofit/>
           </a:bodyPr>
-          <a:p>
-            <a:endParaRPr b="0" lang="cs-CZ" sz="2800" spc="-1" strike="noStrike">
+          <a:lstStyle/>
+          <a:p>
+            <a:endParaRPr lang="cs-CZ" sz="2800" b="0" strike="noStrike" spc="-1">
               <a:solidFill>
                 <a:srgbClr val="000000"/>
               </a:solidFill>
@@ -1799,11 +1983,12 @@
           </a:prstGeom>
         </p:spPr>
         <p:txBody>
-          <a:bodyPr lIns="0" rIns="0" tIns="0" bIns="0">
+          <a:bodyPr lIns="0" tIns="0" rIns="0" bIns="0">
             <a:normAutofit/>
           </a:bodyPr>
-          <a:p>
-            <a:endParaRPr b="0" lang="cs-CZ" sz="2800" spc="-1" strike="noStrike">
+          <a:lstStyle/>
+          <a:p>
+            <a:endParaRPr lang="cs-CZ" sz="2800" b="0" strike="noStrike" spc="-1">
               <a:solidFill>
                 <a:srgbClr val="000000"/>
               </a:solidFill>
@@ -1832,11 +2017,12 @@
           </a:prstGeom>
         </p:spPr>
         <p:txBody>
-          <a:bodyPr lIns="0" rIns="0" tIns="0" bIns="0">
+          <a:bodyPr lIns="0" tIns="0" rIns="0" bIns="0">
             <a:normAutofit/>
           </a:bodyPr>
-          <a:p>
-            <a:endParaRPr b="0" lang="cs-CZ" sz="2800" spc="-1" strike="noStrike">
+          <a:lstStyle/>
+          <a:p>
+            <a:endParaRPr lang="cs-CZ" sz="2800" b="0" strike="noStrike" spc="-1">
               <a:solidFill>
                 <a:srgbClr val="000000"/>
               </a:solidFill>
@@ -1847,11 +2033,14 @@
       </p:sp>
     </p:spTree>
   </p:cSld>
+  <p:clrMapOvr>
+    <a:masterClrMapping/>
+  </p:clrMapOvr>
 </p:sldLayout>
 </file>
 
 <file path=ppt/slideLayouts/slideLayout24.xml><?xml version="1.0" encoding="utf-8"?>
-<p:sldLayout xmlns:a="http://schemas.openxmlformats.org/drawingml/2006/main" xmlns:p="http://schemas.openxmlformats.org/presentationml/2006/main" xmlns:r="http://schemas.openxmlformats.org/officeDocument/2006/relationships" xmlns:p14="http://schemas.microsoft.com/office/powerpoint/2010/main" xmlns:p15="http://schemas.microsoft.com/office/powerpoint/2012/main" xmlns:mc="http://schemas.openxmlformats.org/markup-compatibility/2006" type="blank" preserve="1">
+<p:sldLayout xmlns:a="http://schemas.openxmlformats.org/drawingml/2006/main" xmlns:r="http://schemas.openxmlformats.org/officeDocument/2006/relationships" xmlns:p="http://schemas.openxmlformats.org/presentationml/2006/main" type="blank" preserve="1">
   <p:cSld name="Title, 6 Content">
     <p:spTree>
       <p:nvGrpSpPr>
@@ -1887,9 +2076,10 @@
           </a:prstGeom>
         </p:spPr>
         <p:txBody>
-          <a:bodyPr lIns="0" rIns="0" tIns="0" bIns="0" anchor="ctr"/>
-          <a:p>
-            <a:endParaRPr b="0" lang="cs-CZ" sz="1800" spc="-1" strike="noStrike">
+          <a:bodyPr lIns="0" tIns="0" rIns="0" bIns="0" anchor="ctr"/>
+          <a:lstStyle/>
+          <a:p>
+            <a:endParaRPr lang="cs-CZ" sz="1800" b="0" strike="noStrike" spc="-1">
               <a:solidFill>
                 <a:srgbClr val="000000"/>
               </a:solidFill>
@@ -1918,11 +2108,12 @@
           </a:prstGeom>
         </p:spPr>
         <p:txBody>
-          <a:bodyPr lIns="0" rIns="0" tIns="0" bIns="0">
+          <a:bodyPr lIns="0" tIns="0" rIns="0" bIns="0">
             <a:normAutofit/>
           </a:bodyPr>
-          <a:p>
-            <a:endParaRPr b="0" lang="cs-CZ" sz="2800" spc="-1" strike="noStrike">
+          <a:lstStyle/>
+          <a:p>
+            <a:endParaRPr lang="cs-CZ" sz="2800" b="0" strike="noStrike" spc="-1">
               <a:solidFill>
                 <a:srgbClr val="000000"/>
               </a:solidFill>
@@ -1951,11 +2142,12 @@
           </a:prstGeom>
         </p:spPr>
         <p:txBody>
-          <a:bodyPr lIns="0" rIns="0" tIns="0" bIns="0">
+          <a:bodyPr lIns="0" tIns="0" rIns="0" bIns="0">
             <a:normAutofit/>
           </a:bodyPr>
-          <a:p>
-            <a:endParaRPr b="0" lang="cs-CZ" sz="2800" spc="-1" strike="noStrike">
+          <a:lstStyle/>
+          <a:p>
+            <a:endParaRPr lang="cs-CZ" sz="2800" b="0" strike="noStrike" spc="-1">
               <a:solidFill>
                 <a:srgbClr val="000000"/>
               </a:solidFill>
@@ -1984,11 +2176,12 @@
           </a:prstGeom>
         </p:spPr>
         <p:txBody>
-          <a:bodyPr lIns="0" rIns="0" tIns="0" bIns="0">
+          <a:bodyPr lIns="0" tIns="0" rIns="0" bIns="0">
             <a:normAutofit/>
           </a:bodyPr>
-          <a:p>
-            <a:endParaRPr b="0" lang="cs-CZ" sz="2800" spc="-1" strike="noStrike">
+          <a:lstStyle/>
+          <a:p>
+            <a:endParaRPr lang="cs-CZ" sz="2800" b="0" strike="noStrike" spc="-1">
               <a:solidFill>
                 <a:srgbClr val="000000"/>
               </a:solidFill>
@@ -2017,11 +2210,12 @@
           </a:prstGeom>
         </p:spPr>
         <p:txBody>
-          <a:bodyPr lIns="0" rIns="0" tIns="0" bIns="0">
+          <a:bodyPr lIns="0" tIns="0" rIns="0" bIns="0">
             <a:normAutofit/>
           </a:bodyPr>
-          <a:p>
-            <a:endParaRPr b="0" lang="cs-CZ" sz="2800" spc="-1" strike="noStrike">
+          <a:lstStyle/>
+          <a:p>
+            <a:endParaRPr lang="cs-CZ" sz="2800" b="0" strike="noStrike" spc="-1">
               <a:solidFill>
                 <a:srgbClr val="000000"/>
               </a:solidFill>
@@ -2050,11 +2244,12 @@
           </a:prstGeom>
         </p:spPr>
         <p:txBody>
-          <a:bodyPr lIns="0" rIns="0" tIns="0" bIns="0">
+          <a:bodyPr lIns="0" tIns="0" rIns="0" bIns="0">
             <a:normAutofit/>
           </a:bodyPr>
-          <a:p>
-            <a:endParaRPr b="0" lang="cs-CZ" sz="2800" spc="-1" strike="noStrike">
+          <a:lstStyle/>
+          <a:p>
+            <a:endParaRPr lang="cs-CZ" sz="2800" b="0" strike="noStrike" spc="-1">
               <a:solidFill>
                 <a:srgbClr val="000000"/>
               </a:solidFill>
@@ -2083,11 +2278,12 @@
           </a:prstGeom>
         </p:spPr>
         <p:txBody>
-          <a:bodyPr lIns="0" rIns="0" tIns="0" bIns="0">
+          <a:bodyPr lIns="0" tIns="0" rIns="0" bIns="0">
             <a:normAutofit/>
           </a:bodyPr>
-          <a:p>
-            <a:endParaRPr b="0" lang="cs-CZ" sz="2800" spc="-1" strike="noStrike">
+          <a:lstStyle/>
+          <a:p>
+            <a:endParaRPr lang="cs-CZ" sz="2800" b="0" strike="noStrike" spc="-1">
               <a:solidFill>
                 <a:srgbClr val="000000"/>
               </a:solidFill>
@@ -2098,11 +2294,14 @@
       </p:sp>
     </p:spTree>
   </p:cSld>
+  <p:clrMapOvr>
+    <a:masterClrMapping/>
+  </p:clrMapOvr>
 </p:sldLayout>
 </file>
 
 <file path=ppt/slideLayouts/slideLayout25.xml><?xml version="1.0" encoding="utf-8"?>
-<p:sldLayout xmlns:a="http://schemas.openxmlformats.org/drawingml/2006/main" xmlns:p="http://schemas.openxmlformats.org/presentationml/2006/main" xmlns:r="http://schemas.openxmlformats.org/officeDocument/2006/relationships" xmlns:p14="http://schemas.microsoft.com/office/powerpoint/2010/main" xmlns:p15="http://schemas.microsoft.com/office/powerpoint/2012/main" xmlns:mc="http://schemas.openxmlformats.org/markup-compatibility/2006" type="blank" preserve="1">
+<p:sldLayout xmlns:a="http://schemas.openxmlformats.org/drawingml/2006/main" xmlns:r="http://schemas.openxmlformats.org/officeDocument/2006/relationships" xmlns:p="http://schemas.openxmlformats.org/presentationml/2006/main" type="blank" preserve="1">
   <p:cSld name="Blank Slide">
     <p:spTree>
       <p:nvGrpSpPr>
@@ -2120,11 +2319,14 @@
       </p:grpSpPr>
     </p:spTree>
   </p:cSld>
+  <p:clrMapOvr>
+    <a:masterClrMapping/>
+  </p:clrMapOvr>
 </p:sldLayout>
 </file>
 
 <file path=ppt/slideLayouts/slideLayout26.xml><?xml version="1.0" encoding="utf-8"?>
-<p:sldLayout xmlns:a="http://schemas.openxmlformats.org/drawingml/2006/main" xmlns:p="http://schemas.openxmlformats.org/presentationml/2006/main" xmlns:r="http://schemas.openxmlformats.org/officeDocument/2006/relationships" xmlns:p14="http://schemas.microsoft.com/office/powerpoint/2010/main" xmlns:p15="http://schemas.microsoft.com/office/powerpoint/2012/main" xmlns:mc="http://schemas.openxmlformats.org/markup-compatibility/2006" type="tx" preserve="1">
+<p:sldLayout xmlns:a="http://schemas.openxmlformats.org/drawingml/2006/main" xmlns:r="http://schemas.openxmlformats.org/officeDocument/2006/relationships" xmlns:p="http://schemas.openxmlformats.org/presentationml/2006/main" type="tx" preserve="1">
   <p:cSld name="Title Slide">
     <p:spTree>
       <p:nvGrpSpPr>
@@ -2160,9 +2362,10 @@
           </a:prstGeom>
         </p:spPr>
         <p:txBody>
-          <a:bodyPr lIns="0" rIns="0" tIns="0" bIns="0" anchor="ctr"/>
-          <a:p>
-            <a:endParaRPr b="0" lang="cs-CZ" sz="1800" spc="-1" strike="noStrike">
+          <a:bodyPr lIns="0" tIns="0" rIns="0" bIns="0" anchor="ctr"/>
+          <a:lstStyle/>
+          <a:p>
+            <a:endParaRPr lang="cs-CZ" sz="1800" b="0" strike="noStrike" spc="-1">
               <a:solidFill>
                 <a:srgbClr val="000000"/>
               </a:solidFill>
@@ -2191,10 +2394,11 @@
           </a:prstGeom>
         </p:spPr>
         <p:txBody>
-          <a:bodyPr lIns="0" rIns="0" tIns="0" bIns="0" anchor="ctr"/>
+          <a:bodyPr lIns="0" tIns="0" rIns="0" bIns="0" anchor="ctr"/>
+          <a:lstStyle/>
           <a:p>
             <a:pPr algn="ctr"/>
-            <a:endParaRPr b="0" lang="cs-CZ" sz="3200" spc="-1" strike="noStrike">
+            <a:endParaRPr lang="cs-CZ" sz="3200" b="0" strike="noStrike" spc="-1">
               <a:latin typeface="Arial"/>
             </a:endParaRPr>
           </a:p>
@@ -2202,11 +2406,14 @@
       </p:sp>
     </p:spTree>
   </p:cSld>
+  <p:clrMapOvr>
+    <a:masterClrMapping/>
+  </p:clrMapOvr>
 </p:sldLayout>
 </file>
 
 <file path=ppt/slideLayouts/slideLayout27.xml><?xml version="1.0" encoding="utf-8"?>
-<p:sldLayout xmlns:a="http://schemas.openxmlformats.org/drawingml/2006/main" xmlns:p="http://schemas.openxmlformats.org/presentationml/2006/main" xmlns:r="http://schemas.openxmlformats.org/officeDocument/2006/relationships" xmlns:p14="http://schemas.microsoft.com/office/powerpoint/2010/main" xmlns:p15="http://schemas.microsoft.com/office/powerpoint/2012/main" xmlns:mc="http://schemas.openxmlformats.org/markup-compatibility/2006" type="obj" preserve="1">
+<p:sldLayout xmlns:a="http://schemas.openxmlformats.org/drawingml/2006/main" xmlns:r="http://schemas.openxmlformats.org/officeDocument/2006/relationships" xmlns:p="http://schemas.openxmlformats.org/presentationml/2006/main" type="obj" preserve="1">
   <p:cSld name="Title, Content">
     <p:spTree>
       <p:nvGrpSpPr>
@@ -2242,9 +2449,10 @@
           </a:prstGeom>
         </p:spPr>
         <p:txBody>
-          <a:bodyPr lIns="0" rIns="0" tIns="0" bIns="0" anchor="ctr"/>
-          <a:p>
-            <a:endParaRPr b="0" lang="cs-CZ" sz="1800" spc="-1" strike="noStrike">
+          <a:bodyPr lIns="0" tIns="0" rIns="0" bIns="0" anchor="ctr"/>
+          <a:lstStyle/>
+          <a:p>
+            <a:endParaRPr lang="cs-CZ" sz="1800" b="0" strike="noStrike" spc="-1">
               <a:solidFill>
                 <a:srgbClr val="000000"/>
               </a:solidFill>
@@ -2273,11 +2481,12 @@
           </a:prstGeom>
         </p:spPr>
         <p:txBody>
-          <a:bodyPr lIns="0" rIns="0" tIns="0" bIns="0">
+          <a:bodyPr lIns="0" tIns="0" rIns="0" bIns="0">
             <a:normAutofit/>
           </a:bodyPr>
-          <a:p>
-            <a:endParaRPr b="0" lang="cs-CZ" sz="2800" spc="-1" strike="noStrike">
+          <a:lstStyle/>
+          <a:p>
+            <a:endParaRPr lang="cs-CZ" sz="2800" b="0" strike="noStrike" spc="-1">
               <a:solidFill>
                 <a:srgbClr val="000000"/>
               </a:solidFill>
@@ -2288,11 +2497,14 @@
       </p:sp>
     </p:spTree>
   </p:cSld>
+  <p:clrMapOvr>
+    <a:masterClrMapping/>
+  </p:clrMapOvr>
 </p:sldLayout>
 </file>
 
 <file path=ppt/slideLayouts/slideLayout28.xml><?xml version="1.0" encoding="utf-8"?>
-<p:sldLayout xmlns:a="http://schemas.openxmlformats.org/drawingml/2006/main" xmlns:p="http://schemas.openxmlformats.org/presentationml/2006/main" xmlns:r="http://schemas.openxmlformats.org/officeDocument/2006/relationships" xmlns:p14="http://schemas.microsoft.com/office/powerpoint/2010/main" xmlns:p15="http://schemas.microsoft.com/office/powerpoint/2012/main" xmlns:mc="http://schemas.openxmlformats.org/markup-compatibility/2006" type="twoObj" preserve="1">
+<p:sldLayout xmlns:a="http://schemas.openxmlformats.org/drawingml/2006/main" xmlns:r="http://schemas.openxmlformats.org/officeDocument/2006/relationships" xmlns:p="http://schemas.openxmlformats.org/presentationml/2006/main" type="twoObj" preserve="1">
   <p:cSld name="Title, 2 Content">
     <p:spTree>
       <p:nvGrpSpPr>
@@ -2328,9 +2540,10 @@
           </a:prstGeom>
         </p:spPr>
         <p:txBody>
-          <a:bodyPr lIns="0" rIns="0" tIns="0" bIns="0" anchor="ctr"/>
-          <a:p>
-            <a:endParaRPr b="0" lang="cs-CZ" sz="1800" spc="-1" strike="noStrike">
+          <a:bodyPr lIns="0" tIns="0" rIns="0" bIns="0" anchor="ctr"/>
+          <a:lstStyle/>
+          <a:p>
+            <a:endParaRPr lang="cs-CZ" sz="1800" b="0" strike="noStrike" spc="-1">
               <a:solidFill>
                 <a:srgbClr val="000000"/>
               </a:solidFill>
@@ -2359,11 +2572,12 @@
           </a:prstGeom>
         </p:spPr>
         <p:txBody>
-          <a:bodyPr lIns="0" rIns="0" tIns="0" bIns="0">
+          <a:bodyPr lIns="0" tIns="0" rIns="0" bIns="0">
             <a:normAutofit/>
           </a:bodyPr>
-          <a:p>
-            <a:endParaRPr b="0" lang="cs-CZ" sz="2800" spc="-1" strike="noStrike">
+          <a:lstStyle/>
+          <a:p>
+            <a:endParaRPr lang="cs-CZ" sz="2800" b="0" strike="noStrike" spc="-1">
               <a:solidFill>
                 <a:srgbClr val="000000"/>
               </a:solidFill>
@@ -2392,11 +2606,12 @@
           </a:prstGeom>
         </p:spPr>
         <p:txBody>
-          <a:bodyPr lIns="0" rIns="0" tIns="0" bIns="0">
+          <a:bodyPr lIns="0" tIns="0" rIns="0" bIns="0">
             <a:normAutofit/>
           </a:bodyPr>
-          <a:p>
-            <a:endParaRPr b="0" lang="cs-CZ" sz="2800" spc="-1" strike="noStrike">
+          <a:lstStyle/>
+          <a:p>
+            <a:endParaRPr lang="cs-CZ" sz="2800" b="0" strike="noStrike" spc="-1">
               <a:solidFill>
                 <a:srgbClr val="000000"/>
               </a:solidFill>
@@ -2407,11 +2622,14 @@
       </p:sp>
     </p:spTree>
   </p:cSld>
+  <p:clrMapOvr>
+    <a:masterClrMapping/>
+  </p:clrMapOvr>
 </p:sldLayout>
 </file>
 
 <file path=ppt/slideLayouts/slideLayout29.xml><?xml version="1.0" encoding="utf-8"?>
-<p:sldLayout xmlns:a="http://schemas.openxmlformats.org/drawingml/2006/main" xmlns:p="http://schemas.openxmlformats.org/presentationml/2006/main" xmlns:r="http://schemas.openxmlformats.org/officeDocument/2006/relationships" xmlns:p14="http://schemas.microsoft.com/office/powerpoint/2010/main" xmlns:p15="http://schemas.microsoft.com/office/powerpoint/2012/main" xmlns:mc="http://schemas.openxmlformats.org/markup-compatibility/2006" type="titleOnly" preserve="1">
+<p:sldLayout xmlns:a="http://schemas.openxmlformats.org/drawingml/2006/main" xmlns:r="http://schemas.openxmlformats.org/officeDocument/2006/relationships" xmlns:p="http://schemas.openxmlformats.org/presentationml/2006/main" type="titleOnly" preserve="1">
   <p:cSld name="Title Only">
     <p:spTree>
       <p:nvGrpSpPr>
@@ -2447,9 +2665,10 @@
           </a:prstGeom>
         </p:spPr>
         <p:txBody>
-          <a:bodyPr lIns="0" rIns="0" tIns="0" bIns="0" anchor="ctr"/>
-          <a:p>
-            <a:endParaRPr b="0" lang="cs-CZ" sz="1800" spc="-1" strike="noStrike">
+          <a:bodyPr lIns="0" tIns="0" rIns="0" bIns="0" anchor="ctr"/>
+          <a:lstStyle/>
+          <a:p>
+            <a:endParaRPr lang="cs-CZ" sz="1800" b="0" strike="noStrike" spc="-1">
               <a:solidFill>
                 <a:srgbClr val="000000"/>
               </a:solidFill>
@@ -2460,11 +2679,14 @@
       </p:sp>
     </p:spTree>
   </p:cSld>
+  <p:clrMapOvr>
+    <a:masterClrMapping/>
+  </p:clrMapOvr>
 </p:sldLayout>
 </file>
 
 <file path=ppt/slideLayouts/slideLayout3.xml><?xml version="1.0" encoding="utf-8"?>
-<p:sldLayout xmlns:a="http://schemas.openxmlformats.org/drawingml/2006/main" xmlns:p="http://schemas.openxmlformats.org/presentationml/2006/main" xmlns:r="http://schemas.openxmlformats.org/officeDocument/2006/relationships" xmlns:p14="http://schemas.microsoft.com/office/powerpoint/2010/main" xmlns:p15="http://schemas.microsoft.com/office/powerpoint/2012/main" xmlns:mc="http://schemas.openxmlformats.org/markup-compatibility/2006" type="obj" preserve="1">
+<p:sldLayout xmlns:a="http://schemas.openxmlformats.org/drawingml/2006/main" xmlns:r="http://schemas.openxmlformats.org/officeDocument/2006/relationships" xmlns:p="http://schemas.openxmlformats.org/presentationml/2006/main" type="obj" preserve="1">
   <p:cSld name="Title, Content">
     <p:spTree>
       <p:nvGrpSpPr>
@@ -2500,9 +2722,10 @@
           </a:prstGeom>
         </p:spPr>
         <p:txBody>
-          <a:bodyPr lIns="0" rIns="0" tIns="0" bIns="0" anchor="ctr"/>
-          <a:p>
-            <a:endParaRPr b="0" lang="cs-CZ" sz="1800" spc="-1" strike="noStrike">
+          <a:bodyPr lIns="0" tIns="0" rIns="0" bIns="0" anchor="ctr"/>
+          <a:lstStyle/>
+          <a:p>
+            <a:endParaRPr lang="cs-CZ" sz="1800" b="0" strike="noStrike" spc="-1">
               <a:solidFill>
                 <a:srgbClr val="000000"/>
               </a:solidFill>
@@ -2531,11 +2754,12 @@
           </a:prstGeom>
         </p:spPr>
         <p:txBody>
-          <a:bodyPr lIns="0" rIns="0" tIns="0" bIns="0">
+          <a:bodyPr lIns="0" tIns="0" rIns="0" bIns="0">
             <a:normAutofit/>
           </a:bodyPr>
-          <a:p>
-            <a:endParaRPr b="0" lang="cs-CZ" sz="2800" spc="-1" strike="noStrike">
+          <a:lstStyle/>
+          <a:p>
+            <a:endParaRPr lang="cs-CZ" sz="2800" b="0" strike="noStrike" spc="-1">
               <a:solidFill>
                 <a:srgbClr val="000000"/>
               </a:solidFill>
@@ -2546,11 +2770,14 @@
       </p:sp>
     </p:spTree>
   </p:cSld>
+  <p:clrMapOvr>
+    <a:masterClrMapping/>
+  </p:clrMapOvr>
 </p:sldLayout>
 </file>
 
 <file path=ppt/slideLayouts/slideLayout30.xml><?xml version="1.0" encoding="utf-8"?>
-<p:sldLayout xmlns:a="http://schemas.openxmlformats.org/drawingml/2006/main" xmlns:p="http://schemas.openxmlformats.org/presentationml/2006/main" xmlns:r="http://schemas.openxmlformats.org/officeDocument/2006/relationships" xmlns:p14="http://schemas.microsoft.com/office/powerpoint/2010/main" xmlns:p15="http://schemas.microsoft.com/office/powerpoint/2012/main" xmlns:mc="http://schemas.openxmlformats.org/markup-compatibility/2006" type="objOnly" preserve="1">
+<p:sldLayout xmlns:a="http://schemas.openxmlformats.org/drawingml/2006/main" xmlns:r="http://schemas.openxmlformats.org/officeDocument/2006/relationships" xmlns:p="http://schemas.openxmlformats.org/presentationml/2006/main" type="objOnly" preserve="1">
   <p:cSld name="Centered Text">
     <p:spTree>
       <p:nvGrpSpPr>
@@ -2586,10 +2813,11 @@
           </a:prstGeom>
         </p:spPr>
         <p:txBody>
-          <a:bodyPr lIns="0" rIns="0" tIns="0" bIns="0" anchor="ctr"/>
+          <a:bodyPr lIns="0" tIns="0" rIns="0" bIns="0" anchor="ctr"/>
+          <a:lstStyle/>
           <a:p>
             <a:pPr algn="ctr"/>
-            <a:endParaRPr b="0" lang="cs-CZ" sz="3200" spc="-1" strike="noStrike">
+            <a:endParaRPr lang="cs-CZ" sz="3200" b="0" strike="noStrike" spc="-1">
               <a:latin typeface="Arial"/>
             </a:endParaRPr>
           </a:p>
@@ -2597,11 +2825,14 @@
       </p:sp>
     </p:spTree>
   </p:cSld>
+  <p:clrMapOvr>
+    <a:masterClrMapping/>
+  </p:clrMapOvr>
 </p:sldLayout>
 </file>
 
 <file path=ppt/slideLayouts/slideLayout31.xml><?xml version="1.0" encoding="utf-8"?>
-<p:sldLayout xmlns:a="http://schemas.openxmlformats.org/drawingml/2006/main" xmlns:p="http://schemas.openxmlformats.org/presentationml/2006/main" xmlns:r="http://schemas.openxmlformats.org/officeDocument/2006/relationships" xmlns:p14="http://schemas.microsoft.com/office/powerpoint/2010/main" xmlns:p15="http://schemas.microsoft.com/office/powerpoint/2012/main" xmlns:mc="http://schemas.openxmlformats.org/markup-compatibility/2006" type="twoObjAndObj" preserve="1">
+<p:sldLayout xmlns:a="http://schemas.openxmlformats.org/drawingml/2006/main" xmlns:r="http://schemas.openxmlformats.org/officeDocument/2006/relationships" xmlns:p="http://schemas.openxmlformats.org/presentationml/2006/main" type="twoObjAndObj" preserve="1">
   <p:cSld name="Title, 2 Content and Content">
     <p:spTree>
       <p:nvGrpSpPr>
@@ -2637,9 +2868,10 @@
           </a:prstGeom>
         </p:spPr>
         <p:txBody>
-          <a:bodyPr lIns="0" rIns="0" tIns="0" bIns="0" anchor="ctr"/>
-          <a:p>
-            <a:endParaRPr b="0" lang="cs-CZ" sz="1800" spc="-1" strike="noStrike">
+          <a:bodyPr lIns="0" tIns="0" rIns="0" bIns="0" anchor="ctr"/>
+          <a:lstStyle/>
+          <a:p>
+            <a:endParaRPr lang="cs-CZ" sz="1800" b="0" strike="noStrike" spc="-1">
               <a:solidFill>
                 <a:srgbClr val="000000"/>
               </a:solidFill>
@@ -2668,11 +2900,12 @@
           </a:prstGeom>
         </p:spPr>
         <p:txBody>
-          <a:bodyPr lIns="0" rIns="0" tIns="0" bIns="0">
+          <a:bodyPr lIns="0" tIns="0" rIns="0" bIns="0">
             <a:normAutofit/>
           </a:bodyPr>
-          <a:p>
-            <a:endParaRPr b="0" lang="cs-CZ" sz="2800" spc="-1" strike="noStrike">
+          <a:lstStyle/>
+          <a:p>
+            <a:endParaRPr lang="cs-CZ" sz="2800" b="0" strike="noStrike" spc="-1">
               <a:solidFill>
                 <a:srgbClr val="000000"/>
               </a:solidFill>
@@ -2701,11 +2934,12 @@
           </a:prstGeom>
         </p:spPr>
         <p:txBody>
-          <a:bodyPr lIns="0" rIns="0" tIns="0" bIns="0">
+          <a:bodyPr lIns="0" tIns="0" rIns="0" bIns="0">
             <a:normAutofit/>
           </a:bodyPr>
-          <a:p>
-            <a:endParaRPr b="0" lang="cs-CZ" sz="2800" spc="-1" strike="noStrike">
+          <a:lstStyle/>
+          <a:p>
+            <a:endParaRPr lang="cs-CZ" sz="2800" b="0" strike="noStrike" spc="-1">
               <a:solidFill>
                 <a:srgbClr val="000000"/>
               </a:solidFill>
@@ -2734,11 +2968,12 @@
           </a:prstGeom>
         </p:spPr>
         <p:txBody>
-          <a:bodyPr lIns="0" rIns="0" tIns="0" bIns="0">
+          <a:bodyPr lIns="0" tIns="0" rIns="0" bIns="0">
             <a:normAutofit/>
           </a:bodyPr>
-          <a:p>
-            <a:endParaRPr b="0" lang="cs-CZ" sz="2800" spc="-1" strike="noStrike">
+          <a:lstStyle/>
+          <a:p>
+            <a:endParaRPr lang="cs-CZ" sz="2800" b="0" strike="noStrike" spc="-1">
               <a:solidFill>
                 <a:srgbClr val="000000"/>
               </a:solidFill>
@@ -2749,11 +2984,14 @@
       </p:sp>
     </p:spTree>
   </p:cSld>
+  <p:clrMapOvr>
+    <a:masterClrMapping/>
+  </p:clrMapOvr>
 </p:sldLayout>
 </file>
 
 <file path=ppt/slideLayouts/slideLayout32.xml><?xml version="1.0" encoding="utf-8"?>
-<p:sldLayout xmlns:a="http://schemas.openxmlformats.org/drawingml/2006/main" xmlns:p="http://schemas.openxmlformats.org/presentationml/2006/main" xmlns:r="http://schemas.openxmlformats.org/officeDocument/2006/relationships" xmlns:p14="http://schemas.microsoft.com/office/powerpoint/2010/main" xmlns:p15="http://schemas.microsoft.com/office/powerpoint/2012/main" xmlns:mc="http://schemas.openxmlformats.org/markup-compatibility/2006" type="objAndTwoObj" preserve="1">
+<p:sldLayout xmlns:a="http://schemas.openxmlformats.org/drawingml/2006/main" xmlns:r="http://schemas.openxmlformats.org/officeDocument/2006/relationships" xmlns:p="http://schemas.openxmlformats.org/presentationml/2006/main" type="objAndTwoObj" preserve="1">
   <p:cSld name="Title Content and 2 Content">
     <p:spTree>
       <p:nvGrpSpPr>
@@ -2789,9 +3027,10 @@
           </a:prstGeom>
         </p:spPr>
         <p:txBody>
-          <a:bodyPr lIns="0" rIns="0" tIns="0" bIns="0" anchor="ctr"/>
-          <a:p>
-            <a:endParaRPr b="0" lang="cs-CZ" sz="1800" spc="-1" strike="noStrike">
+          <a:bodyPr lIns="0" tIns="0" rIns="0" bIns="0" anchor="ctr"/>
+          <a:lstStyle/>
+          <a:p>
+            <a:endParaRPr lang="cs-CZ" sz="1800" b="0" strike="noStrike" spc="-1">
               <a:solidFill>
                 <a:srgbClr val="000000"/>
               </a:solidFill>
@@ -2820,11 +3059,12 @@
           </a:prstGeom>
         </p:spPr>
         <p:txBody>
-          <a:bodyPr lIns="0" rIns="0" tIns="0" bIns="0">
+          <a:bodyPr lIns="0" tIns="0" rIns="0" bIns="0">
             <a:normAutofit/>
           </a:bodyPr>
-          <a:p>
-            <a:endParaRPr b="0" lang="cs-CZ" sz="2800" spc="-1" strike="noStrike">
+          <a:lstStyle/>
+          <a:p>
+            <a:endParaRPr lang="cs-CZ" sz="2800" b="0" strike="noStrike" spc="-1">
               <a:solidFill>
                 <a:srgbClr val="000000"/>
               </a:solidFill>
@@ -2853,11 +3093,12 @@
           </a:prstGeom>
         </p:spPr>
         <p:txBody>
-          <a:bodyPr lIns="0" rIns="0" tIns="0" bIns="0">
+          <a:bodyPr lIns="0" tIns="0" rIns="0" bIns="0">
             <a:normAutofit/>
           </a:bodyPr>
-          <a:p>
-            <a:endParaRPr b="0" lang="cs-CZ" sz="2800" spc="-1" strike="noStrike">
+          <a:lstStyle/>
+          <a:p>
+            <a:endParaRPr lang="cs-CZ" sz="2800" b="0" strike="noStrike" spc="-1">
               <a:solidFill>
                 <a:srgbClr val="000000"/>
               </a:solidFill>
@@ -2886,11 +3127,12 @@
           </a:prstGeom>
         </p:spPr>
         <p:txBody>
-          <a:bodyPr lIns="0" rIns="0" tIns="0" bIns="0">
+          <a:bodyPr lIns="0" tIns="0" rIns="0" bIns="0">
             <a:normAutofit/>
           </a:bodyPr>
-          <a:p>
-            <a:endParaRPr b="0" lang="cs-CZ" sz="2800" spc="-1" strike="noStrike">
+          <a:lstStyle/>
+          <a:p>
+            <a:endParaRPr lang="cs-CZ" sz="2800" b="0" strike="noStrike" spc="-1">
               <a:solidFill>
                 <a:srgbClr val="000000"/>
               </a:solidFill>
@@ -2901,11 +3143,14 @@
       </p:sp>
     </p:spTree>
   </p:cSld>
+  <p:clrMapOvr>
+    <a:masterClrMapping/>
+  </p:clrMapOvr>
 </p:sldLayout>
 </file>
 
 <file path=ppt/slideLayouts/slideLayout33.xml><?xml version="1.0" encoding="utf-8"?>
-<p:sldLayout xmlns:a="http://schemas.openxmlformats.org/drawingml/2006/main" xmlns:p="http://schemas.openxmlformats.org/presentationml/2006/main" xmlns:r="http://schemas.openxmlformats.org/officeDocument/2006/relationships" xmlns:p14="http://schemas.microsoft.com/office/powerpoint/2010/main" xmlns:p15="http://schemas.microsoft.com/office/powerpoint/2012/main" xmlns:mc="http://schemas.openxmlformats.org/markup-compatibility/2006" type="twoObjOverTx" preserve="1">
+<p:sldLayout xmlns:a="http://schemas.openxmlformats.org/drawingml/2006/main" xmlns:r="http://schemas.openxmlformats.org/officeDocument/2006/relationships" xmlns:p="http://schemas.openxmlformats.org/presentationml/2006/main" type="twoObjOverTx" preserve="1">
   <p:cSld name="Title, 2 Content over Content">
     <p:spTree>
       <p:nvGrpSpPr>
@@ -2941,9 +3186,10 @@
           </a:prstGeom>
         </p:spPr>
         <p:txBody>
-          <a:bodyPr lIns="0" rIns="0" tIns="0" bIns="0" anchor="ctr"/>
-          <a:p>
-            <a:endParaRPr b="0" lang="cs-CZ" sz="1800" spc="-1" strike="noStrike">
+          <a:bodyPr lIns="0" tIns="0" rIns="0" bIns="0" anchor="ctr"/>
+          <a:lstStyle/>
+          <a:p>
+            <a:endParaRPr lang="cs-CZ" sz="1800" b="0" strike="noStrike" spc="-1">
               <a:solidFill>
                 <a:srgbClr val="000000"/>
               </a:solidFill>
@@ -2972,11 +3218,12 @@
           </a:prstGeom>
         </p:spPr>
         <p:txBody>
-          <a:bodyPr lIns="0" rIns="0" tIns="0" bIns="0">
+          <a:bodyPr lIns="0" tIns="0" rIns="0" bIns="0">
             <a:normAutofit/>
           </a:bodyPr>
-          <a:p>
-            <a:endParaRPr b="0" lang="cs-CZ" sz="2800" spc="-1" strike="noStrike">
+          <a:lstStyle/>
+          <a:p>
+            <a:endParaRPr lang="cs-CZ" sz="2800" b="0" strike="noStrike" spc="-1">
               <a:solidFill>
                 <a:srgbClr val="000000"/>
               </a:solidFill>
@@ -3005,11 +3252,12 @@
           </a:prstGeom>
         </p:spPr>
         <p:txBody>
-          <a:bodyPr lIns="0" rIns="0" tIns="0" bIns="0">
+          <a:bodyPr lIns="0" tIns="0" rIns="0" bIns="0">
             <a:normAutofit/>
           </a:bodyPr>
-          <a:p>
-            <a:endParaRPr b="0" lang="cs-CZ" sz="2800" spc="-1" strike="noStrike">
+          <a:lstStyle/>
+          <a:p>
+            <a:endParaRPr lang="cs-CZ" sz="2800" b="0" strike="noStrike" spc="-1">
               <a:solidFill>
                 <a:srgbClr val="000000"/>
               </a:solidFill>
@@ -3038,11 +3286,12 @@
           </a:prstGeom>
         </p:spPr>
         <p:txBody>
-          <a:bodyPr lIns="0" rIns="0" tIns="0" bIns="0">
+          <a:bodyPr lIns="0" tIns="0" rIns="0" bIns="0">
             <a:normAutofit/>
           </a:bodyPr>
-          <a:p>
-            <a:endParaRPr b="0" lang="cs-CZ" sz="2800" spc="-1" strike="noStrike">
+          <a:lstStyle/>
+          <a:p>
+            <a:endParaRPr lang="cs-CZ" sz="2800" b="0" strike="noStrike" spc="-1">
               <a:solidFill>
                 <a:srgbClr val="000000"/>
               </a:solidFill>
@@ -3053,11 +3302,14 @@
       </p:sp>
     </p:spTree>
   </p:cSld>
+  <p:clrMapOvr>
+    <a:masterClrMapping/>
+  </p:clrMapOvr>
 </p:sldLayout>
 </file>
 
 <file path=ppt/slideLayouts/slideLayout34.xml><?xml version="1.0" encoding="utf-8"?>
-<p:sldLayout xmlns:a="http://schemas.openxmlformats.org/drawingml/2006/main" xmlns:p="http://schemas.openxmlformats.org/presentationml/2006/main" xmlns:r="http://schemas.openxmlformats.org/officeDocument/2006/relationships" xmlns:p14="http://schemas.microsoft.com/office/powerpoint/2010/main" xmlns:p15="http://schemas.microsoft.com/office/powerpoint/2012/main" xmlns:mc="http://schemas.openxmlformats.org/markup-compatibility/2006" type="objOverTx" preserve="1">
+<p:sldLayout xmlns:a="http://schemas.openxmlformats.org/drawingml/2006/main" xmlns:r="http://schemas.openxmlformats.org/officeDocument/2006/relationships" xmlns:p="http://schemas.openxmlformats.org/presentationml/2006/main" type="objOverTx" preserve="1">
   <p:cSld name="Title, Content over Content">
     <p:spTree>
       <p:nvGrpSpPr>
@@ -3093,9 +3345,10 @@
           </a:prstGeom>
         </p:spPr>
         <p:txBody>
-          <a:bodyPr lIns="0" rIns="0" tIns="0" bIns="0" anchor="ctr"/>
-          <a:p>
-            <a:endParaRPr b="0" lang="cs-CZ" sz="1800" spc="-1" strike="noStrike">
+          <a:bodyPr lIns="0" tIns="0" rIns="0" bIns="0" anchor="ctr"/>
+          <a:lstStyle/>
+          <a:p>
+            <a:endParaRPr lang="cs-CZ" sz="1800" b="0" strike="noStrike" spc="-1">
               <a:solidFill>
                 <a:srgbClr val="000000"/>
               </a:solidFill>
@@ -3124,11 +3377,12 @@
           </a:prstGeom>
         </p:spPr>
         <p:txBody>
-          <a:bodyPr lIns="0" rIns="0" tIns="0" bIns="0">
+          <a:bodyPr lIns="0" tIns="0" rIns="0" bIns="0">
             <a:normAutofit/>
           </a:bodyPr>
-          <a:p>
-            <a:endParaRPr b="0" lang="cs-CZ" sz="2800" spc="-1" strike="noStrike">
+          <a:lstStyle/>
+          <a:p>
+            <a:endParaRPr lang="cs-CZ" sz="2800" b="0" strike="noStrike" spc="-1">
               <a:solidFill>
                 <a:srgbClr val="000000"/>
               </a:solidFill>
@@ -3157,11 +3411,12 @@
           </a:prstGeom>
         </p:spPr>
         <p:txBody>
-          <a:bodyPr lIns="0" rIns="0" tIns="0" bIns="0">
+          <a:bodyPr lIns="0" tIns="0" rIns="0" bIns="0">
             <a:normAutofit/>
           </a:bodyPr>
-          <a:p>
-            <a:endParaRPr b="0" lang="cs-CZ" sz="2800" spc="-1" strike="noStrike">
+          <a:lstStyle/>
+          <a:p>
+            <a:endParaRPr lang="cs-CZ" sz="2800" b="0" strike="noStrike" spc="-1">
               <a:solidFill>
                 <a:srgbClr val="000000"/>
               </a:solidFill>
@@ -3172,11 +3427,14 @@
       </p:sp>
     </p:spTree>
   </p:cSld>
+  <p:clrMapOvr>
+    <a:masterClrMapping/>
+  </p:clrMapOvr>
 </p:sldLayout>
 </file>
 
 <file path=ppt/slideLayouts/slideLayout35.xml><?xml version="1.0" encoding="utf-8"?>
-<p:sldLayout xmlns:a="http://schemas.openxmlformats.org/drawingml/2006/main" xmlns:p="http://schemas.openxmlformats.org/presentationml/2006/main" xmlns:r="http://schemas.openxmlformats.org/officeDocument/2006/relationships" xmlns:p14="http://schemas.microsoft.com/office/powerpoint/2010/main" xmlns:p15="http://schemas.microsoft.com/office/powerpoint/2012/main" xmlns:mc="http://schemas.openxmlformats.org/markup-compatibility/2006" type="fourObj" preserve="1">
+<p:sldLayout xmlns:a="http://schemas.openxmlformats.org/drawingml/2006/main" xmlns:r="http://schemas.openxmlformats.org/officeDocument/2006/relationships" xmlns:p="http://schemas.openxmlformats.org/presentationml/2006/main" type="fourObj" preserve="1">
   <p:cSld name="Title, 4 Content">
     <p:spTree>
       <p:nvGrpSpPr>
@@ -3212,9 +3470,10 @@
           </a:prstGeom>
         </p:spPr>
         <p:txBody>
-          <a:bodyPr lIns="0" rIns="0" tIns="0" bIns="0" anchor="ctr"/>
-          <a:p>
-            <a:endParaRPr b="0" lang="cs-CZ" sz="1800" spc="-1" strike="noStrike">
+          <a:bodyPr lIns="0" tIns="0" rIns="0" bIns="0" anchor="ctr"/>
+          <a:lstStyle/>
+          <a:p>
+            <a:endParaRPr lang="cs-CZ" sz="1800" b="0" strike="noStrike" spc="-1">
               <a:solidFill>
                 <a:srgbClr val="000000"/>
               </a:solidFill>
@@ -3243,11 +3502,12 @@
           </a:prstGeom>
         </p:spPr>
         <p:txBody>
-          <a:bodyPr lIns="0" rIns="0" tIns="0" bIns="0">
+          <a:bodyPr lIns="0" tIns="0" rIns="0" bIns="0">
             <a:normAutofit/>
           </a:bodyPr>
-          <a:p>
-            <a:endParaRPr b="0" lang="cs-CZ" sz="2800" spc="-1" strike="noStrike">
+          <a:lstStyle/>
+          <a:p>
+            <a:endParaRPr lang="cs-CZ" sz="2800" b="0" strike="noStrike" spc="-1">
               <a:solidFill>
                 <a:srgbClr val="000000"/>
               </a:solidFill>
@@ -3276,11 +3536,12 @@
           </a:prstGeom>
         </p:spPr>
         <p:txBody>
-          <a:bodyPr lIns="0" rIns="0" tIns="0" bIns="0">
+          <a:bodyPr lIns="0" tIns="0" rIns="0" bIns="0">
             <a:normAutofit/>
           </a:bodyPr>
-          <a:p>
-            <a:endParaRPr b="0" lang="cs-CZ" sz="2800" spc="-1" strike="noStrike">
+          <a:lstStyle/>
+          <a:p>
+            <a:endParaRPr lang="cs-CZ" sz="2800" b="0" strike="noStrike" spc="-1">
               <a:solidFill>
                 <a:srgbClr val="000000"/>
               </a:solidFill>
@@ -3309,11 +3570,12 @@
           </a:prstGeom>
         </p:spPr>
         <p:txBody>
-          <a:bodyPr lIns="0" rIns="0" tIns="0" bIns="0">
+          <a:bodyPr lIns="0" tIns="0" rIns="0" bIns="0">
             <a:normAutofit/>
           </a:bodyPr>
-          <a:p>
-            <a:endParaRPr b="0" lang="cs-CZ" sz="2800" spc="-1" strike="noStrike">
+          <a:lstStyle/>
+          <a:p>
+            <a:endParaRPr lang="cs-CZ" sz="2800" b="0" strike="noStrike" spc="-1">
               <a:solidFill>
                 <a:srgbClr val="000000"/>
               </a:solidFill>
@@ -3342,11 +3604,12 @@
           </a:prstGeom>
         </p:spPr>
         <p:txBody>
-          <a:bodyPr lIns="0" rIns="0" tIns="0" bIns="0">
+          <a:bodyPr lIns="0" tIns="0" rIns="0" bIns="0">
             <a:normAutofit/>
           </a:bodyPr>
-          <a:p>
-            <a:endParaRPr b="0" lang="cs-CZ" sz="2800" spc="-1" strike="noStrike">
+          <a:lstStyle/>
+          <a:p>
+            <a:endParaRPr lang="cs-CZ" sz="2800" b="0" strike="noStrike" spc="-1">
               <a:solidFill>
                 <a:srgbClr val="000000"/>
               </a:solidFill>
@@ -3357,11 +3620,14 @@
       </p:sp>
     </p:spTree>
   </p:cSld>
+  <p:clrMapOvr>
+    <a:masterClrMapping/>
+  </p:clrMapOvr>
 </p:sldLayout>
 </file>
 
 <file path=ppt/slideLayouts/slideLayout36.xml><?xml version="1.0" encoding="utf-8"?>
-<p:sldLayout xmlns:a="http://schemas.openxmlformats.org/drawingml/2006/main" xmlns:p="http://schemas.openxmlformats.org/presentationml/2006/main" xmlns:r="http://schemas.openxmlformats.org/officeDocument/2006/relationships" xmlns:p14="http://schemas.microsoft.com/office/powerpoint/2010/main" xmlns:p15="http://schemas.microsoft.com/office/powerpoint/2012/main" xmlns:mc="http://schemas.openxmlformats.org/markup-compatibility/2006" type="blank" preserve="1">
+<p:sldLayout xmlns:a="http://schemas.openxmlformats.org/drawingml/2006/main" xmlns:r="http://schemas.openxmlformats.org/officeDocument/2006/relationships" xmlns:p="http://schemas.openxmlformats.org/presentationml/2006/main" type="blank" preserve="1">
   <p:cSld name="Title, 6 Content">
     <p:spTree>
       <p:nvGrpSpPr>
@@ -3397,9 +3663,10 @@
           </a:prstGeom>
         </p:spPr>
         <p:txBody>
-          <a:bodyPr lIns="0" rIns="0" tIns="0" bIns="0" anchor="ctr"/>
-          <a:p>
-            <a:endParaRPr b="0" lang="cs-CZ" sz="1800" spc="-1" strike="noStrike">
+          <a:bodyPr lIns="0" tIns="0" rIns="0" bIns="0" anchor="ctr"/>
+          <a:lstStyle/>
+          <a:p>
+            <a:endParaRPr lang="cs-CZ" sz="1800" b="0" strike="noStrike" spc="-1">
               <a:solidFill>
                 <a:srgbClr val="000000"/>
               </a:solidFill>
@@ -3428,11 +3695,12 @@
           </a:prstGeom>
         </p:spPr>
         <p:txBody>
-          <a:bodyPr lIns="0" rIns="0" tIns="0" bIns="0">
+          <a:bodyPr lIns="0" tIns="0" rIns="0" bIns="0">
             <a:normAutofit/>
           </a:bodyPr>
-          <a:p>
-            <a:endParaRPr b="0" lang="cs-CZ" sz="2800" spc="-1" strike="noStrike">
+          <a:lstStyle/>
+          <a:p>
+            <a:endParaRPr lang="cs-CZ" sz="2800" b="0" strike="noStrike" spc="-1">
               <a:solidFill>
                 <a:srgbClr val="000000"/>
               </a:solidFill>
@@ -3461,11 +3729,12 @@
           </a:prstGeom>
         </p:spPr>
         <p:txBody>
-          <a:bodyPr lIns="0" rIns="0" tIns="0" bIns="0">
+          <a:bodyPr lIns="0" tIns="0" rIns="0" bIns="0">
             <a:normAutofit/>
           </a:bodyPr>
-          <a:p>
-            <a:endParaRPr b="0" lang="cs-CZ" sz="2800" spc="-1" strike="noStrike">
+          <a:lstStyle/>
+          <a:p>
+            <a:endParaRPr lang="cs-CZ" sz="2800" b="0" strike="noStrike" spc="-1">
               <a:solidFill>
                 <a:srgbClr val="000000"/>
               </a:solidFill>
@@ -3494,11 +3763,12 @@
           </a:prstGeom>
         </p:spPr>
         <p:txBody>
-          <a:bodyPr lIns="0" rIns="0" tIns="0" bIns="0">
+          <a:bodyPr lIns="0" tIns="0" rIns="0" bIns="0">
             <a:normAutofit/>
           </a:bodyPr>
-          <a:p>
-            <a:endParaRPr b="0" lang="cs-CZ" sz="2800" spc="-1" strike="noStrike">
+          <a:lstStyle/>
+          <a:p>
+            <a:endParaRPr lang="cs-CZ" sz="2800" b="0" strike="noStrike" spc="-1">
               <a:solidFill>
                 <a:srgbClr val="000000"/>
               </a:solidFill>
@@ -3527,11 +3797,12 @@
           </a:prstGeom>
         </p:spPr>
         <p:txBody>
-          <a:bodyPr lIns="0" rIns="0" tIns="0" bIns="0">
+          <a:bodyPr lIns="0" tIns="0" rIns="0" bIns="0">
             <a:normAutofit/>
           </a:bodyPr>
-          <a:p>
-            <a:endParaRPr b="0" lang="cs-CZ" sz="2800" spc="-1" strike="noStrike">
+          <a:lstStyle/>
+          <a:p>
+            <a:endParaRPr lang="cs-CZ" sz="2800" b="0" strike="noStrike" spc="-1">
               <a:solidFill>
                 <a:srgbClr val="000000"/>
               </a:solidFill>
@@ -3560,11 +3831,12 @@
           </a:prstGeom>
         </p:spPr>
         <p:txBody>
-          <a:bodyPr lIns="0" rIns="0" tIns="0" bIns="0">
+          <a:bodyPr lIns="0" tIns="0" rIns="0" bIns="0">
             <a:normAutofit/>
           </a:bodyPr>
-          <a:p>
-            <a:endParaRPr b="0" lang="cs-CZ" sz="2800" spc="-1" strike="noStrike">
+          <a:lstStyle/>
+          <a:p>
+            <a:endParaRPr lang="cs-CZ" sz="2800" b="0" strike="noStrike" spc="-1">
               <a:solidFill>
                 <a:srgbClr val="000000"/>
               </a:solidFill>
@@ -3593,11 +3865,12 @@
           </a:prstGeom>
         </p:spPr>
         <p:txBody>
-          <a:bodyPr lIns="0" rIns="0" tIns="0" bIns="0">
+          <a:bodyPr lIns="0" tIns="0" rIns="0" bIns="0">
             <a:normAutofit/>
           </a:bodyPr>
-          <a:p>
-            <a:endParaRPr b="0" lang="cs-CZ" sz="2800" spc="-1" strike="noStrike">
+          <a:lstStyle/>
+          <a:p>
+            <a:endParaRPr lang="cs-CZ" sz="2800" b="0" strike="noStrike" spc="-1">
               <a:solidFill>
                 <a:srgbClr val="000000"/>
               </a:solidFill>
@@ -3608,11 +3881,14 @@
       </p:sp>
     </p:spTree>
   </p:cSld>
+  <p:clrMapOvr>
+    <a:masterClrMapping/>
+  </p:clrMapOvr>
 </p:sldLayout>
 </file>
 
 <file path=ppt/slideLayouts/slideLayout4.xml><?xml version="1.0" encoding="utf-8"?>
-<p:sldLayout xmlns:a="http://schemas.openxmlformats.org/drawingml/2006/main" xmlns:p="http://schemas.openxmlformats.org/presentationml/2006/main" xmlns:r="http://schemas.openxmlformats.org/officeDocument/2006/relationships" xmlns:p14="http://schemas.microsoft.com/office/powerpoint/2010/main" xmlns:p15="http://schemas.microsoft.com/office/powerpoint/2012/main" xmlns:mc="http://schemas.openxmlformats.org/markup-compatibility/2006" type="twoObj" preserve="1">
+<p:sldLayout xmlns:a="http://schemas.openxmlformats.org/drawingml/2006/main" xmlns:r="http://schemas.openxmlformats.org/officeDocument/2006/relationships" xmlns:p="http://schemas.openxmlformats.org/presentationml/2006/main" type="twoObj" preserve="1">
   <p:cSld name="Title, 2 Content">
     <p:spTree>
       <p:nvGrpSpPr>
@@ -3648,9 +3924,10 @@
           </a:prstGeom>
         </p:spPr>
         <p:txBody>
-          <a:bodyPr lIns="0" rIns="0" tIns="0" bIns="0" anchor="ctr"/>
-          <a:p>
-            <a:endParaRPr b="0" lang="cs-CZ" sz="1800" spc="-1" strike="noStrike">
+          <a:bodyPr lIns="0" tIns="0" rIns="0" bIns="0" anchor="ctr"/>
+          <a:lstStyle/>
+          <a:p>
+            <a:endParaRPr lang="cs-CZ" sz="1800" b="0" strike="noStrike" spc="-1">
               <a:solidFill>
                 <a:srgbClr val="000000"/>
               </a:solidFill>
@@ -3679,11 +3956,12 @@
           </a:prstGeom>
         </p:spPr>
         <p:txBody>
-          <a:bodyPr lIns="0" rIns="0" tIns="0" bIns="0">
+          <a:bodyPr lIns="0" tIns="0" rIns="0" bIns="0">
             <a:normAutofit/>
           </a:bodyPr>
-          <a:p>
-            <a:endParaRPr b="0" lang="cs-CZ" sz="2800" spc="-1" strike="noStrike">
+          <a:lstStyle/>
+          <a:p>
+            <a:endParaRPr lang="cs-CZ" sz="2800" b="0" strike="noStrike" spc="-1">
               <a:solidFill>
                 <a:srgbClr val="000000"/>
               </a:solidFill>
@@ -3712,11 +3990,12 @@
           </a:prstGeom>
         </p:spPr>
         <p:txBody>
-          <a:bodyPr lIns="0" rIns="0" tIns="0" bIns="0">
+          <a:bodyPr lIns="0" tIns="0" rIns="0" bIns="0">
             <a:normAutofit/>
           </a:bodyPr>
-          <a:p>
-            <a:endParaRPr b="0" lang="cs-CZ" sz="2800" spc="-1" strike="noStrike">
+          <a:lstStyle/>
+          <a:p>
+            <a:endParaRPr lang="cs-CZ" sz="2800" b="0" strike="noStrike" spc="-1">
               <a:solidFill>
                 <a:srgbClr val="000000"/>
               </a:solidFill>
@@ -3727,11 +4006,14 @@
       </p:sp>
     </p:spTree>
   </p:cSld>
+  <p:clrMapOvr>
+    <a:masterClrMapping/>
+  </p:clrMapOvr>
 </p:sldLayout>
 </file>
 
 <file path=ppt/slideLayouts/slideLayout5.xml><?xml version="1.0" encoding="utf-8"?>
-<p:sldLayout xmlns:a="http://schemas.openxmlformats.org/drawingml/2006/main" xmlns:p="http://schemas.openxmlformats.org/presentationml/2006/main" xmlns:r="http://schemas.openxmlformats.org/officeDocument/2006/relationships" xmlns:p14="http://schemas.microsoft.com/office/powerpoint/2010/main" xmlns:p15="http://schemas.microsoft.com/office/powerpoint/2012/main" xmlns:mc="http://schemas.openxmlformats.org/markup-compatibility/2006" type="titleOnly" preserve="1">
+<p:sldLayout xmlns:a="http://schemas.openxmlformats.org/drawingml/2006/main" xmlns:r="http://schemas.openxmlformats.org/officeDocument/2006/relationships" xmlns:p="http://schemas.openxmlformats.org/presentationml/2006/main" type="titleOnly" preserve="1">
   <p:cSld name="Title Only">
     <p:spTree>
       <p:nvGrpSpPr>
@@ -3767,9 +4049,10 @@
           </a:prstGeom>
         </p:spPr>
         <p:txBody>
-          <a:bodyPr lIns="0" rIns="0" tIns="0" bIns="0" anchor="ctr"/>
-          <a:p>
-            <a:endParaRPr b="0" lang="cs-CZ" sz="1800" spc="-1" strike="noStrike">
+          <a:bodyPr lIns="0" tIns="0" rIns="0" bIns="0" anchor="ctr"/>
+          <a:lstStyle/>
+          <a:p>
+            <a:endParaRPr lang="cs-CZ" sz="1800" b="0" strike="noStrike" spc="-1">
               <a:solidFill>
                 <a:srgbClr val="000000"/>
               </a:solidFill>
@@ -3780,11 +4063,14 @@
       </p:sp>
     </p:spTree>
   </p:cSld>
+  <p:clrMapOvr>
+    <a:masterClrMapping/>
+  </p:clrMapOvr>
 </p:sldLayout>
 </file>
 
 <file path=ppt/slideLayouts/slideLayout6.xml><?xml version="1.0" encoding="utf-8"?>
-<p:sldLayout xmlns:a="http://schemas.openxmlformats.org/drawingml/2006/main" xmlns:p="http://schemas.openxmlformats.org/presentationml/2006/main" xmlns:r="http://schemas.openxmlformats.org/officeDocument/2006/relationships" xmlns:p14="http://schemas.microsoft.com/office/powerpoint/2010/main" xmlns:p15="http://schemas.microsoft.com/office/powerpoint/2012/main" xmlns:mc="http://schemas.openxmlformats.org/markup-compatibility/2006" type="objOnly" preserve="1">
+<p:sldLayout xmlns:a="http://schemas.openxmlformats.org/drawingml/2006/main" xmlns:r="http://schemas.openxmlformats.org/officeDocument/2006/relationships" xmlns:p="http://schemas.openxmlformats.org/presentationml/2006/main" type="objOnly" preserve="1">
   <p:cSld name="Centered Text">
     <p:spTree>
       <p:nvGrpSpPr>
@@ -3820,10 +4106,11 @@
           </a:prstGeom>
         </p:spPr>
         <p:txBody>
-          <a:bodyPr lIns="0" rIns="0" tIns="0" bIns="0" anchor="ctr"/>
+          <a:bodyPr lIns="0" tIns="0" rIns="0" bIns="0" anchor="ctr"/>
+          <a:lstStyle/>
           <a:p>
             <a:pPr algn="ctr"/>
-            <a:endParaRPr b="0" lang="cs-CZ" sz="3200" spc="-1" strike="noStrike">
+            <a:endParaRPr lang="cs-CZ" sz="3200" b="0" strike="noStrike" spc="-1">
               <a:latin typeface="Arial"/>
             </a:endParaRPr>
           </a:p>
@@ -3831,11 +4118,14 @@
       </p:sp>
     </p:spTree>
   </p:cSld>
+  <p:clrMapOvr>
+    <a:masterClrMapping/>
+  </p:clrMapOvr>
 </p:sldLayout>
 </file>
 
 <file path=ppt/slideLayouts/slideLayout7.xml><?xml version="1.0" encoding="utf-8"?>
-<p:sldLayout xmlns:a="http://schemas.openxmlformats.org/drawingml/2006/main" xmlns:p="http://schemas.openxmlformats.org/presentationml/2006/main" xmlns:r="http://schemas.openxmlformats.org/officeDocument/2006/relationships" xmlns:p14="http://schemas.microsoft.com/office/powerpoint/2010/main" xmlns:p15="http://schemas.microsoft.com/office/powerpoint/2012/main" xmlns:mc="http://schemas.openxmlformats.org/markup-compatibility/2006" type="twoObjAndObj" preserve="1">
+<p:sldLayout xmlns:a="http://schemas.openxmlformats.org/drawingml/2006/main" xmlns:r="http://schemas.openxmlformats.org/officeDocument/2006/relationships" xmlns:p="http://schemas.openxmlformats.org/presentationml/2006/main" type="twoObjAndObj" preserve="1">
   <p:cSld name="Title, 2 Content and Content">
     <p:spTree>
       <p:nvGrpSpPr>
@@ -3871,9 +4161,10 @@
           </a:prstGeom>
         </p:spPr>
         <p:txBody>
-          <a:bodyPr lIns="0" rIns="0" tIns="0" bIns="0" anchor="ctr"/>
-          <a:p>
-            <a:endParaRPr b="0" lang="cs-CZ" sz="1800" spc="-1" strike="noStrike">
+          <a:bodyPr lIns="0" tIns="0" rIns="0" bIns="0" anchor="ctr"/>
+          <a:lstStyle/>
+          <a:p>
+            <a:endParaRPr lang="cs-CZ" sz="1800" b="0" strike="noStrike" spc="-1">
               <a:solidFill>
                 <a:srgbClr val="000000"/>
               </a:solidFill>
@@ -3902,11 +4193,12 @@
           </a:prstGeom>
         </p:spPr>
         <p:txBody>
-          <a:bodyPr lIns="0" rIns="0" tIns="0" bIns="0">
+          <a:bodyPr lIns="0" tIns="0" rIns="0" bIns="0">
             <a:normAutofit/>
           </a:bodyPr>
-          <a:p>
-            <a:endParaRPr b="0" lang="cs-CZ" sz="2800" spc="-1" strike="noStrike">
+          <a:lstStyle/>
+          <a:p>
+            <a:endParaRPr lang="cs-CZ" sz="2800" b="0" strike="noStrike" spc="-1">
               <a:solidFill>
                 <a:srgbClr val="000000"/>
               </a:solidFill>
@@ -3935,11 +4227,12 @@
           </a:prstGeom>
         </p:spPr>
         <p:txBody>
-          <a:bodyPr lIns="0" rIns="0" tIns="0" bIns="0">
+          <a:bodyPr lIns="0" tIns="0" rIns="0" bIns="0">
             <a:normAutofit/>
           </a:bodyPr>
-          <a:p>
-            <a:endParaRPr b="0" lang="cs-CZ" sz="2800" spc="-1" strike="noStrike">
+          <a:lstStyle/>
+          <a:p>
+            <a:endParaRPr lang="cs-CZ" sz="2800" b="0" strike="noStrike" spc="-1">
               <a:solidFill>
                 <a:srgbClr val="000000"/>
               </a:solidFill>
@@ -3968,11 +4261,12 @@
           </a:prstGeom>
         </p:spPr>
         <p:txBody>
-          <a:bodyPr lIns="0" rIns="0" tIns="0" bIns="0">
+          <a:bodyPr lIns="0" tIns="0" rIns="0" bIns="0">
             <a:normAutofit/>
           </a:bodyPr>
-          <a:p>
-            <a:endParaRPr b="0" lang="cs-CZ" sz="2800" spc="-1" strike="noStrike">
+          <a:lstStyle/>
+          <a:p>
+            <a:endParaRPr lang="cs-CZ" sz="2800" b="0" strike="noStrike" spc="-1">
               <a:solidFill>
                 <a:srgbClr val="000000"/>
               </a:solidFill>
@@ -3983,11 +4277,14 @@
       </p:sp>
     </p:spTree>
   </p:cSld>
+  <p:clrMapOvr>
+    <a:masterClrMapping/>
+  </p:clrMapOvr>
 </p:sldLayout>
 </file>
 
 <file path=ppt/slideLayouts/slideLayout8.xml><?xml version="1.0" encoding="utf-8"?>
-<p:sldLayout xmlns:a="http://schemas.openxmlformats.org/drawingml/2006/main" xmlns:p="http://schemas.openxmlformats.org/presentationml/2006/main" xmlns:r="http://schemas.openxmlformats.org/officeDocument/2006/relationships" xmlns:p14="http://schemas.microsoft.com/office/powerpoint/2010/main" xmlns:p15="http://schemas.microsoft.com/office/powerpoint/2012/main" xmlns:mc="http://schemas.openxmlformats.org/markup-compatibility/2006" type="objAndTwoObj" preserve="1">
+<p:sldLayout xmlns:a="http://schemas.openxmlformats.org/drawingml/2006/main" xmlns:r="http://schemas.openxmlformats.org/officeDocument/2006/relationships" xmlns:p="http://schemas.openxmlformats.org/presentationml/2006/main" type="objAndTwoObj" preserve="1">
   <p:cSld name="Title Content and 2 Content">
     <p:spTree>
       <p:nvGrpSpPr>
@@ -4023,9 +4320,10 @@
           </a:prstGeom>
         </p:spPr>
         <p:txBody>
-          <a:bodyPr lIns="0" rIns="0" tIns="0" bIns="0" anchor="ctr"/>
-          <a:p>
-            <a:endParaRPr b="0" lang="cs-CZ" sz="1800" spc="-1" strike="noStrike">
+          <a:bodyPr lIns="0" tIns="0" rIns="0" bIns="0" anchor="ctr"/>
+          <a:lstStyle/>
+          <a:p>
+            <a:endParaRPr lang="cs-CZ" sz="1800" b="0" strike="noStrike" spc="-1">
               <a:solidFill>
                 <a:srgbClr val="000000"/>
               </a:solidFill>
@@ -4054,11 +4352,12 @@
           </a:prstGeom>
         </p:spPr>
         <p:txBody>
-          <a:bodyPr lIns="0" rIns="0" tIns="0" bIns="0">
+          <a:bodyPr lIns="0" tIns="0" rIns="0" bIns="0">
             <a:normAutofit/>
           </a:bodyPr>
-          <a:p>
-            <a:endParaRPr b="0" lang="cs-CZ" sz="2800" spc="-1" strike="noStrike">
+          <a:lstStyle/>
+          <a:p>
+            <a:endParaRPr lang="cs-CZ" sz="2800" b="0" strike="noStrike" spc="-1">
               <a:solidFill>
                 <a:srgbClr val="000000"/>
               </a:solidFill>
@@ -4087,11 +4386,12 @@
           </a:prstGeom>
         </p:spPr>
         <p:txBody>
-          <a:bodyPr lIns="0" rIns="0" tIns="0" bIns="0">
+          <a:bodyPr lIns="0" tIns="0" rIns="0" bIns="0">
             <a:normAutofit/>
           </a:bodyPr>
-          <a:p>
-            <a:endParaRPr b="0" lang="cs-CZ" sz="2800" spc="-1" strike="noStrike">
+          <a:lstStyle/>
+          <a:p>
+            <a:endParaRPr lang="cs-CZ" sz="2800" b="0" strike="noStrike" spc="-1">
               <a:solidFill>
                 <a:srgbClr val="000000"/>
               </a:solidFill>
@@ -4120,11 +4420,12 @@
           </a:prstGeom>
         </p:spPr>
         <p:txBody>
-          <a:bodyPr lIns="0" rIns="0" tIns="0" bIns="0">
+          <a:bodyPr lIns="0" tIns="0" rIns="0" bIns="0">
             <a:normAutofit/>
           </a:bodyPr>
-          <a:p>
-            <a:endParaRPr b="0" lang="cs-CZ" sz="2800" spc="-1" strike="noStrike">
+          <a:lstStyle/>
+          <a:p>
+            <a:endParaRPr lang="cs-CZ" sz="2800" b="0" strike="noStrike" spc="-1">
               <a:solidFill>
                 <a:srgbClr val="000000"/>
               </a:solidFill>
@@ -4135,11 +4436,14 @@
       </p:sp>
     </p:spTree>
   </p:cSld>
+  <p:clrMapOvr>
+    <a:masterClrMapping/>
+  </p:clrMapOvr>
 </p:sldLayout>
 </file>
 
 <file path=ppt/slideLayouts/slideLayout9.xml><?xml version="1.0" encoding="utf-8"?>
-<p:sldLayout xmlns:a="http://schemas.openxmlformats.org/drawingml/2006/main" xmlns:p="http://schemas.openxmlformats.org/presentationml/2006/main" xmlns:r="http://schemas.openxmlformats.org/officeDocument/2006/relationships" xmlns:p14="http://schemas.microsoft.com/office/powerpoint/2010/main" xmlns:p15="http://schemas.microsoft.com/office/powerpoint/2012/main" xmlns:mc="http://schemas.openxmlformats.org/markup-compatibility/2006" type="twoObjOverTx" preserve="1">
+<p:sldLayout xmlns:a="http://schemas.openxmlformats.org/drawingml/2006/main" xmlns:r="http://schemas.openxmlformats.org/officeDocument/2006/relationships" xmlns:p="http://schemas.openxmlformats.org/presentationml/2006/main" type="twoObjOverTx" preserve="1">
   <p:cSld name="Title, 2 Content over Content">
     <p:spTree>
       <p:nvGrpSpPr>
@@ -4175,9 +4479,10 @@
           </a:prstGeom>
         </p:spPr>
         <p:txBody>
-          <a:bodyPr lIns="0" rIns="0" tIns="0" bIns="0" anchor="ctr"/>
-          <a:p>
-            <a:endParaRPr b="0" lang="cs-CZ" sz="1800" spc="-1" strike="noStrike">
+          <a:bodyPr lIns="0" tIns="0" rIns="0" bIns="0" anchor="ctr"/>
+          <a:lstStyle/>
+          <a:p>
+            <a:endParaRPr lang="cs-CZ" sz="1800" b="0" strike="noStrike" spc="-1">
               <a:solidFill>
                 <a:srgbClr val="000000"/>
               </a:solidFill>
@@ -4206,11 +4511,12 @@
           </a:prstGeom>
         </p:spPr>
         <p:txBody>
-          <a:bodyPr lIns="0" rIns="0" tIns="0" bIns="0">
+          <a:bodyPr lIns="0" tIns="0" rIns="0" bIns="0">
             <a:normAutofit/>
           </a:bodyPr>
-          <a:p>
-            <a:endParaRPr b="0" lang="cs-CZ" sz="2800" spc="-1" strike="noStrike">
+          <a:lstStyle/>
+          <a:p>
+            <a:endParaRPr lang="cs-CZ" sz="2800" b="0" strike="noStrike" spc="-1">
               <a:solidFill>
                 <a:srgbClr val="000000"/>
               </a:solidFill>
@@ -4239,11 +4545,12 @@
           </a:prstGeom>
         </p:spPr>
         <p:txBody>
-          <a:bodyPr lIns="0" rIns="0" tIns="0" bIns="0">
+          <a:bodyPr lIns="0" tIns="0" rIns="0" bIns="0">
             <a:normAutofit/>
           </a:bodyPr>
-          <a:p>
-            <a:endParaRPr b="0" lang="cs-CZ" sz="2800" spc="-1" strike="noStrike">
+          <a:lstStyle/>
+          <a:p>
+            <a:endParaRPr lang="cs-CZ" sz="2800" b="0" strike="noStrike" spc="-1">
               <a:solidFill>
                 <a:srgbClr val="000000"/>
               </a:solidFill>
@@ -4272,11 +4579,12 @@
           </a:prstGeom>
         </p:spPr>
         <p:txBody>
-          <a:bodyPr lIns="0" rIns="0" tIns="0" bIns="0">
+          <a:bodyPr lIns="0" tIns="0" rIns="0" bIns="0">
             <a:normAutofit/>
           </a:bodyPr>
-          <a:p>
-            <a:endParaRPr b="0" lang="cs-CZ" sz="2800" spc="-1" strike="noStrike">
+          <a:lstStyle/>
+          <a:p>
+            <a:endParaRPr lang="cs-CZ" sz="2800" b="0" strike="noStrike" spc="-1">
               <a:solidFill>
                 <a:srgbClr val="000000"/>
               </a:solidFill>
@@ -4287,20 +4595,24 @@
       </p:sp>
     </p:spTree>
   </p:cSld>
+  <p:clrMapOvr>
+    <a:masterClrMapping/>
+  </p:clrMapOvr>
 </p:sldLayout>
 </file>
 
 <file path=ppt/slideMasters/slideMaster1.xml><?xml version="1.0" encoding="utf-8"?>
-<p:sldMaster xmlns:a="http://schemas.openxmlformats.org/drawingml/2006/main" xmlns:p="http://schemas.openxmlformats.org/presentationml/2006/main" xmlns:r="http://schemas.openxmlformats.org/officeDocument/2006/relationships" xmlns:p14="http://schemas.microsoft.com/office/powerpoint/2010/main" xmlns:p15="http://schemas.microsoft.com/office/powerpoint/2012/main" xmlns:mc="http://schemas.openxmlformats.org/markup-compatibility/2006">
+<p:sldMaster xmlns:a="http://schemas.openxmlformats.org/drawingml/2006/main" xmlns:r="http://schemas.openxmlformats.org/officeDocument/2006/relationships" xmlns:p="http://schemas.openxmlformats.org/presentationml/2006/main">
   <p:cSld>
     <p:bg>
       <p:bgPr>
         <a:blipFill rotWithShape="0">
-          <a:blip r:embed="rId2"/>
+          <a:blip r:embed="rId14"/>
           <a:stretch>
             <a:fillRect/>
           </a:stretch>
         </a:blipFill>
+        <a:effectLst/>
       </p:bgPr>
     </p:bg>
     <p:spTree>
@@ -4319,7 +4631,7 @@
       </p:grpSpPr>
       <p:sp>
         <p:nvSpPr>
-          <p:cNvPr id="0" name="PlaceHolder 1"/>
+          <p:cNvPr id="2" name="PlaceHolder 1"/>
           <p:cNvSpPr>
             <a:spLocks noGrp="1"/>
           </p:cNvSpPr>
@@ -4337,10 +4649,11 @@
           </a:prstGeom>
         </p:spPr>
         <p:txBody>
-          <a:bodyPr lIns="0" rIns="0" tIns="0" bIns="0" anchor="ctr"/>
+          <a:bodyPr lIns="0" tIns="0" rIns="0" bIns="0" anchor="ctr"/>
+          <a:lstStyle/>
           <a:p>
             <a:r>
-              <a:rPr b="0" lang="cs-CZ" sz="4400" spc="-1" strike="noStrike">
+              <a:rPr lang="cs-CZ" sz="4400" b="0" strike="noStrike" spc="-1">
                 <a:solidFill>
                   <a:srgbClr val="000000"/>
                 </a:solidFill>
@@ -4348,18 +4661,12 @@
               </a:rPr>
               <a:t>Klikněte pro úpravu formátu textu nadpisu</a:t>
             </a:r>
-            <a:endParaRPr b="0" lang="cs-CZ" sz="4400" spc="-1" strike="noStrike">
-              <a:solidFill>
-                <a:srgbClr val="000000"/>
-              </a:solidFill>
-              <a:latin typeface="Arial"/>
-            </a:endParaRPr>
-          </a:p>
-        </p:txBody>
-      </p:sp>
-      <p:sp>
-        <p:nvSpPr>
-          <p:cNvPr id="1" name="PlaceHolder 2"/>
+          </a:p>
+        </p:txBody>
+      </p:sp>
+      <p:sp>
+        <p:nvSpPr>
+          <p:cNvPr id="3" name="PlaceHolder 2"/>
           <p:cNvSpPr>
             <a:spLocks noGrp="1"/>
           </p:cNvSpPr>
@@ -4377,9 +4684,10 @@
           </a:prstGeom>
         </p:spPr>
         <p:txBody>
-          <a:bodyPr lIns="0" rIns="0" tIns="0" bIns="0">
+          <a:bodyPr lIns="0" tIns="0" rIns="0" bIns="0">
             <a:normAutofit/>
           </a:bodyPr>
+          <a:lstStyle/>
           <a:p>
             <a:pPr marL="432000" indent="-324000">
               <a:spcBef>
@@ -4393,7 +4701,7 @@
               <a:buChar char=""/>
             </a:pPr>
             <a:r>
-              <a:rPr b="0" lang="cs-CZ" sz="2800" spc="-1" strike="noStrike">
+              <a:rPr lang="cs-CZ" sz="2800" b="0" strike="noStrike" spc="-1">
                 <a:solidFill>
                   <a:srgbClr val="000000"/>
                 </a:solidFill>
@@ -4401,15 +4709,9 @@
               </a:rPr>
               <a:t>Klikněte pro úpravu formátu textu osnovy</a:t>
             </a:r>
-            <a:endParaRPr b="0" lang="cs-CZ" sz="2800" spc="-1" strike="noStrike">
-              <a:solidFill>
-                <a:srgbClr val="000000"/>
-              </a:solidFill>
-              <a:latin typeface="Arial"/>
-            </a:endParaRPr>
-          </a:p>
-          <a:p>
-            <a:pPr lvl="1" marL="864000" indent="-324000">
+          </a:p>
+          <a:p>
+            <a:pPr marL="864000" lvl="1" indent="-324000">
               <a:spcBef>
                 <a:spcPts val="1134"/>
               </a:spcBef>
@@ -4421,7 +4723,7 @@
               <a:buChar char=""/>
             </a:pPr>
             <a:r>
-              <a:rPr b="0" lang="cs-CZ" sz="2000" spc="-1" strike="noStrike">
+              <a:rPr lang="cs-CZ" sz="2000" b="0" strike="noStrike" spc="-1">
                 <a:solidFill>
                   <a:srgbClr val="000000"/>
                 </a:solidFill>
@@ -4429,15 +4731,9 @@
               </a:rPr>
               <a:t>Druhá úroveň</a:t>
             </a:r>
-            <a:endParaRPr b="0" lang="cs-CZ" sz="2000" spc="-1" strike="noStrike">
-              <a:solidFill>
-                <a:srgbClr val="000000"/>
-              </a:solidFill>
-              <a:latin typeface="Arial"/>
-            </a:endParaRPr>
-          </a:p>
-          <a:p>
-            <a:pPr lvl="2" marL="1296000" indent="-288000">
+          </a:p>
+          <a:p>
+            <a:pPr marL="1296000" lvl="2" indent="-288000">
               <a:spcBef>
                 <a:spcPts val="850"/>
               </a:spcBef>
@@ -4449,7 +4745,7 @@
               <a:buChar char=""/>
             </a:pPr>
             <a:r>
-              <a:rPr b="0" lang="cs-CZ" sz="1800" spc="-1" strike="noStrike">
+              <a:rPr lang="cs-CZ" sz="1800" b="0" strike="noStrike" spc="-1">
                 <a:solidFill>
                   <a:srgbClr val="000000"/>
                 </a:solidFill>
@@ -4457,15 +4753,9 @@
               </a:rPr>
               <a:t>Třetí úroveň</a:t>
             </a:r>
-            <a:endParaRPr b="0" lang="cs-CZ" sz="1800" spc="-1" strike="noStrike">
-              <a:solidFill>
-                <a:srgbClr val="000000"/>
-              </a:solidFill>
-              <a:latin typeface="Arial"/>
-            </a:endParaRPr>
-          </a:p>
-          <a:p>
-            <a:pPr lvl="3" marL="1728000" indent="-216000">
+          </a:p>
+          <a:p>
+            <a:pPr marL="1728000" lvl="3" indent="-216000">
               <a:spcBef>
                 <a:spcPts val="567"/>
               </a:spcBef>
@@ -4477,7 +4767,7 @@
               <a:buChar char=""/>
             </a:pPr>
             <a:r>
-              <a:rPr b="0" lang="cs-CZ" sz="1800" spc="-1" strike="noStrike">
+              <a:rPr lang="cs-CZ" sz="1800" b="0" strike="noStrike" spc="-1">
                 <a:solidFill>
                   <a:srgbClr val="000000"/>
                 </a:solidFill>
@@ -4485,15 +4775,9 @@
               </a:rPr>
               <a:t>Čtvrtá úroveň osnovy</a:t>
             </a:r>
-            <a:endParaRPr b="0" lang="cs-CZ" sz="1800" spc="-1" strike="noStrike">
-              <a:solidFill>
-                <a:srgbClr val="000000"/>
-              </a:solidFill>
-              <a:latin typeface="Arial"/>
-            </a:endParaRPr>
-          </a:p>
-          <a:p>
-            <a:pPr lvl="4" marL="2160000" indent="-216000">
+          </a:p>
+          <a:p>
+            <a:pPr marL="2160000" lvl="4" indent="-216000">
               <a:spcBef>
                 <a:spcPts val="283"/>
               </a:spcBef>
@@ -4505,7 +4789,7 @@
               <a:buChar char=""/>
             </a:pPr>
             <a:r>
-              <a:rPr b="0" lang="cs-CZ" sz="2000" spc="-1" strike="noStrike">
+              <a:rPr lang="cs-CZ" sz="2000" b="0" strike="noStrike" spc="-1">
                 <a:solidFill>
                   <a:srgbClr val="000000"/>
                 </a:solidFill>
@@ -4513,15 +4797,9 @@
               </a:rPr>
               <a:t>Pátá úroveň osnovy</a:t>
             </a:r>
-            <a:endParaRPr b="0" lang="cs-CZ" sz="2000" spc="-1" strike="noStrike">
-              <a:solidFill>
-                <a:srgbClr val="000000"/>
-              </a:solidFill>
-              <a:latin typeface="Arial"/>
-            </a:endParaRPr>
-          </a:p>
-          <a:p>
-            <a:pPr lvl="5" marL="2592000" indent="-216000">
+          </a:p>
+          <a:p>
+            <a:pPr marL="2592000" lvl="5" indent="-216000">
               <a:spcBef>
                 <a:spcPts val="283"/>
               </a:spcBef>
@@ -4533,7 +4811,7 @@
               <a:buChar char=""/>
             </a:pPr>
             <a:r>
-              <a:rPr b="0" lang="cs-CZ" sz="2000" spc="-1" strike="noStrike">
+              <a:rPr lang="cs-CZ" sz="2000" b="0" strike="noStrike" spc="-1">
                 <a:solidFill>
                   <a:srgbClr val="000000"/>
                 </a:solidFill>
@@ -4541,15 +4819,9 @@
               </a:rPr>
               <a:t>Šestá úroveň</a:t>
             </a:r>
-            <a:endParaRPr b="0" lang="cs-CZ" sz="2000" spc="-1" strike="noStrike">
-              <a:solidFill>
-                <a:srgbClr val="000000"/>
-              </a:solidFill>
-              <a:latin typeface="Arial"/>
-            </a:endParaRPr>
-          </a:p>
-          <a:p>
-            <a:pPr lvl="6" marL="3024000" indent="-216000">
+          </a:p>
+          <a:p>
+            <a:pPr marL="3024000" lvl="6" indent="-216000">
               <a:spcBef>
                 <a:spcPts val="283"/>
               </a:spcBef>
@@ -4561,7 +4833,7 @@
               <a:buChar char=""/>
             </a:pPr>
             <a:r>
-              <a:rPr b="0" lang="cs-CZ" sz="2000" spc="-1" strike="noStrike">
+              <a:rPr lang="cs-CZ" sz="2000" b="0" strike="noStrike" spc="-1">
                 <a:solidFill>
                   <a:srgbClr val="000000"/>
                 </a:solidFill>
@@ -4569,46 +4841,321 @@
               </a:rPr>
               <a:t>Sedmá úroveň</a:t>
             </a:r>
-            <a:endParaRPr b="0" lang="cs-CZ" sz="2000" spc="-1" strike="noStrike">
-              <a:solidFill>
-                <a:srgbClr val="000000"/>
-              </a:solidFill>
-              <a:latin typeface="Arial"/>
-            </a:endParaRPr>
           </a:p>
         </p:txBody>
       </p:sp>
     </p:spTree>
   </p:cSld>
-  <p:clrMap bg1="lt1" bg2="lt2" tx1="dk1" tx2="dk2" accent1="accent1" accent2="accent2" accent3="accent3" accent4="accent4" accent5="accent5" accent6="accent6" hlink="hlink" folHlink="folHlink"/>
+  <p:clrMap bg1="lt1" tx1="dk1" bg2="lt2" tx2="dk2" accent1="accent1" accent2="accent2" accent3="accent3" accent4="accent4" accent5="accent5" accent6="accent6" hlink="hlink" folHlink="folHlink"/>
   <p:sldLayoutIdLst>
-    <p:sldLayoutId id="2147483649" r:id="rId3"/>
-    <p:sldLayoutId id="2147483650" r:id="rId4"/>
-    <p:sldLayoutId id="2147483651" r:id="rId5"/>
-    <p:sldLayoutId id="2147483652" r:id="rId6"/>
-    <p:sldLayoutId id="2147483653" r:id="rId7"/>
-    <p:sldLayoutId id="2147483654" r:id="rId8"/>
-    <p:sldLayoutId id="2147483655" r:id="rId9"/>
-    <p:sldLayoutId id="2147483656" r:id="rId10"/>
-    <p:sldLayoutId id="2147483657" r:id="rId11"/>
-    <p:sldLayoutId id="2147483658" r:id="rId12"/>
-    <p:sldLayoutId id="2147483659" r:id="rId13"/>
-    <p:sldLayoutId id="2147483660" r:id="rId14"/>
+    <p:sldLayoutId id="2147483649" r:id="rId1"/>
+    <p:sldLayoutId id="2147483650" r:id="rId2"/>
+    <p:sldLayoutId id="2147483651" r:id="rId3"/>
+    <p:sldLayoutId id="2147483652" r:id="rId4"/>
+    <p:sldLayoutId id="2147483653" r:id="rId5"/>
+    <p:sldLayoutId id="2147483654" r:id="rId6"/>
+    <p:sldLayoutId id="2147483655" r:id="rId7"/>
+    <p:sldLayoutId id="2147483656" r:id="rId8"/>
+    <p:sldLayoutId id="2147483657" r:id="rId9"/>
+    <p:sldLayoutId id="2147483658" r:id="rId10"/>
+    <p:sldLayoutId id="2147483659" r:id="rId11"/>
+    <p:sldLayoutId id="2147483660" r:id="rId12"/>
   </p:sldLayoutIdLst>
+  <p:txStyles>
+    <p:titleStyle>
+      <a:lvl1pPr algn="l" defTabSz="914400" rtl="0" eaLnBrk="1" latinLnBrk="0" hangingPunct="1">
+        <a:lnSpc>
+          <a:spcPct val="90000"/>
+        </a:lnSpc>
+        <a:spcBef>
+          <a:spcPct val="0"/>
+        </a:spcBef>
+        <a:buNone/>
+        <a:defRPr sz="4400" kern="1200">
+          <a:solidFill>
+            <a:schemeClr val="tx1"/>
+          </a:solidFill>
+          <a:latin typeface="+mj-lt"/>
+          <a:ea typeface="+mj-ea"/>
+          <a:cs typeface="+mj-cs"/>
+        </a:defRPr>
+      </a:lvl1pPr>
+    </p:titleStyle>
+    <p:bodyStyle>
+      <a:lvl1pPr marL="228600" indent="-228600" algn="l" defTabSz="914400" rtl="0" eaLnBrk="1" latinLnBrk="0" hangingPunct="1">
+        <a:lnSpc>
+          <a:spcPct val="90000"/>
+        </a:lnSpc>
+        <a:spcBef>
+          <a:spcPts val="1000"/>
+        </a:spcBef>
+        <a:buFont typeface="Arial" panose="020B0604020202020204" pitchFamily="34" charset="0"/>
+        <a:buChar char="•"/>
+        <a:defRPr sz="2800" kern="1200">
+          <a:solidFill>
+            <a:schemeClr val="tx1"/>
+          </a:solidFill>
+          <a:latin typeface="+mn-lt"/>
+          <a:ea typeface="+mn-ea"/>
+          <a:cs typeface="+mn-cs"/>
+        </a:defRPr>
+      </a:lvl1pPr>
+      <a:lvl2pPr marL="685800" indent="-228600" algn="l" defTabSz="914400" rtl="0" eaLnBrk="1" latinLnBrk="0" hangingPunct="1">
+        <a:lnSpc>
+          <a:spcPct val="90000"/>
+        </a:lnSpc>
+        <a:spcBef>
+          <a:spcPts val="500"/>
+        </a:spcBef>
+        <a:buFont typeface="Arial" panose="020B0604020202020204" pitchFamily="34" charset="0"/>
+        <a:buChar char="•"/>
+        <a:defRPr sz="2400" kern="1200">
+          <a:solidFill>
+            <a:schemeClr val="tx1"/>
+          </a:solidFill>
+          <a:latin typeface="+mn-lt"/>
+          <a:ea typeface="+mn-ea"/>
+          <a:cs typeface="+mn-cs"/>
+        </a:defRPr>
+      </a:lvl2pPr>
+      <a:lvl3pPr marL="1143000" indent="-228600" algn="l" defTabSz="914400" rtl="0" eaLnBrk="1" latinLnBrk="0" hangingPunct="1">
+        <a:lnSpc>
+          <a:spcPct val="90000"/>
+        </a:lnSpc>
+        <a:spcBef>
+          <a:spcPts val="500"/>
+        </a:spcBef>
+        <a:buFont typeface="Arial" panose="020B0604020202020204" pitchFamily="34" charset="0"/>
+        <a:buChar char="•"/>
+        <a:defRPr sz="2000" kern="1200">
+          <a:solidFill>
+            <a:schemeClr val="tx1"/>
+          </a:solidFill>
+          <a:latin typeface="+mn-lt"/>
+          <a:ea typeface="+mn-ea"/>
+          <a:cs typeface="+mn-cs"/>
+        </a:defRPr>
+      </a:lvl3pPr>
+      <a:lvl4pPr marL="1600200" indent="-228600" algn="l" defTabSz="914400" rtl="0" eaLnBrk="1" latinLnBrk="0" hangingPunct="1">
+        <a:lnSpc>
+          <a:spcPct val="90000"/>
+        </a:lnSpc>
+        <a:spcBef>
+          <a:spcPts val="500"/>
+        </a:spcBef>
+        <a:buFont typeface="Arial" panose="020B0604020202020204" pitchFamily="34" charset="0"/>
+        <a:buChar char="•"/>
+        <a:defRPr sz="1800" kern="1200">
+          <a:solidFill>
+            <a:schemeClr val="tx1"/>
+          </a:solidFill>
+          <a:latin typeface="+mn-lt"/>
+          <a:ea typeface="+mn-ea"/>
+          <a:cs typeface="+mn-cs"/>
+        </a:defRPr>
+      </a:lvl4pPr>
+      <a:lvl5pPr marL="2057400" indent="-228600" algn="l" defTabSz="914400" rtl="0" eaLnBrk="1" latinLnBrk="0" hangingPunct="1">
+        <a:lnSpc>
+          <a:spcPct val="90000"/>
+        </a:lnSpc>
+        <a:spcBef>
+          <a:spcPts val="500"/>
+        </a:spcBef>
+        <a:buFont typeface="Arial" panose="020B0604020202020204" pitchFamily="34" charset="0"/>
+        <a:buChar char="•"/>
+        <a:defRPr sz="1800" kern="1200">
+          <a:solidFill>
+            <a:schemeClr val="tx1"/>
+          </a:solidFill>
+          <a:latin typeface="+mn-lt"/>
+          <a:ea typeface="+mn-ea"/>
+          <a:cs typeface="+mn-cs"/>
+        </a:defRPr>
+      </a:lvl5pPr>
+      <a:lvl6pPr marL="2514600" indent="-228600" algn="l" defTabSz="914400" rtl="0" eaLnBrk="1" latinLnBrk="0" hangingPunct="1">
+        <a:lnSpc>
+          <a:spcPct val="90000"/>
+        </a:lnSpc>
+        <a:spcBef>
+          <a:spcPts val="500"/>
+        </a:spcBef>
+        <a:buFont typeface="Arial" panose="020B0604020202020204" pitchFamily="34" charset="0"/>
+        <a:buChar char="•"/>
+        <a:defRPr sz="1800" kern="1200">
+          <a:solidFill>
+            <a:schemeClr val="tx1"/>
+          </a:solidFill>
+          <a:latin typeface="+mn-lt"/>
+          <a:ea typeface="+mn-ea"/>
+          <a:cs typeface="+mn-cs"/>
+        </a:defRPr>
+      </a:lvl6pPr>
+      <a:lvl7pPr marL="2971800" indent="-228600" algn="l" defTabSz="914400" rtl="0" eaLnBrk="1" latinLnBrk="0" hangingPunct="1">
+        <a:lnSpc>
+          <a:spcPct val="90000"/>
+        </a:lnSpc>
+        <a:spcBef>
+          <a:spcPts val="500"/>
+        </a:spcBef>
+        <a:buFont typeface="Arial" panose="020B0604020202020204" pitchFamily="34" charset="0"/>
+        <a:buChar char="•"/>
+        <a:defRPr sz="1800" kern="1200">
+          <a:solidFill>
+            <a:schemeClr val="tx1"/>
+          </a:solidFill>
+          <a:latin typeface="+mn-lt"/>
+          <a:ea typeface="+mn-ea"/>
+          <a:cs typeface="+mn-cs"/>
+        </a:defRPr>
+      </a:lvl7pPr>
+      <a:lvl8pPr marL="3429000" indent="-228600" algn="l" defTabSz="914400" rtl="0" eaLnBrk="1" latinLnBrk="0" hangingPunct="1">
+        <a:lnSpc>
+          <a:spcPct val="90000"/>
+        </a:lnSpc>
+        <a:spcBef>
+          <a:spcPts val="500"/>
+        </a:spcBef>
+        <a:buFont typeface="Arial" panose="020B0604020202020204" pitchFamily="34" charset="0"/>
+        <a:buChar char="•"/>
+        <a:defRPr sz="1800" kern="1200">
+          <a:solidFill>
+            <a:schemeClr val="tx1"/>
+          </a:solidFill>
+          <a:latin typeface="+mn-lt"/>
+          <a:ea typeface="+mn-ea"/>
+          <a:cs typeface="+mn-cs"/>
+        </a:defRPr>
+      </a:lvl8pPr>
+      <a:lvl9pPr marL="3886200" indent="-228600" algn="l" defTabSz="914400" rtl="0" eaLnBrk="1" latinLnBrk="0" hangingPunct="1">
+        <a:lnSpc>
+          <a:spcPct val="90000"/>
+        </a:lnSpc>
+        <a:spcBef>
+          <a:spcPts val="500"/>
+        </a:spcBef>
+        <a:buFont typeface="Arial" panose="020B0604020202020204" pitchFamily="34" charset="0"/>
+        <a:buChar char="•"/>
+        <a:defRPr sz="1800" kern="1200">
+          <a:solidFill>
+            <a:schemeClr val="tx1"/>
+          </a:solidFill>
+          <a:latin typeface="+mn-lt"/>
+          <a:ea typeface="+mn-ea"/>
+          <a:cs typeface="+mn-cs"/>
+        </a:defRPr>
+      </a:lvl9pPr>
+    </p:bodyStyle>
+    <p:otherStyle>
+      <a:defPPr>
+        <a:defRPr lang="cs-CZ"/>
+      </a:defPPr>
+      <a:lvl1pPr marL="0" algn="l" defTabSz="914400" rtl="0" eaLnBrk="1" latinLnBrk="0" hangingPunct="1">
+        <a:defRPr sz="1800" kern="1200">
+          <a:solidFill>
+            <a:schemeClr val="tx1"/>
+          </a:solidFill>
+          <a:latin typeface="+mn-lt"/>
+          <a:ea typeface="+mn-ea"/>
+          <a:cs typeface="+mn-cs"/>
+        </a:defRPr>
+      </a:lvl1pPr>
+      <a:lvl2pPr marL="457200" algn="l" defTabSz="914400" rtl="0" eaLnBrk="1" latinLnBrk="0" hangingPunct="1">
+        <a:defRPr sz="1800" kern="1200">
+          <a:solidFill>
+            <a:schemeClr val="tx1"/>
+          </a:solidFill>
+          <a:latin typeface="+mn-lt"/>
+          <a:ea typeface="+mn-ea"/>
+          <a:cs typeface="+mn-cs"/>
+        </a:defRPr>
+      </a:lvl2pPr>
+      <a:lvl3pPr marL="914400" algn="l" defTabSz="914400" rtl="0" eaLnBrk="1" latinLnBrk="0" hangingPunct="1">
+        <a:defRPr sz="1800" kern="1200">
+          <a:solidFill>
+            <a:schemeClr val="tx1"/>
+          </a:solidFill>
+          <a:latin typeface="+mn-lt"/>
+          <a:ea typeface="+mn-ea"/>
+          <a:cs typeface="+mn-cs"/>
+        </a:defRPr>
+      </a:lvl3pPr>
+      <a:lvl4pPr marL="1371600" algn="l" defTabSz="914400" rtl="0" eaLnBrk="1" latinLnBrk="0" hangingPunct="1">
+        <a:defRPr sz="1800" kern="1200">
+          <a:solidFill>
+            <a:schemeClr val="tx1"/>
+          </a:solidFill>
+          <a:latin typeface="+mn-lt"/>
+          <a:ea typeface="+mn-ea"/>
+          <a:cs typeface="+mn-cs"/>
+        </a:defRPr>
+      </a:lvl4pPr>
+      <a:lvl5pPr marL="1828800" algn="l" defTabSz="914400" rtl="0" eaLnBrk="1" latinLnBrk="0" hangingPunct="1">
+        <a:defRPr sz="1800" kern="1200">
+          <a:solidFill>
+            <a:schemeClr val="tx1"/>
+          </a:solidFill>
+          <a:latin typeface="+mn-lt"/>
+          <a:ea typeface="+mn-ea"/>
+          <a:cs typeface="+mn-cs"/>
+        </a:defRPr>
+      </a:lvl5pPr>
+      <a:lvl6pPr marL="2286000" algn="l" defTabSz="914400" rtl="0" eaLnBrk="1" latinLnBrk="0" hangingPunct="1">
+        <a:defRPr sz="1800" kern="1200">
+          <a:solidFill>
+            <a:schemeClr val="tx1"/>
+          </a:solidFill>
+          <a:latin typeface="+mn-lt"/>
+          <a:ea typeface="+mn-ea"/>
+          <a:cs typeface="+mn-cs"/>
+        </a:defRPr>
+      </a:lvl6pPr>
+      <a:lvl7pPr marL="2743200" algn="l" defTabSz="914400" rtl="0" eaLnBrk="1" latinLnBrk="0" hangingPunct="1">
+        <a:defRPr sz="1800" kern="1200">
+          <a:solidFill>
+            <a:schemeClr val="tx1"/>
+          </a:solidFill>
+          <a:latin typeface="+mn-lt"/>
+          <a:ea typeface="+mn-ea"/>
+          <a:cs typeface="+mn-cs"/>
+        </a:defRPr>
+      </a:lvl7pPr>
+      <a:lvl8pPr marL="3200400" algn="l" defTabSz="914400" rtl="0" eaLnBrk="1" latinLnBrk="0" hangingPunct="1">
+        <a:defRPr sz="1800" kern="1200">
+          <a:solidFill>
+            <a:schemeClr val="tx1"/>
+          </a:solidFill>
+          <a:latin typeface="+mn-lt"/>
+          <a:ea typeface="+mn-ea"/>
+          <a:cs typeface="+mn-cs"/>
+        </a:defRPr>
+      </a:lvl8pPr>
+      <a:lvl9pPr marL="3657600" algn="l" defTabSz="914400" rtl="0" eaLnBrk="1" latinLnBrk="0" hangingPunct="1">
+        <a:defRPr sz="1800" kern="1200">
+          <a:solidFill>
+            <a:schemeClr val="tx1"/>
+          </a:solidFill>
+          <a:latin typeface="+mn-lt"/>
+          <a:ea typeface="+mn-ea"/>
+          <a:cs typeface="+mn-cs"/>
+        </a:defRPr>
+      </a:lvl9pPr>
+    </p:otherStyle>
+  </p:txStyles>
 </p:sldMaster>
 </file>
 
 <file path=ppt/slideMasters/slideMaster2.xml><?xml version="1.0" encoding="utf-8"?>
-<p:sldMaster xmlns:a="http://schemas.openxmlformats.org/drawingml/2006/main" xmlns:p="http://schemas.openxmlformats.org/presentationml/2006/main" xmlns:r="http://schemas.openxmlformats.org/officeDocument/2006/relationships" xmlns:p14="http://schemas.microsoft.com/office/powerpoint/2010/main" xmlns:p15="http://schemas.microsoft.com/office/powerpoint/2012/main" xmlns:mc="http://schemas.openxmlformats.org/markup-compatibility/2006">
+<p:sldMaster xmlns:a="http://schemas.openxmlformats.org/drawingml/2006/main" xmlns:r="http://schemas.openxmlformats.org/officeDocument/2006/relationships" xmlns:p="http://schemas.openxmlformats.org/presentationml/2006/main">
   <p:cSld>
     <p:bg>
       <p:bgPr>
         <a:blipFill rotWithShape="0">
-          <a:blip r:embed="rId2"/>
+          <a:blip r:embed="rId14"/>
           <a:stretch>
             <a:fillRect/>
           </a:stretch>
         </a:blipFill>
+        <a:effectLst/>
       </p:bgPr>
     </p:bg>
     <p:spTree>
@@ -4645,10 +5192,11 @@
           </a:prstGeom>
         </p:spPr>
         <p:txBody>
-          <a:bodyPr lIns="0" rIns="0" tIns="0" bIns="0" anchor="ctr"/>
+          <a:bodyPr lIns="0" tIns="0" rIns="0" bIns="0" anchor="ctr"/>
+          <a:lstStyle/>
           <a:p>
             <a:r>
-              <a:rPr b="0" lang="cs-CZ" sz="1800" spc="-1" strike="noStrike">
+              <a:rPr lang="cs-CZ" sz="1800" b="0" strike="noStrike" spc="-1">
                 <a:solidFill>
                   <a:srgbClr val="000000"/>
                 </a:solidFill>
@@ -4656,12 +5204,6 @@
               </a:rPr>
               <a:t>Klikněte pro úpravu formátu textu nadpisu</a:t>
             </a:r>
-            <a:endParaRPr b="0" lang="cs-CZ" sz="1800" spc="-1" strike="noStrike">
-              <a:solidFill>
-                <a:srgbClr val="000000"/>
-              </a:solidFill>
-              <a:latin typeface="Arial"/>
-            </a:endParaRPr>
           </a:p>
         </p:txBody>
       </p:sp>
@@ -4685,9 +5227,10 @@
           </a:prstGeom>
         </p:spPr>
         <p:txBody>
-          <a:bodyPr lIns="0" rIns="0" tIns="0" bIns="0">
+          <a:bodyPr lIns="0" tIns="0" rIns="0" bIns="0">
             <a:normAutofit/>
           </a:bodyPr>
+          <a:lstStyle/>
           <a:p>
             <a:pPr marL="432000" indent="-324000">
               <a:spcBef>
@@ -4701,7 +5244,7 @@
               <a:buChar char=""/>
             </a:pPr>
             <a:r>
-              <a:rPr b="0" lang="cs-CZ" sz="2800" spc="-1" strike="noStrike">
+              <a:rPr lang="cs-CZ" sz="2800" b="0" strike="noStrike" spc="-1">
                 <a:solidFill>
                   <a:srgbClr val="000000"/>
                 </a:solidFill>
@@ -4709,15 +5252,9 @@
               </a:rPr>
               <a:t>Klikněte pro úpravu formátu textu osnovy</a:t>
             </a:r>
-            <a:endParaRPr b="0" lang="cs-CZ" sz="2800" spc="-1" strike="noStrike">
-              <a:solidFill>
-                <a:srgbClr val="000000"/>
-              </a:solidFill>
-              <a:latin typeface="Arial"/>
-            </a:endParaRPr>
-          </a:p>
-          <a:p>
-            <a:pPr lvl="1" marL="864000" indent="-324000">
+          </a:p>
+          <a:p>
+            <a:pPr marL="864000" lvl="1" indent="-324000">
               <a:spcBef>
                 <a:spcPts val="1134"/>
               </a:spcBef>
@@ -4729,7 +5266,7 @@
               <a:buChar char=""/>
             </a:pPr>
             <a:r>
-              <a:rPr b="0" lang="cs-CZ" sz="2000" spc="-1" strike="noStrike">
+              <a:rPr lang="cs-CZ" sz="2000" b="0" strike="noStrike" spc="-1">
                 <a:solidFill>
                   <a:srgbClr val="000000"/>
                 </a:solidFill>
@@ -4737,15 +5274,9 @@
               </a:rPr>
               <a:t>Druhá úroveň</a:t>
             </a:r>
-            <a:endParaRPr b="0" lang="cs-CZ" sz="2000" spc="-1" strike="noStrike">
-              <a:solidFill>
-                <a:srgbClr val="000000"/>
-              </a:solidFill>
-              <a:latin typeface="Arial"/>
-            </a:endParaRPr>
-          </a:p>
-          <a:p>
-            <a:pPr lvl="2" marL="1296000" indent="-288000">
+          </a:p>
+          <a:p>
+            <a:pPr marL="1296000" lvl="2" indent="-288000">
               <a:spcBef>
                 <a:spcPts val="850"/>
               </a:spcBef>
@@ -4757,7 +5288,7 @@
               <a:buChar char=""/>
             </a:pPr>
             <a:r>
-              <a:rPr b="0" lang="cs-CZ" sz="1800" spc="-1" strike="noStrike">
+              <a:rPr lang="cs-CZ" sz="1800" b="0" strike="noStrike" spc="-1">
                 <a:solidFill>
                   <a:srgbClr val="000000"/>
                 </a:solidFill>
@@ -4765,15 +5296,9 @@
               </a:rPr>
               <a:t>Třetí úroveň</a:t>
             </a:r>
-            <a:endParaRPr b="0" lang="cs-CZ" sz="1800" spc="-1" strike="noStrike">
-              <a:solidFill>
-                <a:srgbClr val="000000"/>
-              </a:solidFill>
-              <a:latin typeface="Arial"/>
-            </a:endParaRPr>
-          </a:p>
-          <a:p>
-            <a:pPr lvl="3" marL="1728000" indent="-216000">
+          </a:p>
+          <a:p>
+            <a:pPr marL="1728000" lvl="3" indent="-216000">
               <a:spcBef>
                 <a:spcPts val="567"/>
               </a:spcBef>
@@ -4785,7 +5310,7 @@
               <a:buChar char=""/>
             </a:pPr>
             <a:r>
-              <a:rPr b="0" lang="cs-CZ" sz="1800" spc="-1" strike="noStrike">
+              <a:rPr lang="cs-CZ" sz="1800" b="0" strike="noStrike" spc="-1">
                 <a:solidFill>
                   <a:srgbClr val="000000"/>
                 </a:solidFill>
@@ -4793,15 +5318,9 @@
               </a:rPr>
               <a:t>Čtvrtá úroveň osnovy</a:t>
             </a:r>
-            <a:endParaRPr b="0" lang="cs-CZ" sz="1800" spc="-1" strike="noStrike">
-              <a:solidFill>
-                <a:srgbClr val="000000"/>
-              </a:solidFill>
-              <a:latin typeface="Arial"/>
-            </a:endParaRPr>
-          </a:p>
-          <a:p>
-            <a:pPr lvl="4" marL="2160000" indent="-216000">
+          </a:p>
+          <a:p>
+            <a:pPr marL="2160000" lvl="4" indent="-216000">
               <a:spcBef>
                 <a:spcPts val="283"/>
               </a:spcBef>
@@ -4813,7 +5332,7 @@
               <a:buChar char=""/>
             </a:pPr>
             <a:r>
-              <a:rPr b="0" lang="cs-CZ" sz="2000" spc="-1" strike="noStrike">
+              <a:rPr lang="cs-CZ" sz="2000" b="0" strike="noStrike" spc="-1">
                 <a:solidFill>
                   <a:srgbClr val="000000"/>
                 </a:solidFill>
@@ -4821,15 +5340,9 @@
               </a:rPr>
               <a:t>Pátá úroveň osnovy</a:t>
             </a:r>
-            <a:endParaRPr b="0" lang="cs-CZ" sz="2000" spc="-1" strike="noStrike">
-              <a:solidFill>
-                <a:srgbClr val="000000"/>
-              </a:solidFill>
-              <a:latin typeface="Arial"/>
-            </a:endParaRPr>
-          </a:p>
-          <a:p>
-            <a:pPr lvl="5" marL="2592000" indent="-216000">
+          </a:p>
+          <a:p>
+            <a:pPr marL="2592000" lvl="5" indent="-216000">
               <a:spcBef>
                 <a:spcPts val="283"/>
               </a:spcBef>
@@ -4841,7 +5354,7 @@
               <a:buChar char=""/>
             </a:pPr>
             <a:r>
-              <a:rPr b="0" lang="cs-CZ" sz="2000" spc="-1" strike="noStrike">
+              <a:rPr lang="cs-CZ" sz="2000" b="0" strike="noStrike" spc="-1">
                 <a:solidFill>
                   <a:srgbClr val="000000"/>
                 </a:solidFill>
@@ -4849,15 +5362,9 @@
               </a:rPr>
               <a:t>Šestá úroveň</a:t>
             </a:r>
-            <a:endParaRPr b="0" lang="cs-CZ" sz="2000" spc="-1" strike="noStrike">
-              <a:solidFill>
-                <a:srgbClr val="000000"/>
-              </a:solidFill>
-              <a:latin typeface="Arial"/>
-            </a:endParaRPr>
-          </a:p>
-          <a:p>
-            <a:pPr lvl="6" marL="3024000" indent="-216000">
+          </a:p>
+          <a:p>
+            <a:pPr marL="3024000" lvl="6" indent="-216000">
               <a:spcBef>
                 <a:spcPts val="283"/>
               </a:spcBef>
@@ -4869,7 +5376,7 @@
               <a:buChar char=""/>
             </a:pPr>
             <a:r>
-              <a:rPr b="0" lang="cs-CZ" sz="2000" spc="-1" strike="noStrike">
+              <a:rPr lang="cs-CZ" sz="2000" b="0" strike="noStrike" spc="-1">
                 <a:solidFill>
                   <a:srgbClr val="000000"/>
                 </a:solidFill>
@@ -4877,46 +5384,321 @@
               </a:rPr>
               <a:t>Sedmá úroveň</a:t>
             </a:r>
-            <a:endParaRPr b="0" lang="cs-CZ" sz="2000" spc="-1" strike="noStrike">
-              <a:solidFill>
-                <a:srgbClr val="000000"/>
-              </a:solidFill>
-              <a:latin typeface="Arial"/>
-            </a:endParaRPr>
           </a:p>
         </p:txBody>
       </p:sp>
     </p:spTree>
   </p:cSld>
-  <p:clrMap bg1="lt1" bg2="lt2" tx1="dk1" tx2="dk2" accent1="accent1" accent2="accent2" accent3="accent3" accent4="accent4" accent5="accent5" accent6="accent6" hlink="hlink" folHlink="folHlink"/>
+  <p:clrMap bg1="lt1" tx1="dk1" bg2="lt2" tx2="dk2" accent1="accent1" accent2="accent2" accent3="accent3" accent4="accent4" accent5="accent5" accent6="accent6" hlink="hlink" folHlink="folHlink"/>
   <p:sldLayoutIdLst>
-    <p:sldLayoutId id="2147483662" r:id="rId3"/>
-    <p:sldLayoutId id="2147483663" r:id="rId4"/>
-    <p:sldLayoutId id="2147483664" r:id="rId5"/>
-    <p:sldLayoutId id="2147483665" r:id="rId6"/>
-    <p:sldLayoutId id="2147483666" r:id="rId7"/>
-    <p:sldLayoutId id="2147483667" r:id="rId8"/>
-    <p:sldLayoutId id="2147483668" r:id="rId9"/>
-    <p:sldLayoutId id="2147483669" r:id="rId10"/>
-    <p:sldLayoutId id="2147483670" r:id="rId11"/>
-    <p:sldLayoutId id="2147483671" r:id="rId12"/>
-    <p:sldLayoutId id="2147483672" r:id="rId13"/>
-    <p:sldLayoutId id="2147483673" r:id="rId14"/>
+    <p:sldLayoutId id="2147483662" r:id="rId1"/>
+    <p:sldLayoutId id="2147483663" r:id="rId2"/>
+    <p:sldLayoutId id="2147483664" r:id="rId3"/>
+    <p:sldLayoutId id="2147483665" r:id="rId4"/>
+    <p:sldLayoutId id="2147483666" r:id="rId5"/>
+    <p:sldLayoutId id="2147483667" r:id="rId6"/>
+    <p:sldLayoutId id="2147483668" r:id="rId7"/>
+    <p:sldLayoutId id="2147483669" r:id="rId8"/>
+    <p:sldLayoutId id="2147483670" r:id="rId9"/>
+    <p:sldLayoutId id="2147483671" r:id="rId10"/>
+    <p:sldLayoutId id="2147483672" r:id="rId11"/>
+    <p:sldLayoutId id="2147483673" r:id="rId12"/>
   </p:sldLayoutIdLst>
+  <p:txStyles>
+    <p:titleStyle>
+      <a:lvl1pPr algn="l" defTabSz="914400" rtl="0" eaLnBrk="1" latinLnBrk="0" hangingPunct="1">
+        <a:lnSpc>
+          <a:spcPct val="90000"/>
+        </a:lnSpc>
+        <a:spcBef>
+          <a:spcPct val="0"/>
+        </a:spcBef>
+        <a:buNone/>
+        <a:defRPr sz="4400" kern="1200">
+          <a:solidFill>
+            <a:schemeClr val="tx1"/>
+          </a:solidFill>
+          <a:latin typeface="+mj-lt"/>
+          <a:ea typeface="+mj-ea"/>
+          <a:cs typeface="+mj-cs"/>
+        </a:defRPr>
+      </a:lvl1pPr>
+    </p:titleStyle>
+    <p:bodyStyle>
+      <a:lvl1pPr marL="228600" indent="-228600" algn="l" defTabSz="914400" rtl="0" eaLnBrk="1" latinLnBrk="0" hangingPunct="1">
+        <a:lnSpc>
+          <a:spcPct val="90000"/>
+        </a:lnSpc>
+        <a:spcBef>
+          <a:spcPts val="1000"/>
+        </a:spcBef>
+        <a:buFont typeface="Arial" panose="020B0604020202020204" pitchFamily="34" charset="0"/>
+        <a:buChar char="•"/>
+        <a:defRPr sz="2800" kern="1200">
+          <a:solidFill>
+            <a:schemeClr val="tx1"/>
+          </a:solidFill>
+          <a:latin typeface="+mn-lt"/>
+          <a:ea typeface="+mn-ea"/>
+          <a:cs typeface="+mn-cs"/>
+        </a:defRPr>
+      </a:lvl1pPr>
+      <a:lvl2pPr marL="685800" indent="-228600" algn="l" defTabSz="914400" rtl="0" eaLnBrk="1" latinLnBrk="0" hangingPunct="1">
+        <a:lnSpc>
+          <a:spcPct val="90000"/>
+        </a:lnSpc>
+        <a:spcBef>
+          <a:spcPts val="500"/>
+        </a:spcBef>
+        <a:buFont typeface="Arial" panose="020B0604020202020204" pitchFamily="34" charset="0"/>
+        <a:buChar char="•"/>
+        <a:defRPr sz="2400" kern="1200">
+          <a:solidFill>
+            <a:schemeClr val="tx1"/>
+          </a:solidFill>
+          <a:latin typeface="+mn-lt"/>
+          <a:ea typeface="+mn-ea"/>
+          <a:cs typeface="+mn-cs"/>
+        </a:defRPr>
+      </a:lvl2pPr>
+      <a:lvl3pPr marL="1143000" indent="-228600" algn="l" defTabSz="914400" rtl="0" eaLnBrk="1" latinLnBrk="0" hangingPunct="1">
+        <a:lnSpc>
+          <a:spcPct val="90000"/>
+        </a:lnSpc>
+        <a:spcBef>
+          <a:spcPts val="500"/>
+        </a:spcBef>
+        <a:buFont typeface="Arial" panose="020B0604020202020204" pitchFamily="34" charset="0"/>
+        <a:buChar char="•"/>
+        <a:defRPr sz="2000" kern="1200">
+          <a:solidFill>
+            <a:schemeClr val="tx1"/>
+          </a:solidFill>
+          <a:latin typeface="+mn-lt"/>
+          <a:ea typeface="+mn-ea"/>
+          <a:cs typeface="+mn-cs"/>
+        </a:defRPr>
+      </a:lvl3pPr>
+      <a:lvl4pPr marL="1600200" indent="-228600" algn="l" defTabSz="914400" rtl="0" eaLnBrk="1" latinLnBrk="0" hangingPunct="1">
+        <a:lnSpc>
+          <a:spcPct val="90000"/>
+        </a:lnSpc>
+        <a:spcBef>
+          <a:spcPts val="500"/>
+        </a:spcBef>
+        <a:buFont typeface="Arial" panose="020B0604020202020204" pitchFamily="34" charset="0"/>
+        <a:buChar char="•"/>
+        <a:defRPr sz="1800" kern="1200">
+          <a:solidFill>
+            <a:schemeClr val="tx1"/>
+          </a:solidFill>
+          <a:latin typeface="+mn-lt"/>
+          <a:ea typeface="+mn-ea"/>
+          <a:cs typeface="+mn-cs"/>
+        </a:defRPr>
+      </a:lvl4pPr>
+      <a:lvl5pPr marL="2057400" indent="-228600" algn="l" defTabSz="914400" rtl="0" eaLnBrk="1" latinLnBrk="0" hangingPunct="1">
+        <a:lnSpc>
+          <a:spcPct val="90000"/>
+        </a:lnSpc>
+        <a:spcBef>
+          <a:spcPts val="500"/>
+        </a:spcBef>
+        <a:buFont typeface="Arial" panose="020B0604020202020204" pitchFamily="34" charset="0"/>
+        <a:buChar char="•"/>
+        <a:defRPr sz="1800" kern="1200">
+          <a:solidFill>
+            <a:schemeClr val="tx1"/>
+          </a:solidFill>
+          <a:latin typeface="+mn-lt"/>
+          <a:ea typeface="+mn-ea"/>
+          <a:cs typeface="+mn-cs"/>
+        </a:defRPr>
+      </a:lvl5pPr>
+      <a:lvl6pPr marL="2514600" indent="-228600" algn="l" defTabSz="914400" rtl="0" eaLnBrk="1" latinLnBrk="0" hangingPunct="1">
+        <a:lnSpc>
+          <a:spcPct val="90000"/>
+        </a:lnSpc>
+        <a:spcBef>
+          <a:spcPts val="500"/>
+        </a:spcBef>
+        <a:buFont typeface="Arial" panose="020B0604020202020204" pitchFamily="34" charset="0"/>
+        <a:buChar char="•"/>
+        <a:defRPr sz="1800" kern="1200">
+          <a:solidFill>
+            <a:schemeClr val="tx1"/>
+          </a:solidFill>
+          <a:latin typeface="+mn-lt"/>
+          <a:ea typeface="+mn-ea"/>
+          <a:cs typeface="+mn-cs"/>
+        </a:defRPr>
+      </a:lvl6pPr>
+      <a:lvl7pPr marL="2971800" indent="-228600" algn="l" defTabSz="914400" rtl="0" eaLnBrk="1" latinLnBrk="0" hangingPunct="1">
+        <a:lnSpc>
+          <a:spcPct val="90000"/>
+        </a:lnSpc>
+        <a:spcBef>
+          <a:spcPts val="500"/>
+        </a:spcBef>
+        <a:buFont typeface="Arial" panose="020B0604020202020204" pitchFamily="34" charset="0"/>
+        <a:buChar char="•"/>
+        <a:defRPr sz="1800" kern="1200">
+          <a:solidFill>
+            <a:schemeClr val="tx1"/>
+          </a:solidFill>
+          <a:latin typeface="+mn-lt"/>
+          <a:ea typeface="+mn-ea"/>
+          <a:cs typeface="+mn-cs"/>
+        </a:defRPr>
+      </a:lvl7pPr>
+      <a:lvl8pPr marL="3429000" indent="-228600" algn="l" defTabSz="914400" rtl="0" eaLnBrk="1" latinLnBrk="0" hangingPunct="1">
+        <a:lnSpc>
+          <a:spcPct val="90000"/>
+        </a:lnSpc>
+        <a:spcBef>
+          <a:spcPts val="500"/>
+        </a:spcBef>
+        <a:buFont typeface="Arial" panose="020B0604020202020204" pitchFamily="34" charset="0"/>
+        <a:buChar char="•"/>
+        <a:defRPr sz="1800" kern="1200">
+          <a:solidFill>
+            <a:schemeClr val="tx1"/>
+          </a:solidFill>
+          <a:latin typeface="+mn-lt"/>
+          <a:ea typeface="+mn-ea"/>
+          <a:cs typeface="+mn-cs"/>
+        </a:defRPr>
+      </a:lvl8pPr>
+      <a:lvl9pPr marL="3886200" indent="-228600" algn="l" defTabSz="914400" rtl="0" eaLnBrk="1" latinLnBrk="0" hangingPunct="1">
+        <a:lnSpc>
+          <a:spcPct val="90000"/>
+        </a:lnSpc>
+        <a:spcBef>
+          <a:spcPts val="500"/>
+        </a:spcBef>
+        <a:buFont typeface="Arial" panose="020B0604020202020204" pitchFamily="34" charset="0"/>
+        <a:buChar char="•"/>
+        <a:defRPr sz="1800" kern="1200">
+          <a:solidFill>
+            <a:schemeClr val="tx1"/>
+          </a:solidFill>
+          <a:latin typeface="+mn-lt"/>
+          <a:ea typeface="+mn-ea"/>
+          <a:cs typeface="+mn-cs"/>
+        </a:defRPr>
+      </a:lvl9pPr>
+    </p:bodyStyle>
+    <p:otherStyle>
+      <a:defPPr>
+        <a:defRPr lang="cs-CZ"/>
+      </a:defPPr>
+      <a:lvl1pPr marL="0" algn="l" defTabSz="914400" rtl="0" eaLnBrk="1" latinLnBrk="0" hangingPunct="1">
+        <a:defRPr sz="1800" kern="1200">
+          <a:solidFill>
+            <a:schemeClr val="tx1"/>
+          </a:solidFill>
+          <a:latin typeface="+mn-lt"/>
+          <a:ea typeface="+mn-ea"/>
+          <a:cs typeface="+mn-cs"/>
+        </a:defRPr>
+      </a:lvl1pPr>
+      <a:lvl2pPr marL="457200" algn="l" defTabSz="914400" rtl="0" eaLnBrk="1" latinLnBrk="0" hangingPunct="1">
+        <a:defRPr sz="1800" kern="1200">
+          <a:solidFill>
+            <a:schemeClr val="tx1"/>
+          </a:solidFill>
+          <a:latin typeface="+mn-lt"/>
+          <a:ea typeface="+mn-ea"/>
+          <a:cs typeface="+mn-cs"/>
+        </a:defRPr>
+      </a:lvl2pPr>
+      <a:lvl3pPr marL="914400" algn="l" defTabSz="914400" rtl="0" eaLnBrk="1" latinLnBrk="0" hangingPunct="1">
+        <a:defRPr sz="1800" kern="1200">
+          <a:solidFill>
+            <a:schemeClr val="tx1"/>
+          </a:solidFill>
+          <a:latin typeface="+mn-lt"/>
+          <a:ea typeface="+mn-ea"/>
+          <a:cs typeface="+mn-cs"/>
+        </a:defRPr>
+      </a:lvl3pPr>
+      <a:lvl4pPr marL="1371600" algn="l" defTabSz="914400" rtl="0" eaLnBrk="1" latinLnBrk="0" hangingPunct="1">
+        <a:defRPr sz="1800" kern="1200">
+          <a:solidFill>
+            <a:schemeClr val="tx1"/>
+          </a:solidFill>
+          <a:latin typeface="+mn-lt"/>
+          <a:ea typeface="+mn-ea"/>
+          <a:cs typeface="+mn-cs"/>
+        </a:defRPr>
+      </a:lvl4pPr>
+      <a:lvl5pPr marL="1828800" algn="l" defTabSz="914400" rtl="0" eaLnBrk="1" latinLnBrk="0" hangingPunct="1">
+        <a:defRPr sz="1800" kern="1200">
+          <a:solidFill>
+            <a:schemeClr val="tx1"/>
+          </a:solidFill>
+          <a:latin typeface="+mn-lt"/>
+          <a:ea typeface="+mn-ea"/>
+          <a:cs typeface="+mn-cs"/>
+        </a:defRPr>
+      </a:lvl5pPr>
+      <a:lvl6pPr marL="2286000" algn="l" defTabSz="914400" rtl="0" eaLnBrk="1" latinLnBrk="0" hangingPunct="1">
+        <a:defRPr sz="1800" kern="1200">
+          <a:solidFill>
+            <a:schemeClr val="tx1"/>
+          </a:solidFill>
+          <a:latin typeface="+mn-lt"/>
+          <a:ea typeface="+mn-ea"/>
+          <a:cs typeface="+mn-cs"/>
+        </a:defRPr>
+      </a:lvl6pPr>
+      <a:lvl7pPr marL="2743200" algn="l" defTabSz="914400" rtl="0" eaLnBrk="1" latinLnBrk="0" hangingPunct="1">
+        <a:defRPr sz="1800" kern="1200">
+          <a:solidFill>
+            <a:schemeClr val="tx1"/>
+          </a:solidFill>
+          <a:latin typeface="+mn-lt"/>
+          <a:ea typeface="+mn-ea"/>
+          <a:cs typeface="+mn-cs"/>
+        </a:defRPr>
+      </a:lvl7pPr>
+      <a:lvl8pPr marL="3200400" algn="l" defTabSz="914400" rtl="0" eaLnBrk="1" latinLnBrk="0" hangingPunct="1">
+        <a:defRPr sz="1800" kern="1200">
+          <a:solidFill>
+            <a:schemeClr val="tx1"/>
+          </a:solidFill>
+          <a:latin typeface="+mn-lt"/>
+          <a:ea typeface="+mn-ea"/>
+          <a:cs typeface="+mn-cs"/>
+        </a:defRPr>
+      </a:lvl8pPr>
+      <a:lvl9pPr marL="3657600" algn="l" defTabSz="914400" rtl="0" eaLnBrk="1" latinLnBrk="0" hangingPunct="1">
+        <a:defRPr sz="1800" kern="1200">
+          <a:solidFill>
+            <a:schemeClr val="tx1"/>
+          </a:solidFill>
+          <a:latin typeface="+mn-lt"/>
+          <a:ea typeface="+mn-ea"/>
+          <a:cs typeface="+mn-cs"/>
+        </a:defRPr>
+      </a:lvl9pPr>
+    </p:otherStyle>
+  </p:txStyles>
 </p:sldMaster>
 </file>
 
 <file path=ppt/slideMasters/slideMaster3.xml><?xml version="1.0" encoding="utf-8"?>
-<p:sldMaster xmlns:a="http://schemas.openxmlformats.org/drawingml/2006/main" xmlns:p="http://schemas.openxmlformats.org/presentationml/2006/main" xmlns:r="http://schemas.openxmlformats.org/officeDocument/2006/relationships" xmlns:p14="http://schemas.microsoft.com/office/powerpoint/2010/main" xmlns:p15="http://schemas.microsoft.com/office/powerpoint/2012/main" xmlns:mc="http://schemas.openxmlformats.org/markup-compatibility/2006">
+<p:sldMaster xmlns:a="http://schemas.openxmlformats.org/drawingml/2006/main" xmlns:r="http://schemas.openxmlformats.org/officeDocument/2006/relationships" xmlns:p="http://schemas.openxmlformats.org/presentationml/2006/main">
   <p:cSld>
     <p:bg>
       <p:bgPr>
         <a:blipFill rotWithShape="0">
-          <a:blip r:embed="rId2"/>
+          <a:blip r:embed="rId14"/>
           <a:stretch>
             <a:fillRect/>
           </a:stretch>
         </a:blipFill>
+        <a:effectLst/>
       </p:bgPr>
     </p:bg>
     <p:spTree>
@@ -4953,10 +5735,11 @@
           </a:prstGeom>
         </p:spPr>
         <p:txBody>
-          <a:bodyPr lIns="0" rIns="0" tIns="0" bIns="0" anchor="ctr"/>
+          <a:bodyPr lIns="0" tIns="0" rIns="0" bIns="0" anchor="ctr"/>
+          <a:lstStyle/>
           <a:p>
             <a:r>
-              <a:rPr b="0" lang="cs-CZ" sz="4400" spc="-1" strike="noStrike">
+              <a:rPr lang="cs-CZ" sz="4400" b="0" strike="noStrike" spc="-1">
                 <a:solidFill>
                   <a:srgbClr val="000000"/>
                 </a:solidFill>
@@ -4964,12 +5747,6 @@
               </a:rPr>
               <a:t>Klikněte pro úpravu formátu textu nadpisu</a:t>
             </a:r>
-            <a:endParaRPr b="0" lang="cs-CZ" sz="4400" spc="-1" strike="noStrike">
-              <a:solidFill>
-                <a:srgbClr val="000000"/>
-              </a:solidFill>
-              <a:latin typeface="Arial"/>
-            </a:endParaRPr>
           </a:p>
         </p:txBody>
       </p:sp>
@@ -4993,9 +5770,10 @@
           </a:prstGeom>
         </p:spPr>
         <p:txBody>
-          <a:bodyPr lIns="0" rIns="0" tIns="0" bIns="0">
+          <a:bodyPr lIns="0" tIns="0" rIns="0" bIns="0">
             <a:normAutofit/>
           </a:bodyPr>
+          <a:lstStyle/>
           <a:p>
             <a:pPr marL="432000" indent="-324000">
               <a:spcBef>
@@ -5009,7 +5787,7 @@
               <a:buChar char=""/>
             </a:pPr>
             <a:r>
-              <a:rPr b="0" lang="cs-CZ" sz="2800" spc="-1" strike="noStrike">
+              <a:rPr lang="cs-CZ" sz="2800" b="0" strike="noStrike" spc="-1">
                 <a:solidFill>
                   <a:srgbClr val="000000"/>
                 </a:solidFill>
@@ -5017,15 +5795,9 @@
               </a:rPr>
               <a:t>Klikněte pro úpravu formátu textu osnovy</a:t>
             </a:r>
-            <a:endParaRPr b="0" lang="cs-CZ" sz="2800" spc="-1" strike="noStrike">
-              <a:solidFill>
-                <a:srgbClr val="000000"/>
-              </a:solidFill>
-              <a:latin typeface="Arial"/>
-            </a:endParaRPr>
-          </a:p>
-          <a:p>
-            <a:pPr lvl="1" marL="864000" indent="-324000">
+          </a:p>
+          <a:p>
+            <a:pPr marL="864000" lvl="1" indent="-324000">
               <a:spcBef>
                 <a:spcPts val="1134"/>
               </a:spcBef>
@@ -5037,7 +5809,7 @@
               <a:buChar char=""/>
             </a:pPr>
             <a:r>
-              <a:rPr b="0" lang="cs-CZ" sz="2000" spc="-1" strike="noStrike">
+              <a:rPr lang="cs-CZ" sz="2000" b="0" strike="noStrike" spc="-1">
                 <a:solidFill>
                   <a:srgbClr val="000000"/>
                 </a:solidFill>
@@ -5045,15 +5817,9 @@
               </a:rPr>
               <a:t>Druhá úroveň</a:t>
             </a:r>
-            <a:endParaRPr b="0" lang="cs-CZ" sz="2000" spc="-1" strike="noStrike">
-              <a:solidFill>
-                <a:srgbClr val="000000"/>
-              </a:solidFill>
-              <a:latin typeface="Arial"/>
-            </a:endParaRPr>
-          </a:p>
-          <a:p>
-            <a:pPr lvl="2" marL="1296000" indent="-288000">
+          </a:p>
+          <a:p>
+            <a:pPr marL="1296000" lvl="2" indent="-288000">
               <a:spcBef>
                 <a:spcPts val="850"/>
               </a:spcBef>
@@ -5065,7 +5831,7 @@
               <a:buChar char=""/>
             </a:pPr>
             <a:r>
-              <a:rPr b="0" lang="cs-CZ" sz="1800" spc="-1" strike="noStrike">
+              <a:rPr lang="cs-CZ" sz="1800" b="0" strike="noStrike" spc="-1">
                 <a:solidFill>
                   <a:srgbClr val="000000"/>
                 </a:solidFill>
@@ -5073,15 +5839,9 @@
               </a:rPr>
               <a:t>Třetí úroveň</a:t>
             </a:r>
-            <a:endParaRPr b="0" lang="cs-CZ" sz="1800" spc="-1" strike="noStrike">
-              <a:solidFill>
-                <a:srgbClr val="000000"/>
-              </a:solidFill>
-              <a:latin typeface="Arial"/>
-            </a:endParaRPr>
-          </a:p>
-          <a:p>
-            <a:pPr lvl="3" marL="1728000" indent="-216000">
+          </a:p>
+          <a:p>
+            <a:pPr marL="1728000" lvl="3" indent="-216000">
               <a:spcBef>
                 <a:spcPts val="567"/>
               </a:spcBef>
@@ -5093,7 +5853,7 @@
               <a:buChar char=""/>
             </a:pPr>
             <a:r>
-              <a:rPr b="0" lang="cs-CZ" sz="1800" spc="-1" strike="noStrike">
+              <a:rPr lang="cs-CZ" sz="1800" b="0" strike="noStrike" spc="-1">
                 <a:solidFill>
                   <a:srgbClr val="000000"/>
                 </a:solidFill>
@@ -5101,15 +5861,9 @@
               </a:rPr>
               <a:t>Čtvrtá úroveň osnovy</a:t>
             </a:r>
-            <a:endParaRPr b="0" lang="cs-CZ" sz="1800" spc="-1" strike="noStrike">
-              <a:solidFill>
-                <a:srgbClr val="000000"/>
-              </a:solidFill>
-              <a:latin typeface="Arial"/>
-            </a:endParaRPr>
-          </a:p>
-          <a:p>
-            <a:pPr lvl="4" marL="2160000" indent="-216000">
+          </a:p>
+          <a:p>
+            <a:pPr marL="2160000" lvl="4" indent="-216000">
               <a:spcBef>
                 <a:spcPts val="283"/>
               </a:spcBef>
@@ -5121,7 +5875,7 @@
               <a:buChar char=""/>
             </a:pPr>
             <a:r>
-              <a:rPr b="0" lang="cs-CZ" sz="2000" spc="-1" strike="noStrike">
+              <a:rPr lang="cs-CZ" sz="2000" b="0" strike="noStrike" spc="-1">
                 <a:solidFill>
                   <a:srgbClr val="000000"/>
                 </a:solidFill>
@@ -5129,15 +5883,9 @@
               </a:rPr>
               <a:t>Pátá úroveň osnovy</a:t>
             </a:r>
-            <a:endParaRPr b="0" lang="cs-CZ" sz="2000" spc="-1" strike="noStrike">
-              <a:solidFill>
-                <a:srgbClr val="000000"/>
-              </a:solidFill>
-              <a:latin typeface="Arial"/>
-            </a:endParaRPr>
-          </a:p>
-          <a:p>
-            <a:pPr lvl="5" marL="2592000" indent="-216000">
+          </a:p>
+          <a:p>
+            <a:pPr marL="2592000" lvl="5" indent="-216000">
               <a:spcBef>
                 <a:spcPts val="283"/>
               </a:spcBef>
@@ -5149,7 +5897,7 @@
               <a:buChar char=""/>
             </a:pPr>
             <a:r>
-              <a:rPr b="0" lang="cs-CZ" sz="2000" spc="-1" strike="noStrike">
+              <a:rPr lang="cs-CZ" sz="2000" b="0" strike="noStrike" spc="-1">
                 <a:solidFill>
                   <a:srgbClr val="000000"/>
                 </a:solidFill>
@@ -5157,15 +5905,9 @@
               </a:rPr>
               <a:t>Šestá úroveň</a:t>
             </a:r>
-            <a:endParaRPr b="0" lang="cs-CZ" sz="2000" spc="-1" strike="noStrike">
-              <a:solidFill>
-                <a:srgbClr val="000000"/>
-              </a:solidFill>
-              <a:latin typeface="Arial"/>
-            </a:endParaRPr>
-          </a:p>
-          <a:p>
-            <a:pPr lvl="6" marL="3024000" indent="-216000">
+          </a:p>
+          <a:p>
+            <a:pPr marL="3024000" lvl="6" indent="-216000">
               <a:spcBef>
                 <a:spcPts val="283"/>
               </a:spcBef>
@@ -5177,7 +5919,7 @@
               <a:buChar char=""/>
             </a:pPr>
             <a:r>
-              <a:rPr b="0" lang="cs-CZ" sz="2000" spc="-1" strike="noStrike">
+              <a:rPr lang="cs-CZ" sz="2000" b="0" strike="noStrike" spc="-1">
                 <a:solidFill>
                   <a:srgbClr val="000000"/>
                 </a:solidFill>
@@ -5185,37 +5927,311 @@
               </a:rPr>
               <a:t>Sedmá úroveň</a:t>
             </a:r>
-            <a:endParaRPr b="0" lang="cs-CZ" sz="2000" spc="-1" strike="noStrike">
-              <a:solidFill>
-                <a:srgbClr val="000000"/>
-              </a:solidFill>
-              <a:latin typeface="Arial"/>
-            </a:endParaRPr>
           </a:p>
         </p:txBody>
       </p:sp>
     </p:spTree>
   </p:cSld>
-  <p:clrMap bg1="lt1" bg2="lt2" tx1="dk1" tx2="dk2" accent1="accent1" accent2="accent2" accent3="accent3" accent4="accent4" accent5="accent5" accent6="accent6" hlink="hlink" folHlink="folHlink"/>
+  <p:clrMap bg1="lt1" tx1="dk1" bg2="lt2" tx2="dk2" accent1="accent1" accent2="accent2" accent3="accent3" accent4="accent4" accent5="accent5" accent6="accent6" hlink="hlink" folHlink="folHlink"/>
   <p:sldLayoutIdLst>
-    <p:sldLayoutId id="2147483675" r:id="rId3"/>
-    <p:sldLayoutId id="2147483676" r:id="rId4"/>
-    <p:sldLayoutId id="2147483677" r:id="rId5"/>
-    <p:sldLayoutId id="2147483678" r:id="rId6"/>
-    <p:sldLayoutId id="2147483679" r:id="rId7"/>
-    <p:sldLayoutId id="2147483680" r:id="rId8"/>
-    <p:sldLayoutId id="2147483681" r:id="rId9"/>
-    <p:sldLayoutId id="2147483682" r:id="rId10"/>
-    <p:sldLayoutId id="2147483683" r:id="rId11"/>
-    <p:sldLayoutId id="2147483684" r:id="rId12"/>
-    <p:sldLayoutId id="2147483685" r:id="rId13"/>
-    <p:sldLayoutId id="2147483686" r:id="rId14"/>
+    <p:sldLayoutId id="2147483675" r:id="rId1"/>
+    <p:sldLayoutId id="2147483676" r:id="rId2"/>
+    <p:sldLayoutId id="2147483677" r:id="rId3"/>
+    <p:sldLayoutId id="2147483678" r:id="rId4"/>
+    <p:sldLayoutId id="2147483679" r:id="rId5"/>
+    <p:sldLayoutId id="2147483680" r:id="rId6"/>
+    <p:sldLayoutId id="2147483681" r:id="rId7"/>
+    <p:sldLayoutId id="2147483682" r:id="rId8"/>
+    <p:sldLayoutId id="2147483683" r:id="rId9"/>
+    <p:sldLayoutId id="2147483684" r:id="rId10"/>
+    <p:sldLayoutId id="2147483685" r:id="rId11"/>
+    <p:sldLayoutId id="2147483686" r:id="rId12"/>
   </p:sldLayoutIdLst>
+  <p:txStyles>
+    <p:titleStyle>
+      <a:lvl1pPr algn="l" defTabSz="914400" rtl="0" eaLnBrk="1" latinLnBrk="0" hangingPunct="1">
+        <a:lnSpc>
+          <a:spcPct val="90000"/>
+        </a:lnSpc>
+        <a:spcBef>
+          <a:spcPct val="0"/>
+        </a:spcBef>
+        <a:buNone/>
+        <a:defRPr sz="4400" kern="1200">
+          <a:solidFill>
+            <a:schemeClr val="tx1"/>
+          </a:solidFill>
+          <a:latin typeface="+mj-lt"/>
+          <a:ea typeface="+mj-ea"/>
+          <a:cs typeface="+mj-cs"/>
+        </a:defRPr>
+      </a:lvl1pPr>
+    </p:titleStyle>
+    <p:bodyStyle>
+      <a:lvl1pPr marL="228600" indent="-228600" algn="l" defTabSz="914400" rtl="0" eaLnBrk="1" latinLnBrk="0" hangingPunct="1">
+        <a:lnSpc>
+          <a:spcPct val="90000"/>
+        </a:lnSpc>
+        <a:spcBef>
+          <a:spcPts val="1000"/>
+        </a:spcBef>
+        <a:buFont typeface="Arial" panose="020B0604020202020204" pitchFamily="34" charset="0"/>
+        <a:buChar char="•"/>
+        <a:defRPr sz="2800" kern="1200">
+          <a:solidFill>
+            <a:schemeClr val="tx1"/>
+          </a:solidFill>
+          <a:latin typeface="+mn-lt"/>
+          <a:ea typeface="+mn-ea"/>
+          <a:cs typeface="+mn-cs"/>
+        </a:defRPr>
+      </a:lvl1pPr>
+      <a:lvl2pPr marL="685800" indent="-228600" algn="l" defTabSz="914400" rtl="0" eaLnBrk="1" latinLnBrk="0" hangingPunct="1">
+        <a:lnSpc>
+          <a:spcPct val="90000"/>
+        </a:lnSpc>
+        <a:spcBef>
+          <a:spcPts val="500"/>
+        </a:spcBef>
+        <a:buFont typeface="Arial" panose="020B0604020202020204" pitchFamily="34" charset="0"/>
+        <a:buChar char="•"/>
+        <a:defRPr sz="2400" kern="1200">
+          <a:solidFill>
+            <a:schemeClr val="tx1"/>
+          </a:solidFill>
+          <a:latin typeface="+mn-lt"/>
+          <a:ea typeface="+mn-ea"/>
+          <a:cs typeface="+mn-cs"/>
+        </a:defRPr>
+      </a:lvl2pPr>
+      <a:lvl3pPr marL="1143000" indent="-228600" algn="l" defTabSz="914400" rtl="0" eaLnBrk="1" latinLnBrk="0" hangingPunct="1">
+        <a:lnSpc>
+          <a:spcPct val="90000"/>
+        </a:lnSpc>
+        <a:spcBef>
+          <a:spcPts val="500"/>
+        </a:spcBef>
+        <a:buFont typeface="Arial" panose="020B0604020202020204" pitchFamily="34" charset="0"/>
+        <a:buChar char="•"/>
+        <a:defRPr sz="2000" kern="1200">
+          <a:solidFill>
+            <a:schemeClr val="tx1"/>
+          </a:solidFill>
+          <a:latin typeface="+mn-lt"/>
+          <a:ea typeface="+mn-ea"/>
+          <a:cs typeface="+mn-cs"/>
+        </a:defRPr>
+      </a:lvl3pPr>
+      <a:lvl4pPr marL="1600200" indent="-228600" algn="l" defTabSz="914400" rtl="0" eaLnBrk="1" latinLnBrk="0" hangingPunct="1">
+        <a:lnSpc>
+          <a:spcPct val="90000"/>
+        </a:lnSpc>
+        <a:spcBef>
+          <a:spcPts val="500"/>
+        </a:spcBef>
+        <a:buFont typeface="Arial" panose="020B0604020202020204" pitchFamily="34" charset="0"/>
+        <a:buChar char="•"/>
+        <a:defRPr sz="1800" kern="1200">
+          <a:solidFill>
+            <a:schemeClr val="tx1"/>
+          </a:solidFill>
+          <a:latin typeface="+mn-lt"/>
+          <a:ea typeface="+mn-ea"/>
+          <a:cs typeface="+mn-cs"/>
+        </a:defRPr>
+      </a:lvl4pPr>
+      <a:lvl5pPr marL="2057400" indent="-228600" algn="l" defTabSz="914400" rtl="0" eaLnBrk="1" latinLnBrk="0" hangingPunct="1">
+        <a:lnSpc>
+          <a:spcPct val="90000"/>
+        </a:lnSpc>
+        <a:spcBef>
+          <a:spcPts val="500"/>
+        </a:spcBef>
+        <a:buFont typeface="Arial" panose="020B0604020202020204" pitchFamily="34" charset="0"/>
+        <a:buChar char="•"/>
+        <a:defRPr sz="1800" kern="1200">
+          <a:solidFill>
+            <a:schemeClr val="tx1"/>
+          </a:solidFill>
+          <a:latin typeface="+mn-lt"/>
+          <a:ea typeface="+mn-ea"/>
+          <a:cs typeface="+mn-cs"/>
+        </a:defRPr>
+      </a:lvl5pPr>
+      <a:lvl6pPr marL="2514600" indent="-228600" algn="l" defTabSz="914400" rtl="0" eaLnBrk="1" latinLnBrk="0" hangingPunct="1">
+        <a:lnSpc>
+          <a:spcPct val="90000"/>
+        </a:lnSpc>
+        <a:spcBef>
+          <a:spcPts val="500"/>
+        </a:spcBef>
+        <a:buFont typeface="Arial" panose="020B0604020202020204" pitchFamily="34" charset="0"/>
+        <a:buChar char="•"/>
+        <a:defRPr sz="1800" kern="1200">
+          <a:solidFill>
+            <a:schemeClr val="tx1"/>
+          </a:solidFill>
+          <a:latin typeface="+mn-lt"/>
+          <a:ea typeface="+mn-ea"/>
+          <a:cs typeface="+mn-cs"/>
+        </a:defRPr>
+      </a:lvl6pPr>
+      <a:lvl7pPr marL="2971800" indent="-228600" algn="l" defTabSz="914400" rtl="0" eaLnBrk="1" latinLnBrk="0" hangingPunct="1">
+        <a:lnSpc>
+          <a:spcPct val="90000"/>
+        </a:lnSpc>
+        <a:spcBef>
+          <a:spcPts val="500"/>
+        </a:spcBef>
+        <a:buFont typeface="Arial" panose="020B0604020202020204" pitchFamily="34" charset="0"/>
+        <a:buChar char="•"/>
+        <a:defRPr sz="1800" kern="1200">
+          <a:solidFill>
+            <a:schemeClr val="tx1"/>
+          </a:solidFill>
+          <a:latin typeface="+mn-lt"/>
+          <a:ea typeface="+mn-ea"/>
+          <a:cs typeface="+mn-cs"/>
+        </a:defRPr>
+      </a:lvl7pPr>
+      <a:lvl8pPr marL="3429000" indent="-228600" algn="l" defTabSz="914400" rtl="0" eaLnBrk="1" latinLnBrk="0" hangingPunct="1">
+        <a:lnSpc>
+          <a:spcPct val="90000"/>
+        </a:lnSpc>
+        <a:spcBef>
+          <a:spcPts val="500"/>
+        </a:spcBef>
+        <a:buFont typeface="Arial" panose="020B0604020202020204" pitchFamily="34" charset="0"/>
+        <a:buChar char="•"/>
+        <a:defRPr sz="1800" kern="1200">
+          <a:solidFill>
+            <a:schemeClr val="tx1"/>
+          </a:solidFill>
+          <a:latin typeface="+mn-lt"/>
+          <a:ea typeface="+mn-ea"/>
+          <a:cs typeface="+mn-cs"/>
+        </a:defRPr>
+      </a:lvl8pPr>
+      <a:lvl9pPr marL="3886200" indent="-228600" algn="l" defTabSz="914400" rtl="0" eaLnBrk="1" latinLnBrk="0" hangingPunct="1">
+        <a:lnSpc>
+          <a:spcPct val="90000"/>
+        </a:lnSpc>
+        <a:spcBef>
+          <a:spcPts val="500"/>
+        </a:spcBef>
+        <a:buFont typeface="Arial" panose="020B0604020202020204" pitchFamily="34" charset="0"/>
+        <a:buChar char="•"/>
+        <a:defRPr sz="1800" kern="1200">
+          <a:solidFill>
+            <a:schemeClr val="tx1"/>
+          </a:solidFill>
+          <a:latin typeface="+mn-lt"/>
+          <a:ea typeface="+mn-ea"/>
+          <a:cs typeface="+mn-cs"/>
+        </a:defRPr>
+      </a:lvl9pPr>
+    </p:bodyStyle>
+    <p:otherStyle>
+      <a:defPPr>
+        <a:defRPr lang="cs-CZ"/>
+      </a:defPPr>
+      <a:lvl1pPr marL="0" algn="l" defTabSz="914400" rtl="0" eaLnBrk="1" latinLnBrk="0" hangingPunct="1">
+        <a:defRPr sz="1800" kern="1200">
+          <a:solidFill>
+            <a:schemeClr val="tx1"/>
+          </a:solidFill>
+          <a:latin typeface="+mn-lt"/>
+          <a:ea typeface="+mn-ea"/>
+          <a:cs typeface="+mn-cs"/>
+        </a:defRPr>
+      </a:lvl1pPr>
+      <a:lvl2pPr marL="457200" algn="l" defTabSz="914400" rtl="0" eaLnBrk="1" latinLnBrk="0" hangingPunct="1">
+        <a:defRPr sz="1800" kern="1200">
+          <a:solidFill>
+            <a:schemeClr val="tx1"/>
+          </a:solidFill>
+          <a:latin typeface="+mn-lt"/>
+          <a:ea typeface="+mn-ea"/>
+          <a:cs typeface="+mn-cs"/>
+        </a:defRPr>
+      </a:lvl2pPr>
+      <a:lvl3pPr marL="914400" algn="l" defTabSz="914400" rtl="0" eaLnBrk="1" latinLnBrk="0" hangingPunct="1">
+        <a:defRPr sz="1800" kern="1200">
+          <a:solidFill>
+            <a:schemeClr val="tx1"/>
+          </a:solidFill>
+          <a:latin typeface="+mn-lt"/>
+          <a:ea typeface="+mn-ea"/>
+          <a:cs typeface="+mn-cs"/>
+        </a:defRPr>
+      </a:lvl3pPr>
+      <a:lvl4pPr marL="1371600" algn="l" defTabSz="914400" rtl="0" eaLnBrk="1" latinLnBrk="0" hangingPunct="1">
+        <a:defRPr sz="1800" kern="1200">
+          <a:solidFill>
+            <a:schemeClr val="tx1"/>
+          </a:solidFill>
+          <a:latin typeface="+mn-lt"/>
+          <a:ea typeface="+mn-ea"/>
+          <a:cs typeface="+mn-cs"/>
+        </a:defRPr>
+      </a:lvl4pPr>
+      <a:lvl5pPr marL="1828800" algn="l" defTabSz="914400" rtl="0" eaLnBrk="1" latinLnBrk="0" hangingPunct="1">
+        <a:defRPr sz="1800" kern="1200">
+          <a:solidFill>
+            <a:schemeClr val="tx1"/>
+          </a:solidFill>
+          <a:latin typeface="+mn-lt"/>
+          <a:ea typeface="+mn-ea"/>
+          <a:cs typeface="+mn-cs"/>
+        </a:defRPr>
+      </a:lvl5pPr>
+      <a:lvl6pPr marL="2286000" algn="l" defTabSz="914400" rtl="0" eaLnBrk="1" latinLnBrk="0" hangingPunct="1">
+        <a:defRPr sz="1800" kern="1200">
+          <a:solidFill>
+            <a:schemeClr val="tx1"/>
+          </a:solidFill>
+          <a:latin typeface="+mn-lt"/>
+          <a:ea typeface="+mn-ea"/>
+          <a:cs typeface="+mn-cs"/>
+        </a:defRPr>
+      </a:lvl6pPr>
+      <a:lvl7pPr marL="2743200" algn="l" defTabSz="914400" rtl="0" eaLnBrk="1" latinLnBrk="0" hangingPunct="1">
+        <a:defRPr sz="1800" kern="1200">
+          <a:solidFill>
+            <a:schemeClr val="tx1"/>
+          </a:solidFill>
+          <a:latin typeface="+mn-lt"/>
+          <a:ea typeface="+mn-ea"/>
+          <a:cs typeface="+mn-cs"/>
+        </a:defRPr>
+      </a:lvl7pPr>
+      <a:lvl8pPr marL="3200400" algn="l" defTabSz="914400" rtl="0" eaLnBrk="1" latinLnBrk="0" hangingPunct="1">
+        <a:defRPr sz="1800" kern="1200">
+          <a:solidFill>
+            <a:schemeClr val="tx1"/>
+          </a:solidFill>
+          <a:latin typeface="+mn-lt"/>
+          <a:ea typeface="+mn-ea"/>
+          <a:cs typeface="+mn-cs"/>
+        </a:defRPr>
+      </a:lvl8pPr>
+      <a:lvl9pPr marL="3657600" algn="l" defTabSz="914400" rtl="0" eaLnBrk="1" latinLnBrk="0" hangingPunct="1">
+        <a:defRPr sz="1800" kern="1200">
+          <a:solidFill>
+            <a:schemeClr val="tx1"/>
+          </a:solidFill>
+          <a:latin typeface="+mn-lt"/>
+          <a:ea typeface="+mn-ea"/>
+          <a:cs typeface="+mn-cs"/>
+        </a:defRPr>
+      </a:lvl9pPr>
+    </p:otherStyle>
+  </p:txStyles>
 </p:sldMaster>
 </file>
 
 <file path=ppt/slides/slide1.xml><?xml version="1.0" encoding="utf-8"?>
-<p:sld xmlns:a="http://schemas.openxmlformats.org/drawingml/2006/main" xmlns:p="http://schemas.openxmlformats.org/presentationml/2006/main" xmlns:r="http://schemas.openxmlformats.org/officeDocument/2006/relationships" xmlns:p14="http://schemas.microsoft.com/office/powerpoint/2010/main" xmlns:p15="http://schemas.microsoft.com/office/powerpoint/2012/main" xmlns:mc="http://schemas.openxmlformats.org/markup-compatibility/2006">
+<p:sld xmlns:a="http://schemas.openxmlformats.org/drawingml/2006/main" xmlns:r="http://schemas.openxmlformats.org/officeDocument/2006/relationships" xmlns:p="http://schemas.openxmlformats.org/presentationml/2006/main">
   <p:cSld>
     <p:spTree>
       <p:nvGrpSpPr>
@@ -5251,15 +6267,22 @@
           </a:ln>
         </p:spPr>
         <p:style>
-          <a:lnRef idx="0"/>
-          <a:fillRef idx="0"/>
-          <a:effectRef idx="0"/>
+          <a:lnRef idx="0">
+            <a:scrgbClr r="0" g="0" b="0"/>
+          </a:lnRef>
+          <a:fillRef idx="0">
+            <a:scrgbClr r="0" g="0" b="0"/>
+          </a:fillRef>
+          <a:effectRef idx="0">
+            <a:scrgbClr r="0" g="0" b="0"/>
+          </a:effectRef>
           <a:fontRef idx="minor"/>
         </p:style>
         <p:txBody>
-          <a:bodyPr lIns="0" rIns="0" tIns="0" bIns="0" anchor="ctr">
+          <a:bodyPr lIns="0" tIns="0" rIns="0" bIns="0" anchor="ctr">
             <a:normAutofit/>
           </a:bodyPr>
+          <a:lstStyle/>
           <a:p>
             <a:pPr algn="ctr">
               <a:lnSpc>
@@ -5267,16 +6290,16 @@
               </a:lnSpc>
             </a:pPr>
             <a:r>
-              <a:rPr b="0" lang="cs-CZ" sz="4400" spc="-1" strike="noStrike">
+              <a:rPr lang="cs-CZ" sz="4400" b="0" strike="noStrike" spc="-1">
                 <a:solidFill>
-                  <a:srgbClr val="ffffff"/>
+                  <a:srgbClr val="FFFFFF"/>
                 </a:solidFill>
                 <a:latin typeface="Ubuntu"/>
                 <a:ea typeface="DejaVu Sans"/>
               </a:rPr>
               <a:t>4-1 Akcelerometr</a:t>
             </a:r>
-            <a:endParaRPr b="0" lang="cs-CZ" sz="4400" spc="-1" strike="noStrike">
+            <a:endParaRPr lang="cs-CZ" sz="4400" b="0" strike="noStrike" spc="-1">
               <a:latin typeface="Arial"/>
             </a:endParaRPr>
           </a:p>
@@ -5302,13 +6325,20 @@
           </a:ln>
         </p:spPr>
         <p:style>
-          <a:lnRef idx="0"/>
-          <a:fillRef idx="0"/>
-          <a:effectRef idx="0"/>
+          <a:lnRef idx="0">
+            <a:scrgbClr r="0" g="0" b="0"/>
+          </a:lnRef>
+          <a:fillRef idx="0">
+            <a:scrgbClr r="0" g="0" b="0"/>
+          </a:fillRef>
+          <a:effectRef idx="0">
+            <a:scrgbClr r="0" g="0" b="0"/>
+          </a:effectRef>
           <a:fontRef idx="minor"/>
         </p:style>
         <p:txBody>
-          <a:bodyPr lIns="90000" rIns="90000" tIns="45000" bIns="45000"/>
+          <a:bodyPr lIns="90000" tIns="45000" rIns="90000" bIns="45000"/>
+          <a:lstStyle/>
           <a:p>
             <a:pPr>
               <a:lnSpc>
@@ -5316,7 +6346,7 @@
               </a:lnSpc>
             </a:pPr>
             <a:r>
-              <a:rPr b="0" lang="cs-CZ" sz="6000" spc="-1" strike="noStrike">
+              <a:rPr lang="cs-CZ" sz="6000" b="0" strike="noStrike" spc="-1">
                 <a:solidFill>
                   <a:srgbClr val="000000"/>
                 </a:solidFill>
@@ -5325,7 +6355,7 @@
               </a:rPr>
               <a:t>PRIM – Micro:bit</a:t>
             </a:r>
-            <a:endParaRPr b="0" lang="cs-CZ" sz="6000" spc="-1" strike="noStrike">
+            <a:endParaRPr lang="cs-CZ" sz="6000" b="0" strike="noStrike" spc="-1">
               <a:latin typeface="Arial"/>
             </a:endParaRPr>
           </a:p>
@@ -5333,6 +6363,9 @@
       </p:sp>
     </p:spTree>
   </p:cSld>
+  <p:clrMapOvr>
+    <a:masterClrMapping/>
+  </p:clrMapOvr>
   <p:timing>
     <p:tnLst>
       <p:par>
@@ -5341,14 +6374,14 @@
             <p:seq>
               <p:cTn id="2" dur="indefinite" nodeType="mainSeq"/>
               <p:prevCondLst>
-                <p:cond delay="0" evt="onPrev">
+                <p:cond evt="onPrev" delay="0">
                   <p:tgtEl>
                     <p:sldTgt/>
                   </p:tgtEl>
                 </p:cond>
               </p:prevCondLst>
               <p:nextCondLst>
-                <p:cond delay="0" evt="onNext">
+                <p:cond evt="onNext" delay="0">
                   <p:tgtEl>
                     <p:sldTgt/>
                   </p:tgtEl>
@@ -5364,7 +6397,7 @@
 </file>
 
 <file path=ppt/slides/slide2.xml><?xml version="1.0" encoding="utf-8"?>
-<p:sld xmlns:a="http://schemas.openxmlformats.org/drawingml/2006/main" xmlns:p="http://schemas.openxmlformats.org/presentationml/2006/main" xmlns:r="http://schemas.openxmlformats.org/officeDocument/2006/relationships" xmlns:p14="http://schemas.microsoft.com/office/powerpoint/2010/main" xmlns:p15="http://schemas.microsoft.com/office/powerpoint/2012/main" xmlns:mc="http://schemas.openxmlformats.org/markup-compatibility/2006">
+<p:sld xmlns:a="http://schemas.openxmlformats.org/drawingml/2006/main" xmlns:r="http://schemas.openxmlformats.org/officeDocument/2006/relationships" xmlns:p="http://schemas.openxmlformats.org/presentationml/2006/main">
   <p:cSld>
     <p:spTree>
       <p:nvGrpSpPr>
@@ -5400,13 +6433,20 @@
           </a:ln>
         </p:spPr>
         <p:style>
-          <a:lnRef idx="0"/>
-          <a:fillRef idx="0"/>
-          <a:effectRef idx="0"/>
+          <a:lnRef idx="0">
+            <a:scrgbClr r="0" g="0" b="0"/>
+          </a:lnRef>
+          <a:fillRef idx="0">
+            <a:scrgbClr r="0" g="0" b="0"/>
+          </a:fillRef>
+          <a:effectRef idx="0">
+            <a:scrgbClr r="0" g="0" b="0"/>
+          </a:effectRef>
           <a:fontRef idx="minor"/>
         </p:style>
         <p:txBody>
-          <a:bodyPr lIns="0" rIns="0" tIns="0" bIns="0" anchor="ctr"/>
+          <a:bodyPr lIns="0" tIns="0" rIns="0" bIns="0" anchor="ctr"/>
+          <a:lstStyle/>
           <a:p>
             <a:pPr algn="ctr">
               <a:lnSpc>
@@ -5414,7 +6454,7 @@
               </a:lnSpc>
             </a:pPr>
             <a:r>
-              <a:rPr b="0" lang="cs-CZ" sz="4400" spc="-1" strike="noStrike">
+              <a:rPr lang="cs-CZ" sz="4400" b="0" strike="noStrike" spc="-1">
                 <a:solidFill>
                   <a:srgbClr val="000000"/>
                 </a:solidFill>
@@ -5423,7 +6463,7 @@
               </a:rPr>
               <a:t>Co je akcelerometr</a:t>
             </a:r>
-            <a:endParaRPr b="0" lang="cs-CZ" sz="4400" spc="-1" strike="noStrike">
+            <a:endParaRPr lang="cs-CZ" sz="4400" b="0" strike="noStrike" spc="-1">
               <a:latin typeface="Arial"/>
             </a:endParaRPr>
           </a:p>
@@ -5449,15 +6489,22 @@
           </a:ln>
         </p:spPr>
         <p:style>
-          <a:lnRef idx="0"/>
-          <a:fillRef idx="0"/>
-          <a:effectRef idx="0"/>
+          <a:lnRef idx="0">
+            <a:scrgbClr r="0" g="0" b="0"/>
+          </a:lnRef>
+          <a:fillRef idx="0">
+            <a:scrgbClr r="0" g="0" b="0"/>
+          </a:fillRef>
+          <a:effectRef idx="0">
+            <a:scrgbClr r="0" g="0" b="0"/>
+          </a:effectRef>
           <a:fontRef idx="minor"/>
         </p:style>
         <p:txBody>
-          <a:bodyPr lIns="0" rIns="0" tIns="0" bIns="0">
+          <a:bodyPr lIns="0" tIns="0" rIns="0" bIns="0">
             <a:normAutofit/>
           </a:bodyPr>
+          <a:lstStyle/>
           <a:p>
             <a:pPr marL="457200" indent="-456840">
               <a:lnSpc>
@@ -5470,16 +6517,16 @@
               <a:buChar char="•"/>
             </a:pPr>
             <a:r>
-              <a:rPr b="0" lang="cs-CZ" sz="3200" spc="-1" strike="noStrike">
+              <a:rPr lang="cs-CZ" sz="3200" b="0" strike="noStrike" spc="-1" dirty="0">
                 <a:solidFill>
                   <a:srgbClr val="000000"/>
                 </a:solidFill>
                 <a:latin typeface="Arial"/>
                 <a:ea typeface="DejaVu Sans"/>
               </a:rPr>
-              <a:t>Co je to akcelerometr</a:t>
+              <a:t>Co je to akcelerometr?</a:t>
             </a:r>
-            <a:endParaRPr b="0" lang="cs-CZ" sz="3200" spc="-1" strike="noStrike">
+            <a:endParaRPr lang="cs-CZ" sz="3200" b="0" strike="noStrike" spc="-1" dirty="0">
               <a:latin typeface="Arial"/>
             </a:endParaRPr>
           </a:p>
@@ -5495,16 +6542,16 @@
               <a:buChar char="•"/>
             </a:pPr>
             <a:r>
-              <a:rPr b="0" lang="cs-CZ" sz="3200" spc="-1" strike="noStrike">
+              <a:rPr lang="cs-CZ" sz="3200" b="0" strike="noStrike" spc="-1" dirty="0">
                 <a:solidFill>
                   <a:srgbClr val="000000"/>
                 </a:solidFill>
                 <a:latin typeface="Arial"/>
                 <a:ea typeface="DejaVu Sans"/>
               </a:rPr>
-              <a:t>Jaké možnosti má akcelerometr</a:t>
+              <a:t>Jaké možnosti má akcelerometr?</a:t>
             </a:r>
-            <a:endParaRPr b="0" lang="cs-CZ" sz="3200" spc="-1" strike="noStrike">
+            <a:endParaRPr lang="cs-CZ" sz="3200" b="0" strike="noStrike" spc="-1" dirty="0">
               <a:latin typeface="Arial"/>
             </a:endParaRPr>
           </a:p>
@@ -5520,7 +6567,7 @@
               <a:buChar char="•"/>
             </a:pPr>
             <a:r>
-              <a:rPr b="0" lang="cs-CZ" sz="3200" spc="-1" strike="noStrike">
+              <a:rPr lang="cs-CZ" sz="3200" b="0" strike="noStrike" spc="-1" dirty="0">
                 <a:solidFill>
                   <a:srgbClr val="000000"/>
                 </a:solidFill>
@@ -5529,7 +6576,7 @@
               </a:rPr>
               <a:t>Pozice os</a:t>
             </a:r>
-            <a:endParaRPr b="0" lang="cs-CZ" sz="3200" spc="-1" strike="noStrike">
+            <a:endParaRPr lang="cs-CZ" sz="3200" b="0" strike="noStrike" spc="-1" dirty="0">
               <a:latin typeface="Arial"/>
             </a:endParaRPr>
           </a:p>
@@ -5539,7 +6586,7 @@
                 <a:spcPct val="100000"/>
               </a:lnSpc>
             </a:pPr>
-            <a:endParaRPr b="0" lang="cs-CZ" sz="3200" spc="-1" strike="noStrike">
+            <a:endParaRPr lang="cs-CZ" sz="3200" b="0" strike="noStrike" spc="-1" dirty="0">
               <a:latin typeface="Arial"/>
             </a:endParaRPr>
           </a:p>
@@ -5547,12 +6594,12 @@
       </p:sp>
       <p:pic>
         <p:nvPicPr>
-          <p:cNvPr id="118" name="" descr=""/>
+          <p:cNvPr id="118" name="Obrázek 117"/>
           <p:cNvPicPr/>
           <p:nvPr/>
         </p:nvPicPr>
         <p:blipFill>
-          <a:blip r:embed="rId1"/>
+          <a:blip r:embed="rId2"/>
           <a:stretch/>
         </p:blipFill>
         <p:spPr>
@@ -5570,22 +6617,25 @@
       </p:pic>
     </p:spTree>
   </p:cSld>
+  <p:clrMapOvr>
+    <a:masterClrMapping/>
+  </p:clrMapOvr>
   <p:timing>
     <p:tnLst>
       <p:par>
-        <p:cTn id="3" dur="indefinite" restart="never" nodeType="tmRoot">
+        <p:cTn id="1" dur="indefinite" restart="never" nodeType="tmRoot">
           <p:childTnLst>
             <p:seq>
-              <p:cTn id="4" dur="indefinite" nodeType="mainSeq"/>
+              <p:cTn id="2" dur="indefinite" nodeType="mainSeq"/>
               <p:prevCondLst>
-                <p:cond delay="0" evt="onPrev">
+                <p:cond evt="onPrev" delay="0">
                   <p:tgtEl>
                     <p:sldTgt/>
                   </p:tgtEl>
                 </p:cond>
               </p:prevCondLst>
               <p:nextCondLst>
-                <p:cond delay="0" evt="onNext">
+                <p:cond evt="onNext" delay="0">
                   <p:tgtEl>
                     <p:sldTgt/>
                   </p:tgtEl>
@@ -5601,7 +6651,7 @@
 </file>
 
 <file path=ppt/slides/slide3.xml><?xml version="1.0" encoding="utf-8"?>
-<p:sld xmlns:a="http://schemas.openxmlformats.org/drawingml/2006/main" xmlns:p="http://schemas.openxmlformats.org/presentationml/2006/main" xmlns:r="http://schemas.openxmlformats.org/officeDocument/2006/relationships" xmlns:p14="http://schemas.microsoft.com/office/powerpoint/2010/main" xmlns:p15="http://schemas.microsoft.com/office/powerpoint/2012/main" xmlns:mc="http://schemas.openxmlformats.org/markup-compatibility/2006">
+<p:sld xmlns:a="http://schemas.openxmlformats.org/drawingml/2006/main" xmlns:r="http://schemas.openxmlformats.org/officeDocument/2006/relationships" xmlns:p="http://schemas.openxmlformats.org/presentationml/2006/main">
   <p:cSld>
     <p:spTree>
       <p:nvGrpSpPr>
@@ -5637,13 +6687,20 @@
           </a:ln>
         </p:spPr>
         <p:style>
-          <a:lnRef idx="0"/>
-          <a:fillRef idx="0"/>
-          <a:effectRef idx="0"/>
+          <a:lnRef idx="0">
+            <a:scrgbClr r="0" g="0" b="0"/>
+          </a:lnRef>
+          <a:fillRef idx="0">
+            <a:scrgbClr r="0" g="0" b="0"/>
+          </a:fillRef>
+          <a:effectRef idx="0">
+            <a:scrgbClr r="0" g="0" b="0"/>
+          </a:effectRef>
           <a:fontRef idx="minor"/>
         </p:style>
         <p:txBody>
-          <a:bodyPr lIns="0" rIns="0" tIns="0" bIns="0" anchor="ctr"/>
+          <a:bodyPr lIns="0" tIns="0" rIns="0" bIns="0" anchor="ctr"/>
+          <a:lstStyle/>
           <a:p>
             <a:pPr algn="ctr">
               <a:lnSpc>
@@ -5651,7 +6708,7 @@
               </a:lnSpc>
             </a:pPr>
             <a:r>
-              <a:rPr b="0" lang="cs-CZ" sz="4400" spc="-1" strike="noStrike">
+              <a:rPr lang="cs-CZ" sz="4400" b="0" strike="noStrike" spc="-1">
                 <a:solidFill>
                   <a:srgbClr val="000000"/>
                 </a:solidFill>
@@ -5660,7 +6717,7 @@
               </a:rPr>
               <a:t>Náklon podle osy x</a:t>
             </a:r>
-            <a:endParaRPr b="0" lang="cs-CZ" sz="4400" spc="-1" strike="noStrike">
+            <a:endParaRPr lang="cs-CZ" sz="4400" b="0" strike="noStrike" spc="-1">
               <a:latin typeface="Arial"/>
             </a:endParaRPr>
           </a:p>
@@ -5681,22 +6738,29 @@
             <a:avLst/>
           </a:prstGeom>
           <a:solidFill>
-            <a:srgbClr val="dddddd"/>
+            <a:srgbClr val="DDDDDD"/>
           </a:solidFill>
           <a:ln>
             <a:solidFill>
-              <a:srgbClr val="3465a4"/>
+              <a:srgbClr val="3465A4"/>
             </a:solidFill>
           </a:ln>
         </p:spPr>
         <p:style>
-          <a:lnRef idx="0"/>
-          <a:fillRef idx="0"/>
-          <a:effectRef idx="0"/>
+          <a:lnRef idx="0">
+            <a:scrgbClr r="0" g="0" b="0"/>
+          </a:lnRef>
+          <a:fillRef idx="0">
+            <a:scrgbClr r="0" g="0" b="0"/>
+          </a:fillRef>
+          <a:effectRef idx="0">
+            <a:scrgbClr r="0" g="0" b="0"/>
+          </a:effectRef>
           <a:fontRef idx="minor"/>
         </p:style>
         <p:txBody>
-          <a:bodyPr lIns="0" rIns="0" tIns="0" bIns="0"/>
+          <a:bodyPr lIns="0" tIns="0" rIns="0" bIns="0"/>
+          <a:lstStyle/>
           <a:p>
             <a:pPr>
               <a:lnSpc>
@@ -5704,7 +6768,7 @@
               </a:lnSpc>
             </a:pPr>
             <a:r>
-              <a:rPr b="0" lang="cs-CZ" sz="3200" spc="-1" strike="noStrike">
+              <a:rPr lang="cs-CZ" sz="3200" b="0" strike="noStrike" spc="-1">
                 <a:solidFill>
                   <a:srgbClr val="008000"/>
                 </a:solidFill>
@@ -5714,7 +6778,7 @@
               <a:t>from</a:t>
             </a:r>
             <a:r>
-              <a:rPr b="0" lang="cs-CZ" sz="3200" spc="-1" strike="noStrike">
+              <a:rPr lang="cs-CZ" sz="3200" b="0" strike="noStrike" spc="-1">
                 <a:solidFill>
                   <a:srgbClr val="000000"/>
                 </a:solidFill>
@@ -5724,9 +6788,9 @@
               <a:t> </a:t>
             </a:r>
             <a:r>
-              <a:rPr b="0" lang="cs-CZ" sz="3200" spc="-1" strike="noStrike">
+              <a:rPr lang="cs-CZ" sz="3200" b="0" strike="noStrike" spc="-1">
                 <a:solidFill>
-                  <a:srgbClr val="0000ff"/>
+                  <a:srgbClr val="0000FF"/>
                 </a:solidFill>
                 <a:latin typeface="Courier New"/>
                 <a:ea typeface="DejaVu Sans"/>
@@ -5734,7 +6798,7 @@
               <a:t>microbit</a:t>
             </a:r>
             <a:r>
-              <a:rPr b="0" lang="cs-CZ" sz="3200" spc="-1" strike="noStrike">
+              <a:rPr lang="cs-CZ" sz="3200" b="0" strike="noStrike" spc="-1">
                 <a:solidFill>
                   <a:srgbClr val="000000"/>
                 </a:solidFill>
@@ -5744,7 +6808,7 @@
               <a:t> </a:t>
             </a:r>
             <a:r>
-              <a:rPr b="0" lang="cs-CZ" sz="3200" spc="-1" strike="noStrike">
+              <a:rPr lang="cs-CZ" sz="3200" b="0" strike="noStrike" spc="-1">
                 <a:solidFill>
                   <a:srgbClr val="008000"/>
                 </a:solidFill>
@@ -5754,7 +6818,7 @@
               <a:t>import</a:t>
             </a:r>
             <a:r>
-              <a:rPr b="0" lang="cs-CZ" sz="3200" spc="-1" strike="noStrike">
+              <a:rPr lang="cs-CZ" sz="3200" b="0" strike="noStrike" spc="-1">
                 <a:solidFill>
                   <a:srgbClr val="000000"/>
                 </a:solidFill>
@@ -5764,7 +6828,7 @@
               <a:t> </a:t>
             </a:r>
             <a:r>
-              <a:rPr b="0" lang="cs-CZ" sz="3200" spc="-1" strike="noStrike">
+              <a:rPr lang="cs-CZ" sz="3200" b="0" strike="noStrike" spc="-1">
                 <a:solidFill>
                   <a:srgbClr val="666666"/>
                 </a:solidFill>
@@ -5773,7 +6837,7 @@
               </a:rPr>
               <a:t>*</a:t>
             </a:r>
-            <a:endParaRPr b="0" lang="cs-CZ" sz="3200" spc="-1" strike="noStrike">
+            <a:endParaRPr lang="cs-CZ" sz="3200" b="0" strike="noStrike" spc="-1">
               <a:latin typeface="Arial"/>
             </a:endParaRPr>
           </a:p>
@@ -5784,7 +6848,7 @@
               </a:lnSpc>
             </a:pPr>
             <a:r>
-              <a:rPr b="0" lang="cs-CZ" sz="3200" spc="-1" strike="noStrike">
+              <a:rPr lang="cs-CZ" sz="3200" b="0" strike="noStrike" spc="-1">
                 <a:solidFill>
                   <a:srgbClr val="000000"/>
                 </a:solidFill>
@@ -5794,7 +6858,7 @@
               <a:t>mez </a:t>
             </a:r>
             <a:r>
-              <a:rPr b="0" lang="cs-CZ" sz="3200" spc="-1" strike="noStrike">
+              <a:rPr lang="cs-CZ" sz="3200" b="0" strike="noStrike" spc="-1">
                 <a:solidFill>
                   <a:srgbClr val="666666"/>
                 </a:solidFill>
@@ -5804,7 +6868,7 @@
               <a:t>=</a:t>
             </a:r>
             <a:r>
-              <a:rPr b="0" lang="cs-CZ" sz="3200" spc="-1" strike="noStrike">
+              <a:rPr lang="cs-CZ" sz="3200" b="0" strike="noStrike" spc="-1">
                 <a:solidFill>
                   <a:srgbClr val="000000"/>
                 </a:solidFill>
@@ -5814,7 +6878,7 @@
               <a:t> </a:t>
             </a:r>
             <a:r>
-              <a:rPr b="0" lang="cs-CZ" sz="3200" spc="-1" strike="noStrike">
+              <a:rPr lang="cs-CZ" sz="3200" b="0" strike="noStrike" spc="-1">
                 <a:solidFill>
                   <a:srgbClr val="666666"/>
                 </a:solidFill>
@@ -5823,7 +6887,7 @@
               </a:rPr>
               <a:t>400</a:t>
             </a:r>
-            <a:endParaRPr b="0" lang="cs-CZ" sz="3200" spc="-1" strike="noStrike">
+            <a:endParaRPr lang="cs-CZ" sz="3200" b="0" strike="noStrike" spc="-1">
               <a:latin typeface="Arial"/>
             </a:endParaRPr>
           </a:p>
@@ -5834,7 +6898,7 @@
               </a:lnSpc>
             </a:pPr>
             <a:r>
-              <a:rPr b="0" lang="cs-CZ" sz="3200" spc="-1" strike="noStrike">
+              <a:rPr lang="cs-CZ" sz="3200" b="0" strike="noStrike" spc="-1">
                 <a:solidFill>
                   <a:srgbClr val="008000"/>
                 </a:solidFill>
@@ -5844,7 +6908,7 @@
               <a:t>while</a:t>
             </a:r>
             <a:r>
-              <a:rPr b="0" lang="cs-CZ" sz="3200" spc="-1" strike="noStrike">
+              <a:rPr lang="cs-CZ" sz="3200" b="0" strike="noStrike" spc="-1">
                 <a:solidFill>
                   <a:srgbClr val="000000"/>
                 </a:solidFill>
@@ -5854,7 +6918,7 @@
               <a:t> </a:t>
             </a:r>
             <a:r>
-              <a:rPr b="0" lang="cs-CZ" sz="3200" spc="-1" strike="noStrike">
+              <a:rPr lang="cs-CZ" sz="3200" b="0" strike="noStrike" spc="-1">
                 <a:solidFill>
                   <a:srgbClr val="008000"/>
                 </a:solidFill>
@@ -5864,7 +6928,7 @@
               <a:t>True</a:t>
             </a:r>
             <a:r>
-              <a:rPr b="0" lang="cs-CZ" sz="3200" spc="-1" strike="noStrike">
+              <a:rPr lang="cs-CZ" sz="3200" b="0" strike="noStrike" spc="-1">
                 <a:solidFill>
                   <a:srgbClr val="000000"/>
                 </a:solidFill>
@@ -5873,7 +6937,7 @@
               </a:rPr>
               <a:t>:</a:t>
             </a:r>
-            <a:endParaRPr b="0" lang="cs-CZ" sz="3200" spc="-1" strike="noStrike">
+            <a:endParaRPr lang="cs-CZ" sz="3200" b="0" strike="noStrike" spc="-1">
               <a:latin typeface="Arial"/>
             </a:endParaRPr>
           </a:p>
@@ -5884,7 +6948,67 @@
               </a:lnSpc>
             </a:pPr>
             <a:r>
-              <a:rPr b="0" lang="cs-CZ" sz="3200" spc="-1" strike="noStrike">
+              <a:rPr lang="cs-CZ" sz="3200" b="0" strike="noStrike" spc="-1">
+                <a:solidFill>
+                  <a:srgbClr val="000000"/>
+                </a:solidFill>
+                <a:latin typeface="Courier New"/>
+                <a:ea typeface="DejaVu Sans"/>
+              </a:rPr>
+              <a:t>    naklon </a:t>
+            </a:r>
+            <a:r>
+              <a:rPr lang="cs-CZ" sz="3200" b="0" strike="noStrike" spc="-1">
+                <a:solidFill>
+                  <a:srgbClr val="666666"/>
+                </a:solidFill>
+                <a:latin typeface="Courier New"/>
+                <a:ea typeface="DejaVu Sans"/>
+              </a:rPr>
+              <a:t>=</a:t>
+            </a:r>
+            <a:r>
+              <a:rPr lang="cs-CZ" sz="3200" b="0" strike="noStrike" spc="-1">
+                <a:solidFill>
+                  <a:srgbClr val="000000"/>
+                </a:solidFill>
+                <a:latin typeface="Courier New"/>
+                <a:ea typeface="DejaVu Sans"/>
+              </a:rPr>
+              <a:t> accelerometer</a:t>
+            </a:r>
+            <a:r>
+              <a:rPr lang="cs-CZ" sz="3200" b="0" strike="noStrike" spc="-1">
+                <a:solidFill>
+                  <a:srgbClr val="666666"/>
+                </a:solidFill>
+                <a:latin typeface="Courier New"/>
+                <a:ea typeface="DejaVu Sans"/>
+              </a:rPr>
+              <a:t>.</a:t>
+            </a:r>
+            <a:r>
+              <a:rPr lang="cs-CZ" sz="3200" b="0" strike="noStrike" spc="-1">
+                <a:solidFill>
+                  <a:srgbClr val="000000"/>
+                </a:solidFill>
+                <a:latin typeface="Courier New"/>
+                <a:ea typeface="DejaVu Sans"/>
+              </a:rPr>
+              <a:t>get_x()</a:t>
+            </a:r>
+            <a:endParaRPr lang="cs-CZ" sz="3200" b="0" strike="noStrike" spc="-1">
+              <a:latin typeface="Arial"/>
+            </a:endParaRPr>
+          </a:p>
+          <a:p>
+            <a:pPr>
+              <a:lnSpc>
+                <a:spcPct val="100000"/>
+              </a:lnSpc>
+            </a:pPr>
+            <a:r>
+              <a:rPr lang="cs-CZ" sz="3200" b="0" strike="noStrike" spc="-1">
                 <a:solidFill>
                   <a:srgbClr val="000000"/>
                 </a:solidFill>
@@ -5894,37 +7018,67 @@
               <a:t>    </a:t>
             </a:r>
             <a:r>
-              <a:rPr b="0" lang="cs-CZ" sz="3200" spc="-1" strike="noStrike">
+              <a:rPr lang="cs-CZ" sz="3200" b="0" strike="noStrike" spc="-1">
+                <a:solidFill>
+                  <a:srgbClr val="008000"/>
+                </a:solidFill>
+                <a:latin typeface="Courier New"/>
+                <a:ea typeface="DejaVu Sans"/>
+              </a:rPr>
+              <a:t>if</a:t>
+            </a:r>
+            <a:r>
+              <a:rPr lang="cs-CZ" sz="3200" b="0" strike="noStrike" spc="-1">
                 <a:solidFill>
                   <a:srgbClr val="000000"/>
                 </a:solidFill>
                 <a:latin typeface="Courier New"/>
                 <a:ea typeface="DejaVu Sans"/>
               </a:rPr>
-              <a:t>naklon </a:t>
+              <a:t> naklon </a:t>
             </a:r>
             <a:r>
-              <a:rPr b="0" lang="cs-CZ" sz="3200" spc="-1" strike="noStrike">
+              <a:rPr lang="cs-CZ" sz="3200" b="0" strike="noStrike" spc="-1">
                 <a:solidFill>
                   <a:srgbClr val="666666"/>
                 </a:solidFill>
                 <a:latin typeface="Courier New"/>
                 <a:ea typeface="DejaVu Sans"/>
               </a:rPr>
-              <a:t>=</a:t>
+              <a:t>&gt;</a:t>
             </a:r>
             <a:r>
-              <a:rPr b="0" lang="cs-CZ" sz="3200" spc="-1" strike="noStrike">
+              <a:rPr lang="cs-CZ" sz="3200" b="0" strike="noStrike" spc="-1">
                 <a:solidFill>
                   <a:srgbClr val="000000"/>
                 </a:solidFill>
                 <a:latin typeface="Courier New"/>
                 <a:ea typeface="DejaVu Sans"/>
               </a:rPr>
-              <a:t> accelerometer</a:t>
+              <a:t> mez:</a:t>
+            </a:r>
+            <a:endParaRPr lang="cs-CZ" sz="3200" b="0" strike="noStrike" spc="-1">
+              <a:latin typeface="Arial"/>
+            </a:endParaRPr>
+          </a:p>
+          <a:p>
+            <a:pPr>
+              <a:lnSpc>
+                <a:spcPct val="100000"/>
+              </a:lnSpc>
+            </a:pPr>
+            <a:r>
+              <a:rPr lang="cs-CZ" sz="3200" b="0" strike="noStrike" spc="-1">
+                <a:solidFill>
+                  <a:srgbClr val="000000"/>
+                </a:solidFill>
+                <a:latin typeface="Courier New"/>
+                <a:ea typeface="DejaVu Sans"/>
+              </a:rPr>
+              <a:t>        display</a:t>
             </a:r>
             <a:r>
-              <a:rPr b="0" lang="cs-CZ" sz="3200" spc="-1" strike="noStrike">
+              <a:rPr lang="cs-CZ" sz="3200" b="0" strike="noStrike" spc="-1">
                 <a:solidFill>
                   <a:srgbClr val="666666"/>
                 </a:solidFill>
@@ -5934,16 +7088,36 @@
               <a:t>.</a:t>
             </a:r>
             <a:r>
-              <a:rPr b="0" lang="cs-CZ" sz="3200" spc="-1" strike="noStrike">
+              <a:rPr lang="cs-CZ" sz="3200" b="0" strike="noStrike" spc="-1">
                 <a:solidFill>
                   <a:srgbClr val="000000"/>
                 </a:solidFill>
                 <a:latin typeface="Courier New"/>
                 <a:ea typeface="DejaVu Sans"/>
               </a:rPr>
-              <a:t>get_x()</a:t>
+              <a:t>show(</a:t>
             </a:r>
-            <a:endParaRPr b="0" lang="cs-CZ" sz="3200" spc="-1" strike="noStrike">
+            <a:r>
+              <a:rPr lang="cs-CZ" sz="3200" b="0" strike="noStrike" spc="-1">
+                <a:solidFill>
+                  <a:srgbClr val="BA2121"/>
+                </a:solidFill>
+                <a:latin typeface="Courier New"/>
+                <a:ea typeface="DejaVu Sans"/>
+              </a:rPr>
+              <a:t>"P"</a:t>
+            </a:r>
+            <a:r>
+              <a:rPr lang="cs-CZ" sz="3200" b="0" strike="noStrike" spc="-1">
+                <a:solidFill>
+                  <a:srgbClr val="000000"/>
+                </a:solidFill>
+                <a:latin typeface="Courier New"/>
+                <a:ea typeface="DejaVu Sans"/>
+              </a:rPr>
+              <a:t>)</a:t>
+            </a:r>
+            <a:endParaRPr lang="cs-CZ" sz="3200" b="0" strike="noStrike" spc="-1">
               <a:latin typeface="Arial"/>
             </a:endParaRPr>
           </a:p>
@@ -5954,7 +7128,7 @@
               </a:lnSpc>
             </a:pPr>
             <a:r>
-              <a:rPr b="0" lang="cs-CZ" sz="3200" spc="-1" strike="noStrike">
+              <a:rPr lang="cs-CZ" sz="3200" b="0" strike="noStrike" spc="-1">
                 <a:solidFill>
                   <a:srgbClr val="000000"/>
                 </a:solidFill>
@@ -5964,17 +7138,17 @@
               <a:t>    </a:t>
             </a:r>
             <a:r>
-              <a:rPr b="0" lang="cs-CZ" sz="3200" spc="-1" strike="noStrike">
+              <a:rPr lang="cs-CZ" sz="3200" b="0" strike="noStrike" spc="-1">
                 <a:solidFill>
                   <a:srgbClr val="008000"/>
                 </a:solidFill>
                 <a:latin typeface="Courier New"/>
                 <a:ea typeface="DejaVu Sans"/>
               </a:rPr>
-              <a:t>if</a:t>
+              <a:t>elif</a:t>
             </a:r>
             <a:r>
-              <a:rPr b="0" lang="cs-CZ" sz="3200" spc="-1" strike="noStrike">
+              <a:rPr lang="cs-CZ" sz="3200" b="0" strike="noStrike" spc="-1">
                 <a:solidFill>
                   <a:srgbClr val="000000"/>
                 </a:solidFill>
@@ -5984,26 +7158,46 @@
               <a:t> naklon </a:t>
             </a:r>
             <a:r>
-              <a:rPr b="0" lang="cs-CZ" sz="3200" spc="-1" strike="noStrike">
+              <a:rPr lang="cs-CZ" sz="3200" b="0" strike="noStrike" spc="-1">
                 <a:solidFill>
                   <a:srgbClr val="666666"/>
                 </a:solidFill>
                 <a:latin typeface="Courier New"/>
                 <a:ea typeface="DejaVu Sans"/>
               </a:rPr>
-              <a:t>&gt;</a:t>
+              <a:t>&lt;</a:t>
             </a:r>
             <a:r>
-              <a:rPr b="0" lang="cs-CZ" sz="3200" spc="-1" strike="noStrike">
+              <a:rPr lang="cs-CZ" sz="3200" b="0" strike="noStrike" spc="-1">
                 <a:solidFill>
                   <a:srgbClr val="000000"/>
                 </a:solidFill>
                 <a:latin typeface="Courier New"/>
                 <a:ea typeface="DejaVu Sans"/>
               </a:rPr>
-              <a:t> mez:</a:t>
+              <a:t> </a:t>
             </a:r>
-            <a:endParaRPr b="0" lang="cs-CZ" sz="3200" spc="-1" strike="noStrike">
+            <a:r>
+              <a:rPr lang="cs-CZ" sz="3200" b="0" strike="noStrike" spc="-1">
+                <a:solidFill>
+                  <a:srgbClr val="666666"/>
+                </a:solidFill>
+                <a:latin typeface="Courier New"/>
+                <a:ea typeface="DejaVu Sans"/>
+              </a:rPr>
+              <a:t>-</a:t>
+            </a:r>
+            <a:r>
+              <a:rPr lang="cs-CZ" sz="3200" b="0" strike="noStrike" spc="-1">
+                <a:solidFill>
+                  <a:srgbClr val="000000"/>
+                </a:solidFill>
+                <a:latin typeface="Courier New"/>
+                <a:ea typeface="DejaVu Sans"/>
+              </a:rPr>
+              <a:t>mez:</a:t>
+            </a:r>
+            <a:endParaRPr lang="cs-CZ" sz="3200" b="0" strike="noStrike" spc="-1">
               <a:latin typeface="Arial"/>
             </a:endParaRPr>
           </a:p>
@@ -6014,27 +7208,17 @@
               </a:lnSpc>
             </a:pPr>
             <a:r>
-              <a:rPr b="0" lang="cs-CZ" sz="3200" spc="-1" strike="noStrike">
+              <a:rPr lang="cs-CZ" sz="3200" b="0" strike="noStrike" spc="-1">
                 <a:solidFill>
                   <a:srgbClr val="000000"/>
                 </a:solidFill>
                 <a:latin typeface="Courier New"/>
                 <a:ea typeface="DejaVu Sans"/>
               </a:rPr>
-              <a:t>        </a:t>
+              <a:t>        display</a:t>
             </a:r>
             <a:r>
-              <a:rPr b="0" lang="cs-CZ" sz="3200" spc="-1" strike="noStrike">
-                <a:solidFill>
-                  <a:srgbClr val="000000"/>
-                </a:solidFill>
-                <a:latin typeface="Courier New"/>
-                <a:ea typeface="DejaVu Sans"/>
-              </a:rPr>
-              <a:t>display</a:t>
-            </a:r>
-            <a:r>
-              <a:rPr b="0" lang="cs-CZ" sz="3200" spc="-1" strike="noStrike">
+              <a:rPr lang="cs-CZ" sz="3200" b="0" strike="noStrike" spc="-1">
                 <a:solidFill>
                   <a:srgbClr val="666666"/>
                 </a:solidFill>
@@ -6044,7 +7228,7 @@
               <a:t>.</a:t>
             </a:r>
             <a:r>
-              <a:rPr b="0" lang="cs-CZ" sz="3200" spc="-1" strike="noStrike">
+              <a:rPr lang="cs-CZ" sz="3200" b="0" strike="noStrike" spc="-1">
                 <a:solidFill>
                   <a:srgbClr val="000000"/>
                 </a:solidFill>
@@ -6054,17 +7238,17 @@
               <a:t>show(</a:t>
             </a:r>
             <a:r>
-              <a:rPr b="0" lang="cs-CZ" sz="3200" spc="-1" strike="noStrike">
+              <a:rPr lang="cs-CZ" sz="3200" b="0" strike="noStrike" spc="-1">
                 <a:solidFill>
-                  <a:srgbClr val="ba2121"/>
+                  <a:srgbClr val="BA2121"/>
                 </a:solidFill>
                 <a:latin typeface="Courier New"/>
                 <a:ea typeface="DejaVu Sans"/>
               </a:rPr>
-              <a:t>"P"</a:t>
+              <a:t>"L"</a:t>
             </a:r>
             <a:r>
-              <a:rPr b="0" lang="cs-CZ" sz="3200" spc="-1" strike="noStrike">
+              <a:rPr lang="cs-CZ" sz="3200" b="0" strike="noStrike" spc="-1">
                 <a:solidFill>
                   <a:srgbClr val="000000"/>
                 </a:solidFill>
@@ -6073,7 +7257,7 @@
               </a:rPr>
               <a:t>)</a:t>
             </a:r>
-            <a:endParaRPr b="0" lang="cs-CZ" sz="3200" spc="-1" strike="noStrike">
+            <a:endParaRPr lang="cs-CZ" sz="3200" b="0" strike="noStrike" spc="-1">
               <a:latin typeface="Arial"/>
             </a:endParaRPr>
           </a:p>
@@ -6084,7 +7268,7 @@
               </a:lnSpc>
             </a:pPr>
             <a:r>
-              <a:rPr b="0" lang="cs-CZ" sz="3200" spc="-1" strike="noStrike">
+              <a:rPr lang="cs-CZ" sz="3200" b="0" strike="noStrike" spc="-1">
                 <a:solidFill>
                   <a:srgbClr val="000000"/>
                 </a:solidFill>
@@ -6094,97 +7278,47 @@
               <a:t>    </a:t>
             </a:r>
             <a:r>
-              <a:rPr b="0" lang="cs-CZ" sz="3200" spc="-1" strike="noStrike">
+              <a:rPr lang="cs-CZ" sz="3200" b="0" strike="noStrike" spc="-1">
                 <a:solidFill>
                   <a:srgbClr val="008000"/>
                 </a:solidFill>
                 <a:latin typeface="Courier New"/>
                 <a:ea typeface="DejaVu Sans"/>
               </a:rPr>
-              <a:t>elif</a:t>
+              <a:t>else</a:t>
             </a:r>
             <a:r>
-              <a:rPr b="0" lang="cs-CZ" sz="3200" spc="-1" strike="noStrike">
+              <a:rPr lang="cs-CZ" sz="3200" b="0" strike="noStrike" spc="-1">
                 <a:solidFill>
                   <a:srgbClr val="000000"/>
                 </a:solidFill>
                 <a:latin typeface="Courier New"/>
                 <a:ea typeface="DejaVu Sans"/>
               </a:rPr>
-              <a:t> naklon </a:t>
+              <a:t>:</a:t>
             </a:r>
+            <a:endParaRPr lang="cs-CZ" sz="3200" b="0" strike="noStrike" spc="-1">
+              <a:latin typeface="Arial"/>
+            </a:endParaRPr>
+          </a:p>
+          <a:p>
+            <a:pPr>
+              <a:lnSpc>
+                <a:spcPct val="100000"/>
+              </a:lnSpc>
+            </a:pPr>
             <a:r>
-              <a:rPr b="0" lang="cs-CZ" sz="3200" spc="-1" strike="noStrike">
-                <a:solidFill>
-                  <a:srgbClr val="666666"/>
-                </a:solidFill>
-                <a:latin typeface="Courier New"/>
-                <a:ea typeface="DejaVu Sans"/>
-              </a:rPr>
-              <a:t>&lt;</a:t>
-            </a:r>
-            <a:r>
-              <a:rPr b="0" lang="cs-CZ" sz="3200" spc="-1" strike="noStrike">
+              <a:rPr lang="cs-CZ" sz="3200" b="0" strike="noStrike" spc="-1">
                 <a:solidFill>
                   <a:srgbClr val="000000"/>
                 </a:solidFill>
                 <a:latin typeface="Courier New"/>
                 <a:ea typeface="DejaVu Sans"/>
               </a:rPr>
-              <a:t> </a:t>
+              <a:t>        display</a:t>
             </a:r>
             <a:r>
-              <a:rPr b="0" lang="cs-CZ" sz="3200" spc="-1" strike="noStrike">
-                <a:solidFill>
-                  <a:srgbClr val="666666"/>
-                </a:solidFill>
-                <a:latin typeface="Courier New"/>
-                <a:ea typeface="DejaVu Sans"/>
-              </a:rPr>
-              <a:t>-</a:t>
-            </a:r>
-            <a:r>
-              <a:rPr b="0" lang="cs-CZ" sz="3200" spc="-1" strike="noStrike">
-                <a:solidFill>
-                  <a:srgbClr val="000000"/>
-                </a:solidFill>
-                <a:latin typeface="Courier New"/>
-                <a:ea typeface="DejaVu Sans"/>
-              </a:rPr>
-              <a:t>mez:</a:t>
-            </a:r>
-            <a:endParaRPr b="0" lang="cs-CZ" sz="3200" spc="-1" strike="noStrike">
-              <a:latin typeface="Arial"/>
-            </a:endParaRPr>
-          </a:p>
-          <a:p>
-            <a:pPr>
-              <a:lnSpc>
-                <a:spcPct val="100000"/>
-              </a:lnSpc>
-            </a:pPr>
-            <a:r>
-              <a:rPr b="0" lang="cs-CZ" sz="3200" spc="-1" strike="noStrike">
-                <a:solidFill>
-                  <a:srgbClr val="000000"/>
-                </a:solidFill>
-                <a:latin typeface="Courier New"/>
-                <a:ea typeface="DejaVu Sans"/>
-              </a:rPr>
-              <a:t>        </a:t>
-            </a:r>
-            <a:r>
-              <a:rPr b="0" lang="cs-CZ" sz="3200" spc="-1" strike="noStrike">
-                <a:solidFill>
-                  <a:srgbClr val="000000"/>
-                </a:solidFill>
-                <a:latin typeface="Courier New"/>
-                <a:ea typeface="DejaVu Sans"/>
-              </a:rPr>
-              <a:t>display</a:t>
-            </a:r>
-            <a:r>
-              <a:rPr b="0" lang="cs-CZ" sz="3200" spc="-1" strike="noStrike">
+              <a:rPr lang="cs-CZ" sz="3200" b="0" strike="noStrike" spc="-1">
                 <a:solidFill>
                   <a:srgbClr val="666666"/>
                 </a:solidFill>
@@ -6194,7 +7328,7 @@
               <a:t>.</a:t>
             </a:r>
             <a:r>
-              <a:rPr b="0" lang="cs-CZ" sz="3200" spc="-1" strike="noStrike">
+              <a:rPr lang="cs-CZ" sz="3200" b="0" strike="noStrike" spc="-1">
                 <a:solidFill>
                   <a:srgbClr val="000000"/>
                 </a:solidFill>
@@ -6204,17 +7338,17 @@
               <a:t>show(</a:t>
             </a:r>
             <a:r>
-              <a:rPr b="0" lang="cs-CZ" sz="3200" spc="-1" strike="noStrike">
+              <a:rPr lang="cs-CZ" sz="3200" b="0" strike="noStrike" spc="-1">
                 <a:solidFill>
-                  <a:srgbClr val="ba2121"/>
+                  <a:srgbClr val="BA2121"/>
                 </a:solidFill>
                 <a:latin typeface="Courier New"/>
                 <a:ea typeface="DejaVu Sans"/>
               </a:rPr>
-              <a:t>"L"</a:t>
+              <a:t>"-"</a:t>
             </a:r>
             <a:r>
-              <a:rPr b="0" lang="cs-CZ" sz="3200" spc="-1" strike="noStrike">
+              <a:rPr lang="cs-CZ" sz="3200" b="0" strike="noStrike" spc="-1">
                 <a:solidFill>
                   <a:srgbClr val="000000"/>
                 </a:solidFill>
@@ -6223,117 +7357,7 @@
               </a:rPr>
               <a:t>)</a:t>
             </a:r>
-            <a:endParaRPr b="0" lang="cs-CZ" sz="3200" spc="-1" strike="noStrike">
-              <a:latin typeface="Arial"/>
-            </a:endParaRPr>
-          </a:p>
-          <a:p>
-            <a:pPr>
-              <a:lnSpc>
-                <a:spcPct val="100000"/>
-              </a:lnSpc>
-            </a:pPr>
-            <a:r>
-              <a:rPr b="0" lang="cs-CZ" sz="3200" spc="-1" strike="noStrike">
-                <a:solidFill>
-                  <a:srgbClr val="000000"/>
-                </a:solidFill>
-                <a:latin typeface="Courier New"/>
-                <a:ea typeface="DejaVu Sans"/>
-              </a:rPr>
-              <a:t>    </a:t>
-            </a:r>
-            <a:r>
-              <a:rPr b="0" lang="cs-CZ" sz="3200" spc="-1" strike="noStrike">
-                <a:solidFill>
-                  <a:srgbClr val="008000"/>
-                </a:solidFill>
-                <a:latin typeface="Courier New"/>
-                <a:ea typeface="DejaVu Sans"/>
-              </a:rPr>
-              <a:t>else</a:t>
-            </a:r>
-            <a:r>
-              <a:rPr b="0" lang="cs-CZ" sz="3200" spc="-1" strike="noStrike">
-                <a:solidFill>
-                  <a:srgbClr val="000000"/>
-                </a:solidFill>
-                <a:latin typeface="Courier New"/>
-                <a:ea typeface="DejaVu Sans"/>
-              </a:rPr>
-              <a:t>:</a:t>
-            </a:r>
-            <a:endParaRPr b="0" lang="cs-CZ" sz="3200" spc="-1" strike="noStrike">
-              <a:latin typeface="Arial"/>
-            </a:endParaRPr>
-          </a:p>
-          <a:p>
-            <a:pPr>
-              <a:lnSpc>
-                <a:spcPct val="100000"/>
-              </a:lnSpc>
-            </a:pPr>
-            <a:r>
-              <a:rPr b="0" lang="cs-CZ" sz="3200" spc="-1" strike="noStrike">
-                <a:solidFill>
-                  <a:srgbClr val="000000"/>
-                </a:solidFill>
-                <a:latin typeface="Courier New"/>
-                <a:ea typeface="DejaVu Sans"/>
-              </a:rPr>
-              <a:t>        </a:t>
-            </a:r>
-            <a:r>
-              <a:rPr b="0" lang="cs-CZ" sz="3200" spc="-1" strike="noStrike">
-                <a:solidFill>
-                  <a:srgbClr val="000000"/>
-                </a:solidFill>
-                <a:latin typeface="Courier New"/>
-                <a:ea typeface="DejaVu Sans"/>
-              </a:rPr>
-              <a:t>display</a:t>
-            </a:r>
-            <a:r>
-              <a:rPr b="0" lang="cs-CZ" sz="3200" spc="-1" strike="noStrike">
-                <a:solidFill>
-                  <a:srgbClr val="666666"/>
-                </a:solidFill>
-                <a:latin typeface="Courier New"/>
-                <a:ea typeface="DejaVu Sans"/>
-              </a:rPr>
-              <a:t>.</a:t>
-            </a:r>
-            <a:r>
-              <a:rPr b="0" lang="cs-CZ" sz="3200" spc="-1" strike="noStrike">
-                <a:solidFill>
-                  <a:srgbClr val="000000"/>
-                </a:solidFill>
-                <a:latin typeface="Courier New"/>
-                <a:ea typeface="DejaVu Sans"/>
-              </a:rPr>
-              <a:t>show(</a:t>
-            </a:r>
-            <a:r>
-              <a:rPr b="0" lang="cs-CZ" sz="3200" spc="-1" strike="noStrike">
-                <a:solidFill>
-                  <a:srgbClr val="ba2121"/>
-                </a:solidFill>
-                <a:latin typeface="Courier New"/>
-                <a:ea typeface="DejaVu Sans"/>
-              </a:rPr>
-              <a:t>"-"</a:t>
-            </a:r>
-            <a:r>
-              <a:rPr b="0" lang="cs-CZ" sz="3200" spc="-1" strike="noStrike">
-                <a:solidFill>
-                  <a:srgbClr val="000000"/>
-                </a:solidFill>
-                <a:latin typeface="Courier New"/>
-                <a:ea typeface="DejaVu Sans"/>
-              </a:rPr>
-              <a:t>)</a:t>
-            </a:r>
-            <a:endParaRPr b="0" lang="cs-CZ" sz="3200" spc="-1" strike="noStrike">
+            <a:endParaRPr lang="cs-CZ" sz="3200" b="0" strike="noStrike" spc="-1">
               <a:latin typeface="Arial"/>
             </a:endParaRPr>
           </a:p>
@@ -6341,22 +7365,25 @@
       </p:sp>
     </p:spTree>
   </p:cSld>
+  <p:clrMapOvr>
+    <a:masterClrMapping/>
+  </p:clrMapOvr>
   <p:timing>
     <p:tnLst>
       <p:par>
-        <p:cTn id="5" dur="indefinite" restart="never" nodeType="tmRoot">
+        <p:cTn id="1" dur="indefinite" restart="never" nodeType="tmRoot">
           <p:childTnLst>
             <p:seq>
-              <p:cTn id="6" dur="indefinite" nodeType="mainSeq"/>
+              <p:cTn id="2" dur="indefinite" nodeType="mainSeq"/>
               <p:prevCondLst>
-                <p:cond delay="0" evt="onPrev">
+                <p:cond evt="onPrev" delay="0">
                   <p:tgtEl>
                     <p:sldTgt/>
                   </p:tgtEl>
                 </p:cond>
               </p:prevCondLst>
               <p:nextCondLst>
-                <p:cond delay="0" evt="onNext">
+                <p:cond evt="onNext" delay="0">
                   <p:tgtEl>
                     <p:sldTgt/>
                   </p:tgtEl>
@@ -6372,7 +7399,7 @@
 </file>
 
 <file path=ppt/slides/slide4.xml><?xml version="1.0" encoding="utf-8"?>
-<p:sld xmlns:a="http://schemas.openxmlformats.org/drawingml/2006/main" xmlns:p="http://schemas.openxmlformats.org/presentationml/2006/main" xmlns:r="http://schemas.openxmlformats.org/officeDocument/2006/relationships" xmlns:p14="http://schemas.microsoft.com/office/powerpoint/2010/main" xmlns:p15="http://schemas.microsoft.com/office/powerpoint/2012/main" xmlns:mc="http://schemas.openxmlformats.org/markup-compatibility/2006">
+<p:sld xmlns:a="http://schemas.openxmlformats.org/drawingml/2006/main" xmlns:r="http://schemas.openxmlformats.org/officeDocument/2006/relationships" xmlns:p="http://schemas.openxmlformats.org/presentationml/2006/main">
   <p:cSld>
     <p:spTree>
       <p:nvGrpSpPr>
@@ -6408,7 +7435,8 @@
           </a:ln>
         </p:spPr>
         <p:txBody>
-          <a:bodyPr lIns="0" rIns="0" tIns="0" bIns="0" anchor="ctr"/>
+          <a:bodyPr lIns="0" tIns="0" rIns="0" bIns="0" anchor="ctr"/>
+          <a:lstStyle/>
           <a:p>
             <a:pPr algn="ctr">
               <a:lnSpc>
@@ -6416,7 +7444,7 @@
               </a:lnSpc>
             </a:pPr>
             <a:r>
-              <a:rPr b="0" lang="cs-CZ" sz="4400" spc="-1" strike="noStrike">
+              <a:rPr lang="cs-CZ" sz="4400" b="0" strike="noStrike" spc="-1">
                 <a:solidFill>
                   <a:srgbClr val="000000"/>
                 </a:solidFill>
@@ -6425,7 +7453,7 @@
               </a:rPr>
               <a:t>Theremin</a:t>
             </a:r>
-            <a:endParaRPr b="0" lang="cs-CZ" sz="4400" spc="-1" strike="noStrike">
+            <a:endParaRPr lang="cs-CZ" sz="4400" b="0" strike="noStrike" spc="-1">
               <a:solidFill>
                 <a:srgbClr val="000000"/>
               </a:solidFill>
@@ -6436,12 +7464,12 @@
       </p:sp>
       <p:pic>
         <p:nvPicPr>
-          <p:cNvPr id="122" name="Obrázek 3" descr=""/>
+          <p:cNvPr id="122" name="Obrázek 3"/>
           <p:cNvPicPr/>
           <p:nvPr/>
         </p:nvPicPr>
         <p:blipFill>
-          <a:blip r:embed="rId1"/>
+          <a:blip r:embed="rId2"/>
           <a:stretch/>
         </p:blipFill>
         <p:spPr>
@@ -6459,22 +7487,25 @@
       </p:pic>
     </p:spTree>
   </p:cSld>
+  <p:clrMapOvr>
+    <a:masterClrMapping/>
+  </p:clrMapOvr>
   <p:timing>
     <p:tnLst>
       <p:par>
-        <p:cTn id="7" dur="indefinite" restart="never" nodeType="tmRoot">
+        <p:cTn id="1" dur="indefinite" restart="never" nodeType="tmRoot">
           <p:childTnLst>
             <p:seq>
-              <p:cTn id="8" dur="indefinite" nodeType="mainSeq"/>
+              <p:cTn id="2" dur="indefinite" nodeType="mainSeq"/>
               <p:prevCondLst>
-                <p:cond delay="0" evt="onPrev">
+                <p:cond evt="onPrev" delay="0">
                   <p:tgtEl>
                     <p:sldTgt/>
                   </p:tgtEl>
                 </p:cond>
               </p:prevCondLst>
               <p:nextCondLst>
-                <p:cond delay="0" evt="onNext">
+                <p:cond evt="onNext" delay="0">
                   <p:tgtEl>
                     <p:sldTgt/>
                   </p:tgtEl>
@@ -6490,7 +7521,7 @@
 </file>
 
 <file path=ppt/slides/slide5.xml><?xml version="1.0" encoding="utf-8"?>
-<p:sld xmlns:a="http://schemas.openxmlformats.org/drawingml/2006/main" xmlns:p="http://schemas.openxmlformats.org/presentationml/2006/main" xmlns:r="http://schemas.openxmlformats.org/officeDocument/2006/relationships" xmlns:p14="http://schemas.microsoft.com/office/powerpoint/2010/main" xmlns:p15="http://schemas.microsoft.com/office/powerpoint/2012/main" xmlns:mc="http://schemas.openxmlformats.org/markup-compatibility/2006">
+<p:sld xmlns:a="http://schemas.openxmlformats.org/drawingml/2006/main" xmlns:r="http://schemas.openxmlformats.org/officeDocument/2006/relationships" xmlns:p="http://schemas.openxmlformats.org/presentationml/2006/main">
   <p:cSld>
     <p:spTree>
       <p:nvGrpSpPr>
@@ -6526,13 +7557,20 @@
           </a:ln>
         </p:spPr>
         <p:style>
-          <a:lnRef idx="0"/>
-          <a:fillRef idx="0"/>
-          <a:effectRef idx="0"/>
+          <a:lnRef idx="0">
+            <a:scrgbClr r="0" g="0" b="0"/>
+          </a:lnRef>
+          <a:fillRef idx="0">
+            <a:scrgbClr r="0" g="0" b="0"/>
+          </a:fillRef>
+          <a:effectRef idx="0">
+            <a:scrgbClr r="0" g="0" b="0"/>
+          </a:effectRef>
           <a:fontRef idx="minor"/>
         </p:style>
         <p:txBody>
-          <a:bodyPr lIns="0" rIns="0" tIns="0" bIns="0" anchor="ctr"/>
+          <a:bodyPr lIns="0" tIns="0" rIns="0" bIns="0" anchor="ctr"/>
+          <a:lstStyle/>
           <a:p>
             <a:pPr algn="ctr">
               <a:lnSpc>
@@ -6540,7 +7578,7 @@
               </a:lnSpc>
             </a:pPr>
             <a:r>
-              <a:rPr b="0" lang="cs-CZ" sz="4400" spc="-1" strike="noStrike">
+              <a:rPr lang="cs-CZ" sz="4400" b="0" strike="noStrike" spc="-1">
                 <a:solidFill>
                   <a:srgbClr val="000000"/>
                 </a:solidFill>
@@ -6549,7 +7587,7 @@
               </a:rPr>
               <a:t>Theremin</a:t>
             </a:r>
-            <a:endParaRPr b="0" lang="cs-CZ" sz="4400" spc="-1" strike="noStrike">
+            <a:endParaRPr lang="cs-CZ" sz="4400" b="0" strike="noStrike" spc="-1">
               <a:latin typeface="Arial"/>
             </a:endParaRPr>
           </a:p>
@@ -6563,20 +7601,33 @@
         </p:nvGraphicFramePr>
         <p:xfrm>
           <a:off x="504000" y="1315440"/>
-          <a:ext cx="9068760" cy="360000"/>
+          <a:ext cx="9069120" cy="5273040"/>
         </p:xfrm>
         <a:graphic>
           <a:graphicData uri="http://schemas.openxmlformats.org/drawingml/2006/table">
             <a:tbl>
               <a:tblPr/>
               <a:tblGrid>
-                <a:gridCol w="4534560"/>
-                <a:gridCol w="4534560"/>
+                <a:gridCol w="4534560">
+                  <a:extLst>
+                    <a:ext uri="{9D8B030D-6E8A-4147-A177-3AD203B41FA5}">
+                      <a16:colId xmlns:a16="http://schemas.microsoft.com/office/drawing/2014/main" val="20000"/>
+                    </a:ext>
+                  </a:extLst>
+                </a:gridCol>
+                <a:gridCol w="4534560">
+                  <a:extLst>
+                    <a:ext uri="{9D8B030D-6E8A-4147-A177-3AD203B41FA5}">
+                      <a16:colId xmlns:a16="http://schemas.microsoft.com/office/drawing/2014/main" val="20001"/>
+                    </a:ext>
+                  </a:extLst>
+                </a:gridCol>
               </a:tblGrid>
               <a:tr h="0">
                 <a:tc>
                   <a:txBody>
                     <a:bodyPr/>
+                    <a:lstStyle/>
                     <a:p>
                       <a:pPr>
                         <a:lnSpc>
@@ -6584,7 +7635,7 @@
                         </a:lnSpc>
                       </a:pPr>
                       <a:r>
-                        <a:rPr b="0" lang="cs-CZ" sz="2000" spc="-1" strike="noStrike">
+                        <a:rPr lang="cs-CZ" sz="2000" b="0" strike="noStrike" spc="-1">
                           <a:solidFill>
                             <a:srgbClr val="000000"/>
                           </a:solidFill>
@@ -6593,7 +7644,7 @@
                         </a:rPr>
                         <a:t>from microbit import *</a:t>
                       </a:r>
-                      <a:endParaRPr b="0" lang="cs-CZ" sz="2000" spc="-1" strike="noStrike">
+                      <a:endParaRPr lang="cs-CZ" sz="2000" b="0" strike="noStrike" spc="-1">
                         <a:latin typeface="Arial"/>
                       </a:endParaRPr>
                     </a:p>
@@ -6604,7 +7655,7 @@
                         </a:lnSpc>
                       </a:pPr>
                       <a:r>
-                        <a:rPr b="0" lang="cs-CZ" sz="2000" spc="-1" strike="noStrike">
+                        <a:rPr lang="cs-CZ" sz="2000" b="0" strike="noStrike" spc="-1">
                           <a:solidFill>
                             <a:srgbClr val="000000"/>
                           </a:solidFill>
@@ -6613,7 +7664,7 @@
                         </a:rPr>
                         <a:t>import music</a:t>
                       </a:r>
-                      <a:endParaRPr b="0" lang="cs-CZ" sz="2000" spc="-1" strike="noStrike">
+                      <a:endParaRPr lang="cs-CZ" sz="2000" b="0" strike="noStrike" spc="-1">
                         <a:latin typeface="Arial"/>
                       </a:endParaRPr>
                     </a:p>
@@ -6624,7 +7675,7 @@
                         </a:lnSpc>
                       </a:pPr>
                       <a:r>
-                        <a:rPr b="0" lang="cs-CZ" sz="2000" spc="-1" strike="noStrike">
+                        <a:rPr lang="cs-CZ" sz="2000" b="0" strike="noStrike" spc="-1">
                           <a:solidFill>
                             <a:srgbClr val="000000"/>
                           </a:solidFill>
@@ -6633,7 +7684,7 @@
                         </a:rPr>
                         <a:t>while True:</a:t>
                       </a:r>
-                      <a:endParaRPr b="0" lang="cs-CZ" sz="2000" spc="-1" strike="noStrike">
+                      <a:endParaRPr lang="cs-CZ" sz="2000" b="0" strike="noStrike" spc="-1">
                         <a:latin typeface="Arial"/>
                       </a:endParaRPr>
                     </a:p>
@@ -6644,26 +7695,16 @@
                         </a:lnSpc>
                       </a:pPr>
                       <a:r>
-                        <a:rPr b="0" lang="cs-CZ" sz="2000" spc="-1" strike="noStrike">
+                        <a:rPr lang="cs-CZ" sz="2000" b="0" strike="noStrike" spc="-1">
                           <a:solidFill>
                             <a:srgbClr val="000000"/>
                           </a:solidFill>
                           <a:latin typeface="Courier New"/>
                           <a:ea typeface="DejaVu Sans"/>
                         </a:rPr>
-                        <a:t>    </a:t>
+                        <a:t>    x = accelerometer.get_x()</a:t>
                       </a:r>
-                      <a:r>
-                        <a:rPr b="0" lang="cs-CZ" sz="2000" spc="-1" strike="noStrike">
-                          <a:solidFill>
-                            <a:srgbClr val="000000"/>
-                          </a:solidFill>
-                          <a:latin typeface="Courier New"/>
-                          <a:ea typeface="DejaVu Sans"/>
-                        </a:rPr>
-                        <a:t>x = accelerometer.get_x()</a:t>
-                      </a:r>
-                      <a:endParaRPr b="0" lang="cs-CZ" sz="2000" spc="-1" strike="noStrike">
+                      <a:endParaRPr lang="cs-CZ" sz="2000" b="0" strike="noStrike" spc="-1">
                         <a:latin typeface="Arial"/>
                       </a:endParaRPr>
                     </a:p>
@@ -6674,26 +7715,16 @@
                         </a:lnSpc>
                       </a:pPr>
                       <a:r>
-                        <a:rPr b="0" lang="cs-CZ" sz="2000" spc="-1" strike="noStrike">
+                        <a:rPr lang="cs-CZ" sz="2000" b="0" strike="noStrike" spc="-1">
                           <a:solidFill>
                             <a:srgbClr val="000000"/>
                           </a:solidFill>
                           <a:latin typeface="Courier New"/>
                           <a:ea typeface="DejaVu Sans"/>
                         </a:rPr>
-                        <a:t>    </a:t>
+                        <a:t>    y = accelerometer.get_y()</a:t>
                       </a:r>
-                      <a:r>
-                        <a:rPr b="0" lang="cs-CZ" sz="2000" spc="-1" strike="noStrike">
-                          <a:solidFill>
-                            <a:srgbClr val="000000"/>
-                          </a:solidFill>
-                          <a:latin typeface="Courier New"/>
-                          <a:ea typeface="DejaVu Sans"/>
-                        </a:rPr>
-                        <a:t>y = accelerometer.get_y()</a:t>
-                      </a:r>
-                      <a:endParaRPr b="0" lang="cs-CZ" sz="2000" spc="-1" strike="noStrike">
+                      <a:endParaRPr lang="cs-CZ" sz="2000" b="0" strike="noStrike" spc="-1">
                         <a:latin typeface="Arial"/>
                       </a:endParaRPr>
                     </a:p>
@@ -6704,26 +7735,16 @@
                         </a:lnSpc>
                       </a:pPr>
                       <a:r>
-                        <a:rPr b="0" lang="cs-CZ" sz="2000" spc="-1" strike="noStrike">
+                        <a:rPr lang="cs-CZ" sz="2000" b="0" strike="noStrike" spc="-1">
                           <a:solidFill>
                             <a:srgbClr val="000000"/>
                           </a:solidFill>
                           <a:latin typeface="Courier New"/>
                           <a:ea typeface="DejaVu Sans"/>
                         </a:rPr>
-                        <a:t>    </a:t>
+                        <a:t>    if (x &lt; -1000):</a:t>
                       </a:r>
-                      <a:r>
-                        <a:rPr b="0" lang="cs-CZ" sz="2000" spc="-1" strike="noStrike">
-                          <a:solidFill>
-                            <a:srgbClr val="000000"/>
-                          </a:solidFill>
-                          <a:latin typeface="Courier New"/>
-                          <a:ea typeface="DejaVu Sans"/>
-                        </a:rPr>
-                        <a:t>if (x &lt; -1000):</a:t>
-                      </a:r>
-                      <a:endParaRPr b="0" lang="cs-CZ" sz="2000" spc="-1" strike="noStrike">
+                      <a:endParaRPr lang="cs-CZ" sz="2000" b="0" strike="noStrike" spc="-1">
                         <a:latin typeface="Arial"/>
                       </a:endParaRPr>
                     </a:p>
@@ -6734,26 +7755,16 @@
                         </a:lnSpc>
                       </a:pPr>
                       <a:r>
-                        <a:rPr b="0" lang="cs-CZ" sz="2000" spc="-1" strike="noStrike">
+                        <a:rPr lang="cs-CZ" sz="2000" b="0" strike="noStrike" spc="-1">
                           <a:solidFill>
                             <a:srgbClr val="000000"/>
                           </a:solidFill>
                           <a:latin typeface="Courier New"/>
                           <a:ea typeface="DejaVu Sans"/>
                         </a:rPr>
-                        <a:t>        </a:t>
+                        <a:t>        ton = "C4"</a:t>
                       </a:r>
-                      <a:r>
-                        <a:rPr b="0" lang="cs-CZ" sz="2000" spc="-1" strike="noStrike">
-                          <a:solidFill>
-                            <a:srgbClr val="000000"/>
-                          </a:solidFill>
-                          <a:latin typeface="Courier New"/>
-                          <a:ea typeface="DejaVu Sans"/>
-                        </a:rPr>
-                        <a:t>ton = "C4"</a:t>
-                      </a:r>
-                      <a:endParaRPr b="0" lang="cs-CZ" sz="2000" spc="-1" strike="noStrike">
+                      <a:endParaRPr lang="cs-CZ" sz="2000" b="0" strike="noStrike" spc="-1">
                         <a:latin typeface="Arial"/>
                       </a:endParaRPr>
                     </a:p>
@@ -6764,26 +7775,16 @@
                         </a:lnSpc>
                       </a:pPr>
                       <a:r>
-                        <a:rPr b="0" lang="cs-CZ" sz="2000" spc="-1" strike="noStrike">
+                        <a:rPr lang="cs-CZ" sz="2000" b="0" strike="noStrike" spc="-1">
                           <a:solidFill>
                             <a:srgbClr val="000000"/>
                           </a:solidFill>
                           <a:latin typeface="Courier New"/>
                           <a:ea typeface="DejaVu Sans"/>
                         </a:rPr>
-                        <a:t>    </a:t>
+                        <a:t>    elif (x &lt; -700):</a:t>
                       </a:r>
-                      <a:r>
-                        <a:rPr b="0" lang="cs-CZ" sz="2000" spc="-1" strike="noStrike">
-                          <a:solidFill>
-                            <a:srgbClr val="000000"/>
-                          </a:solidFill>
-                          <a:latin typeface="Courier New"/>
-                          <a:ea typeface="DejaVu Sans"/>
-                        </a:rPr>
-                        <a:t>elif (x &lt; -700):</a:t>
-                      </a:r>
-                      <a:endParaRPr b="0" lang="cs-CZ" sz="2000" spc="-1" strike="noStrike">
+                      <a:endParaRPr lang="cs-CZ" sz="2000" b="0" strike="noStrike" spc="-1">
                         <a:latin typeface="Arial"/>
                       </a:endParaRPr>
                     </a:p>
@@ -6794,26 +7795,16 @@
                         </a:lnSpc>
                       </a:pPr>
                       <a:r>
-                        <a:rPr b="0" lang="cs-CZ" sz="2000" spc="-1" strike="noStrike">
+                        <a:rPr lang="cs-CZ" sz="2000" b="0" strike="noStrike" spc="-1">
                           <a:solidFill>
                             <a:srgbClr val="000000"/>
                           </a:solidFill>
                           <a:latin typeface="Courier New"/>
                           <a:ea typeface="DejaVu Sans"/>
                         </a:rPr>
-                        <a:t>        </a:t>
+                        <a:t>        ton = "D4"</a:t>
                       </a:r>
-                      <a:r>
-                        <a:rPr b="0" lang="cs-CZ" sz="2000" spc="-1" strike="noStrike">
-                          <a:solidFill>
-                            <a:srgbClr val="000000"/>
-                          </a:solidFill>
-                          <a:latin typeface="Courier New"/>
-                          <a:ea typeface="DejaVu Sans"/>
-                        </a:rPr>
-                        <a:t>ton = "D4"</a:t>
-                      </a:r>
-                      <a:endParaRPr b="0" lang="cs-CZ" sz="2000" spc="-1" strike="noStrike">
+                      <a:endParaRPr lang="cs-CZ" sz="2000" b="0" strike="noStrike" spc="-1">
                         <a:latin typeface="Arial"/>
                       </a:endParaRPr>
                     </a:p>
@@ -6824,26 +7815,16 @@
                         </a:lnSpc>
                       </a:pPr>
                       <a:r>
-                        <a:rPr b="0" lang="cs-CZ" sz="2000" spc="-1" strike="noStrike">
+                        <a:rPr lang="cs-CZ" sz="2000" b="0" strike="noStrike" spc="-1">
                           <a:solidFill>
                             <a:srgbClr val="000000"/>
                           </a:solidFill>
                           <a:latin typeface="Courier New"/>
                           <a:ea typeface="DejaVu Sans"/>
                         </a:rPr>
-                        <a:t>    </a:t>
+                        <a:t>    elif (x &lt; - 400):</a:t>
                       </a:r>
-                      <a:r>
-                        <a:rPr b="0" lang="cs-CZ" sz="2000" spc="-1" strike="noStrike">
-                          <a:solidFill>
-                            <a:srgbClr val="000000"/>
-                          </a:solidFill>
-                          <a:latin typeface="Courier New"/>
-                          <a:ea typeface="DejaVu Sans"/>
-                        </a:rPr>
-                        <a:t>elif (x &lt; - 400):</a:t>
-                      </a:r>
-                      <a:endParaRPr b="0" lang="cs-CZ" sz="2000" spc="-1" strike="noStrike">
+                      <a:endParaRPr lang="cs-CZ" sz="2000" b="0" strike="noStrike" spc="-1">
                         <a:latin typeface="Arial"/>
                       </a:endParaRPr>
                     </a:p>
@@ -6854,26 +7835,16 @@
                         </a:lnSpc>
                       </a:pPr>
                       <a:r>
-                        <a:rPr b="0" lang="cs-CZ" sz="2000" spc="-1" strike="noStrike">
+                        <a:rPr lang="cs-CZ" sz="2000" b="0" strike="noStrike" spc="-1">
                           <a:solidFill>
                             <a:srgbClr val="000000"/>
                           </a:solidFill>
                           <a:latin typeface="Courier New"/>
                           <a:ea typeface="DejaVu Sans"/>
                         </a:rPr>
-                        <a:t>        </a:t>
+                        <a:t>        ton = "E4"</a:t>
                       </a:r>
-                      <a:r>
-                        <a:rPr b="0" lang="cs-CZ" sz="2000" spc="-1" strike="noStrike">
-                          <a:solidFill>
-                            <a:srgbClr val="000000"/>
-                          </a:solidFill>
-                          <a:latin typeface="Courier New"/>
-                          <a:ea typeface="DejaVu Sans"/>
-                        </a:rPr>
-                        <a:t>ton = "E4"</a:t>
-                      </a:r>
-                      <a:endParaRPr b="0" lang="cs-CZ" sz="2000" spc="-1" strike="noStrike">
+                      <a:endParaRPr lang="cs-CZ" sz="2000" b="0" strike="noStrike" spc="-1">
                         <a:latin typeface="Arial"/>
                       </a:endParaRPr>
                     </a:p>
@@ -6884,26 +7855,16 @@
                         </a:lnSpc>
                       </a:pPr>
                       <a:r>
-                        <a:rPr b="0" lang="cs-CZ" sz="2000" spc="-1" strike="noStrike">
+                        <a:rPr lang="cs-CZ" sz="2000" b="0" strike="noStrike" spc="-1">
                           <a:solidFill>
                             <a:srgbClr val="000000"/>
                           </a:solidFill>
                           <a:latin typeface="Courier New"/>
                           <a:ea typeface="DejaVu Sans"/>
                         </a:rPr>
-                        <a:t>    </a:t>
+                        <a:t>    elif (x &lt; -100):</a:t>
                       </a:r>
-                      <a:r>
-                        <a:rPr b="0" lang="cs-CZ" sz="2000" spc="-1" strike="noStrike">
-                          <a:solidFill>
-                            <a:srgbClr val="000000"/>
-                          </a:solidFill>
-                          <a:latin typeface="Courier New"/>
-                          <a:ea typeface="DejaVu Sans"/>
-                        </a:rPr>
-                        <a:t>elif (x &lt; -100):</a:t>
-                      </a:r>
-                      <a:endParaRPr b="0" lang="cs-CZ" sz="2000" spc="-1" strike="noStrike">
+                      <a:endParaRPr lang="cs-CZ" sz="2000" b="0" strike="noStrike" spc="-1">
                         <a:latin typeface="Arial"/>
                       </a:endParaRPr>
                     </a:p>
@@ -6914,26 +7875,16 @@
                         </a:lnSpc>
                       </a:pPr>
                       <a:r>
-                        <a:rPr b="0" lang="cs-CZ" sz="2000" spc="-1" strike="noStrike">
+                        <a:rPr lang="cs-CZ" sz="2000" b="0" strike="noStrike" spc="-1">
                           <a:solidFill>
                             <a:srgbClr val="000000"/>
                           </a:solidFill>
                           <a:latin typeface="Courier New"/>
                           <a:ea typeface="DejaVu Sans"/>
                         </a:rPr>
-                        <a:t>        </a:t>
+                        <a:t>        ton = "F4"</a:t>
                       </a:r>
-                      <a:r>
-                        <a:rPr b="0" lang="cs-CZ" sz="2000" spc="-1" strike="noStrike">
-                          <a:solidFill>
-                            <a:srgbClr val="000000"/>
-                          </a:solidFill>
-                          <a:latin typeface="Courier New"/>
-                          <a:ea typeface="DejaVu Sans"/>
-                        </a:rPr>
-                        <a:t>ton = "F4"</a:t>
-                      </a:r>
-                      <a:endParaRPr b="0" lang="cs-CZ" sz="2000" spc="-1" strike="noStrike">
+                      <a:endParaRPr lang="cs-CZ" sz="2000" b="0" strike="noStrike" spc="-1">
                         <a:latin typeface="Arial"/>
                       </a:endParaRPr>
                     </a:p>
@@ -6944,26 +7895,16 @@
                         </a:lnSpc>
                       </a:pPr>
                       <a:r>
-                        <a:rPr b="0" lang="cs-CZ" sz="2000" spc="-1" strike="noStrike">
+                        <a:rPr lang="cs-CZ" sz="2000" b="0" strike="noStrike" spc="-1">
                           <a:solidFill>
                             <a:srgbClr val="000000"/>
                           </a:solidFill>
                           <a:latin typeface="Courier New"/>
                           <a:ea typeface="DejaVu Sans"/>
                         </a:rPr>
-                        <a:t>    </a:t>
+                        <a:t>    elif (x &lt; 200):</a:t>
                       </a:r>
-                      <a:r>
-                        <a:rPr b="0" lang="cs-CZ" sz="2000" spc="-1" strike="noStrike">
-                          <a:solidFill>
-                            <a:srgbClr val="000000"/>
-                          </a:solidFill>
-                          <a:latin typeface="Courier New"/>
-                          <a:ea typeface="DejaVu Sans"/>
-                        </a:rPr>
-                        <a:t>elif (x &lt; 200):</a:t>
-                      </a:r>
-                      <a:endParaRPr b="0" lang="cs-CZ" sz="2000" spc="-1" strike="noStrike">
+                      <a:endParaRPr lang="cs-CZ" sz="2000" b="0" strike="noStrike" spc="-1">
                         <a:latin typeface="Arial"/>
                       </a:endParaRPr>
                     </a:p>
@@ -6974,37 +7915,28 @@
                         </a:lnSpc>
                       </a:pPr>
                       <a:r>
-                        <a:rPr b="0" lang="cs-CZ" sz="2000" spc="-1" strike="noStrike">
+                        <a:rPr lang="cs-CZ" sz="2000" b="0" strike="noStrike" spc="-1">
                           <a:solidFill>
                             <a:srgbClr val="000000"/>
                           </a:solidFill>
                           <a:latin typeface="Courier New"/>
                           <a:ea typeface="DejaVu Sans"/>
                         </a:rPr>
-                        <a:t>        </a:t>
+                        <a:t>        ton = "G4"</a:t>
                       </a:r>
-                      <a:r>
-                        <a:rPr b="0" lang="cs-CZ" sz="2000" spc="-1" strike="noStrike">
-                          <a:solidFill>
-                            <a:srgbClr val="000000"/>
-                          </a:solidFill>
-                          <a:latin typeface="Courier New"/>
-                          <a:ea typeface="DejaVu Sans"/>
-                        </a:rPr>
-                        <a:t>ton = "G4"</a:t>
-                      </a:r>
-                      <a:endParaRPr b="0" lang="cs-CZ" sz="2000" spc="-1" strike="noStrike">
+                      <a:endParaRPr lang="cs-CZ" sz="2000" b="0" strike="noStrike" spc="-1">
                         <a:latin typeface="Arial"/>
                       </a:endParaRPr>
                     </a:p>
                   </a:txBody>
-                  <a:tcPr marL="91440" marR="91440">
+                  <a:tcPr>
                     <a:noFill/>
                   </a:tcPr>
                 </a:tc>
                 <a:tc>
                   <a:txBody>
                     <a:bodyPr/>
+                    <a:lstStyle/>
                     <a:p>
                       <a:pPr>
                         <a:lnSpc>
@@ -7012,26 +7944,16 @@
                         </a:lnSpc>
                       </a:pPr>
                       <a:r>
-                        <a:rPr b="0" lang="cs-CZ" sz="2000" spc="-1" strike="noStrike">
+                        <a:rPr lang="cs-CZ" sz="2000" b="0" strike="noStrike" spc="-1">
                           <a:solidFill>
                             <a:srgbClr val="000000"/>
                           </a:solidFill>
                           <a:latin typeface="Courier New"/>
                           <a:ea typeface="DejaVu Sans"/>
                         </a:rPr>
-                        <a:t>    </a:t>
+                        <a:t>    elif (x &lt; 500):</a:t>
                       </a:r>
-                      <a:r>
-                        <a:rPr b="0" lang="cs-CZ" sz="2000" spc="-1" strike="noStrike">
-                          <a:solidFill>
-                            <a:srgbClr val="000000"/>
-                          </a:solidFill>
-                          <a:latin typeface="Courier New"/>
-                          <a:ea typeface="DejaVu Sans"/>
-                        </a:rPr>
-                        <a:t>elif (x &lt; 500):</a:t>
-                      </a:r>
-                      <a:endParaRPr b="0" lang="cs-CZ" sz="2000" spc="-1" strike="noStrike">
+                      <a:endParaRPr lang="cs-CZ" sz="2000" b="0" strike="noStrike" spc="-1">
                         <a:latin typeface="Arial"/>
                       </a:endParaRPr>
                     </a:p>
@@ -7042,26 +7964,16 @@
                         </a:lnSpc>
                       </a:pPr>
                       <a:r>
-                        <a:rPr b="0" lang="cs-CZ" sz="2000" spc="-1" strike="noStrike">
+                        <a:rPr lang="cs-CZ" sz="2000" b="0" strike="noStrike" spc="-1">
                           <a:solidFill>
                             <a:srgbClr val="000000"/>
                           </a:solidFill>
                           <a:latin typeface="Courier New"/>
                           <a:ea typeface="DejaVu Sans"/>
                         </a:rPr>
-                        <a:t>        </a:t>
+                        <a:t>        ton = "A4"</a:t>
                       </a:r>
-                      <a:r>
-                        <a:rPr b="0" lang="cs-CZ" sz="2000" spc="-1" strike="noStrike">
-                          <a:solidFill>
-                            <a:srgbClr val="000000"/>
-                          </a:solidFill>
-                          <a:latin typeface="Courier New"/>
-                          <a:ea typeface="DejaVu Sans"/>
-                        </a:rPr>
-                        <a:t>ton = "A4"</a:t>
-                      </a:r>
-                      <a:endParaRPr b="0" lang="cs-CZ" sz="2000" spc="-1" strike="noStrike">
+                      <a:endParaRPr lang="cs-CZ" sz="2000" b="0" strike="noStrike" spc="-1">
                         <a:latin typeface="Arial"/>
                       </a:endParaRPr>
                     </a:p>
@@ -7072,26 +7984,16 @@
                         </a:lnSpc>
                       </a:pPr>
                       <a:r>
-                        <a:rPr b="0" lang="cs-CZ" sz="2000" spc="-1" strike="noStrike">
+                        <a:rPr lang="cs-CZ" sz="2000" b="0" strike="noStrike" spc="-1">
                           <a:solidFill>
                             <a:srgbClr val="000000"/>
                           </a:solidFill>
                           <a:latin typeface="Courier New"/>
                           <a:ea typeface="DejaVu Sans"/>
                         </a:rPr>
-                        <a:t>    </a:t>
+                        <a:t>    elif (x &lt; 800):</a:t>
                       </a:r>
-                      <a:r>
-                        <a:rPr b="0" lang="cs-CZ" sz="2000" spc="-1" strike="noStrike">
-                          <a:solidFill>
-                            <a:srgbClr val="000000"/>
-                          </a:solidFill>
-                          <a:latin typeface="Courier New"/>
-                          <a:ea typeface="DejaVu Sans"/>
-                        </a:rPr>
-                        <a:t>elif (x &lt; 800):</a:t>
-                      </a:r>
-                      <a:endParaRPr b="0" lang="cs-CZ" sz="2000" spc="-1" strike="noStrike">
+                      <a:endParaRPr lang="cs-CZ" sz="2000" b="0" strike="noStrike" spc="-1">
                         <a:latin typeface="Arial"/>
                       </a:endParaRPr>
                     </a:p>
@@ -7102,26 +8004,16 @@
                         </a:lnSpc>
                       </a:pPr>
                       <a:r>
-                        <a:rPr b="0" lang="cs-CZ" sz="2000" spc="-1" strike="noStrike">
+                        <a:rPr lang="cs-CZ" sz="2000" b="0" strike="noStrike" spc="-1">
                           <a:solidFill>
                             <a:srgbClr val="000000"/>
                           </a:solidFill>
                           <a:latin typeface="Courier New"/>
                           <a:ea typeface="DejaVu Sans"/>
                         </a:rPr>
-                        <a:t>        </a:t>
+                        <a:t>        ton = "B4"</a:t>
                       </a:r>
-                      <a:r>
-                        <a:rPr b="0" lang="cs-CZ" sz="2000" spc="-1" strike="noStrike">
-                          <a:solidFill>
-                            <a:srgbClr val="000000"/>
-                          </a:solidFill>
-                          <a:latin typeface="Courier New"/>
-                          <a:ea typeface="DejaVu Sans"/>
-                        </a:rPr>
-                        <a:t>ton = "B4"</a:t>
-                      </a:r>
-                      <a:endParaRPr b="0" lang="cs-CZ" sz="2000" spc="-1" strike="noStrike">
+                      <a:endParaRPr lang="cs-CZ" sz="2000" b="0" strike="noStrike" spc="-1">
                         <a:latin typeface="Arial"/>
                       </a:endParaRPr>
                     </a:p>
@@ -7132,26 +8024,16 @@
                         </a:lnSpc>
                       </a:pPr>
                       <a:r>
-                        <a:rPr b="0" lang="cs-CZ" sz="2000" spc="-1" strike="noStrike">
+                        <a:rPr lang="cs-CZ" sz="2000" b="0" strike="noStrike" spc="-1">
                           <a:solidFill>
                             <a:srgbClr val="000000"/>
                           </a:solidFill>
                           <a:latin typeface="Courier New"/>
                           <a:ea typeface="DejaVu Sans"/>
                         </a:rPr>
-                        <a:t>    </a:t>
+                        <a:t>    else:</a:t>
                       </a:r>
-                      <a:r>
-                        <a:rPr b="0" lang="cs-CZ" sz="2000" spc="-1" strike="noStrike">
-                          <a:solidFill>
-                            <a:srgbClr val="000000"/>
-                          </a:solidFill>
-                          <a:latin typeface="Courier New"/>
-                          <a:ea typeface="DejaVu Sans"/>
-                        </a:rPr>
-                        <a:t>else:</a:t>
-                      </a:r>
-                      <a:endParaRPr b="0" lang="cs-CZ" sz="2000" spc="-1" strike="noStrike">
+                      <a:endParaRPr lang="cs-CZ" sz="2000" b="0" strike="noStrike" spc="-1">
                         <a:latin typeface="Arial"/>
                       </a:endParaRPr>
                     </a:p>
@@ -7162,26 +8044,16 @@
                         </a:lnSpc>
                       </a:pPr>
                       <a:r>
-                        <a:rPr b="0" lang="cs-CZ" sz="2000" spc="-1" strike="noStrike">
+                        <a:rPr lang="cs-CZ" sz="2000" b="0" strike="noStrike" spc="-1">
                           <a:solidFill>
                             <a:srgbClr val="000000"/>
                           </a:solidFill>
                           <a:latin typeface="Courier New"/>
                           <a:ea typeface="DejaVu Sans"/>
                         </a:rPr>
-                        <a:t>        </a:t>
+                        <a:t>        ton = "C5"</a:t>
                       </a:r>
-                      <a:r>
-                        <a:rPr b="0" lang="cs-CZ" sz="2000" spc="-1" strike="noStrike">
-                          <a:solidFill>
-                            <a:srgbClr val="000000"/>
-                          </a:solidFill>
-                          <a:latin typeface="Courier New"/>
-                          <a:ea typeface="DejaVu Sans"/>
-                        </a:rPr>
-                        <a:t>ton = "C5"</a:t>
-                      </a:r>
-                      <a:endParaRPr b="0" lang="cs-CZ" sz="2000" spc="-1" strike="noStrike">
+                      <a:endParaRPr lang="cs-CZ" sz="2000" b="0" strike="noStrike" spc="-1">
                         <a:latin typeface="Arial"/>
                       </a:endParaRPr>
                     </a:p>
@@ -7192,26 +8064,16 @@
                         </a:lnSpc>
                       </a:pPr>
                       <a:r>
-                        <a:rPr b="0" lang="cs-CZ" sz="2000" spc="-1" strike="noStrike">
+                        <a:rPr lang="cs-CZ" sz="2000" b="0" strike="noStrike" spc="-1">
                           <a:solidFill>
                             <a:srgbClr val="000000"/>
                           </a:solidFill>
                           <a:latin typeface="Courier New"/>
                           <a:ea typeface="DejaVu Sans"/>
                         </a:rPr>
-                        <a:t>    </a:t>
+                        <a:t>    if (y &lt; -500):</a:t>
                       </a:r>
-                      <a:r>
-                        <a:rPr b="0" lang="cs-CZ" sz="2000" spc="-1" strike="noStrike">
-                          <a:solidFill>
-                            <a:srgbClr val="000000"/>
-                          </a:solidFill>
-                          <a:latin typeface="Courier New"/>
-                          <a:ea typeface="DejaVu Sans"/>
-                        </a:rPr>
-                        <a:t>if (y &lt; -500):</a:t>
-                      </a:r>
-                      <a:endParaRPr b="0" lang="cs-CZ" sz="2000" spc="-1" strike="noStrike">
+                      <a:endParaRPr lang="cs-CZ" sz="2000" b="0" strike="noStrike" spc="-1">
                         <a:latin typeface="Arial"/>
                       </a:endParaRPr>
                     </a:p>
@@ -7222,26 +8084,16 @@
                         </a:lnSpc>
                       </a:pPr>
                       <a:r>
-                        <a:rPr b="0" lang="cs-CZ" sz="2000" spc="-1" strike="noStrike">
+                        <a:rPr lang="cs-CZ" sz="2000" b="0" strike="noStrike" spc="-1">
                           <a:solidFill>
                             <a:srgbClr val="000000"/>
                           </a:solidFill>
                           <a:latin typeface="Courier New"/>
                           <a:ea typeface="DejaVu Sans"/>
                         </a:rPr>
-                        <a:t>        </a:t>
+                        <a:t>        nota = ton</a:t>
                       </a:r>
-                      <a:r>
-                        <a:rPr b="0" lang="cs-CZ" sz="2000" spc="-1" strike="noStrike">
-                          <a:solidFill>
-                            <a:srgbClr val="000000"/>
-                          </a:solidFill>
-                          <a:latin typeface="Courier New"/>
-                          <a:ea typeface="DejaVu Sans"/>
-                        </a:rPr>
-                        <a:t>nota = ton</a:t>
-                      </a:r>
-                      <a:endParaRPr b="0" lang="cs-CZ" sz="2000" spc="-1" strike="noStrike">
+                      <a:endParaRPr lang="cs-CZ" sz="2000" b="0" strike="noStrike" spc="-1">
                         <a:latin typeface="Arial"/>
                       </a:endParaRPr>
                     </a:p>
@@ -7252,26 +8104,16 @@
                         </a:lnSpc>
                       </a:pPr>
                       <a:r>
-                        <a:rPr b="0" lang="cs-CZ" sz="2000" spc="-1" strike="noStrike">
+                        <a:rPr lang="cs-CZ" sz="2000" b="0" strike="noStrike" spc="-1">
                           <a:solidFill>
                             <a:srgbClr val="000000"/>
                           </a:solidFill>
                           <a:latin typeface="Courier New"/>
                           <a:ea typeface="DejaVu Sans"/>
                         </a:rPr>
-                        <a:t>    </a:t>
+                        <a:t>    elif (y &lt; 0):</a:t>
                       </a:r>
-                      <a:r>
-                        <a:rPr b="0" lang="cs-CZ" sz="2000" spc="-1" strike="noStrike">
-                          <a:solidFill>
-                            <a:srgbClr val="000000"/>
-                          </a:solidFill>
-                          <a:latin typeface="Courier New"/>
-                          <a:ea typeface="DejaVu Sans"/>
-                        </a:rPr>
-                        <a:t>elif (y &lt; 0):</a:t>
-                      </a:r>
-                      <a:endParaRPr b="0" lang="cs-CZ" sz="2000" spc="-1" strike="noStrike">
+                      <a:endParaRPr lang="cs-CZ" sz="2000" b="0" strike="noStrike" spc="-1">
                         <a:latin typeface="Arial"/>
                       </a:endParaRPr>
                     </a:p>
@@ -7282,26 +8124,16 @@
                         </a:lnSpc>
                       </a:pPr>
                       <a:r>
-                        <a:rPr b="0" lang="cs-CZ" sz="2000" spc="-1" strike="noStrike">
+                        <a:rPr lang="cs-CZ" sz="2000" b="0" strike="noStrike" spc="-1">
                           <a:solidFill>
                             <a:srgbClr val="000000"/>
                           </a:solidFill>
                           <a:latin typeface="Courier New"/>
                           <a:ea typeface="DejaVu Sans"/>
                         </a:rPr>
-                        <a:t>        </a:t>
+                        <a:t>        nota = ton + ":2"</a:t>
                       </a:r>
-                      <a:r>
-                        <a:rPr b="0" lang="cs-CZ" sz="2000" spc="-1" strike="noStrike">
-                          <a:solidFill>
-                            <a:srgbClr val="000000"/>
-                          </a:solidFill>
-                          <a:latin typeface="Courier New"/>
-                          <a:ea typeface="DejaVu Sans"/>
-                        </a:rPr>
-                        <a:t>nota = ton + ":2"</a:t>
-                      </a:r>
-                      <a:endParaRPr b="0" lang="cs-CZ" sz="2000" spc="-1" strike="noStrike">
+                      <a:endParaRPr lang="cs-CZ" sz="2000" b="0" strike="noStrike" spc="-1">
                         <a:latin typeface="Arial"/>
                       </a:endParaRPr>
                     </a:p>
@@ -7312,26 +8144,16 @@
                         </a:lnSpc>
                       </a:pPr>
                       <a:r>
-                        <a:rPr b="0" lang="cs-CZ" sz="2000" spc="-1" strike="noStrike">
+                        <a:rPr lang="cs-CZ" sz="2000" b="0" strike="noStrike" spc="-1">
                           <a:solidFill>
                             <a:srgbClr val="000000"/>
                           </a:solidFill>
                           <a:latin typeface="Courier New"/>
                           <a:ea typeface="DejaVu Sans"/>
                         </a:rPr>
-                        <a:t>    </a:t>
+                        <a:t>    elif (y &lt; 500):</a:t>
                       </a:r>
-                      <a:r>
-                        <a:rPr b="0" lang="cs-CZ" sz="2000" spc="-1" strike="noStrike">
-                          <a:solidFill>
-                            <a:srgbClr val="000000"/>
-                          </a:solidFill>
-                          <a:latin typeface="Courier New"/>
-                          <a:ea typeface="DejaVu Sans"/>
-                        </a:rPr>
-                        <a:t>elif (y &lt; 500):</a:t>
-                      </a:r>
-                      <a:endParaRPr b="0" lang="cs-CZ" sz="2000" spc="-1" strike="noStrike">
+                      <a:endParaRPr lang="cs-CZ" sz="2000" b="0" strike="noStrike" spc="-1">
                         <a:latin typeface="Arial"/>
                       </a:endParaRPr>
                     </a:p>
@@ -7342,26 +8164,16 @@
                         </a:lnSpc>
                       </a:pPr>
                       <a:r>
-                        <a:rPr b="0" lang="cs-CZ" sz="2000" spc="-1" strike="noStrike">
+                        <a:rPr lang="cs-CZ" sz="2000" b="0" strike="noStrike" spc="-1">
                           <a:solidFill>
                             <a:srgbClr val="000000"/>
                           </a:solidFill>
                           <a:latin typeface="Courier New"/>
                           <a:ea typeface="DejaVu Sans"/>
                         </a:rPr>
-                        <a:t>        </a:t>
+                        <a:t>        nota = ton + ":4" </a:t>
                       </a:r>
-                      <a:r>
-                        <a:rPr b="0" lang="cs-CZ" sz="2000" spc="-1" strike="noStrike">
-                          <a:solidFill>
-                            <a:srgbClr val="000000"/>
-                          </a:solidFill>
-                          <a:latin typeface="Courier New"/>
-                          <a:ea typeface="DejaVu Sans"/>
-                        </a:rPr>
-                        <a:t>nota = ton + ":4" </a:t>
-                      </a:r>
-                      <a:endParaRPr b="0" lang="cs-CZ" sz="2000" spc="-1" strike="noStrike">
+                      <a:endParaRPr lang="cs-CZ" sz="2000" b="0" strike="noStrike" spc="-1">
                         <a:latin typeface="Arial"/>
                       </a:endParaRPr>
                     </a:p>
@@ -7372,26 +8184,16 @@
                         </a:lnSpc>
                       </a:pPr>
                       <a:r>
-                        <a:rPr b="0" lang="cs-CZ" sz="2000" spc="-1" strike="noStrike">
+                        <a:rPr lang="cs-CZ" sz="2000" b="0" strike="noStrike" spc="-1">
                           <a:solidFill>
                             <a:srgbClr val="000000"/>
                           </a:solidFill>
                           <a:latin typeface="Courier New"/>
                           <a:ea typeface="DejaVu Sans"/>
                         </a:rPr>
-                        <a:t>    </a:t>
+                        <a:t>    else:</a:t>
                       </a:r>
-                      <a:r>
-                        <a:rPr b="0" lang="cs-CZ" sz="2000" spc="-1" strike="noStrike">
-                          <a:solidFill>
-                            <a:srgbClr val="000000"/>
-                          </a:solidFill>
-                          <a:latin typeface="Courier New"/>
-                          <a:ea typeface="DejaVu Sans"/>
-                        </a:rPr>
-                        <a:t>else:</a:t>
-                      </a:r>
-                      <a:endParaRPr b="0" lang="cs-CZ" sz="2000" spc="-1" strike="noStrike">
+                      <a:endParaRPr lang="cs-CZ" sz="2000" b="0" strike="noStrike" spc="-1">
                         <a:latin typeface="Arial"/>
                       </a:endParaRPr>
                     </a:p>
@@ -7402,26 +8204,16 @@
                         </a:lnSpc>
                       </a:pPr>
                       <a:r>
-                        <a:rPr b="0" lang="cs-CZ" sz="2000" spc="-1" strike="noStrike">
+                        <a:rPr lang="cs-CZ" sz="2000" b="0" strike="noStrike" spc="-1">
                           <a:solidFill>
                             <a:srgbClr val="000000"/>
                           </a:solidFill>
                           <a:latin typeface="Courier New"/>
                           <a:ea typeface="DejaVu Sans"/>
                         </a:rPr>
-                        <a:t>        </a:t>
+                        <a:t>        nota = ton + ":8"</a:t>
                       </a:r>
-                      <a:r>
-                        <a:rPr b="0" lang="cs-CZ" sz="2000" spc="-1" strike="noStrike">
-                          <a:solidFill>
-                            <a:srgbClr val="000000"/>
-                          </a:solidFill>
-                          <a:latin typeface="Courier New"/>
-                          <a:ea typeface="DejaVu Sans"/>
-                        </a:rPr>
-                        <a:t>nota = ton + ":8"</a:t>
-                      </a:r>
-                      <a:endParaRPr b="0" lang="cs-CZ" sz="2000" spc="-1" strike="noStrike">
+                      <a:endParaRPr lang="cs-CZ" sz="2000" b="0" strike="noStrike" spc="-1">
                         <a:latin typeface="Arial"/>
                       </a:endParaRPr>
                     </a:p>
@@ -7432,34 +8224,29 @@
                         </a:lnSpc>
                       </a:pPr>
                       <a:r>
-                        <a:rPr b="0" lang="cs-CZ" sz="2000" spc="-1" strike="noStrike">
+                        <a:rPr lang="cs-CZ" sz="2000" b="0" strike="noStrike" spc="-1">
                           <a:solidFill>
                             <a:srgbClr val="000000"/>
                           </a:solidFill>
                           <a:latin typeface="Courier New"/>
                           <a:ea typeface="DejaVu Sans"/>
                         </a:rPr>
-                        <a:t>    </a:t>
+                        <a:t>    music.play(nota)</a:t>
                       </a:r>
-                      <a:r>
-                        <a:rPr b="0" lang="cs-CZ" sz="2000" spc="-1" strike="noStrike">
-                          <a:solidFill>
-                            <a:srgbClr val="000000"/>
-                          </a:solidFill>
-                          <a:latin typeface="Courier New"/>
-                          <a:ea typeface="DejaVu Sans"/>
-                        </a:rPr>
-                        <a:t>music.play(nota)</a:t>
-                      </a:r>
-                      <a:endParaRPr b="0" lang="cs-CZ" sz="2000" spc="-1" strike="noStrike">
+                      <a:endParaRPr lang="cs-CZ" sz="2000" b="0" strike="noStrike" spc="-1">
                         <a:latin typeface="Arial"/>
                       </a:endParaRPr>
                     </a:p>
                   </a:txBody>
-                  <a:tcPr marL="91440" marR="91440">
+                  <a:tcPr>
                     <a:noFill/>
                   </a:tcPr>
                 </a:tc>
+                <a:extLst>
+                  <a:ext uri="{0D108BD9-81ED-4DB2-BD59-A6C34878D82A}">
+                    <a16:rowId xmlns:a16="http://schemas.microsoft.com/office/drawing/2014/main" val="10000"/>
+                  </a:ext>
+                </a:extLst>
               </a:tr>
             </a:tbl>
           </a:graphicData>
@@ -7467,22 +8254,25 @@
       </p:graphicFrame>
     </p:spTree>
   </p:cSld>
+  <p:clrMapOvr>
+    <a:masterClrMapping/>
+  </p:clrMapOvr>
   <p:timing>
     <p:tnLst>
       <p:par>
-        <p:cTn id="9" dur="indefinite" restart="never" nodeType="tmRoot">
+        <p:cTn id="1" dur="indefinite" restart="never" nodeType="tmRoot">
           <p:childTnLst>
             <p:seq>
-              <p:cTn id="10" dur="indefinite" nodeType="mainSeq"/>
+              <p:cTn id="2" dur="indefinite" nodeType="mainSeq"/>
               <p:prevCondLst>
-                <p:cond delay="0" evt="onPrev">
+                <p:cond evt="onPrev" delay="0">
                   <p:tgtEl>
                     <p:sldTgt/>
                   </p:tgtEl>
                 </p:cond>
               </p:prevCondLst>
               <p:nextCondLst>
-                <p:cond delay="0" evt="onNext">
+                <p:cond evt="onNext" delay="0">
                   <p:tgtEl>
                     <p:sldTgt/>
                   </p:tgtEl>
@@ -7508,31 +8298,31 @@
         <a:sysClr val="window" lastClr="FFFFFF"/>
       </a:lt1>
       <a:dk2>
-        <a:srgbClr val="1f497d"/>
+        <a:srgbClr val="1F497D"/>
       </a:dk2>
       <a:lt2>
-        <a:srgbClr val="eeece1"/>
+        <a:srgbClr val="EEECE1"/>
       </a:lt2>
       <a:accent1>
-        <a:srgbClr val="4f81bd"/>
+        <a:srgbClr val="4F81BD"/>
       </a:accent1>
       <a:accent2>
-        <a:srgbClr val="c0504d"/>
+        <a:srgbClr val="C0504D"/>
       </a:accent2>
       <a:accent3>
-        <a:srgbClr val="9bbb59"/>
+        <a:srgbClr val="9BBB59"/>
       </a:accent3>
       <a:accent4>
-        <a:srgbClr val="8064a2"/>
+        <a:srgbClr val="8064A2"/>
       </a:accent4>
       <a:accent5>
-        <a:srgbClr val="4bacc6"/>
+        <a:srgbClr val="4BACC6"/>
       </a:accent5>
       <a:accent6>
-        <a:srgbClr val="f79646"/>
+        <a:srgbClr val="F79646"/>
       </a:accent6>
       <a:hlink>
-        <a:srgbClr val="0000ff"/>
+        <a:srgbClr val="0000FF"/>
       </a:hlink>
       <a:folHlink>
         <a:srgbClr val="800080"/>
@@ -7717,6 +8507,8 @@
       </a:bgFillStyleLst>
     </a:fmtScheme>
   </a:themeElements>
+  <a:objectDefaults/>
+  <a:extraClrSchemeLst/>
 </a:theme>
 </file>
 
@@ -7731,31 +8523,31 @@
         <a:sysClr val="window" lastClr="FFFFFF"/>
       </a:lt1>
       <a:dk2>
-        <a:srgbClr val="1f497d"/>
+        <a:srgbClr val="1F497D"/>
       </a:dk2>
       <a:lt2>
-        <a:srgbClr val="eeece1"/>
+        <a:srgbClr val="EEECE1"/>
       </a:lt2>
       <a:accent1>
-        <a:srgbClr val="4f81bd"/>
+        <a:srgbClr val="4F81BD"/>
       </a:accent1>
       <a:accent2>
-        <a:srgbClr val="c0504d"/>
+        <a:srgbClr val="C0504D"/>
       </a:accent2>
       <a:accent3>
-        <a:srgbClr val="9bbb59"/>
+        <a:srgbClr val="9BBB59"/>
       </a:accent3>
       <a:accent4>
-        <a:srgbClr val="8064a2"/>
+        <a:srgbClr val="8064A2"/>
       </a:accent4>
       <a:accent5>
-        <a:srgbClr val="4bacc6"/>
+        <a:srgbClr val="4BACC6"/>
       </a:accent5>
       <a:accent6>
-        <a:srgbClr val="f79646"/>
+        <a:srgbClr val="F79646"/>
       </a:accent6>
       <a:hlink>
-        <a:srgbClr val="0000ff"/>
+        <a:srgbClr val="0000FF"/>
       </a:hlink>
       <a:folHlink>
         <a:srgbClr val="800080"/>
@@ -7940,6 +8732,8 @@
       </a:bgFillStyleLst>
     </a:fmtScheme>
   </a:themeElements>
+  <a:objectDefaults/>
+  <a:extraClrSchemeLst/>
 </a:theme>
 </file>
 
@@ -7954,31 +8748,31 @@
         <a:sysClr val="window" lastClr="FFFFFF"/>
       </a:lt1>
       <a:dk2>
-        <a:srgbClr val="1f497d"/>
+        <a:srgbClr val="1F497D"/>
       </a:dk2>
       <a:lt2>
-        <a:srgbClr val="eeece1"/>
+        <a:srgbClr val="EEECE1"/>
       </a:lt2>
       <a:accent1>
-        <a:srgbClr val="4f81bd"/>
+        <a:srgbClr val="4F81BD"/>
       </a:accent1>
       <a:accent2>
-        <a:srgbClr val="c0504d"/>
+        <a:srgbClr val="C0504D"/>
       </a:accent2>
       <a:accent3>
-        <a:srgbClr val="9bbb59"/>
+        <a:srgbClr val="9BBB59"/>
       </a:accent3>
       <a:accent4>
-        <a:srgbClr val="8064a2"/>
+        <a:srgbClr val="8064A2"/>
       </a:accent4>
       <a:accent5>
-        <a:srgbClr val="4bacc6"/>
+        <a:srgbClr val="4BACC6"/>
       </a:accent5>
       <a:accent6>
-        <a:srgbClr val="f79646"/>
+        <a:srgbClr val="F79646"/>
       </a:accent6>
       <a:hlink>
-        <a:srgbClr val="0000ff"/>
+        <a:srgbClr val="0000FF"/>
       </a:hlink>
       <a:folHlink>
         <a:srgbClr val="800080"/>
@@ -8163,5 +8957,7 @@
       </a:bgFillStyleLst>
     </a:fmtScheme>
   </a:themeElements>
+  <a:objectDefaults/>
+  <a:extraClrSchemeLst/>
 </a:theme>
 </file>